--- a/presentation/DocReach.pptx
+++ b/presentation/DocReach.pptx
@@ -5018,6 +5018,753 @@
     <dgm:fillClrLst meth="repeat">
       <a:schemeClr val="accent5">
         <a:tint val="40000"/>
+      </a:schemeClr>
+    </dgm:fillClrLst>
+    <dgm:linClrLst meth="repeat">
+      <a:schemeClr val="lt1"/>
+    </dgm:linClrLst>
+    <dgm:effectClrLst/>
+    <dgm:txLinClrLst/>
+    <dgm:txFillClrLst meth="repeat">
+      <a:schemeClr val="dk1"/>
+    </dgm:txFillClrLst>
+    <dgm:txEffectClrLst/>
+  </dgm:styleLbl>
+  <dgm:styleLbl name="revTx">
+    <dgm:fillClrLst meth="repeat">
+      <a:schemeClr val="lt1">
+        <a:alpha val="0"/>
+      </a:schemeClr>
+    </dgm:fillClrLst>
+    <dgm:linClrLst meth="repeat">
+      <a:schemeClr val="dk1">
+        <a:alpha val="0"/>
+      </a:schemeClr>
+    </dgm:linClrLst>
+    <dgm:effectClrLst/>
+    <dgm:txLinClrLst/>
+    <dgm:txFillClrLst meth="repeat">
+      <a:schemeClr val="tx1"/>
+    </dgm:txFillClrLst>
+    <dgm:txEffectClrLst/>
+  </dgm:styleLbl>
+</dgm:colorsDef>
+</file>
+
+<file path=ppt/diagrams/colors7.xml><?xml version="1.0" encoding="utf-8"?>
+<dgm:colorsDef xmlns:dgm="http://schemas.openxmlformats.org/drawingml/2006/diagram" xmlns:a="http://schemas.openxmlformats.org/drawingml/2006/main" uniqueId="urn:microsoft.com/office/officeart/2005/8/colors/accent1_2">
+  <dgm:title val=""/>
+  <dgm:desc val=""/>
+  <dgm:catLst>
+    <dgm:cat type="accent1" pri="11200"/>
+  </dgm:catLst>
+  <dgm:styleLbl name="node0">
+    <dgm:fillClrLst meth="repeat">
+      <a:schemeClr val="accent1"/>
+    </dgm:fillClrLst>
+    <dgm:linClrLst meth="repeat">
+      <a:schemeClr val="lt1"/>
+    </dgm:linClrLst>
+    <dgm:effectClrLst/>
+    <dgm:txLinClrLst/>
+    <dgm:txFillClrLst/>
+    <dgm:txEffectClrLst/>
+  </dgm:styleLbl>
+  <dgm:styleLbl name="alignNode1">
+    <dgm:fillClrLst meth="repeat">
+      <a:schemeClr val="accent1"/>
+    </dgm:fillClrLst>
+    <dgm:linClrLst meth="repeat">
+      <a:schemeClr val="accent1"/>
+    </dgm:linClrLst>
+    <dgm:effectClrLst/>
+    <dgm:txLinClrLst/>
+    <dgm:txFillClrLst/>
+    <dgm:txEffectClrLst/>
+  </dgm:styleLbl>
+  <dgm:styleLbl name="node1">
+    <dgm:fillClrLst meth="repeat">
+      <a:schemeClr val="accent1"/>
+    </dgm:fillClrLst>
+    <dgm:linClrLst meth="repeat">
+      <a:schemeClr val="lt1"/>
+    </dgm:linClrLst>
+    <dgm:effectClrLst/>
+    <dgm:txLinClrLst/>
+    <dgm:txFillClrLst/>
+    <dgm:txEffectClrLst/>
+  </dgm:styleLbl>
+  <dgm:styleLbl name="lnNode1">
+    <dgm:fillClrLst meth="repeat">
+      <a:schemeClr val="accent1"/>
+    </dgm:fillClrLst>
+    <dgm:linClrLst meth="repeat">
+      <a:schemeClr val="lt1"/>
+    </dgm:linClrLst>
+    <dgm:effectClrLst/>
+    <dgm:txLinClrLst/>
+    <dgm:txFillClrLst/>
+    <dgm:txEffectClrLst/>
+  </dgm:styleLbl>
+  <dgm:styleLbl name="vennNode1">
+    <dgm:fillClrLst meth="repeat">
+      <a:schemeClr val="accent1">
+        <a:alpha val="50000"/>
+      </a:schemeClr>
+    </dgm:fillClrLst>
+    <dgm:linClrLst meth="repeat">
+      <a:schemeClr val="lt1"/>
+    </dgm:linClrLst>
+    <dgm:effectClrLst/>
+    <dgm:txLinClrLst/>
+    <dgm:txFillClrLst/>
+    <dgm:txEffectClrLst/>
+  </dgm:styleLbl>
+  <dgm:styleLbl name="node2">
+    <dgm:fillClrLst meth="repeat">
+      <a:schemeClr val="accent1"/>
+    </dgm:fillClrLst>
+    <dgm:linClrLst meth="repeat">
+      <a:schemeClr val="lt1"/>
+    </dgm:linClrLst>
+    <dgm:effectClrLst/>
+    <dgm:txLinClrLst/>
+    <dgm:txFillClrLst/>
+    <dgm:txEffectClrLst/>
+  </dgm:styleLbl>
+  <dgm:styleLbl name="node3">
+    <dgm:fillClrLst meth="repeat">
+      <a:schemeClr val="accent1"/>
+    </dgm:fillClrLst>
+    <dgm:linClrLst meth="repeat">
+      <a:schemeClr val="lt1"/>
+    </dgm:linClrLst>
+    <dgm:effectClrLst/>
+    <dgm:txLinClrLst/>
+    <dgm:txFillClrLst/>
+    <dgm:txEffectClrLst/>
+  </dgm:styleLbl>
+  <dgm:styleLbl name="node4">
+    <dgm:fillClrLst meth="repeat">
+      <a:schemeClr val="accent1"/>
+    </dgm:fillClrLst>
+    <dgm:linClrLst meth="repeat">
+      <a:schemeClr val="lt1"/>
+    </dgm:linClrLst>
+    <dgm:effectClrLst/>
+    <dgm:txLinClrLst/>
+    <dgm:txFillClrLst/>
+    <dgm:txEffectClrLst/>
+  </dgm:styleLbl>
+  <dgm:styleLbl name="fgImgPlace1">
+    <dgm:fillClrLst meth="repeat">
+      <a:schemeClr val="accent1">
+        <a:tint val="50000"/>
+      </a:schemeClr>
+    </dgm:fillClrLst>
+    <dgm:linClrLst meth="repeat">
+      <a:schemeClr val="lt1"/>
+    </dgm:linClrLst>
+    <dgm:effectClrLst/>
+    <dgm:txLinClrLst/>
+    <dgm:txFillClrLst meth="repeat">
+      <a:schemeClr val="lt1"/>
+    </dgm:txFillClrLst>
+    <dgm:txEffectClrLst/>
+  </dgm:styleLbl>
+  <dgm:styleLbl name="alignImgPlace1">
+    <dgm:fillClrLst meth="repeat">
+      <a:schemeClr val="accent1">
+        <a:tint val="50000"/>
+      </a:schemeClr>
+    </dgm:fillClrLst>
+    <dgm:linClrLst meth="repeat">
+      <a:schemeClr val="lt1"/>
+    </dgm:linClrLst>
+    <dgm:effectClrLst/>
+    <dgm:txLinClrLst/>
+    <dgm:txFillClrLst meth="repeat">
+      <a:schemeClr val="lt1"/>
+    </dgm:txFillClrLst>
+    <dgm:txEffectClrLst/>
+  </dgm:styleLbl>
+  <dgm:styleLbl name="bgImgPlace1">
+    <dgm:fillClrLst meth="repeat">
+      <a:schemeClr val="accent1">
+        <a:tint val="50000"/>
+      </a:schemeClr>
+    </dgm:fillClrLst>
+    <dgm:linClrLst meth="repeat">
+      <a:schemeClr val="lt1"/>
+    </dgm:linClrLst>
+    <dgm:effectClrLst/>
+    <dgm:txLinClrLst/>
+    <dgm:txFillClrLst meth="repeat">
+      <a:schemeClr val="lt1"/>
+    </dgm:txFillClrLst>
+    <dgm:txEffectClrLst/>
+  </dgm:styleLbl>
+  <dgm:styleLbl name="sibTrans2D1">
+    <dgm:fillClrLst meth="repeat">
+      <a:schemeClr val="accent1">
+        <a:tint val="60000"/>
+      </a:schemeClr>
+    </dgm:fillClrLst>
+    <dgm:linClrLst meth="repeat">
+      <a:schemeClr val="accent1">
+        <a:tint val="60000"/>
+      </a:schemeClr>
+    </dgm:linClrLst>
+    <dgm:effectClrLst/>
+    <dgm:txLinClrLst/>
+    <dgm:txFillClrLst/>
+    <dgm:txEffectClrLst/>
+  </dgm:styleLbl>
+  <dgm:styleLbl name="fgSibTrans2D1">
+    <dgm:fillClrLst meth="repeat">
+      <a:schemeClr val="accent1">
+        <a:tint val="60000"/>
+      </a:schemeClr>
+    </dgm:fillClrLst>
+    <dgm:linClrLst meth="repeat">
+      <a:schemeClr val="accent1">
+        <a:tint val="60000"/>
+      </a:schemeClr>
+    </dgm:linClrLst>
+    <dgm:effectClrLst/>
+    <dgm:txLinClrLst/>
+    <dgm:txFillClrLst/>
+    <dgm:txEffectClrLst/>
+  </dgm:styleLbl>
+  <dgm:styleLbl name="bgSibTrans2D1">
+    <dgm:fillClrLst meth="repeat">
+      <a:schemeClr val="accent1">
+        <a:tint val="60000"/>
+      </a:schemeClr>
+    </dgm:fillClrLst>
+    <dgm:linClrLst meth="repeat">
+      <a:schemeClr val="accent1">
+        <a:tint val="60000"/>
+      </a:schemeClr>
+    </dgm:linClrLst>
+    <dgm:effectClrLst/>
+    <dgm:txLinClrLst/>
+    <dgm:txFillClrLst/>
+    <dgm:txEffectClrLst/>
+  </dgm:styleLbl>
+  <dgm:styleLbl name="sibTrans1D1">
+    <dgm:fillClrLst meth="repeat">
+      <a:schemeClr val="accent1"/>
+    </dgm:fillClrLst>
+    <dgm:linClrLst meth="repeat">
+      <a:schemeClr val="accent1"/>
+    </dgm:linClrLst>
+    <dgm:effectClrLst/>
+    <dgm:txLinClrLst/>
+    <dgm:txFillClrLst meth="repeat">
+      <a:schemeClr val="tx1"/>
+    </dgm:txFillClrLst>
+    <dgm:txEffectClrLst/>
+  </dgm:styleLbl>
+  <dgm:styleLbl name="callout">
+    <dgm:fillClrLst meth="repeat">
+      <a:schemeClr val="accent1"/>
+    </dgm:fillClrLst>
+    <dgm:linClrLst meth="repeat">
+      <a:schemeClr val="accent1">
+        <a:tint val="50000"/>
+      </a:schemeClr>
+    </dgm:linClrLst>
+    <dgm:effectClrLst/>
+    <dgm:txLinClrLst/>
+    <dgm:txFillClrLst meth="repeat">
+      <a:schemeClr val="tx1"/>
+    </dgm:txFillClrLst>
+    <dgm:txEffectClrLst/>
+  </dgm:styleLbl>
+  <dgm:styleLbl name="asst0">
+    <dgm:fillClrLst meth="repeat">
+      <a:schemeClr val="accent1"/>
+    </dgm:fillClrLst>
+    <dgm:linClrLst meth="repeat">
+      <a:schemeClr val="lt1"/>
+    </dgm:linClrLst>
+    <dgm:effectClrLst/>
+    <dgm:txLinClrLst/>
+    <dgm:txFillClrLst/>
+    <dgm:txEffectClrLst/>
+  </dgm:styleLbl>
+  <dgm:styleLbl name="asst1">
+    <dgm:fillClrLst meth="repeat">
+      <a:schemeClr val="accent1"/>
+    </dgm:fillClrLst>
+    <dgm:linClrLst meth="repeat">
+      <a:schemeClr val="lt1"/>
+    </dgm:linClrLst>
+    <dgm:effectClrLst/>
+    <dgm:txLinClrLst/>
+    <dgm:txFillClrLst/>
+    <dgm:txEffectClrLst/>
+  </dgm:styleLbl>
+  <dgm:styleLbl name="asst2">
+    <dgm:fillClrLst meth="repeat">
+      <a:schemeClr val="accent1"/>
+    </dgm:fillClrLst>
+    <dgm:linClrLst meth="repeat">
+      <a:schemeClr val="lt1"/>
+    </dgm:linClrLst>
+    <dgm:effectClrLst/>
+    <dgm:txLinClrLst/>
+    <dgm:txFillClrLst/>
+    <dgm:txEffectClrLst/>
+  </dgm:styleLbl>
+  <dgm:styleLbl name="asst3">
+    <dgm:fillClrLst meth="repeat">
+      <a:schemeClr val="accent1"/>
+    </dgm:fillClrLst>
+    <dgm:linClrLst meth="repeat">
+      <a:schemeClr val="lt1"/>
+    </dgm:linClrLst>
+    <dgm:effectClrLst/>
+    <dgm:txLinClrLst/>
+    <dgm:txFillClrLst/>
+    <dgm:txEffectClrLst/>
+  </dgm:styleLbl>
+  <dgm:styleLbl name="asst4">
+    <dgm:fillClrLst meth="repeat">
+      <a:schemeClr val="accent1"/>
+    </dgm:fillClrLst>
+    <dgm:linClrLst meth="repeat">
+      <a:schemeClr val="lt1"/>
+    </dgm:linClrLst>
+    <dgm:effectClrLst/>
+    <dgm:txLinClrLst/>
+    <dgm:txFillClrLst/>
+    <dgm:txEffectClrLst/>
+  </dgm:styleLbl>
+  <dgm:styleLbl name="parChTrans2D1">
+    <dgm:fillClrLst meth="repeat">
+      <a:schemeClr val="accent1">
+        <a:tint val="60000"/>
+      </a:schemeClr>
+    </dgm:fillClrLst>
+    <dgm:linClrLst meth="repeat">
+      <a:schemeClr val="accent1">
+        <a:tint val="60000"/>
+      </a:schemeClr>
+    </dgm:linClrLst>
+    <dgm:effectClrLst/>
+    <dgm:txLinClrLst/>
+    <dgm:txFillClrLst meth="repeat">
+      <a:schemeClr val="lt1"/>
+    </dgm:txFillClrLst>
+    <dgm:txEffectClrLst/>
+  </dgm:styleLbl>
+  <dgm:styleLbl name="parChTrans2D2">
+    <dgm:fillClrLst meth="repeat">
+      <a:schemeClr val="accent1"/>
+    </dgm:fillClrLst>
+    <dgm:linClrLst meth="repeat">
+      <a:schemeClr val="accent1"/>
+    </dgm:linClrLst>
+    <dgm:effectClrLst/>
+    <dgm:txLinClrLst/>
+    <dgm:txFillClrLst meth="repeat">
+      <a:schemeClr val="lt1"/>
+    </dgm:txFillClrLst>
+    <dgm:txEffectClrLst/>
+  </dgm:styleLbl>
+  <dgm:styleLbl name="parChTrans2D3">
+    <dgm:fillClrLst meth="repeat">
+      <a:schemeClr val="accent1"/>
+    </dgm:fillClrLst>
+    <dgm:linClrLst meth="repeat">
+      <a:schemeClr val="accent1"/>
+    </dgm:linClrLst>
+    <dgm:effectClrLst/>
+    <dgm:txLinClrLst/>
+    <dgm:txFillClrLst meth="repeat">
+      <a:schemeClr val="lt1"/>
+    </dgm:txFillClrLst>
+    <dgm:txEffectClrLst/>
+  </dgm:styleLbl>
+  <dgm:styleLbl name="parChTrans2D4">
+    <dgm:fillClrLst meth="repeat">
+      <a:schemeClr val="accent1"/>
+    </dgm:fillClrLst>
+    <dgm:linClrLst meth="repeat">
+      <a:schemeClr val="accent1"/>
+    </dgm:linClrLst>
+    <dgm:effectClrLst/>
+    <dgm:txLinClrLst/>
+    <dgm:txFillClrLst meth="repeat">
+      <a:schemeClr val="lt1"/>
+    </dgm:txFillClrLst>
+    <dgm:txEffectClrLst/>
+  </dgm:styleLbl>
+  <dgm:styleLbl name="parChTrans1D1">
+    <dgm:fillClrLst meth="repeat">
+      <a:schemeClr val="accent1"/>
+    </dgm:fillClrLst>
+    <dgm:linClrLst meth="repeat">
+      <a:schemeClr val="accent1">
+        <a:shade val="60000"/>
+      </a:schemeClr>
+    </dgm:linClrLst>
+    <dgm:effectClrLst/>
+    <dgm:txLinClrLst/>
+    <dgm:txFillClrLst meth="repeat">
+      <a:schemeClr val="tx1"/>
+    </dgm:txFillClrLst>
+    <dgm:txEffectClrLst/>
+  </dgm:styleLbl>
+  <dgm:styleLbl name="parChTrans1D2">
+    <dgm:fillClrLst meth="repeat">
+      <a:schemeClr val="accent1"/>
+    </dgm:fillClrLst>
+    <dgm:linClrLst meth="repeat">
+      <a:schemeClr val="accent1">
+        <a:shade val="60000"/>
+      </a:schemeClr>
+    </dgm:linClrLst>
+    <dgm:effectClrLst/>
+    <dgm:txLinClrLst/>
+    <dgm:txFillClrLst meth="repeat">
+      <a:schemeClr val="tx1"/>
+    </dgm:txFillClrLst>
+    <dgm:txEffectClrLst/>
+  </dgm:styleLbl>
+  <dgm:styleLbl name="parChTrans1D3">
+    <dgm:fillClrLst meth="repeat">
+      <a:schemeClr val="accent1"/>
+    </dgm:fillClrLst>
+    <dgm:linClrLst meth="repeat">
+      <a:schemeClr val="accent1">
+        <a:shade val="80000"/>
+      </a:schemeClr>
+    </dgm:linClrLst>
+    <dgm:effectClrLst/>
+    <dgm:txLinClrLst/>
+    <dgm:txFillClrLst meth="repeat">
+      <a:schemeClr val="tx1"/>
+    </dgm:txFillClrLst>
+    <dgm:txEffectClrLst/>
+  </dgm:styleLbl>
+  <dgm:styleLbl name="parChTrans1D4">
+    <dgm:fillClrLst meth="repeat">
+      <a:schemeClr val="accent1"/>
+    </dgm:fillClrLst>
+    <dgm:linClrLst meth="repeat">
+      <a:schemeClr val="accent1">
+        <a:shade val="80000"/>
+      </a:schemeClr>
+    </dgm:linClrLst>
+    <dgm:effectClrLst/>
+    <dgm:txLinClrLst/>
+    <dgm:txFillClrLst meth="repeat">
+      <a:schemeClr val="tx1"/>
+    </dgm:txFillClrLst>
+    <dgm:txEffectClrLst/>
+  </dgm:styleLbl>
+  <dgm:styleLbl name="fgAcc1">
+    <dgm:fillClrLst meth="repeat">
+      <a:schemeClr val="lt1">
+        <a:alpha val="90000"/>
+      </a:schemeClr>
+    </dgm:fillClrLst>
+    <dgm:linClrLst meth="repeat">
+      <a:schemeClr val="accent1"/>
+    </dgm:linClrLst>
+    <dgm:effectClrLst/>
+    <dgm:txLinClrLst/>
+    <dgm:txFillClrLst meth="repeat">
+      <a:schemeClr val="dk1"/>
+    </dgm:txFillClrLst>
+    <dgm:txEffectClrLst/>
+  </dgm:styleLbl>
+  <dgm:styleLbl name="conFgAcc1">
+    <dgm:fillClrLst meth="repeat">
+      <a:schemeClr val="lt1">
+        <a:alpha val="90000"/>
+      </a:schemeClr>
+    </dgm:fillClrLst>
+    <dgm:linClrLst meth="repeat">
+      <a:schemeClr val="accent1"/>
+    </dgm:linClrLst>
+    <dgm:effectClrLst/>
+    <dgm:txLinClrLst/>
+    <dgm:txFillClrLst meth="repeat">
+      <a:schemeClr val="dk1"/>
+    </dgm:txFillClrLst>
+    <dgm:txEffectClrLst/>
+  </dgm:styleLbl>
+  <dgm:styleLbl name="alignAcc1">
+    <dgm:fillClrLst meth="repeat">
+      <a:schemeClr val="lt1">
+        <a:alpha val="90000"/>
+      </a:schemeClr>
+    </dgm:fillClrLst>
+    <dgm:linClrLst meth="repeat">
+      <a:schemeClr val="accent1"/>
+    </dgm:linClrLst>
+    <dgm:effectClrLst/>
+    <dgm:txLinClrLst/>
+    <dgm:txFillClrLst meth="repeat">
+      <a:schemeClr val="dk1"/>
+    </dgm:txFillClrLst>
+    <dgm:txEffectClrLst/>
+  </dgm:styleLbl>
+  <dgm:styleLbl name="trAlignAcc1">
+    <dgm:fillClrLst meth="repeat">
+      <a:schemeClr val="lt1">
+        <a:alpha val="40000"/>
+      </a:schemeClr>
+    </dgm:fillClrLst>
+    <dgm:linClrLst meth="repeat">
+      <a:schemeClr val="accent1"/>
+    </dgm:linClrLst>
+    <dgm:effectClrLst/>
+    <dgm:txLinClrLst/>
+    <dgm:txFillClrLst meth="repeat">
+      <a:schemeClr val="dk1"/>
+    </dgm:txFillClrLst>
+    <dgm:txEffectClrLst/>
+  </dgm:styleLbl>
+  <dgm:styleLbl name="bgAcc1">
+    <dgm:fillClrLst meth="repeat">
+      <a:schemeClr val="lt1">
+        <a:alpha val="90000"/>
+      </a:schemeClr>
+    </dgm:fillClrLst>
+    <dgm:linClrLst meth="repeat">
+      <a:schemeClr val="accent1"/>
+    </dgm:linClrLst>
+    <dgm:effectClrLst/>
+    <dgm:txLinClrLst/>
+    <dgm:txFillClrLst meth="repeat">
+      <a:schemeClr val="dk1"/>
+    </dgm:txFillClrLst>
+    <dgm:txEffectClrLst/>
+  </dgm:styleLbl>
+  <dgm:styleLbl name="solidFgAcc1">
+    <dgm:fillClrLst meth="repeat">
+      <a:schemeClr val="lt1"/>
+    </dgm:fillClrLst>
+    <dgm:linClrLst meth="repeat">
+      <a:schemeClr val="accent1"/>
+    </dgm:linClrLst>
+    <dgm:effectClrLst/>
+    <dgm:txLinClrLst/>
+    <dgm:txFillClrLst meth="repeat">
+      <a:schemeClr val="dk1"/>
+    </dgm:txFillClrLst>
+    <dgm:txEffectClrLst/>
+  </dgm:styleLbl>
+  <dgm:styleLbl name="solidAlignAcc1">
+    <dgm:fillClrLst meth="repeat">
+      <a:schemeClr val="lt1"/>
+    </dgm:fillClrLst>
+    <dgm:linClrLst meth="repeat">
+      <a:schemeClr val="accent1"/>
+    </dgm:linClrLst>
+    <dgm:effectClrLst/>
+    <dgm:txLinClrLst/>
+    <dgm:txFillClrLst meth="repeat">
+      <a:schemeClr val="dk1"/>
+    </dgm:txFillClrLst>
+    <dgm:txEffectClrLst/>
+  </dgm:styleLbl>
+  <dgm:styleLbl name="solidBgAcc1">
+    <dgm:fillClrLst meth="repeat">
+      <a:schemeClr val="lt1"/>
+    </dgm:fillClrLst>
+    <dgm:linClrLst meth="repeat">
+      <a:schemeClr val="accent1"/>
+    </dgm:linClrLst>
+    <dgm:effectClrLst/>
+    <dgm:txLinClrLst/>
+    <dgm:txFillClrLst meth="repeat">
+      <a:schemeClr val="dk1"/>
+    </dgm:txFillClrLst>
+    <dgm:txEffectClrLst/>
+  </dgm:styleLbl>
+  <dgm:styleLbl name="fgAccFollowNode1">
+    <dgm:fillClrLst meth="repeat">
+      <a:schemeClr val="accent1">
+        <a:alpha val="90000"/>
+        <a:tint val="40000"/>
+      </a:schemeClr>
+    </dgm:fillClrLst>
+    <dgm:linClrLst meth="repeat">
+      <a:schemeClr val="accent1">
+        <a:alpha val="90000"/>
+        <a:tint val="40000"/>
+      </a:schemeClr>
+    </dgm:linClrLst>
+    <dgm:effectClrLst/>
+    <dgm:txLinClrLst/>
+    <dgm:txFillClrLst meth="repeat">
+      <a:schemeClr val="dk1"/>
+    </dgm:txFillClrLst>
+    <dgm:txEffectClrLst/>
+  </dgm:styleLbl>
+  <dgm:styleLbl name="alignAccFollowNode1">
+    <dgm:fillClrLst meth="repeat">
+      <a:schemeClr val="accent1">
+        <a:alpha val="90000"/>
+        <a:tint val="40000"/>
+      </a:schemeClr>
+    </dgm:fillClrLst>
+    <dgm:linClrLst meth="repeat">
+      <a:schemeClr val="accent1">
+        <a:alpha val="90000"/>
+        <a:tint val="40000"/>
+      </a:schemeClr>
+    </dgm:linClrLst>
+    <dgm:effectClrLst/>
+    <dgm:txLinClrLst/>
+    <dgm:txFillClrLst meth="repeat">
+      <a:schemeClr val="dk1"/>
+    </dgm:txFillClrLst>
+    <dgm:txEffectClrLst/>
+  </dgm:styleLbl>
+  <dgm:styleLbl name="bgAccFollowNode1">
+    <dgm:fillClrLst meth="repeat">
+      <a:schemeClr val="accent1">
+        <a:alpha val="90000"/>
+        <a:tint val="40000"/>
+      </a:schemeClr>
+    </dgm:fillClrLst>
+    <dgm:linClrLst meth="repeat">
+      <a:schemeClr val="accent1">
+        <a:alpha val="90000"/>
+        <a:tint val="40000"/>
+      </a:schemeClr>
+    </dgm:linClrLst>
+    <dgm:effectClrLst/>
+    <dgm:txLinClrLst/>
+    <dgm:txFillClrLst meth="repeat">
+      <a:schemeClr val="dk1"/>
+    </dgm:txFillClrLst>
+    <dgm:txEffectClrLst/>
+  </dgm:styleLbl>
+  <dgm:styleLbl name="fgAcc0">
+    <dgm:fillClrLst meth="repeat">
+      <a:schemeClr val="lt1">
+        <a:alpha val="90000"/>
+      </a:schemeClr>
+    </dgm:fillClrLst>
+    <dgm:linClrLst meth="repeat">
+      <a:schemeClr val="accent1"/>
+    </dgm:linClrLst>
+    <dgm:effectClrLst/>
+    <dgm:txLinClrLst/>
+    <dgm:txFillClrLst meth="repeat">
+      <a:schemeClr val="dk1"/>
+    </dgm:txFillClrLst>
+    <dgm:txEffectClrLst/>
+  </dgm:styleLbl>
+  <dgm:styleLbl name="fgAcc2">
+    <dgm:fillClrLst meth="repeat">
+      <a:schemeClr val="lt1">
+        <a:alpha val="90000"/>
+      </a:schemeClr>
+    </dgm:fillClrLst>
+    <dgm:linClrLst meth="repeat">
+      <a:schemeClr val="accent1"/>
+    </dgm:linClrLst>
+    <dgm:effectClrLst/>
+    <dgm:txLinClrLst/>
+    <dgm:txFillClrLst meth="repeat">
+      <a:schemeClr val="dk1"/>
+    </dgm:txFillClrLst>
+    <dgm:txEffectClrLst/>
+  </dgm:styleLbl>
+  <dgm:styleLbl name="fgAcc3">
+    <dgm:fillClrLst meth="repeat">
+      <a:schemeClr val="lt1">
+        <a:alpha val="90000"/>
+      </a:schemeClr>
+    </dgm:fillClrLst>
+    <dgm:linClrLst meth="repeat">
+      <a:schemeClr val="accent1"/>
+    </dgm:linClrLst>
+    <dgm:effectClrLst/>
+    <dgm:txLinClrLst/>
+    <dgm:txFillClrLst meth="repeat">
+      <a:schemeClr val="dk1"/>
+    </dgm:txFillClrLst>
+    <dgm:txEffectClrLst/>
+  </dgm:styleLbl>
+  <dgm:styleLbl name="fgAcc4">
+    <dgm:fillClrLst meth="repeat">
+      <a:schemeClr val="lt1">
+        <a:alpha val="90000"/>
+      </a:schemeClr>
+    </dgm:fillClrLst>
+    <dgm:linClrLst meth="repeat">
+      <a:schemeClr val="accent1"/>
+    </dgm:linClrLst>
+    <dgm:effectClrLst/>
+    <dgm:txLinClrLst/>
+    <dgm:txFillClrLst meth="repeat">
+      <a:schemeClr val="dk1"/>
+    </dgm:txFillClrLst>
+    <dgm:txEffectClrLst/>
+  </dgm:styleLbl>
+  <dgm:styleLbl name="bgShp">
+    <dgm:fillClrLst meth="repeat">
+      <a:schemeClr val="accent1">
+        <a:tint val="40000"/>
+      </a:schemeClr>
+    </dgm:fillClrLst>
+    <dgm:linClrLst meth="repeat">
+      <a:schemeClr val="accent1"/>
+    </dgm:linClrLst>
+    <dgm:effectClrLst/>
+    <dgm:txLinClrLst/>
+    <dgm:txFillClrLst meth="repeat">
+      <a:schemeClr val="dk1"/>
+    </dgm:txFillClrLst>
+    <dgm:txEffectClrLst/>
+  </dgm:styleLbl>
+  <dgm:styleLbl name="dkBgShp">
+    <dgm:fillClrLst meth="repeat">
+      <a:schemeClr val="accent1">
+        <a:shade val="80000"/>
+      </a:schemeClr>
+    </dgm:fillClrLst>
+    <dgm:linClrLst meth="repeat">
+      <a:schemeClr val="accent1"/>
+    </dgm:linClrLst>
+    <dgm:effectClrLst/>
+    <dgm:txLinClrLst/>
+    <dgm:txFillClrLst meth="repeat">
+      <a:schemeClr val="lt1"/>
+    </dgm:txFillClrLst>
+    <dgm:txEffectClrLst/>
+  </dgm:styleLbl>
+  <dgm:styleLbl name="trBgShp">
+    <dgm:fillClrLst meth="repeat">
+      <a:schemeClr val="accent1">
+        <a:tint val="50000"/>
+        <a:alpha val="40000"/>
+      </a:schemeClr>
+    </dgm:fillClrLst>
+    <dgm:linClrLst meth="repeat">
+      <a:schemeClr val="accent1"/>
+    </dgm:linClrLst>
+    <dgm:effectClrLst/>
+    <dgm:txLinClrLst/>
+    <dgm:txFillClrLst meth="repeat">
+      <a:schemeClr val="lt1"/>
+    </dgm:txFillClrLst>
+    <dgm:txEffectClrLst/>
+  </dgm:styleLbl>
+  <dgm:styleLbl name="fgShp">
+    <dgm:fillClrLst meth="repeat">
+      <a:schemeClr val="accent1">
+        <a:tint val="60000"/>
       </a:schemeClr>
     </dgm:fillClrLst>
     <dgm:linClrLst meth="repeat">
@@ -6137,6 +6884,368 @@
   <dgm:extLst>
     <a:ext uri="http://schemas.microsoft.com/office/drawing/2008/diagram">
       <dsp:dataModelExt xmlns:dsp="http://schemas.microsoft.com/office/drawing/2008/diagram" relId="rId16" minVer="http://schemas.openxmlformats.org/drawingml/2006/diagram"/>
+    </a:ext>
+  </dgm:extLst>
+</dgm:dataModel>
+</file>
+
+<file path=ppt/diagrams/data7.xml><?xml version="1.0" encoding="utf-8"?>
+<dgm:dataModel xmlns:dgm="http://schemas.openxmlformats.org/drawingml/2006/diagram" xmlns:a="http://schemas.openxmlformats.org/drawingml/2006/main">
+  <dgm:ptLst>
+    <dgm:pt modelId="{9D23CB08-7E4C-4713-BF04-C9F5520DBBDA}" type="doc">
+      <dgm:prSet loTypeId="urn:microsoft.com/office/officeart/2005/8/layout/vList2" loCatId="list" qsTypeId="urn:microsoft.com/office/officeart/2005/8/quickstyle/simple2" qsCatId="simple" csTypeId="urn:microsoft.com/office/officeart/2005/8/colors/accent1_2" csCatId="accent1"/>
+      <dgm:spPr/>
+      <dgm:t>
+        <a:bodyPr/>
+        <a:lstStyle/>
+        <a:p>
+          <a:endParaRPr lang="en-US"/>
+        </a:p>
+      </dgm:t>
+    </dgm:pt>
+    <dgm:pt modelId="{CF5276BD-FA00-4046-8630-BF7232FC7A11}">
+      <dgm:prSet/>
+      <dgm:spPr/>
+      <dgm:t>
+        <a:bodyPr/>
+        <a:lstStyle/>
+        <a:p>
+          <a:pPr rtl="0"/>
+          <a:r>
+            <a:rPr lang="en-US" smtClean="0"/>
+            <a:t>Build Multi-class classifier</a:t>
+          </a:r>
+          <a:endParaRPr lang="en-US"/>
+        </a:p>
+      </dgm:t>
+    </dgm:pt>
+    <dgm:pt modelId="{743C5C5C-F6C1-4844-9033-DAB855F6016F}" type="parTrans" cxnId="{66E4304C-9E39-4DD0-BC7D-AA6D4BDBDDE4}">
+      <dgm:prSet/>
+      <dgm:spPr/>
+      <dgm:t>
+        <a:bodyPr/>
+        <a:lstStyle/>
+        <a:p>
+          <a:endParaRPr lang="en-US"/>
+        </a:p>
+      </dgm:t>
+    </dgm:pt>
+    <dgm:pt modelId="{A8DFBA06-A074-4447-B764-A747AD134278}" type="sibTrans" cxnId="{66E4304C-9E39-4DD0-BC7D-AA6D4BDBDDE4}">
+      <dgm:prSet/>
+      <dgm:spPr/>
+      <dgm:t>
+        <a:bodyPr/>
+        <a:lstStyle/>
+        <a:p>
+          <a:endParaRPr lang="en-US"/>
+        </a:p>
+      </dgm:t>
+    </dgm:pt>
+    <dgm:pt modelId="{0CF2B0D4-A833-44F0-BD3B-F1D71C8A1B94}">
+      <dgm:prSet/>
+      <dgm:spPr/>
+      <dgm:t>
+        <a:bodyPr/>
+        <a:lstStyle/>
+        <a:p>
+          <a:pPr rtl="0"/>
+          <a:r>
+            <a:rPr lang="en-US" smtClean="0"/>
+            <a:t>Hyper parameter tuning</a:t>
+          </a:r>
+          <a:endParaRPr lang="en-US"/>
+        </a:p>
+      </dgm:t>
+    </dgm:pt>
+    <dgm:pt modelId="{2341B943-1C5B-463B-97FA-8962EF9D4E02}" type="parTrans" cxnId="{4F51DC23-8D33-4D7D-B31C-89E4640EB519}">
+      <dgm:prSet/>
+      <dgm:spPr/>
+      <dgm:t>
+        <a:bodyPr/>
+        <a:lstStyle/>
+        <a:p>
+          <a:endParaRPr lang="en-US"/>
+        </a:p>
+      </dgm:t>
+    </dgm:pt>
+    <dgm:pt modelId="{2E95BA88-4D5C-42CF-92AD-B8A799235E1D}" type="sibTrans" cxnId="{4F51DC23-8D33-4D7D-B31C-89E4640EB519}">
+      <dgm:prSet/>
+      <dgm:spPr/>
+      <dgm:t>
+        <a:bodyPr/>
+        <a:lstStyle/>
+        <a:p>
+          <a:endParaRPr lang="en-US"/>
+        </a:p>
+      </dgm:t>
+    </dgm:pt>
+    <dgm:pt modelId="{CA2A4B9B-781E-4A99-8D5C-0FCA965A8C62}">
+      <dgm:prSet/>
+      <dgm:spPr/>
+      <dgm:t>
+        <a:bodyPr/>
+        <a:lstStyle/>
+        <a:p>
+          <a:pPr rtl="0"/>
+          <a:r>
+            <a:rPr lang="en-US" smtClean="0"/>
+            <a:t>Predict .py</a:t>
+          </a:r>
+          <a:endParaRPr lang="en-US"/>
+        </a:p>
+      </dgm:t>
+    </dgm:pt>
+    <dgm:pt modelId="{C72AAE2B-8247-463F-925A-C61CAA5EF199}" type="parTrans" cxnId="{AE2ADE3F-6374-4CE4-9882-F71AE748F9DD}">
+      <dgm:prSet/>
+      <dgm:spPr/>
+      <dgm:t>
+        <a:bodyPr/>
+        <a:lstStyle/>
+        <a:p>
+          <a:endParaRPr lang="en-US"/>
+        </a:p>
+      </dgm:t>
+    </dgm:pt>
+    <dgm:pt modelId="{B3F3B2F3-01DD-401C-9F89-C75F286EC39B}" type="sibTrans" cxnId="{AE2ADE3F-6374-4CE4-9882-F71AE748F9DD}">
+      <dgm:prSet/>
+      <dgm:spPr/>
+      <dgm:t>
+        <a:bodyPr/>
+        <a:lstStyle/>
+        <a:p>
+          <a:endParaRPr lang="en-US"/>
+        </a:p>
+      </dgm:t>
+    </dgm:pt>
+    <dgm:pt modelId="{071D8484-5D29-4D71-A63E-DAFB684E638B}">
+      <dgm:prSet/>
+      <dgm:spPr/>
+      <dgm:t>
+        <a:bodyPr/>
+        <a:lstStyle/>
+        <a:p>
+          <a:pPr rtl="0"/>
+          <a:r>
+            <a:rPr lang="en-US" smtClean="0"/>
+            <a:t>Flask App</a:t>
+          </a:r>
+          <a:endParaRPr lang="en-US"/>
+        </a:p>
+      </dgm:t>
+    </dgm:pt>
+    <dgm:pt modelId="{285CEDD0-71CF-4B54-8D99-CF849F1C3364}" type="parTrans" cxnId="{F63D678A-7BE0-47B5-8514-355557DC143F}">
+      <dgm:prSet/>
+      <dgm:spPr/>
+      <dgm:t>
+        <a:bodyPr/>
+        <a:lstStyle/>
+        <a:p>
+          <a:endParaRPr lang="en-US"/>
+        </a:p>
+      </dgm:t>
+    </dgm:pt>
+    <dgm:pt modelId="{47EA0D33-EFBF-482E-B748-15CDEEB2F095}" type="sibTrans" cxnId="{F63D678A-7BE0-47B5-8514-355557DC143F}">
+      <dgm:prSet/>
+      <dgm:spPr/>
+      <dgm:t>
+        <a:bodyPr/>
+        <a:lstStyle/>
+        <a:p>
+          <a:endParaRPr lang="en-US"/>
+        </a:p>
+      </dgm:t>
+    </dgm:pt>
+    <dgm:pt modelId="{3497E792-A972-4C66-B0FA-C3F75F47D114}">
+      <dgm:prSet/>
+      <dgm:spPr/>
+      <dgm:t>
+        <a:bodyPr/>
+        <a:lstStyle/>
+        <a:p>
+          <a:pPr rtl="0"/>
+          <a:r>
+            <a:rPr lang="en-US" smtClean="0"/>
+            <a:t>Code Refactoring, doc strings</a:t>
+          </a:r>
+          <a:endParaRPr lang="en-US"/>
+        </a:p>
+      </dgm:t>
+    </dgm:pt>
+    <dgm:pt modelId="{280A9E35-97C9-4205-A7F8-396635BC4C29}" type="parTrans" cxnId="{512A6649-FD1C-4ABC-8E52-EF0212BB5023}">
+      <dgm:prSet/>
+      <dgm:spPr/>
+      <dgm:t>
+        <a:bodyPr/>
+        <a:lstStyle/>
+        <a:p>
+          <a:endParaRPr lang="en-US"/>
+        </a:p>
+      </dgm:t>
+    </dgm:pt>
+    <dgm:pt modelId="{3DB5146D-C257-41B2-89E5-5FB64906640E}" type="sibTrans" cxnId="{512A6649-FD1C-4ABC-8E52-EF0212BB5023}">
+      <dgm:prSet/>
+      <dgm:spPr/>
+      <dgm:t>
+        <a:bodyPr/>
+        <a:lstStyle/>
+        <a:p>
+          <a:endParaRPr lang="en-US"/>
+        </a:p>
+      </dgm:t>
+    </dgm:pt>
+    <dgm:pt modelId="{4F67CCB0-8D05-4FEC-A51A-4304519E0C8C}">
+      <dgm:prSet/>
+      <dgm:spPr/>
+      <dgm:t>
+        <a:bodyPr/>
+        <a:lstStyle/>
+        <a:p>
+          <a:pPr rtl="0"/>
+          <a:r>
+            <a:rPr lang="en-US" smtClean="0"/>
+            <a:t>Update presentation</a:t>
+          </a:r>
+          <a:endParaRPr lang="en-US"/>
+        </a:p>
+      </dgm:t>
+    </dgm:pt>
+    <dgm:pt modelId="{E93DF17C-40BF-4861-9928-40290576B7E0}" type="parTrans" cxnId="{188C71B7-1140-4B75-B2A5-3D90999F7312}">
+      <dgm:prSet/>
+      <dgm:spPr/>
+      <dgm:t>
+        <a:bodyPr/>
+        <a:lstStyle/>
+        <a:p>
+          <a:endParaRPr lang="en-US"/>
+        </a:p>
+      </dgm:t>
+    </dgm:pt>
+    <dgm:pt modelId="{0A62E621-0746-4695-B046-922F12255DEB}" type="sibTrans" cxnId="{188C71B7-1140-4B75-B2A5-3D90999F7312}">
+      <dgm:prSet/>
+      <dgm:spPr/>
+      <dgm:t>
+        <a:bodyPr/>
+        <a:lstStyle/>
+        <a:p>
+          <a:endParaRPr lang="en-US"/>
+        </a:p>
+      </dgm:t>
+    </dgm:pt>
+    <dgm:pt modelId="{0610C7EB-EA29-4828-9DF7-A3FB7C48AD49}" type="pres">
+      <dgm:prSet presAssocID="{9D23CB08-7E4C-4713-BF04-C9F5520DBBDA}" presName="linear" presStyleCnt="0">
+        <dgm:presLayoutVars>
+          <dgm:animLvl val="lvl"/>
+          <dgm:resizeHandles val="exact"/>
+        </dgm:presLayoutVars>
+      </dgm:prSet>
+      <dgm:spPr/>
+    </dgm:pt>
+    <dgm:pt modelId="{F0D3C141-1BC5-4FD4-B4B5-A42570ED25A7}" type="pres">
+      <dgm:prSet presAssocID="{CF5276BD-FA00-4046-8630-BF7232FC7A11}" presName="parentText" presStyleLbl="node1" presStyleIdx="0" presStyleCnt="6">
+        <dgm:presLayoutVars>
+          <dgm:chMax val="0"/>
+          <dgm:bulletEnabled val="1"/>
+        </dgm:presLayoutVars>
+      </dgm:prSet>
+      <dgm:spPr/>
+    </dgm:pt>
+    <dgm:pt modelId="{58FF7A15-39BF-45F8-A984-EB6788E92BA1}" type="pres">
+      <dgm:prSet presAssocID="{A8DFBA06-A074-4447-B764-A747AD134278}" presName="spacer" presStyleCnt="0"/>
+      <dgm:spPr/>
+    </dgm:pt>
+    <dgm:pt modelId="{D5CA63A2-B2A1-40E0-ABEB-B6A8AFD2BEBA}" type="pres">
+      <dgm:prSet presAssocID="{0CF2B0D4-A833-44F0-BD3B-F1D71C8A1B94}" presName="parentText" presStyleLbl="node1" presStyleIdx="1" presStyleCnt="6">
+        <dgm:presLayoutVars>
+          <dgm:chMax val="0"/>
+          <dgm:bulletEnabled val="1"/>
+        </dgm:presLayoutVars>
+      </dgm:prSet>
+      <dgm:spPr/>
+    </dgm:pt>
+    <dgm:pt modelId="{315AE267-B47A-4D48-A663-CCE771ED8BFF}" type="pres">
+      <dgm:prSet presAssocID="{2E95BA88-4D5C-42CF-92AD-B8A799235E1D}" presName="spacer" presStyleCnt="0"/>
+      <dgm:spPr/>
+    </dgm:pt>
+    <dgm:pt modelId="{BF622B5B-81AE-4CD6-A475-F18AFD27A765}" type="pres">
+      <dgm:prSet presAssocID="{CA2A4B9B-781E-4A99-8D5C-0FCA965A8C62}" presName="parentText" presStyleLbl="node1" presStyleIdx="2" presStyleCnt="6">
+        <dgm:presLayoutVars>
+          <dgm:chMax val="0"/>
+          <dgm:bulletEnabled val="1"/>
+        </dgm:presLayoutVars>
+      </dgm:prSet>
+      <dgm:spPr/>
+    </dgm:pt>
+    <dgm:pt modelId="{D1CD3CC0-8172-4BD7-B760-6B9A9C7CD5E8}" type="pres">
+      <dgm:prSet presAssocID="{B3F3B2F3-01DD-401C-9F89-C75F286EC39B}" presName="spacer" presStyleCnt="0"/>
+      <dgm:spPr/>
+    </dgm:pt>
+    <dgm:pt modelId="{96D01BA4-FDC9-431A-8D75-4DB8E68D252E}" type="pres">
+      <dgm:prSet presAssocID="{071D8484-5D29-4D71-A63E-DAFB684E638B}" presName="parentText" presStyleLbl="node1" presStyleIdx="3" presStyleCnt="6">
+        <dgm:presLayoutVars>
+          <dgm:chMax val="0"/>
+          <dgm:bulletEnabled val="1"/>
+        </dgm:presLayoutVars>
+      </dgm:prSet>
+      <dgm:spPr/>
+    </dgm:pt>
+    <dgm:pt modelId="{8EDA066B-FEA1-4ADB-8D93-5ECE3A450951}" type="pres">
+      <dgm:prSet presAssocID="{47EA0D33-EFBF-482E-B748-15CDEEB2F095}" presName="spacer" presStyleCnt="0"/>
+      <dgm:spPr/>
+    </dgm:pt>
+    <dgm:pt modelId="{851FD988-8E15-48D8-97AE-03213F567206}" type="pres">
+      <dgm:prSet presAssocID="{3497E792-A972-4C66-B0FA-C3F75F47D114}" presName="parentText" presStyleLbl="node1" presStyleIdx="4" presStyleCnt="6">
+        <dgm:presLayoutVars>
+          <dgm:chMax val="0"/>
+          <dgm:bulletEnabled val="1"/>
+        </dgm:presLayoutVars>
+      </dgm:prSet>
+      <dgm:spPr/>
+    </dgm:pt>
+    <dgm:pt modelId="{26E36112-F093-4058-AAA4-5838F78522A1}" type="pres">
+      <dgm:prSet presAssocID="{3DB5146D-C257-41B2-89E5-5FB64906640E}" presName="spacer" presStyleCnt="0"/>
+      <dgm:spPr/>
+    </dgm:pt>
+    <dgm:pt modelId="{0ABE1C20-DC91-4157-889A-F1C3E325A040}" type="pres">
+      <dgm:prSet presAssocID="{4F67CCB0-8D05-4FEC-A51A-4304519E0C8C}" presName="parentText" presStyleLbl="node1" presStyleIdx="5" presStyleCnt="6">
+        <dgm:presLayoutVars>
+          <dgm:chMax val="0"/>
+          <dgm:bulletEnabled val="1"/>
+        </dgm:presLayoutVars>
+      </dgm:prSet>
+      <dgm:spPr/>
+    </dgm:pt>
+  </dgm:ptLst>
+  <dgm:cxnLst>
+    <dgm:cxn modelId="{4DCF7111-5C00-47B8-BE7C-5939D720AC9B}" type="presOf" srcId="{071D8484-5D29-4D71-A63E-DAFB684E638B}" destId="{96D01BA4-FDC9-431A-8D75-4DB8E68D252E}" srcOrd="0" destOrd="0" presId="urn:microsoft.com/office/officeart/2005/8/layout/vList2"/>
+    <dgm:cxn modelId="{300C05E1-D27A-4818-B3DC-B43F46E7E112}" type="presOf" srcId="{CF5276BD-FA00-4046-8630-BF7232FC7A11}" destId="{F0D3C141-1BC5-4FD4-B4B5-A42570ED25A7}" srcOrd="0" destOrd="0" presId="urn:microsoft.com/office/officeart/2005/8/layout/vList2"/>
+    <dgm:cxn modelId="{47B943BE-7A85-4DEF-B401-EE568738422F}" type="presOf" srcId="{0CF2B0D4-A833-44F0-BD3B-F1D71C8A1B94}" destId="{D5CA63A2-B2A1-40E0-ABEB-B6A8AFD2BEBA}" srcOrd="0" destOrd="0" presId="urn:microsoft.com/office/officeart/2005/8/layout/vList2"/>
+    <dgm:cxn modelId="{F63D678A-7BE0-47B5-8514-355557DC143F}" srcId="{9D23CB08-7E4C-4713-BF04-C9F5520DBBDA}" destId="{071D8484-5D29-4D71-A63E-DAFB684E638B}" srcOrd="3" destOrd="0" parTransId="{285CEDD0-71CF-4B54-8D99-CF849F1C3364}" sibTransId="{47EA0D33-EFBF-482E-B748-15CDEEB2F095}"/>
+    <dgm:cxn modelId="{4F51DC23-8D33-4D7D-B31C-89E4640EB519}" srcId="{9D23CB08-7E4C-4713-BF04-C9F5520DBBDA}" destId="{0CF2B0D4-A833-44F0-BD3B-F1D71C8A1B94}" srcOrd="1" destOrd="0" parTransId="{2341B943-1C5B-463B-97FA-8962EF9D4E02}" sibTransId="{2E95BA88-4D5C-42CF-92AD-B8A799235E1D}"/>
+    <dgm:cxn modelId="{188C71B7-1140-4B75-B2A5-3D90999F7312}" srcId="{9D23CB08-7E4C-4713-BF04-C9F5520DBBDA}" destId="{4F67CCB0-8D05-4FEC-A51A-4304519E0C8C}" srcOrd="5" destOrd="0" parTransId="{E93DF17C-40BF-4861-9928-40290576B7E0}" sibTransId="{0A62E621-0746-4695-B046-922F12255DEB}"/>
+    <dgm:cxn modelId="{6856D983-48D5-4BE9-ADAB-7432D4E12D89}" type="presOf" srcId="{CA2A4B9B-781E-4A99-8D5C-0FCA965A8C62}" destId="{BF622B5B-81AE-4CD6-A475-F18AFD27A765}" srcOrd="0" destOrd="0" presId="urn:microsoft.com/office/officeart/2005/8/layout/vList2"/>
+    <dgm:cxn modelId="{25DC6621-A3F4-45DD-B9B3-538481C16F15}" type="presOf" srcId="{4F67CCB0-8D05-4FEC-A51A-4304519E0C8C}" destId="{0ABE1C20-DC91-4157-889A-F1C3E325A040}" srcOrd="0" destOrd="0" presId="urn:microsoft.com/office/officeart/2005/8/layout/vList2"/>
+    <dgm:cxn modelId="{AE2ADE3F-6374-4CE4-9882-F71AE748F9DD}" srcId="{9D23CB08-7E4C-4713-BF04-C9F5520DBBDA}" destId="{CA2A4B9B-781E-4A99-8D5C-0FCA965A8C62}" srcOrd="2" destOrd="0" parTransId="{C72AAE2B-8247-463F-925A-C61CAA5EF199}" sibTransId="{B3F3B2F3-01DD-401C-9F89-C75F286EC39B}"/>
+    <dgm:cxn modelId="{66E4304C-9E39-4DD0-BC7D-AA6D4BDBDDE4}" srcId="{9D23CB08-7E4C-4713-BF04-C9F5520DBBDA}" destId="{CF5276BD-FA00-4046-8630-BF7232FC7A11}" srcOrd="0" destOrd="0" parTransId="{743C5C5C-F6C1-4844-9033-DAB855F6016F}" sibTransId="{A8DFBA06-A074-4447-B764-A747AD134278}"/>
+    <dgm:cxn modelId="{512A6649-FD1C-4ABC-8E52-EF0212BB5023}" srcId="{9D23CB08-7E4C-4713-BF04-C9F5520DBBDA}" destId="{3497E792-A972-4C66-B0FA-C3F75F47D114}" srcOrd="4" destOrd="0" parTransId="{280A9E35-97C9-4205-A7F8-396635BC4C29}" sibTransId="{3DB5146D-C257-41B2-89E5-5FB64906640E}"/>
+    <dgm:cxn modelId="{9B42E68E-3E72-4254-9428-3C51A3EDDF32}" type="presOf" srcId="{9D23CB08-7E4C-4713-BF04-C9F5520DBBDA}" destId="{0610C7EB-EA29-4828-9DF7-A3FB7C48AD49}" srcOrd="0" destOrd="0" presId="urn:microsoft.com/office/officeart/2005/8/layout/vList2"/>
+    <dgm:cxn modelId="{DD720298-0499-40FE-8121-68CF84AD3D58}" type="presOf" srcId="{3497E792-A972-4C66-B0FA-C3F75F47D114}" destId="{851FD988-8E15-48D8-97AE-03213F567206}" srcOrd="0" destOrd="0" presId="urn:microsoft.com/office/officeart/2005/8/layout/vList2"/>
+    <dgm:cxn modelId="{9C242F33-89AB-47F2-ABC5-F732B24DE079}" type="presParOf" srcId="{0610C7EB-EA29-4828-9DF7-A3FB7C48AD49}" destId="{F0D3C141-1BC5-4FD4-B4B5-A42570ED25A7}" srcOrd="0" destOrd="0" presId="urn:microsoft.com/office/officeart/2005/8/layout/vList2"/>
+    <dgm:cxn modelId="{8C0BDBA9-015E-42F7-AD52-8EEAF1CEE83E}" type="presParOf" srcId="{0610C7EB-EA29-4828-9DF7-A3FB7C48AD49}" destId="{58FF7A15-39BF-45F8-A984-EB6788E92BA1}" srcOrd="1" destOrd="0" presId="urn:microsoft.com/office/officeart/2005/8/layout/vList2"/>
+    <dgm:cxn modelId="{D7033363-23AB-4E42-A914-5A15C16D74AA}" type="presParOf" srcId="{0610C7EB-EA29-4828-9DF7-A3FB7C48AD49}" destId="{D5CA63A2-B2A1-40E0-ABEB-B6A8AFD2BEBA}" srcOrd="2" destOrd="0" presId="urn:microsoft.com/office/officeart/2005/8/layout/vList2"/>
+    <dgm:cxn modelId="{A42E5D72-C938-48F5-844F-D4C7C4D59A9B}" type="presParOf" srcId="{0610C7EB-EA29-4828-9DF7-A3FB7C48AD49}" destId="{315AE267-B47A-4D48-A663-CCE771ED8BFF}" srcOrd="3" destOrd="0" presId="urn:microsoft.com/office/officeart/2005/8/layout/vList2"/>
+    <dgm:cxn modelId="{735EAB58-5F56-47A9-B196-B6294C5C34E3}" type="presParOf" srcId="{0610C7EB-EA29-4828-9DF7-A3FB7C48AD49}" destId="{BF622B5B-81AE-4CD6-A475-F18AFD27A765}" srcOrd="4" destOrd="0" presId="urn:microsoft.com/office/officeart/2005/8/layout/vList2"/>
+    <dgm:cxn modelId="{42FDA748-C277-495D-B8F3-0D5DC24A4BBC}" type="presParOf" srcId="{0610C7EB-EA29-4828-9DF7-A3FB7C48AD49}" destId="{D1CD3CC0-8172-4BD7-B760-6B9A9C7CD5E8}" srcOrd="5" destOrd="0" presId="urn:microsoft.com/office/officeart/2005/8/layout/vList2"/>
+    <dgm:cxn modelId="{C5A53DBF-9B01-402D-9542-3185CB5E10FF}" type="presParOf" srcId="{0610C7EB-EA29-4828-9DF7-A3FB7C48AD49}" destId="{96D01BA4-FDC9-431A-8D75-4DB8E68D252E}" srcOrd="6" destOrd="0" presId="urn:microsoft.com/office/officeart/2005/8/layout/vList2"/>
+    <dgm:cxn modelId="{3CBDDEEF-30B9-4A94-B867-C1289F401704}" type="presParOf" srcId="{0610C7EB-EA29-4828-9DF7-A3FB7C48AD49}" destId="{8EDA066B-FEA1-4ADB-8D93-5ECE3A450951}" srcOrd="7" destOrd="0" presId="urn:microsoft.com/office/officeart/2005/8/layout/vList2"/>
+    <dgm:cxn modelId="{B6DB091D-9AA0-49C2-9FA3-D5511AFA06D8}" type="presParOf" srcId="{0610C7EB-EA29-4828-9DF7-A3FB7C48AD49}" destId="{851FD988-8E15-48D8-97AE-03213F567206}" srcOrd="8" destOrd="0" presId="urn:microsoft.com/office/officeart/2005/8/layout/vList2"/>
+    <dgm:cxn modelId="{6D65606C-47C2-4B82-852B-A4DCAD550A3B}" type="presParOf" srcId="{0610C7EB-EA29-4828-9DF7-A3FB7C48AD49}" destId="{26E36112-F093-4058-AAA4-5838F78522A1}" srcOrd="9" destOrd="0" presId="urn:microsoft.com/office/officeart/2005/8/layout/vList2"/>
+    <dgm:cxn modelId="{7DF0EDAF-4157-4DA2-8D3A-5204C0279EF7}" type="presParOf" srcId="{0610C7EB-EA29-4828-9DF7-A3FB7C48AD49}" destId="{0ABE1C20-DC91-4157-889A-F1C3E325A040}" srcOrd="10" destOrd="0" presId="urn:microsoft.com/office/officeart/2005/8/layout/vList2"/>
+  </dgm:cxnLst>
+  <dgm:bg/>
+  <dgm:whole/>
+  <dgm:extLst>
+    <a:ext uri="http://schemas.microsoft.com/office/drawing/2008/diagram">
+      <dsp:dataModelExt xmlns:dsp="http://schemas.microsoft.com/office/drawing/2008/diagram" relId="rId6" minVer="http://schemas.openxmlformats.org/drawingml/2006/diagram"/>
     </a:ext>
   </dgm:extLst>
 </dgm:dataModel>
@@ -7733,6 +8842,516 @@
       <dsp:txXfrm>
         <a:off x="1562" y="155575"/>
         <a:ext cx="1376234" cy="724196"/>
+      </dsp:txXfrm>
+    </dsp:sp>
+  </dsp:spTree>
+</dsp:drawing>
+</file>
+
+<file path=ppt/diagrams/drawing7.xml><?xml version="1.0" encoding="utf-8"?>
+<dsp:drawing xmlns:dgm="http://schemas.openxmlformats.org/drawingml/2006/diagram" xmlns:dsp="http://schemas.microsoft.com/office/drawing/2008/diagram" xmlns:a="http://schemas.openxmlformats.org/drawingml/2006/main">
+  <dsp:spTree>
+    <dsp:nvGrpSpPr>
+      <dsp:cNvPr id="0" name=""/>
+      <dsp:cNvGrpSpPr/>
+    </dsp:nvGrpSpPr>
+    <dsp:grpSpPr/>
+    <dsp:sp modelId="{F0D3C141-1BC5-4FD4-B4B5-A42570ED25A7}">
+      <dsp:nvSpPr>
+        <dsp:cNvPr id="0" name=""/>
+        <dsp:cNvSpPr/>
+      </dsp:nvSpPr>
+      <dsp:spPr>
+        <a:xfrm>
+          <a:off x="0" y="68061"/>
+          <a:ext cx="8229600" cy="669240"/>
+        </a:xfrm>
+        <a:prstGeom prst="roundRect">
+          <a:avLst/>
+        </a:prstGeom>
+        <a:solidFill>
+          <a:schemeClr val="accent1">
+            <a:hueOff val="0"/>
+            <a:satOff val="0"/>
+            <a:lumOff val="0"/>
+            <a:alphaOff val="0"/>
+          </a:schemeClr>
+        </a:solidFill>
+        <a:ln w="50800" cap="flat" cmpd="sng" algn="ctr">
+          <a:solidFill>
+            <a:schemeClr val="lt1">
+              <a:hueOff val="0"/>
+              <a:satOff val="0"/>
+              <a:lumOff val="0"/>
+              <a:alphaOff val="0"/>
+            </a:schemeClr>
+          </a:solidFill>
+          <a:prstDash val="solid"/>
+        </a:ln>
+        <a:effectLst>
+          <a:outerShdw blurRad="40000" dist="20000" dir="5400000" rotWithShape="0">
+            <a:srgbClr val="000000">
+              <a:alpha val="38000"/>
+            </a:srgbClr>
+          </a:outerShdw>
+        </a:effectLst>
+      </dsp:spPr>
+      <dsp:style>
+        <a:lnRef idx="3">
+          <a:scrgbClr r="0" g="0" b="0"/>
+        </a:lnRef>
+        <a:fillRef idx="1">
+          <a:scrgbClr r="0" g="0" b="0"/>
+        </a:fillRef>
+        <a:effectRef idx="1">
+          <a:scrgbClr r="0" g="0" b="0"/>
+        </a:effectRef>
+        <a:fontRef idx="minor">
+          <a:schemeClr val="lt1"/>
+        </a:fontRef>
+      </dsp:style>
+      <dsp:txBody>
+        <a:bodyPr spcFirstLastPara="0" vert="horz" wrap="square" lIns="99060" tIns="99060" rIns="99060" bIns="99060" numCol="1" spcCol="1270" anchor="ctr" anchorCtr="0">
+          <a:noAutofit/>
+        </a:bodyPr>
+        <a:lstStyle/>
+        <a:p>
+          <a:pPr lvl="0" algn="l" defTabSz="1155700" rtl="0">
+            <a:lnSpc>
+              <a:spcPct val="90000"/>
+            </a:lnSpc>
+            <a:spcBef>
+              <a:spcPct val="0"/>
+            </a:spcBef>
+            <a:spcAft>
+              <a:spcPct val="35000"/>
+            </a:spcAft>
+          </a:pPr>
+          <a:r>
+            <a:rPr lang="en-US" sz="2600" kern="1200" smtClean="0"/>
+            <a:t>Build Multi-class classifier</a:t>
+          </a:r>
+          <a:endParaRPr lang="en-US" sz="2600" kern="1200"/>
+        </a:p>
+      </dsp:txBody>
+      <dsp:txXfrm>
+        <a:off x="32670" y="100731"/>
+        <a:ext cx="8164260" cy="603900"/>
+      </dsp:txXfrm>
+    </dsp:sp>
+    <dsp:sp modelId="{D5CA63A2-B2A1-40E0-ABEB-B6A8AFD2BEBA}">
+      <dsp:nvSpPr>
+        <dsp:cNvPr id="0" name=""/>
+        <dsp:cNvSpPr/>
+      </dsp:nvSpPr>
+      <dsp:spPr>
+        <a:xfrm>
+          <a:off x="0" y="812181"/>
+          <a:ext cx="8229600" cy="669240"/>
+        </a:xfrm>
+        <a:prstGeom prst="roundRect">
+          <a:avLst/>
+        </a:prstGeom>
+        <a:solidFill>
+          <a:schemeClr val="accent1">
+            <a:hueOff val="0"/>
+            <a:satOff val="0"/>
+            <a:lumOff val="0"/>
+            <a:alphaOff val="0"/>
+          </a:schemeClr>
+        </a:solidFill>
+        <a:ln w="50800" cap="flat" cmpd="sng" algn="ctr">
+          <a:solidFill>
+            <a:schemeClr val="lt1">
+              <a:hueOff val="0"/>
+              <a:satOff val="0"/>
+              <a:lumOff val="0"/>
+              <a:alphaOff val="0"/>
+            </a:schemeClr>
+          </a:solidFill>
+          <a:prstDash val="solid"/>
+        </a:ln>
+        <a:effectLst>
+          <a:outerShdw blurRad="40000" dist="20000" dir="5400000" rotWithShape="0">
+            <a:srgbClr val="000000">
+              <a:alpha val="38000"/>
+            </a:srgbClr>
+          </a:outerShdw>
+        </a:effectLst>
+      </dsp:spPr>
+      <dsp:style>
+        <a:lnRef idx="3">
+          <a:scrgbClr r="0" g="0" b="0"/>
+        </a:lnRef>
+        <a:fillRef idx="1">
+          <a:scrgbClr r="0" g="0" b="0"/>
+        </a:fillRef>
+        <a:effectRef idx="1">
+          <a:scrgbClr r="0" g="0" b="0"/>
+        </a:effectRef>
+        <a:fontRef idx="minor">
+          <a:schemeClr val="lt1"/>
+        </a:fontRef>
+      </dsp:style>
+      <dsp:txBody>
+        <a:bodyPr spcFirstLastPara="0" vert="horz" wrap="square" lIns="99060" tIns="99060" rIns="99060" bIns="99060" numCol="1" spcCol="1270" anchor="ctr" anchorCtr="0">
+          <a:noAutofit/>
+        </a:bodyPr>
+        <a:lstStyle/>
+        <a:p>
+          <a:pPr lvl="0" algn="l" defTabSz="1155700" rtl="0">
+            <a:lnSpc>
+              <a:spcPct val="90000"/>
+            </a:lnSpc>
+            <a:spcBef>
+              <a:spcPct val="0"/>
+            </a:spcBef>
+            <a:spcAft>
+              <a:spcPct val="35000"/>
+            </a:spcAft>
+          </a:pPr>
+          <a:r>
+            <a:rPr lang="en-US" sz="2600" kern="1200" smtClean="0"/>
+            <a:t>Hyper parameter tuning</a:t>
+          </a:r>
+          <a:endParaRPr lang="en-US" sz="2600" kern="1200"/>
+        </a:p>
+      </dsp:txBody>
+      <dsp:txXfrm>
+        <a:off x="32670" y="844851"/>
+        <a:ext cx="8164260" cy="603900"/>
+      </dsp:txXfrm>
+    </dsp:sp>
+    <dsp:sp modelId="{BF622B5B-81AE-4CD6-A475-F18AFD27A765}">
+      <dsp:nvSpPr>
+        <dsp:cNvPr id="0" name=""/>
+        <dsp:cNvSpPr/>
+      </dsp:nvSpPr>
+      <dsp:spPr>
+        <a:xfrm>
+          <a:off x="0" y="1556301"/>
+          <a:ext cx="8229600" cy="669240"/>
+        </a:xfrm>
+        <a:prstGeom prst="roundRect">
+          <a:avLst/>
+        </a:prstGeom>
+        <a:solidFill>
+          <a:schemeClr val="accent1">
+            <a:hueOff val="0"/>
+            <a:satOff val="0"/>
+            <a:lumOff val="0"/>
+            <a:alphaOff val="0"/>
+          </a:schemeClr>
+        </a:solidFill>
+        <a:ln w="50800" cap="flat" cmpd="sng" algn="ctr">
+          <a:solidFill>
+            <a:schemeClr val="lt1">
+              <a:hueOff val="0"/>
+              <a:satOff val="0"/>
+              <a:lumOff val="0"/>
+              <a:alphaOff val="0"/>
+            </a:schemeClr>
+          </a:solidFill>
+          <a:prstDash val="solid"/>
+        </a:ln>
+        <a:effectLst>
+          <a:outerShdw blurRad="40000" dist="20000" dir="5400000" rotWithShape="0">
+            <a:srgbClr val="000000">
+              <a:alpha val="38000"/>
+            </a:srgbClr>
+          </a:outerShdw>
+        </a:effectLst>
+      </dsp:spPr>
+      <dsp:style>
+        <a:lnRef idx="3">
+          <a:scrgbClr r="0" g="0" b="0"/>
+        </a:lnRef>
+        <a:fillRef idx="1">
+          <a:scrgbClr r="0" g="0" b="0"/>
+        </a:fillRef>
+        <a:effectRef idx="1">
+          <a:scrgbClr r="0" g="0" b="0"/>
+        </a:effectRef>
+        <a:fontRef idx="minor">
+          <a:schemeClr val="lt1"/>
+        </a:fontRef>
+      </dsp:style>
+      <dsp:txBody>
+        <a:bodyPr spcFirstLastPara="0" vert="horz" wrap="square" lIns="99060" tIns="99060" rIns="99060" bIns="99060" numCol="1" spcCol="1270" anchor="ctr" anchorCtr="0">
+          <a:noAutofit/>
+        </a:bodyPr>
+        <a:lstStyle/>
+        <a:p>
+          <a:pPr lvl="0" algn="l" defTabSz="1155700" rtl="0">
+            <a:lnSpc>
+              <a:spcPct val="90000"/>
+            </a:lnSpc>
+            <a:spcBef>
+              <a:spcPct val="0"/>
+            </a:spcBef>
+            <a:spcAft>
+              <a:spcPct val="35000"/>
+            </a:spcAft>
+          </a:pPr>
+          <a:r>
+            <a:rPr lang="en-US" sz="2600" kern="1200" smtClean="0"/>
+            <a:t>Predict .py</a:t>
+          </a:r>
+          <a:endParaRPr lang="en-US" sz="2600" kern="1200"/>
+        </a:p>
+      </dsp:txBody>
+      <dsp:txXfrm>
+        <a:off x="32670" y="1588971"/>
+        <a:ext cx="8164260" cy="603900"/>
+      </dsp:txXfrm>
+    </dsp:sp>
+    <dsp:sp modelId="{96D01BA4-FDC9-431A-8D75-4DB8E68D252E}">
+      <dsp:nvSpPr>
+        <dsp:cNvPr id="0" name=""/>
+        <dsp:cNvSpPr/>
+      </dsp:nvSpPr>
+      <dsp:spPr>
+        <a:xfrm>
+          <a:off x="0" y="2300421"/>
+          <a:ext cx="8229600" cy="669240"/>
+        </a:xfrm>
+        <a:prstGeom prst="roundRect">
+          <a:avLst/>
+        </a:prstGeom>
+        <a:solidFill>
+          <a:schemeClr val="accent1">
+            <a:hueOff val="0"/>
+            <a:satOff val="0"/>
+            <a:lumOff val="0"/>
+            <a:alphaOff val="0"/>
+          </a:schemeClr>
+        </a:solidFill>
+        <a:ln w="50800" cap="flat" cmpd="sng" algn="ctr">
+          <a:solidFill>
+            <a:schemeClr val="lt1">
+              <a:hueOff val="0"/>
+              <a:satOff val="0"/>
+              <a:lumOff val="0"/>
+              <a:alphaOff val="0"/>
+            </a:schemeClr>
+          </a:solidFill>
+          <a:prstDash val="solid"/>
+        </a:ln>
+        <a:effectLst>
+          <a:outerShdw blurRad="40000" dist="20000" dir="5400000" rotWithShape="0">
+            <a:srgbClr val="000000">
+              <a:alpha val="38000"/>
+            </a:srgbClr>
+          </a:outerShdw>
+        </a:effectLst>
+      </dsp:spPr>
+      <dsp:style>
+        <a:lnRef idx="3">
+          <a:scrgbClr r="0" g="0" b="0"/>
+        </a:lnRef>
+        <a:fillRef idx="1">
+          <a:scrgbClr r="0" g="0" b="0"/>
+        </a:fillRef>
+        <a:effectRef idx="1">
+          <a:scrgbClr r="0" g="0" b="0"/>
+        </a:effectRef>
+        <a:fontRef idx="minor">
+          <a:schemeClr val="lt1"/>
+        </a:fontRef>
+      </dsp:style>
+      <dsp:txBody>
+        <a:bodyPr spcFirstLastPara="0" vert="horz" wrap="square" lIns="99060" tIns="99060" rIns="99060" bIns="99060" numCol="1" spcCol="1270" anchor="ctr" anchorCtr="0">
+          <a:noAutofit/>
+        </a:bodyPr>
+        <a:lstStyle/>
+        <a:p>
+          <a:pPr lvl="0" algn="l" defTabSz="1155700" rtl="0">
+            <a:lnSpc>
+              <a:spcPct val="90000"/>
+            </a:lnSpc>
+            <a:spcBef>
+              <a:spcPct val="0"/>
+            </a:spcBef>
+            <a:spcAft>
+              <a:spcPct val="35000"/>
+            </a:spcAft>
+          </a:pPr>
+          <a:r>
+            <a:rPr lang="en-US" sz="2600" kern="1200" smtClean="0"/>
+            <a:t>Flask App</a:t>
+          </a:r>
+          <a:endParaRPr lang="en-US" sz="2600" kern="1200"/>
+        </a:p>
+      </dsp:txBody>
+      <dsp:txXfrm>
+        <a:off x="32670" y="2333091"/>
+        <a:ext cx="8164260" cy="603900"/>
+      </dsp:txXfrm>
+    </dsp:sp>
+    <dsp:sp modelId="{851FD988-8E15-48D8-97AE-03213F567206}">
+      <dsp:nvSpPr>
+        <dsp:cNvPr id="0" name=""/>
+        <dsp:cNvSpPr/>
+      </dsp:nvSpPr>
+      <dsp:spPr>
+        <a:xfrm>
+          <a:off x="0" y="3044541"/>
+          <a:ext cx="8229600" cy="669240"/>
+        </a:xfrm>
+        <a:prstGeom prst="roundRect">
+          <a:avLst/>
+        </a:prstGeom>
+        <a:solidFill>
+          <a:schemeClr val="accent1">
+            <a:hueOff val="0"/>
+            <a:satOff val="0"/>
+            <a:lumOff val="0"/>
+            <a:alphaOff val="0"/>
+          </a:schemeClr>
+        </a:solidFill>
+        <a:ln w="50800" cap="flat" cmpd="sng" algn="ctr">
+          <a:solidFill>
+            <a:schemeClr val="lt1">
+              <a:hueOff val="0"/>
+              <a:satOff val="0"/>
+              <a:lumOff val="0"/>
+              <a:alphaOff val="0"/>
+            </a:schemeClr>
+          </a:solidFill>
+          <a:prstDash val="solid"/>
+        </a:ln>
+        <a:effectLst>
+          <a:outerShdw blurRad="40000" dist="20000" dir="5400000" rotWithShape="0">
+            <a:srgbClr val="000000">
+              <a:alpha val="38000"/>
+            </a:srgbClr>
+          </a:outerShdw>
+        </a:effectLst>
+      </dsp:spPr>
+      <dsp:style>
+        <a:lnRef idx="3">
+          <a:scrgbClr r="0" g="0" b="0"/>
+        </a:lnRef>
+        <a:fillRef idx="1">
+          <a:scrgbClr r="0" g="0" b="0"/>
+        </a:fillRef>
+        <a:effectRef idx="1">
+          <a:scrgbClr r="0" g="0" b="0"/>
+        </a:effectRef>
+        <a:fontRef idx="minor">
+          <a:schemeClr val="lt1"/>
+        </a:fontRef>
+      </dsp:style>
+      <dsp:txBody>
+        <a:bodyPr spcFirstLastPara="0" vert="horz" wrap="square" lIns="99060" tIns="99060" rIns="99060" bIns="99060" numCol="1" spcCol="1270" anchor="ctr" anchorCtr="0">
+          <a:noAutofit/>
+        </a:bodyPr>
+        <a:lstStyle/>
+        <a:p>
+          <a:pPr lvl="0" algn="l" defTabSz="1155700" rtl="0">
+            <a:lnSpc>
+              <a:spcPct val="90000"/>
+            </a:lnSpc>
+            <a:spcBef>
+              <a:spcPct val="0"/>
+            </a:spcBef>
+            <a:spcAft>
+              <a:spcPct val="35000"/>
+            </a:spcAft>
+          </a:pPr>
+          <a:r>
+            <a:rPr lang="en-US" sz="2600" kern="1200" smtClean="0"/>
+            <a:t>Code Refactoring, doc strings</a:t>
+          </a:r>
+          <a:endParaRPr lang="en-US" sz="2600" kern="1200"/>
+        </a:p>
+      </dsp:txBody>
+      <dsp:txXfrm>
+        <a:off x="32670" y="3077211"/>
+        <a:ext cx="8164260" cy="603900"/>
+      </dsp:txXfrm>
+    </dsp:sp>
+    <dsp:sp modelId="{0ABE1C20-DC91-4157-889A-F1C3E325A040}">
+      <dsp:nvSpPr>
+        <dsp:cNvPr id="0" name=""/>
+        <dsp:cNvSpPr/>
+      </dsp:nvSpPr>
+      <dsp:spPr>
+        <a:xfrm>
+          <a:off x="0" y="3788661"/>
+          <a:ext cx="8229600" cy="669240"/>
+        </a:xfrm>
+        <a:prstGeom prst="roundRect">
+          <a:avLst/>
+        </a:prstGeom>
+        <a:solidFill>
+          <a:schemeClr val="accent1">
+            <a:hueOff val="0"/>
+            <a:satOff val="0"/>
+            <a:lumOff val="0"/>
+            <a:alphaOff val="0"/>
+          </a:schemeClr>
+        </a:solidFill>
+        <a:ln w="50800" cap="flat" cmpd="sng" algn="ctr">
+          <a:solidFill>
+            <a:schemeClr val="lt1">
+              <a:hueOff val="0"/>
+              <a:satOff val="0"/>
+              <a:lumOff val="0"/>
+              <a:alphaOff val="0"/>
+            </a:schemeClr>
+          </a:solidFill>
+          <a:prstDash val="solid"/>
+        </a:ln>
+        <a:effectLst>
+          <a:outerShdw blurRad="40000" dist="20000" dir="5400000" rotWithShape="0">
+            <a:srgbClr val="000000">
+              <a:alpha val="38000"/>
+            </a:srgbClr>
+          </a:outerShdw>
+        </a:effectLst>
+      </dsp:spPr>
+      <dsp:style>
+        <a:lnRef idx="3">
+          <a:scrgbClr r="0" g="0" b="0"/>
+        </a:lnRef>
+        <a:fillRef idx="1">
+          <a:scrgbClr r="0" g="0" b="0"/>
+        </a:fillRef>
+        <a:effectRef idx="1">
+          <a:scrgbClr r="0" g="0" b="0"/>
+        </a:effectRef>
+        <a:fontRef idx="minor">
+          <a:schemeClr val="lt1"/>
+        </a:fontRef>
+      </dsp:style>
+      <dsp:txBody>
+        <a:bodyPr spcFirstLastPara="0" vert="horz" wrap="square" lIns="99060" tIns="99060" rIns="99060" bIns="99060" numCol="1" spcCol="1270" anchor="ctr" anchorCtr="0">
+          <a:noAutofit/>
+        </a:bodyPr>
+        <a:lstStyle/>
+        <a:p>
+          <a:pPr lvl="0" algn="l" defTabSz="1155700" rtl="0">
+            <a:lnSpc>
+              <a:spcPct val="90000"/>
+            </a:lnSpc>
+            <a:spcBef>
+              <a:spcPct val="0"/>
+            </a:spcBef>
+            <a:spcAft>
+              <a:spcPct val="35000"/>
+            </a:spcAft>
+          </a:pPr>
+          <a:r>
+            <a:rPr lang="en-US" sz="2600" kern="1200" smtClean="0"/>
+            <a:t>Update presentation</a:t>
+          </a:r>
+          <a:endParaRPr lang="en-US" sz="2600" kern="1200"/>
+        </a:p>
+      </dsp:txBody>
+      <dsp:txXfrm>
+        <a:off x="32670" y="3821331"/>
+        <a:ext cx="8164260" cy="603900"/>
       </dsp:txXfrm>
     </dsp:sp>
   </dsp:spTree>
@@ -10991,6 +12610,173 @@
 </dgm:layoutDef>
 </file>
 
+<file path=ppt/diagrams/layout7.xml><?xml version="1.0" encoding="utf-8"?>
+<dgm:layoutDef xmlns:dgm="http://schemas.openxmlformats.org/drawingml/2006/diagram" xmlns:a="http://schemas.openxmlformats.org/drawingml/2006/main" uniqueId="urn:microsoft.com/office/officeart/2005/8/layout/vList2">
+  <dgm:title val=""/>
+  <dgm:desc val=""/>
+  <dgm:catLst>
+    <dgm:cat type="list" pri="3000"/>
+    <dgm:cat type="convert" pri="1000"/>
+  </dgm:catLst>
+  <dgm:sampData>
+    <dgm:dataModel>
+      <dgm:ptLst>
+        <dgm:pt modelId="0" type="doc"/>
+        <dgm:pt modelId="1">
+          <dgm:prSet phldr="1"/>
+        </dgm:pt>
+        <dgm:pt modelId="11">
+          <dgm:prSet phldr="1"/>
+        </dgm:pt>
+        <dgm:pt modelId="2">
+          <dgm:prSet phldr="1"/>
+        </dgm:pt>
+        <dgm:pt modelId="21">
+          <dgm:prSet phldr="1"/>
+        </dgm:pt>
+      </dgm:ptLst>
+      <dgm:cxnLst>
+        <dgm:cxn modelId="4" srcId="0" destId="1" srcOrd="0" destOrd="0"/>
+        <dgm:cxn modelId="5" srcId="0" destId="2" srcOrd="1" destOrd="0"/>
+        <dgm:cxn modelId="12" srcId="1" destId="11" srcOrd="0" destOrd="0"/>
+        <dgm:cxn modelId="23" srcId="2" destId="21" srcOrd="0" destOrd="0"/>
+      </dgm:cxnLst>
+      <dgm:bg/>
+      <dgm:whole/>
+    </dgm:dataModel>
+  </dgm:sampData>
+  <dgm:styleData>
+    <dgm:dataModel>
+      <dgm:ptLst>
+        <dgm:pt modelId="0" type="doc"/>
+        <dgm:pt modelId="1"/>
+        <dgm:pt modelId="2"/>
+      </dgm:ptLst>
+      <dgm:cxnLst>
+        <dgm:cxn modelId="3" srcId="0" destId="1" srcOrd="0" destOrd="0"/>
+        <dgm:cxn modelId="4" srcId="0" destId="2" srcOrd="1" destOrd="0"/>
+      </dgm:cxnLst>
+      <dgm:bg/>
+      <dgm:whole/>
+    </dgm:dataModel>
+  </dgm:styleData>
+  <dgm:clrData>
+    <dgm:dataModel>
+      <dgm:ptLst>
+        <dgm:pt modelId="0" type="doc"/>
+        <dgm:pt modelId="1"/>
+        <dgm:pt modelId="2"/>
+        <dgm:pt modelId="3"/>
+        <dgm:pt modelId="4"/>
+      </dgm:ptLst>
+      <dgm:cxnLst>
+        <dgm:cxn modelId="5" srcId="0" destId="1" srcOrd="0" destOrd="0"/>
+        <dgm:cxn modelId="6" srcId="0" destId="2" srcOrd="1" destOrd="0"/>
+        <dgm:cxn modelId="7" srcId="0" destId="3" srcOrd="2" destOrd="0"/>
+        <dgm:cxn modelId="8" srcId="0" destId="4" srcOrd="3" destOrd="0"/>
+      </dgm:cxnLst>
+      <dgm:bg/>
+      <dgm:whole/>
+    </dgm:dataModel>
+  </dgm:clrData>
+  <dgm:layoutNode name="linear">
+    <dgm:varLst>
+      <dgm:animLvl val="lvl"/>
+      <dgm:resizeHandles val="exact"/>
+    </dgm:varLst>
+    <dgm:alg type="lin">
+      <dgm:param type="linDir" val="fromT"/>
+      <dgm:param type="vertAlign" val="mid"/>
+    </dgm:alg>
+    <dgm:shape xmlns:r="http://schemas.openxmlformats.org/officeDocument/2006/relationships" r:blip="">
+      <dgm:adjLst/>
+    </dgm:shape>
+    <dgm:presOf/>
+    <dgm:constrLst>
+      <dgm:constr type="w" for="ch" forName="parentText" refType="w"/>
+      <dgm:constr type="h" for="ch" forName="parentText" refType="primFontSz" refFor="ch" refForName="parentText" fact="0.52"/>
+      <dgm:constr type="w" for="ch" forName="childText" refType="w"/>
+      <dgm:constr type="h" for="ch" forName="childText" refType="primFontSz" refFor="ch" refForName="parentText" fact="0.46"/>
+      <dgm:constr type="h" for="ch" forName="parentText" op="equ"/>
+      <dgm:constr type="primFontSz" for="ch" forName="parentText" op="equ" val="65"/>
+      <dgm:constr type="primFontSz" for="ch" forName="childText" refType="primFontSz" refFor="ch" refForName="parentText" op="equ"/>
+      <dgm:constr type="h" for="ch" forName="spacer" refType="primFontSz" refFor="ch" refForName="parentText" fact="0.08"/>
+    </dgm:constrLst>
+    <dgm:ruleLst>
+      <dgm:rule type="primFontSz" for="ch" forName="parentText" val="5" fact="NaN" max="NaN"/>
+    </dgm:ruleLst>
+    <dgm:forEach name="Name0" axis="ch" ptType="node">
+      <dgm:layoutNode name="parentText" styleLbl="node1">
+        <dgm:varLst>
+          <dgm:chMax val="0"/>
+          <dgm:bulletEnabled val="1"/>
+        </dgm:varLst>
+        <dgm:alg type="tx">
+          <dgm:param type="parTxLTRAlign" val="l"/>
+          <dgm:param type="parTxRTLAlign" val="r"/>
+        </dgm:alg>
+        <dgm:shape xmlns:r="http://schemas.openxmlformats.org/officeDocument/2006/relationships" type="roundRect" r:blip="">
+          <dgm:adjLst/>
+        </dgm:shape>
+        <dgm:presOf axis="self"/>
+        <dgm:constrLst>
+          <dgm:constr type="tMarg" refType="primFontSz" fact="0.3"/>
+          <dgm:constr type="bMarg" refType="primFontSz" fact="0.3"/>
+          <dgm:constr type="lMarg" refType="primFontSz" fact="0.3"/>
+          <dgm:constr type="rMarg" refType="primFontSz" fact="0.3"/>
+        </dgm:constrLst>
+        <dgm:ruleLst>
+          <dgm:rule type="h" val="INF" fact="NaN" max="NaN"/>
+        </dgm:ruleLst>
+      </dgm:layoutNode>
+      <dgm:choose name="Name1">
+        <dgm:if name="Name2" axis="ch" ptType="node" func="cnt" op="gte" val="1">
+          <dgm:layoutNode name="childText" styleLbl="revTx">
+            <dgm:varLst>
+              <dgm:bulletEnabled val="1"/>
+            </dgm:varLst>
+            <dgm:alg type="tx">
+              <dgm:param type="stBulletLvl" val="1"/>
+              <dgm:param type="lnSpAfChP" val="20"/>
+            </dgm:alg>
+            <dgm:shape xmlns:r="http://schemas.openxmlformats.org/officeDocument/2006/relationships" type="rect" r:blip="">
+              <dgm:adjLst/>
+            </dgm:shape>
+            <dgm:presOf axis="des" ptType="node"/>
+            <dgm:constrLst>
+              <dgm:constr type="tMarg" refType="primFontSz" fact="0.1"/>
+              <dgm:constr type="bMarg" refType="primFontSz" fact="0.1"/>
+              <dgm:constr type="lMarg" refType="w" fact="0.09"/>
+            </dgm:constrLst>
+            <dgm:ruleLst>
+              <dgm:rule type="h" val="INF" fact="NaN" max="NaN"/>
+            </dgm:ruleLst>
+          </dgm:layoutNode>
+        </dgm:if>
+        <dgm:else name="Name3">
+          <dgm:choose name="Name4">
+            <dgm:if name="Name5" axis="par ch" ptType="doc node" func="cnt" op="gte" val="2">
+              <dgm:forEach name="Name6" axis="followSib" ptType="sibTrans" cnt="1">
+                <dgm:layoutNode name="spacer">
+                  <dgm:alg type="sp"/>
+                  <dgm:shape xmlns:r="http://schemas.openxmlformats.org/officeDocument/2006/relationships" r:blip="">
+                    <dgm:adjLst/>
+                  </dgm:shape>
+                  <dgm:presOf/>
+                  <dgm:constrLst/>
+                  <dgm:ruleLst/>
+                </dgm:layoutNode>
+              </dgm:forEach>
+            </dgm:if>
+            <dgm:else name="Name7"/>
+          </dgm:choose>
+        </dgm:else>
+      </dgm:choose>
+    </dgm:forEach>
+  </dgm:layoutNode>
+</dgm:layoutDef>
+</file>
+
 <file path=ppt/diagrams/quickStyle1.xml><?xml version="1.0" encoding="utf-8"?>
 <dgm:styleDef xmlns:dgm="http://schemas.openxmlformats.org/drawingml/2006/diagram" xmlns:a="http://schemas.openxmlformats.org/drawingml/2006/main" uniqueId="urn:microsoft.com/office/officeart/2005/8/quickstyle/simple1">
   <dgm:title val=""/>
@@ -17167,6 +18953,1040 @@
         <a:scrgbClr r="0" g="0" b="0"/>
       </a:fillRef>
       <a:effectRef idx="0">
+        <a:scrgbClr r="0" g="0" b="0"/>
+      </a:effectRef>
+      <a:fontRef idx="minor"/>
+    </dgm:style>
+  </dgm:styleLbl>
+  <dgm:styleLbl name="revTx">
+    <dgm:scene3d>
+      <a:camera prst="orthographicFront"/>
+      <a:lightRig rig="threePt" dir="t"/>
+    </dgm:scene3d>
+    <dgm:sp3d/>
+    <dgm:txPr/>
+    <dgm:style>
+      <a:lnRef idx="0">
+        <a:scrgbClr r="0" g="0" b="0"/>
+      </a:lnRef>
+      <a:fillRef idx="0">
+        <a:scrgbClr r="0" g="0" b="0"/>
+      </a:fillRef>
+      <a:effectRef idx="0">
+        <a:scrgbClr r="0" g="0" b="0"/>
+      </a:effectRef>
+      <a:fontRef idx="minor"/>
+    </dgm:style>
+  </dgm:styleLbl>
+</dgm:styleDef>
+</file>
+
+<file path=ppt/diagrams/quickStyle7.xml><?xml version="1.0" encoding="utf-8"?>
+<dgm:styleDef xmlns:dgm="http://schemas.openxmlformats.org/drawingml/2006/diagram" xmlns:a="http://schemas.openxmlformats.org/drawingml/2006/main" uniqueId="urn:microsoft.com/office/officeart/2005/8/quickstyle/simple2">
+  <dgm:title val=""/>
+  <dgm:desc val=""/>
+  <dgm:catLst>
+    <dgm:cat type="simple" pri="10200"/>
+  </dgm:catLst>
+  <dgm:scene3d>
+    <a:camera prst="orthographicFront"/>
+    <a:lightRig rig="threePt" dir="t"/>
+  </dgm:scene3d>
+  <dgm:styleLbl name="node0">
+    <dgm:scene3d>
+      <a:camera prst="orthographicFront"/>
+      <a:lightRig rig="threePt" dir="t"/>
+    </dgm:scene3d>
+    <dgm:sp3d/>
+    <dgm:txPr/>
+    <dgm:style>
+      <a:lnRef idx="3">
+        <a:scrgbClr r="0" g="0" b="0"/>
+      </a:lnRef>
+      <a:fillRef idx="1">
+        <a:scrgbClr r="0" g="0" b="0"/>
+      </a:fillRef>
+      <a:effectRef idx="1">
+        <a:scrgbClr r="0" g="0" b="0"/>
+      </a:effectRef>
+      <a:fontRef idx="minor">
+        <a:schemeClr val="lt1"/>
+      </a:fontRef>
+    </dgm:style>
+  </dgm:styleLbl>
+  <dgm:styleLbl name="lnNode1">
+    <dgm:scene3d>
+      <a:camera prst="orthographicFront"/>
+      <a:lightRig rig="threePt" dir="t"/>
+    </dgm:scene3d>
+    <dgm:sp3d/>
+    <dgm:txPr/>
+    <dgm:style>
+      <a:lnRef idx="3">
+        <a:scrgbClr r="0" g="0" b="0"/>
+      </a:lnRef>
+      <a:fillRef idx="1">
+        <a:scrgbClr r="0" g="0" b="0"/>
+      </a:fillRef>
+      <a:effectRef idx="1">
+        <a:scrgbClr r="0" g="0" b="0"/>
+      </a:effectRef>
+      <a:fontRef idx="minor">
+        <a:schemeClr val="lt1"/>
+      </a:fontRef>
+    </dgm:style>
+  </dgm:styleLbl>
+  <dgm:styleLbl name="vennNode1">
+    <dgm:scene3d>
+      <a:camera prst="orthographicFront"/>
+      <a:lightRig rig="threePt" dir="t"/>
+    </dgm:scene3d>
+    <dgm:sp3d/>
+    <dgm:txPr/>
+    <dgm:style>
+      <a:lnRef idx="3">
+        <a:scrgbClr r="0" g="0" b="0"/>
+      </a:lnRef>
+      <a:fillRef idx="1">
+        <a:scrgbClr r="0" g="0" b="0"/>
+      </a:fillRef>
+      <a:effectRef idx="0">
+        <a:scrgbClr r="0" g="0" b="0"/>
+      </a:effectRef>
+      <a:fontRef idx="minor">
+        <a:schemeClr val="tx1"/>
+      </a:fontRef>
+    </dgm:style>
+  </dgm:styleLbl>
+  <dgm:styleLbl name="alignNode1">
+    <dgm:scene3d>
+      <a:camera prst="orthographicFront"/>
+      <a:lightRig rig="threePt" dir="t"/>
+    </dgm:scene3d>
+    <dgm:sp3d/>
+    <dgm:txPr/>
+    <dgm:style>
+      <a:lnRef idx="2">
+        <a:scrgbClr r="0" g="0" b="0"/>
+      </a:lnRef>
+      <a:fillRef idx="1">
+        <a:scrgbClr r="0" g="0" b="0"/>
+      </a:fillRef>
+      <a:effectRef idx="1">
+        <a:scrgbClr r="0" g="0" b="0"/>
+      </a:effectRef>
+      <a:fontRef idx="minor">
+        <a:schemeClr val="lt1"/>
+      </a:fontRef>
+    </dgm:style>
+  </dgm:styleLbl>
+  <dgm:styleLbl name="node1">
+    <dgm:scene3d>
+      <a:camera prst="orthographicFront"/>
+      <a:lightRig rig="threePt" dir="t"/>
+    </dgm:scene3d>
+    <dgm:sp3d/>
+    <dgm:txPr/>
+    <dgm:style>
+      <a:lnRef idx="3">
+        <a:scrgbClr r="0" g="0" b="0"/>
+      </a:lnRef>
+      <a:fillRef idx="1">
+        <a:scrgbClr r="0" g="0" b="0"/>
+      </a:fillRef>
+      <a:effectRef idx="1">
+        <a:scrgbClr r="0" g="0" b="0"/>
+      </a:effectRef>
+      <a:fontRef idx="minor">
+        <a:schemeClr val="lt1"/>
+      </a:fontRef>
+    </dgm:style>
+  </dgm:styleLbl>
+  <dgm:styleLbl name="node2">
+    <dgm:scene3d>
+      <a:camera prst="orthographicFront"/>
+      <a:lightRig rig="threePt" dir="t"/>
+    </dgm:scene3d>
+    <dgm:sp3d/>
+    <dgm:txPr/>
+    <dgm:style>
+      <a:lnRef idx="3">
+        <a:scrgbClr r="0" g="0" b="0"/>
+      </a:lnRef>
+      <a:fillRef idx="1">
+        <a:scrgbClr r="0" g="0" b="0"/>
+      </a:fillRef>
+      <a:effectRef idx="1">
+        <a:scrgbClr r="0" g="0" b="0"/>
+      </a:effectRef>
+      <a:fontRef idx="minor">
+        <a:schemeClr val="lt1"/>
+      </a:fontRef>
+    </dgm:style>
+  </dgm:styleLbl>
+  <dgm:styleLbl name="node3">
+    <dgm:scene3d>
+      <a:camera prst="orthographicFront"/>
+      <a:lightRig rig="threePt" dir="t"/>
+    </dgm:scene3d>
+    <dgm:sp3d/>
+    <dgm:txPr/>
+    <dgm:style>
+      <a:lnRef idx="3">
+        <a:scrgbClr r="0" g="0" b="0"/>
+      </a:lnRef>
+      <a:fillRef idx="1">
+        <a:scrgbClr r="0" g="0" b="0"/>
+      </a:fillRef>
+      <a:effectRef idx="1">
+        <a:scrgbClr r="0" g="0" b="0"/>
+      </a:effectRef>
+      <a:fontRef idx="minor">
+        <a:schemeClr val="lt1"/>
+      </a:fontRef>
+    </dgm:style>
+  </dgm:styleLbl>
+  <dgm:styleLbl name="node4">
+    <dgm:scene3d>
+      <a:camera prst="orthographicFront"/>
+      <a:lightRig rig="threePt" dir="t"/>
+    </dgm:scene3d>
+    <dgm:sp3d/>
+    <dgm:txPr/>
+    <dgm:style>
+      <a:lnRef idx="3">
+        <a:scrgbClr r="0" g="0" b="0"/>
+      </a:lnRef>
+      <a:fillRef idx="1">
+        <a:scrgbClr r="0" g="0" b="0"/>
+      </a:fillRef>
+      <a:effectRef idx="1">
+        <a:scrgbClr r="0" g="0" b="0"/>
+      </a:effectRef>
+      <a:fontRef idx="minor">
+        <a:schemeClr val="lt1"/>
+      </a:fontRef>
+    </dgm:style>
+  </dgm:styleLbl>
+  <dgm:styleLbl name="fgImgPlace1">
+    <dgm:scene3d>
+      <a:camera prst="orthographicFront"/>
+      <a:lightRig rig="threePt" dir="t"/>
+    </dgm:scene3d>
+    <dgm:sp3d/>
+    <dgm:txPr/>
+    <dgm:style>
+      <a:lnRef idx="3">
+        <a:scrgbClr r="0" g="0" b="0"/>
+      </a:lnRef>
+      <a:fillRef idx="1">
+        <a:scrgbClr r="0" g="0" b="0"/>
+      </a:fillRef>
+      <a:effectRef idx="1">
+        <a:scrgbClr r="0" g="0" b="0"/>
+      </a:effectRef>
+      <a:fontRef idx="minor"/>
+    </dgm:style>
+  </dgm:styleLbl>
+  <dgm:styleLbl name="alignImgPlace1">
+    <dgm:scene3d>
+      <a:camera prst="orthographicFront"/>
+      <a:lightRig rig="threePt" dir="t"/>
+    </dgm:scene3d>
+    <dgm:sp3d/>
+    <dgm:txPr/>
+    <dgm:style>
+      <a:lnRef idx="3">
+        <a:scrgbClr r="0" g="0" b="0"/>
+      </a:lnRef>
+      <a:fillRef idx="1">
+        <a:scrgbClr r="0" g="0" b="0"/>
+      </a:fillRef>
+      <a:effectRef idx="1">
+        <a:scrgbClr r="0" g="0" b="0"/>
+      </a:effectRef>
+      <a:fontRef idx="minor"/>
+    </dgm:style>
+  </dgm:styleLbl>
+  <dgm:styleLbl name="bgImgPlace1">
+    <dgm:scene3d>
+      <a:camera prst="orthographicFront"/>
+      <a:lightRig rig="threePt" dir="t"/>
+    </dgm:scene3d>
+    <dgm:sp3d/>
+    <dgm:txPr/>
+    <dgm:style>
+      <a:lnRef idx="3">
+        <a:scrgbClr r="0" g="0" b="0"/>
+      </a:lnRef>
+      <a:fillRef idx="1">
+        <a:scrgbClr r="0" g="0" b="0"/>
+      </a:fillRef>
+      <a:effectRef idx="1">
+        <a:scrgbClr r="0" g="0" b="0"/>
+      </a:effectRef>
+      <a:fontRef idx="minor"/>
+    </dgm:style>
+  </dgm:styleLbl>
+  <dgm:styleLbl name="sibTrans2D1">
+    <dgm:scene3d>
+      <a:camera prst="orthographicFront"/>
+      <a:lightRig rig="threePt" dir="t"/>
+    </dgm:scene3d>
+    <dgm:sp3d/>
+    <dgm:txPr/>
+    <dgm:style>
+      <a:lnRef idx="0">
+        <a:scrgbClr r="0" g="0" b="0"/>
+      </a:lnRef>
+      <a:fillRef idx="1">
+        <a:scrgbClr r="0" g="0" b="0"/>
+      </a:fillRef>
+      <a:effectRef idx="1">
+        <a:scrgbClr r="0" g="0" b="0"/>
+      </a:effectRef>
+      <a:fontRef idx="minor">
+        <a:schemeClr val="lt1"/>
+      </a:fontRef>
+    </dgm:style>
+  </dgm:styleLbl>
+  <dgm:styleLbl name="fgSibTrans2D1">
+    <dgm:scene3d>
+      <a:camera prst="orthographicFront"/>
+      <a:lightRig rig="threePt" dir="t"/>
+    </dgm:scene3d>
+    <dgm:sp3d/>
+    <dgm:txPr/>
+    <dgm:style>
+      <a:lnRef idx="0">
+        <a:scrgbClr r="0" g="0" b="0"/>
+      </a:lnRef>
+      <a:fillRef idx="1">
+        <a:scrgbClr r="0" g="0" b="0"/>
+      </a:fillRef>
+      <a:effectRef idx="1">
+        <a:scrgbClr r="0" g="0" b="0"/>
+      </a:effectRef>
+      <a:fontRef idx="minor">
+        <a:schemeClr val="lt1"/>
+      </a:fontRef>
+    </dgm:style>
+  </dgm:styleLbl>
+  <dgm:styleLbl name="bgSibTrans2D1">
+    <dgm:scene3d>
+      <a:camera prst="orthographicFront"/>
+      <a:lightRig rig="threePt" dir="t"/>
+    </dgm:scene3d>
+    <dgm:sp3d/>
+    <dgm:txPr/>
+    <dgm:style>
+      <a:lnRef idx="0">
+        <a:scrgbClr r="0" g="0" b="0"/>
+      </a:lnRef>
+      <a:fillRef idx="1">
+        <a:scrgbClr r="0" g="0" b="0"/>
+      </a:fillRef>
+      <a:effectRef idx="1">
+        <a:scrgbClr r="0" g="0" b="0"/>
+      </a:effectRef>
+      <a:fontRef idx="minor">
+        <a:schemeClr val="lt1"/>
+      </a:fontRef>
+    </dgm:style>
+  </dgm:styleLbl>
+  <dgm:styleLbl name="sibTrans1D1">
+    <dgm:scene3d>
+      <a:camera prst="orthographicFront"/>
+      <a:lightRig rig="threePt" dir="t"/>
+    </dgm:scene3d>
+    <dgm:sp3d/>
+    <dgm:txPr/>
+    <dgm:style>
+      <a:lnRef idx="1">
+        <a:scrgbClr r="0" g="0" b="0"/>
+      </a:lnRef>
+      <a:fillRef idx="0">
+        <a:scrgbClr r="0" g="0" b="0"/>
+      </a:fillRef>
+      <a:effectRef idx="0">
+        <a:scrgbClr r="0" g="0" b="0"/>
+      </a:effectRef>
+      <a:fontRef idx="minor"/>
+    </dgm:style>
+  </dgm:styleLbl>
+  <dgm:styleLbl name="callout">
+    <dgm:scene3d>
+      <a:camera prst="orthographicFront"/>
+      <a:lightRig rig="threePt" dir="t"/>
+    </dgm:scene3d>
+    <dgm:sp3d/>
+    <dgm:txPr/>
+    <dgm:style>
+      <a:lnRef idx="2">
+        <a:scrgbClr r="0" g="0" b="0"/>
+      </a:lnRef>
+      <a:fillRef idx="1">
+        <a:scrgbClr r="0" g="0" b="0"/>
+      </a:fillRef>
+      <a:effectRef idx="1">
+        <a:scrgbClr r="0" g="0" b="0"/>
+      </a:effectRef>
+      <a:fontRef idx="minor"/>
+    </dgm:style>
+  </dgm:styleLbl>
+  <dgm:styleLbl name="asst0">
+    <dgm:scene3d>
+      <a:camera prst="orthographicFront"/>
+      <a:lightRig rig="threePt" dir="t"/>
+    </dgm:scene3d>
+    <dgm:sp3d/>
+    <dgm:txPr/>
+    <dgm:style>
+      <a:lnRef idx="3">
+        <a:scrgbClr r="0" g="0" b="0"/>
+      </a:lnRef>
+      <a:fillRef idx="1">
+        <a:scrgbClr r="0" g="0" b="0"/>
+      </a:fillRef>
+      <a:effectRef idx="1">
+        <a:scrgbClr r="0" g="0" b="0"/>
+      </a:effectRef>
+      <a:fontRef idx="minor">
+        <a:schemeClr val="lt1"/>
+      </a:fontRef>
+    </dgm:style>
+  </dgm:styleLbl>
+  <dgm:styleLbl name="asst1">
+    <dgm:scene3d>
+      <a:camera prst="orthographicFront"/>
+      <a:lightRig rig="threePt" dir="t"/>
+    </dgm:scene3d>
+    <dgm:sp3d/>
+    <dgm:txPr/>
+    <dgm:style>
+      <a:lnRef idx="3">
+        <a:scrgbClr r="0" g="0" b="0"/>
+      </a:lnRef>
+      <a:fillRef idx="1">
+        <a:scrgbClr r="0" g="0" b="0"/>
+      </a:fillRef>
+      <a:effectRef idx="1">
+        <a:scrgbClr r="0" g="0" b="0"/>
+      </a:effectRef>
+      <a:fontRef idx="minor">
+        <a:schemeClr val="lt1"/>
+      </a:fontRef>
+    </dgm:style>
+  </dgm:styleLbl>
+  <dgm:styleLbl name="asst2">
+    <dgm:scene3d>
+      <a:camera prst="orthographicFront"/>
+      <a:lightRig rig="threePt" dir="t"/>
+    </dgm:scene3d>
+    <dgm:sp3d/>
+    <dgm:txPr/>
+    <dgm:style>
+      <a:lnRef idx="3">
+        <a:scrgbClr r="0" g="0" b="0"/>
+      </a:lnRef>
+      <a:fillRef idx="1">
+        <a:scrgbClr r="0" g="0" b="0"/>
+      </a:fillRef>
+      <a:effectRef idx="1">
+        <a:scrgbClr r="0" g="0" b="0"/>
+      </a:effectRef>
+      <a:fontRef idx="minor">
+        <a:schemeClr val="lt1"/>
+      </a:fontRef>
+    </dgm:style>
+  </dgm:styleLbl>
+  <dgm:styleLbl name="asst3">
+    <dgm:scene3d>
+      <a:camera prst="orthographicFront"/>
+      <a:lightRig rig="threePt" dir="t"/>
+    </dgm:scene3d>
+    <dgm:sp3d/>
+    <dgm:txPr/>
+    <dgm:style>
+      <a:lnRef idx="3">
+        <a:scrgbClr r="0" g="0" b="0"/>
+      </a:lnRef>
+      <a:fillRef idx="1">
+        <a:scrgbClr r="0" g="0" b="0"/>
+      </a:fillRef>
+      <a:effectRef idx="1">
+        <a:scrgbClr r="0" g="0" b="0"/>
+      </a:effectRef>
+      <a:fontRef idx="minor">
+        <a:schemeClr val="lt1"/>
+      </a:fontRef>
+    </dgm:style>
+  </dgm:styleLbl>
+  <dgm:styleLbl name="asst4">
+    <dgm:scene3d>
+      <a:camera prst="orthographicFront"/>
+      <a:lightRig rig="threePt" dir="t"/>
+    </dgm:scene3d>
+    <dgm:sp3d/>
+    <dgm:txPr/>
+    <dgm:style>
+      <a:lnRef idx="3">
+        <a:scrgbClr r="0" g="0" b="0"/>
+      </a:lnRef>
+      <a:fillRef idx="1">
+        <a:scrgbClr r="0" g="0" b="0"/>
+      </a:fillRef>
+      <a:effectRef idx="1">
+        <a:scrgbClr r="0" g="0" b="0"/>
+      </a:effectRef>
+      <a:fontRef idx="minor">
+        <a:schemeClr val="lt1"/>
+      </a:fontRef>
+    </dgm:style>
+  </dgm:styleLbl>
+  <dgm:styleLbl name="parChTrans2D1">
+    <dgm:scene3d>
+      <a:camera prst="orthographicFront"/>
+      <a:lightRig rig="threePt" dir="t"/>
+    </dgm:scene3d>
+    <dgm:sp3d/>
+    <dgm:txPr/>
+    <dgm:style>
+      <a:lnRef idx="3">
+        <a:scrgbClr r="0" g="0" b="0"/>
+      </a:lnRef>
+      <a:fillRef idx="1">
+        <a:scrgbClr r="0" g="0" b="0"/>
+      </a:fillRef>
+      <a:effectRef idx="1">
+        <a:scrgbClr r="0" g="0" b="0"/>
+      </a:effectRef>
+      <a:fontRef idx="minor">
+        <a:schemeClr val="lt1"/>
+      </a:fontRef>
+    </dgm:style>
+  </dgm:styleLbl>
+  <dgm:styleLbl name="parChTrans2D2">
+    <dgm:scene3d>
+      <a:camera prst="orthographicFront"/>
+      <a:lightRig rig="threePt" dir="t"/>
+    </dgm:scene3d>
+    <dgm:sp3d/>
+    <dgm:txPr/>
+    <dgm:style>
+      <a:lnRef idx="3">
+        <a:scrgbClr r="0" g="0" b="0"/>
+      </a:lnRef>
+      <a:fillRef idx="1">
+        <a:scrgbClr r="0" g="0" b="0"/>
+      </a:fillRef>
+      <a:effectRef idx="1">
+        <a:scrgbClr r="0" g="0" b="0"/>
+      </a:effectRef>
+      <a:fontRef idx="minor">
+        <a:schemeClr val="lt1"/>
+      </a:fontRef>
+    </dgm:style>
+  </dgm:styleLbl>
+  <dgm:styleLbl name="parChTrans2D3">
+    <dgm:scene3d>
+      <a:camera prst="orthographicFront"/>
+      <a:lightRig rig="threePt" dir="t"/>
+    </dgm:scene3d>
+    <dgm:sp3d/>
+    <dgm:txPr/>
+    <dgm:style>
+      <a:lnRef idx="3">
+        <a:scrgbClr r="0" g="0" b="0"/>
+      </a:lnRef>
+      <a:fillRef idx="1">
+        <a:scrgbClr r="0" g="0" b="0"/>
+      </a:fillRef>
+      <a:effectRef idx="1">
+        <a:scrgbClr r="0" g="0" b="0"/>
+      </a:effectRef>
+      <a:fontRef idx="minor">
+        <a:schemeClr val="lt1"/>
+      </a:fontRef>
+    </dgm:style>
+  </dgm:styleLbl>
+  <dgm:styleLbl name="parChTrans2D4">
+    <dgm:scene3d>
+      <a:camera prst="orthographicFront"/>
+      <a:lightRig rig="threePt" dir="t"/>
+    </dgm:scene3d>
+    <dgm:sp3d/>
+    <dgm:txPr/>
+    <dgm:style>
+      <a:lnRef idx="3">
+        <a:scrgbClr r="0" g="0" b="0"/>
+      </a:lnRef>
+      <a:fillRef idx="1">
+        <a:scrgbClr r="0" g="0" b="0"/>
+      </a:fillRef>
+      <a:effectRef idx="1">
+        <a:scrgbClr r="0" g="0" b="0"/>
+      </a:effectRef>
+      <a:fontRef idx="minor">
+        <a:schemeClr val="lt1"/>
+      </a:fontRef>
+    </dgm:style>
+  </dgm:styleLbl>
+  <dgm:styleLbl name="parChTrans1D1">
+    <dgm:scene3d>
+      <a:camera prst="orthographicFront"/>
+      <a:lightRig rig="threePt" dir="t"/>
+    </dgm:scene3d>
+    <dgm:sp3d/>
+    <dgm:txPr/>
+    <dgm:style>
+      <a:lnRef idx="2">
+        <a:scrgbClr r="0" g="0" b="0"/>
+      </a:lnRef>
+      <a:fillRef idx="0">
+        <a:scrgbClr r="0" g="0" b="0"/>
+      </a:fillRef>
+      <a:effectRef idx="0">
+        <a:scrgbClr r="0" g="0" b="0"/>
+      </a:effectRef>
+      <a:fontRef idx="minor"/>
+    </dgm:style>
+  </dgm:styleLbl>
+  <dgm:styleLbl name="parChTrans1D2">
+    <dgm:scene3d>
+      <a:camera prst="orthographicFront"/>
+      <a:lightRig rig="threePt" dir="t"/>
+    </dgm:scene3d>
+    <dgm:sp3d/>
+    <dgm:txPr/>
+    <dgm:style>
+      <a:lnRef idx="2">
+        <a:scrgbClr r="0" g="0" b="0"/>
+      </a:lnRef>
+      <a:fillRef idx="0">
+        <a:scrgbClr r="0" g="0" b="0"/>
+      </a:fillRef>
+      <a:effectRef idx="0">
+        <a:scrgbClr r="0" g="0" b="0"/>
+      </a:effectRef>
+      <a:fontRef idx="minor"/>
+    </dgm:style>
+  </dgm:styleLbl>
+  <dgm:styleLbl name="parChTrans1D3">
+    <dgm:scene3d>
+      <a:camera prst="orthographicFront"/>
+      <a:lightRig rig="threePt" dir="t"/>
+    </dgm:scene3d>
+    <dgm:sp3d/>
+    <dgm:txPr/>
+    <dgm:style>
+      <a:lnRef idx="2">
+        <a:scrgbClr r="0" g="0" b="0"/>
+      </a:lnRef>
+      <a:fillRef idx="0">
+        <a:scrgbClr r="0" g="0" b="0"/>
+      </a:fillRef>
+      <a:effectRef idx="0">
+        <a:scrgbClr r="0" g="0" b="0"/>
+      </a:effectRef>
+      <a:fontRef idx="minor"/>
+    </dgm:style>
+  </dgm:styleLbl>
+  <dgm:styleLbl name="parChTrans1D4">
+    <dgm:scene3d>
+      <a:camera prst="orthographicFront"/>
+      <a:lightRig rig="threePt" dir="t"/>
+    </dgm:scene3d>
+    <dgm:sp3d/>
+    <dgm:txPr/>
+    <dgm:style>
+      <a:lnRef idx="2">
+        <a:scrgbClr r="0" g="0" b="0"/>
+      </a:lnRef>
+      <a:fillRef idx="0">
+        <a:scrgbClr r="0" g="0" b="0"/>
+      </a:fillRef>
+      <a:effectRef idx="0">
+        <a:scrgbClr r="0" g="0" b="0"/>
+      </a:effectRef>
+      <a:fontRef idx="minor"/>
+    </dgm:style>
+  </dgm:styleLbl>
+  <dgm:styleLbl name="fgAcc1">
+    <dgm:scene3d>
+      <a:camera prst="orthographicFront"/>
+      <a:lightRig rig="threePt" dir="t"/>
+    </dgm:scene3d>
+    <dgm:sp3d/>
+    <dgm:txPr/>
+    <dgm:style>
+      <a:lnRef idx="2">
+        <a:scrgbClr r="0" g="0" b="0"/>
+      </a:lnRef>
+      <a:fillRef idx="1">
+        <a:scrgbClr r="0" g="0" b="0"/>
+      </a:fillRef>
+      <a:effectRef idx="0">
+        <a:scrgbClr r="0" g="0" b="0"/>
+      </a:effectRef>
+      <a:fontRef idx="minor"/>
+    </dgm:style>
+  </dgm:styleLbl>
+  <dgm:styleLbl name="conFgAcc1">
+    <dgm:scene3d>
+      <a:camera prst="orthographicFront"/>
+      <a:lightRig rig="threePt" dir="t"/>
+    </dgm:scene3d>
+    <dgm:sp3d/>
+    <dgm:txPr/>
+    <dgm:style>
+      <a:lnRef idx="2">
+        <a:scrgbClr r="0" g="0" b="0"/>
+      </a:lnRef>
+      <a:fillRef idx="1">
+        <a:scrgbClr r="0" g="0" b="0"/>
+      </a:fillRef>
+      <a:effectRef idx="0">
+        <a:scrgbClr r="0" g="0" b="0"/>
+      </a:effectRef>
+      <a:fontRef idx="minor"/>
+    </dgm:style>
+  </dgm:styleLbl>
+  <dgm:styleLbl name="alignAcc1">
+    <dgm:scene3d>
+      <a:camera prst="orthographicFront"/>
+      <a:lightRig rig="threePt" dir="t"/>
+    </dgm:scene3d>
+    <dgm:sp3d/>
+    <dgm:txPr/>
+    <dgm:style>
+      <a:lnRef idx="2">
+        <a:scrgbClr r="0" g="0" b="0"/>
+      </a:lnRef>
+      <a:fillRef idx="1">
+        <a:scrgbClr r="0" g="0" b="0"/>
+      </a:fillRef>
+      <a:effectRef idx="0">
+        <a:scrgbClr r="0" g="0" b="0"/>
+      </a:effectRef>
+      <a:fontRef idx="minor"/>
+    </dgm:style>
+  </dgm:styleLbl>
+  <dgm:styleLbl name="trAlignAcc1">
+    <dgm:scene3d>
+      <a:camera prst="orthographicFront"/>
+      <a:lightRig rig="threePt" dir="t"/>
+    </dgm:scene3d>
+    <dgm:sp3d/>
+    <dgm:txPr/>
+    <dgm:style>
+      <a:lnRef idx="1">
+        <a:scrgbClr r="0" g="0" b="0"/>
+      </a:lnRef>
+      <a:fillRef idx="1">
+        <a:scrgbClr r="0" g="0" b="0"/>
+      </a:fillRef>
+      <a:effectRef idx="0">
+        <a:scrgbClr r="0" g="0" b="0"/>
+      </a:effectRef>
+      <a:fontRef idx="minor"/>
+    </dgm:style>
+  </dgm:styleLbl>
+  <dgm:styleLbl name="bgAcc1">
+    <dgm:scene3d>
+      <a:camera prst="orthographicFront"/>
+      <a:lightRig rig="threePt" dir="t"/>
+    </dgm:scene3d>
+    <dgm:sp3d/>
+    <dgm:txPr/>
+    <dgm:style>
+      <a:lnRef idx="2">
+        <a:scrgbClr r="0" g="0" b="0"/>
+      </a:lnRef>
+      <a:fillRef idx="1">
+        <a:scrgbClr r="0" g="0" b="0"/>
+      </a:fillRef>
+      <a:effectRef idx="0">
+        <a:scrgbClr r="0" g="0" b="0"/>
+      </a:effectRef>
+      <a:fontRef idx="minor"/>
+    </dgm:style>
+  </dgm:styleLbl>
+  <dgm:styleLbl name="solidFgAcc1">
+    <dgm:scene3d>
+      <a:camera prst="orthographicFront"/>
+      <a:lightRig rig="threePt" dir="t"/>
+    </dgm:scene3d>
+    <dgm:sp3d/>
+    <dgm:txPr/>
+    <dgm:style>
+      <a:lnRef idx="2">
+        <a:scrgbClr r="0" g="0" b="0"/>
+      </a:lnRef>
+      <a:fillRef idx="1">
+        <a:scrgbClr r="0" g="0" b="0"/>
+      </a:fillRef>
+      <a:effectRef idx="0">
+        <a:scrgbClr r="0" g="0" b="0"/>
+      </a:effectRef>
+      <a:fontRef idx="minor"/>
+    </dgm:style>
+  </dgm:styleLbl>
+  <dgm:styleLbl name="solidAlignAcc1">
+    <dgm:scene3d>
+      <a:camera prst="orthographicFront"/>
+      <a:lightRig rig="threePt" dir="t"/>
+    </dgm:scene3d>
+    <dgm:sp3d/>
+    <dgm:txPr/>
+    <dgm:style>
+      <a:lnRef idx="2">
+        <a:scrgbClr r="0" g="0" b="0"/>
+      </a:lnRef>
+      <a:fillRef idx="1">
+        <a:scrgbClr r="0" g="0" b="0"/>
+      </a:fillRef>
+      <a:effectRef idx="0">
+        <a:scrgbClr r="0" g="0" b="0"/>
+      </a:effectRef>
+      <a:fontRef idx="minor"/>
+    </dgm:style>
+  </dgm:styleLbl>
+  <dgm:styleLbl name="solidBgAcc1">
+    <dgm:scene3d>
+      <a:camera prst="orthographicFront"/>
+      <a:lightRig rig="threePt" dir="t"/>
+    </dgm:scene3d>
+    <dgm:sp3d/>
+    <dgm:txPr/>
+    <dgm:style>
+      <a:lnRef idx="2">
+        <a:scrgbClr r="0" g="0" b="0"/>
+      </a:lnRef>
+      <a:fillRef idx="1">
+        <a:scrgbClr r="0" g="0" b="0"/>
+      </a:fillRef>
+      <a:effectRef idx="0">
+        <a:scrgbClr r="0" g="0" b="0"/>
+      </a:effectRef>
+      <a:fontRef idx="minor"/>
+    </dgm:style>
+  </dgm:styleLbl>
+  <dgm:styleLbl name="fgAccFollowNode1">
+    <dgm:scene3d>
+      <a:camera prst="orthographicFront"/>
+      <a:lightRig rig="threePt" dir="t"/>
+    </dgm:scene3d>
+    <dgm:sp3d/>
+    <dgm:txPr/>
+    <dgm:style>
+      <a:lnRef idx="2">
+        <a:scrgbClr r="0" g="0" b="0"/>
+      </a:lnRef>
+      <a:fillRef idx="1">
+        <a:scrgbClr r="0" g="0" b="0"/>
+      </a:fillRef>
+      <a:effectRef idx="0">
+        <a:scrgbClr r="0" g="0" b="0"/>
+      </a:effectRef>
+      <a:fontRef idx="minor"/>
+    </dgm:style>
+  </dgm:styleLbl>
+  <dgm:styleLbl name="alignAccFollowNode1">
+    <dgm:scene3d>
+      <a:camera prst="orthographicFront"/>
+      <a:lightRig rig="threePt" dir="t"/>
+    </dgm:scene3d>
+    <dgm:sp3d/>
+    <dgm:txPr/>
+    <dgm:style>
+      <a:lnRef idx="2">
+        <a:scrgbClr r="0" g="0" b="0"/>
+      </a:lnRef>
+      <a:fillRef idx="1">
+        <a:scrgbClr r="0" g="0" b="0"/>
+      </a:fillRef>
+      <a:effectRef idx="0">
+        <a:scrgbClr r="0" g="0" b="0"/>
+      </a:effectRef>
+      <a:fontRef idx="minor"/>
+    </dgm:style>
+  </dgm:styleLbl>
+  <dgm:styleLbl name="bgAccFollowNode1">
+    <dgm:scene3d>
+      <a:camera prst="orthographicFront"/>
+      <a:lightRig rig="threePt" dir="t"/>
+    </dgm:scene3d>
+    <dgm:sp3d/>
+    <dgm:txPr/>
+    <dgm:style>
+      <a:lnRef idx="2">
+        <a:scrgbClr r="0" g="0" b="0"/>
+      </a:lnRef>
+      <a:fillRef idx="1">
+        <a:scrgbClr r="0" g="0" b="0"/>
+      </a:fillRef>
+      <a:effectRef idx="0">
+        <a:scrgbClr r="0" g="0" b="0"/>
+      </a:effectRef>
+      <a:fontRef idx="minor"/>
+    </dgm:style>
+  </dgm:styleLbl>
+  <dgm:styleLbl name="fgAcc0">
+    <dgm:scene3d>
+      <a:camera prst="orthographicFront"/>
+      <a:lightRig rig="threePt" dir="t"/>
+    </dgm:scene3d>
+    <dgm:sp3d/>
+    <dgm:txPr/>
+    <dgm:style>
+      <a:lnRef idx="2">
+        <a:scrgbClr r="0" g="0" b="0"/>
+      </a:lnRef>
+      <a:fillRef idx="1">
+        <a:scrgbClr r="0" g="0" b="0"/>
+      </a:fillRef>
+      <a:effectRef idx="0">
+        <a:scrgbClr r="0" g="0" b="0"/>
+      </a:effectRef>
+      <a:fontRef idx="minor"/>
+    </dgm:style>
+  </dgm:styleLbl>
+  <dgm:styleLbl name="fgAcc2">
+    <dgm:scene3d>
+      <a:camera prst="orthographicFront"/>
+      <a:lightRig rig="threePt" dir="t"/>
+    </dgm:scene3d>
+    <dgm:sp3d/>
+    <dgm:txPr/>
+    <dgm:style>
+      <a:lnRef idx="2">
+        <a:scrgbClr r="0" g="0" b="0"/>
+      </a:lnRef>
+      <a:fillRef idx="1">
+        <a:scrgbClr r="0" g="0" b="0"/>
+      </a:fillRef>
+      <a:effectRef idx="0">
+        <a:scrgbClr r="0" g="0" b="0"/>
+      </a:effectRef>
+      <a:fontRef idx="minor"/>
+    </dgm:style>
+  </dgm:styleLbl>
+  <dgm:styleLbl name="fgAcc3">
+    <dgm:scene3d>
+      <a:camera prst="orthographicFront"/>
+      <a:lightRig rig="threePt" dir="t"/>
+    </dgm:scene3d>
+    <dgm:sp3d/>
+    <dgm:txPr/>
+    <dgm:style>
+      <a:lnRef idx="2">
+        <a:scrgbClr r="0" g="0" b="0"/>
+      </a:lnRef>
+      <a:fillRef idx="1">
+        <a:scrgbClr r="0" g="0" b="0"/>
+      </a:fillRef>
+      <a:effectRef idx="0">
+        <a:scrgbClr r="0" g="0" b="0"/>
+      </a:effectRef>
+      <a:fontRef idx="minor"/>
+    </dgm:style>
+  </dgm:styleLbl>
+  <dgm:styleLbl name="fgAcc4">
+    <dgm:scene3d>
+      <a:camera prst="orthographicFront"/>
+      <a:lightRig rig="threePt" dir="t"/>
+    </dgm:scene3d>
+    <dgm:sp3d/>
+    <dgm:txPr/>
+    <dgm:style>
+      <a:lnRef idx="2">
+        <a:scrgbClr r="0" g="0" b="0"/>
+      </a:lnRef>
+      <a:fillRef idx="1">
+        <a:scrgbClr r="0" g="0" b="0"/>
+      </a:fillRef>
+      <a:effectRef idx="0">
+        <a:scrgbClr r="0" g="0" b="0"/>
+      </a:effectRef>
+      <a:fontRef idx="minor"/>
+    </dgm:style>
+  </dgm:styleLbl>
+  <dgm:styleLbl name="bgShp">
+    <dgm:scene3d>
+      <a:camera prst="orthographicFront"/>
+      <a:lightRig rig="threePt" dir="t"/>
+    </dgm:scene3d>
+    <dgm:sp3d/>
+    <dgm:txPr/>
+    <dgm:style>
+      <a:lnRef idx="0">
+        <a:scrgbClr r="0" g="0" b="0"/>
+      </a:lnRef>
+      <a:fillRef idx="1">
+        <a:scrgbClr r="0" g="0" b="0"/>
+      </a:fillRef>
+      <a:effectRef idx="0">
+        <a:scrgbClr r="0" g="0" b="0"/>
+      </a:effectRef>
+      <a:fontRef idx="minor"/>
+    </dgm:style>
+  </dgm:styleLbl>
+  <dgm:styleLbl name="dkBgShp">
+    <dgm:scene3d>
+      <a:camera prst="orthographicFront"/>
+      <a:lightRig rig="threePt" dir="t"/>
+    </dgm:scene3d>
+    <dgm:sp3d/>
+    <dgm:txPr/>
+    <dgm:style>
+      <a:lnRef idx="0">
+        <a:scrgbClr r="0" g="0" b="0"/>
+      </a:lnRef>
+      <a:fillRef idx="1">
+        <a:scrgbClr r="0" g="0" b="0"/>
+      </a:fillRef>
+      <a:effectRef idx="0">
+        <a:scrgbClr r="0" g="0" b="0"/>
+      </a:effectRef>
+      <a:fontRef idx="minor"/>
+    </dgm:style>
+  </dgm:styleLbl>
+  <dgm:styleLbl name="trBgShp">
+    <dgm:scene3d>
+      <a:camera prst="orthographicFront"/>
+      <a:lightRig rig="threePt" dir="t"/>
+    </dgm:scene3d>
+    <dgm:sp3d/>
+    <dgm:txPr/>
+    <dgm:style>
+      <a:lnRef idx="0">
+        <a:scrgbClr r="0" g="0" b="0"/>
+      </a:lnRef>
+      <a:fillRef idx="1">
+        <a:scrgbClr r="0" g="0" b="0"/>
+      </a:fillRef>
+      <a:effectRef idx="0">
+        <a:scrgbClr r="0" g="0" b="0"/>
+      </a:effectRef>
+      <a:fontRef idx="minor"/>
+    </dgm:style>
+  </dgm:styleLbl>
+  <dgm:styleLbl name="fgShp">
+    <dgm:scene3d>
+      <a:camera prst="orthographicFront"/>
+      <a:lightRig rig="threePt" dir="t"/>
+    </dgm:scene3d>
+    <dgm:sp3d/>
+    <dgm:txPr/>
+    <dgm:style>
+      <a:lnRef idx="3">
+        <a:scrgbClr r="0" g="0" b="0"/>
+      </a:lnRef>
+      <a:fillRef idx="1">
+        <a:scrgbClr r="0" g="0" b="0"/>
+      </a:fillRef>
+      <a:effectRef idx="1">
         <a:scrgbClr r="0" g="0" b="0"/>
       </a:effectRef>
       <a:fontRef idx="minor"/>
@@ -20988,6 +23808,13 @@
   <p:clrMapOvr>
     <a:masterClrMapping/>
   </p:clrMapOvr>
+  <p:timing>
+    <p:tnLst>
+      <p:par>
+        <p:cTn id="1" dur="indefinite" restart="never" nodeType="tmRoot"/>
+      </p:par>
+    </p:tnLst>
+  </p:timing>
 </p:sld>
 </file>
 
@@ -21031,54 +23858,31 @@
           </a:p>
         </p:txBody>
       </p:sp>
-      <p:sp>
-        <p:nvSpPr>
-          <p:cNvPr id="3" name="Content Placeholder 2"/>
-          <p:cNvSpPr>
-            <a:spLocks noGrp="1"/>
-          </p:cNvSpPr>
+      <p:graphicFrame>
+        <p:nvGraphicFramePr>
+          <p:cNvPr id="4" name="Content Placeholder 3"/>
+          <p:cNvGraphicFramePr>
+            <a:graphicFrameLocks noGrp="1"/>
+          </p:cNvGraphicFramePr>
           <p:nvPr>
             <p:ph idx="1"/>
+            <p:extLst>
+              <p:ext uri="{D42A27DB-BD31-4B8C-83A1-F6EECF244321}">
+                <p14:modId xmlns:p14="http://schemas.microsoft.com/office/powerpoint/2010/main" val="2889395843"/>
+              </p:ext>
+            </p:extLst>
           </p:nvPr>
-        </p:nvSpPr>
-        <p:spPr/>
-        <p:txBody>
-          <a:bodyPr>
-            <a:normAutofit/>
-          </a:bodyPr>
-          <a:lstStyle/>
-          <a:p>
-            <a:r>
-              <a:rPr lang="en-US" dirty="0" smtClean="0"/>
-              <a:t>Build Multi-class classifier</a:t>
-            </a:r>
-          </a:p>
-          <a:p>
-            <a:r>
-              <a:rPr lang="en-US" dirty="0" smtClean="0"/>
-              <a:t>Hyper parameter tuning</a:t>
-            </a:r>
-          </a:p>
-          <a:p>
-            <a:r>
-              <a:rPr lang="en-US" dirty="0"/>
-              <a:t>Predict </a:t>
-            </a:r>
-            <a:r>
-              <a:rPr lang="en-US" dirty="0" err="1" smtClean="0"/>
-              <a:t>api</a:t>
-            </a:r>
-            <a:endParaRPr lang="en-US" dirty="0" smtClean="0"/>
-          </a:p>
-          <a:p>
-            <a:r>
-              <a:rPr lang="en-US" dirty="0" smtClean="0"/>
-              <a:t>Flask App </a:t>
-            </a:r>
-            <a:endParaRPr lang="en-US" dirty="0"/>
-          </a:p>
-        </p:txBody>
-      </p:sp>
+        </p:nvGraphicFramePr>
+        <p:xfrm>
+          <a:off x="457200" y="1600200"/>
+          <a:ext cx="8229600" cy="4525963"/>
+        </p:xfrm>
+        <a:graphic>
+          <a:graphicData uri="http://schemas.openxmlformats.org/drawingml/2006/diagram">
+            <dgm:relIds xmlns:dgm="http://schemas.openxmlformats.org/drawingml/2006/diagram" xmlns:r="http://schemas.openxmlformats.org/officeDocument/2006/relationships" r:dm="rId2" r:lo="rId3" r:qs="rId4" r:cs="rId5"/>
+          </a:graphicData>
+        </a:graphic>
+      </p:graphicFrame>
     </p:spTree>
     <p:extLst>
       <p:ext uri="{BB962C8B-B14F-4D97-AF65-F5344CB8AC3E}">
@@ -21089,6 +23893,13 @@
   <p:clrMapOvr>
     <a:masterClrMapping/>
   </p:clrMapOvr>
+  <p:timing>
+    <p:tnLst>
+      <p:par>
+        <p:cTn id="1" dur="indefinite" restart="never" nodeType="tmRoot"/>
+      </p:par>
+    </p:tnLst>
+  </p:timing>
 </p:sld>
 </file>
 
@@ -21161,6 +23972,13 @@
   <p:clrMapOvr>
     <a:masterClrMapping/>
   </p:clrMapOvr>
+  <p:timing>
+    <p:tnLst>
+      <p:par>
+        <p:cTn id="1" dur="indefinite" restart="never" nodeType="tmRoot"/>
+      </p:par>
+    </p:tnLst>
+  </p:timing>
 </p:sld>
 </file>
 
@@ -21239,6 +24057,13 @@
   <p:clrMapOvr>
     <a:masterClrMapping/>
   </p:clrMapOvr>
+  <p:timing>
+    <p:tnLst>
+      <p:par>
+        <p:cTn id="1" dur="indefinite" restart="never" nodeType="tmRoot"/>
+      </p:par>
+    </p:tnLst>
+  </p:timing>
 </p:sld>
 </file>
 
@@ -21317,6 +24142,13 @@
   <p:clrMapOvr>
     <a:masterClrMapping/>
   </p:clrMapOvr>
+  <p:timing>
+    <p:tnLst>
+      <p:par>
+        <p:cTn id="1" dur="indefinite" restart="never" nodeType="tmRoot"/>
+      </p:par>
+    </p:tnLst>
+  </p:timing>
 </p:sld>
 </file>
 
@@ -21395,6 +24227,13 @@
   <p:clrMapOvr>
     <a:masterClrMapping/>
   </p:clrMapOvr>
+  <p:timing>
+    <p:tnLst>
+      <p:par>
+        <p:cTn id="1" dur="indefinite" restart="never" nodeType="tmRoot"/>
+      </p:par>
+    </p:tnLst>
+  </p:timing>
 </p:sld>
 </file>
 
@@ -21569,6 +24408,13 @@
   <p:clrMapOvr>
     <a:masterClrMapping/>
   </p:clrMapOvr>
+  <p:timing>
+    <p:tnLst>
+      <p:par>
+        <p:cTn id="1" dur="indefinite" restart="never" nodeType="tmRoot"/>
+      </p:par>
+    </p:tnLst>
+  </p:timing>
 </p:sld>
 </file>
 
@@ -21972,6 +24818,13 @@
   <p:clrMapOvr>
     <a:masterClrMapping/>
   </p:clrMapOvr>
+  <p:timing>
+    <p:tnLst>
+      <p:par>
+        <p:cTn id="1" dur="indefinite" restart="never" nodeType="tmRoot"/>
+      </p:par>
+    </p:tnLst>
+  </p:timing>
 </p:sld>
 </file>
 
@@ -22185,6 +25038,13 @@
   <p:clrMapOvr>
     <a:masterClrMapping/>
   </p:clrMapOvr>
+  <p:timing>
+    <p:tnLst>
+      <p:par>
+        <p:cTn id="1" dur="indefinite" restart="never" nodeType="tmRoot"/>
+      </p:par>
+    </p:tnLst>
+  </p:timing>
 </p:sld>
 </file>
 
@@ -22301,6 +25161,13 @@
   <p:clrMapOvr>
     <a:masterClrMapping/>
   </p:clrMapOvr>
+  <p:timing>
+    <p:tnLst>
+      <p:par>
+        <p:cTn id="1" dur="indefinite" restart="never" nodeType="tmRoot"/>
+      </p:par>
+    </p:tnLst>
+  </p:timing>
 </p:sld>
 </file>
 
@@ -22509,6 +25376,13 @@
   <p:clrMapOvr>
     <a:masterClrMapping/>
   </p:clrMapOvr>
+  <p:timing>
+    <p:tnLst>
+      <p:par>
+        <p:cTn id="1" dur="indefinite" restart="never" nodeType="tmRoot"/>
+      </p:par>
+    </p:tnLst>
+  </p:timing>
 </p:sld>
 </file>
 

--- a/presentation/DocReach.pptx
+++ b/presentation/DocReach.pptx
@@ -5,7 +5,7 @@
     <p:sldMasterId id="2147483732" r:id="rId1"/>
   </p:sldMasterIdLst>
   <p:notesMasterIdLst>
-    <p:notesMasterId r:id="rId13"/>
+    <p:notesMasterId r:id="rId14"/>
   </p:notesMasterIdLst>
   <p:sldIdLst>
     <p:sldId id="256" r:id="rId2"/>
@@ -16,9 +16,10 @@
     <p:sldId id="264" r:id="rId7"/>
     <p:sldId id="265" r:id="rId8"/>
     <p:sldId id="257" r:id="rId9"/>
-    <p:sldId id="259" r:id="rId10"/>
-    <p:sldId id="266" r:id="rId11"/>
-    <p:sldId id="260" r:id="rId12"/>
+    <p:sldId id="267" r:id="rId10"/>
+    <p:sldId id="259" r:id="rId11"/>
+    <p:sldId id="266" r:id="rId12"/>
+    <p:sldId id="260" r:id="rId13"/>
   </p:sldIdLst>
   <p:sldSz cx="9144000" cy="6858000" type="screen4x3"/>
   <p:notesSz cx="6858000" cy="9144000"/>
@@ -5874,6 +5875,13 @@
         </dgm:presLayoutVars>
       </dgm:prSet>
       <dgm:spPr/>
+      <dgm:t>
+        <a:bodyPr/>
+        <a:lstStyle/>
+        <a:p>
+          <a:endParaRPr lang="en-US"/>
+        </a:p>
+      </dgm:t>
     </dgm:pt>
     <dgm:pt modelId="{16801CA7-7EB5-4140-8EB1-842B4E1A1EC9}" type="pres">
       <dgm:prSet presAssocID="{57F322A9-333F-419D-AE22-875C0EA7EB18}" presName="node" presStyleLbl="node1" presStyleIdx="0" presStyleCnt="1">
@@ -5882,12 +5890,19 @@
         </dgm:presLayoutVars>
       </dgm:prSet>
       <dgm:spPr/>
+      <dgm:t>
+        <a:bodyPr/>
+        <a:lstStyle/>
+        <a:p>
+          <a:endParaRPr lang="en-US"/>
+        </a:p>
+      </dgm:t>
     </dgm:pt>
   </dgm:ptLst>
   <dgm:cxnLst>
+    <dgm:cxn modelId="{CDE534AF-ACC3-4396-A219-62D79F22D4CF}" srcId="{2C90EF70-7CA9-49BA-B0CF-70F45D9257E4}" destId="{57F322A9-333F-419D-AE22-875C0EA7EB18}" srcOrd="0" destOrd="0" parTransId="{C7BE7324-D02C-4D6E-B402-9361E6A354CB}" sibTransId="{48530BD6-D425-4673-A93F-2E670A1C398D}"/>
     <dgm:cxn modelId="{7382CA67-2D60-4E7F-A436-DDCCC0A9111D}" type="presOf" srcId="{57F322A9-333F-419D-AE22-875C0EA7EB18}" destId="{16801CA7-7EB5-4140-8EB1-842B4E1A1EC9}" srcOrd="0" destOrd="0" presId="urn:microsoft.com/office/officeart/2005/8/layout/default"/>
     <dgm:cxn modelId="{9D07CC3E-2268-4915-B000-73467CAD392A}" type="presOf" srcId="{2C90EF70-7CA9-49BA-B0CF-70F45D9257E4}" destId="{13D103D2-BE7F-4956-8041-B96571F7B41D}" srcOrd="0" destOrd="0" presId="urn:microsoft.com/office/officeart/2005/8/layout/default"/>
-    <dgm:cxn modelId="{CDE534AF-ACC3-4396-A219-62D79F22D4CF}" srcId="{2C90EF70-7CA9-49BA-B0CF-70F45D9257E4}" destId="{57F322A9-333F-419D-AE22-875C0EA7EB18}" srcOrd="0" destOrd="0" parTransId="{C7BE7324-D02C-4D6E-B402-9361E6A354CB}" sibTransId="{48530BD6-D425-4673-A93F-2E670A1C398D}"/>
     <dgm:cxn modelId="{CEF5F79F-4983-496B-B7CA-E549AD33CDEF}" type="presParOf" srcId="{13D103D2-BE7F-4956-8041-B96571F7B41D}" destId="{16801CA7-7EB5-4140-8EB1-842B4E1A1EC9}" srcOrd="0" destOrd="0" presId="urn:microsoft.com/office/officeart/2005/8/layout/default"/>
   </dgm:cxnLst>
   <dgm:bg/>
@@ -5962,6 +5977,13 @@
         </dgm:presLayoutVars>
       </dgm:prSet>
       <dgm:spPr/>
+      <dgm:t>
+        <a:bodyPr/>
+        <a:lstStyle/>
+        <a:p>
+          <a:endParaRPr lang="en-US"/>
+        </a:p>
+      </dgm:t>
     </dgm:pt>
     <dgm:pt modelId="{F6D2B94C-0DA8-4B95-9A38-A62B948F73E7}" type="pres">
       <dgm:prSet presAssocID="{DFF55C3A-BCE5-4FA7-8082-098528A0B4A1}" presName="circle1" presStyleLbl="node1" presStyleIdx="0" presStyleCnt="1"/>
@@ -5974,6 +5996,13 @@
     <dgm:pt modelId="{A565BAC1-21CA-4644-A94A-0D19FC8A1A1C}" type="pres">
       <dgm:prSet presAssocID="{DFF55C3A-BCE5-4FA7-8082-098528A0B4A1}" presName="rect1" presStyleLbl="alignAcc1" presStyleIdx="0" presStyleCnt="1"/>
       <dgm:spPr/>
+      <dgm:t>
+        <a:bodyPr/>
+        <a:lstStyle/>
+        <a:p>
+          <a:endParaRPr lang="en-US"/>
+        </a:p>
+      </dgm:t>
     </dgm:pt>
     <dgm:pt modelId="{20712029-7339-4251-B8E0-1E8F4AB8EECC}" type="pres">
       <dgm:prSet presAssocID="{DFF55C3A-BCE5-4FA7-8082-098528A0B4A1}" presName="rect1ParTxNoCh" presStyleLbl="alignAcc1" presStyleIdx="0" presStyleCnt="1">
@@ -5983,6 +6012,13 @@
         </dgm:presLayoutVars>
       </dgm:prSet>
       <dgm:spPr/>
+      <dgm:t>
+        <a:bodyPr/>
+        <a:lstStyle/>
+        <a:p>
+          <a:endParaRPr lang="en-US"/>
+        </a:p>
+      </dgm:t>
     </dgm:pt>
   </dgm:ptLst>
   <dgm:cxnLst>
@@ -6293,6 +6329,13 @@
         </dgm:presLayoutVars>
       </dgm:prSet>
       <dgm:spPr/>
+      <dgm:t>
+        <a:bodyPr/>
+        <a:lstStyle/>
+        <a:p>
+          <a:endParaRPr lang="en-US"/>
+        </a:p>
+      </dgm:t>
     </dgm:pt>
     <dgm:pt modelId="{9E83CAA0-9D91-4E74-B152-DF7322C7F179}" type="pres">
       <dgm:prSet presAssocID="{56FD9A19-DB55-4BF4-B407-620BB24BE099}" presName="arrow" presStyleLbl="bgShp" presStyleIdx="0" presStyleCnt="1"/>
@@ -6309,6 +6352,13 @@
         </dgm:presLayoutVars>
       </dgm:prSet>
       <dgm:spPr/>
+      <dgm:t>
+        <a:bodyPr/>
+        <a:lstStyle/>
+        <a:p>
+          <a:endParaRPr lang="en-US"/>
+        </a:p>
+      </dgm:t>
     </dgm:pt>
     <dgm:pt modelId="{5B9162AB-7C92-46E2-9598-82D1A3EE5516}" type="pres">
       <dgm:prSet presAssocID="{E8A51B3A-253C-4B67-AF53-8812532233EE}" presName="sibTrans" presStyleCnt="0"/>
@@ -6321,6 +6371,13 @@
         </dgm:presLayoutVars>
       </dgm:prSet>
       <dgm:spPr/>
+      <dgm:t>
+        <a:bodyPr/>
+        <a:lstStyle/>
+        <a:p>
+          <a:endParaRPr lang="en-US"/>
+        </a:p>
+      </dgm:t>
     </dgm:pt>
     <dgm:pt modelId="{DB0C92AC-74AA-402E-9D55-D1CD08555A8B}" type="pres">
       <dgm:prSet presAssocID="{02381099-D145-4778-B157-F0E4C58D1B20}" presName="sibTrans" presStyleCnt="0"/>
@@ -6333,6 +6390,13 @@
         </dgm:presLayoutVars>
       </dgm:prSet>
       <dgm:spPr/>
+      <dgm:t>
+        <a:bodyPr/>
+        <a:lstStyle/>
+        <a:p>
+          <a:endParaRPr lang="en-US"/>
+        </a:p>
+      </dgm:t>
     </dgm:pt>
     <dgm:pt modelId="{BE97D4DE-2063-487B-AA5B-FE401F1FE5E1}" type="pres">
       <dgm:prSet presAssocID="{C9F7B521-652E-41B3-862C-E7844443E074}" presName="sibTrans" presStyleCnt="0"/>
@@ -6345,6 +6409,13 @@
         </dgm:presLayoutVars>
       </dgm:prSet>
       <dgm:spPr/>
+      <dgm:t>
+        <a:bodyPr/>
+        <a:lstStyle/>
+        <a:p>
+          <a:endParaRPr lang="en-US"/>
+        </a:p>
+      </dgm:t>
     </dgm:pt>
     <dgm:pt modelId="{08123BDF-2203-4B5A-87D1-08CF91DE46BD}" type="pres">
       <dgm:prSet presAssocID="{199103AB-2F68-4191-BDCB-B5F3FE1E367C}" presName="sibTrans" presStyleCnt="0"/>
@@ -6357,6 +6428,13 @@
         </dgm:presLayoutVars>
       </dgm:prSet>
       <dgm:spPr/>
+      <dgm:t>
+        <a:bodyPr/>
+        <a:lstStyle/>
+        <a:p>
+          <a:endParaRPr lang="en-US"/>
+        </a:p>
+      </dgm:t>
     </dgm:pt>
     <dgm:pt modelId="{241FF383-ABAC-4751-A2E3-9D6FEBBAE0A5}" type="pres">
       <dgm:prSet presAssocID="{FE4D69A7-0B9E-49A3-A412-422015EC112B}" presName="sibTrans" presStyleCnt="0"/>
@@ -6369,6 +6447,13 @@
         </dgm:presLayoutVars>
       </dgm:prSet>
       <dgm:spPr/>
+      <dgm:t>
+        <a:bodyPr/>
+        <a:lstStyle/>
+        <a:p>
+          <a:endParaRPr lang="en-US"/>
+        </a:p>
+      </dgm:t>
     </dgm:pt>
     <dgm:pt modelId="{21478C64-6FC8-482F-864D-42AAC4D703E9}" type="pres">
       <dgm:prSet presAssocID="{22D4E9FA-C51E-4992-A9E2-B357765001D2}" presName="sibTrans" presStyleCnt="0"/>
@@ -6381,24 +6466,31 @@
         </dgm:presLayoutVars>
       </dgm:prSet>
       <dgm:spPr/>
+      <dgm:t>
+        <a:bodyPr/>
+        <a:lstStyle/>
+        <a:p>
+          <a:endParaRPr lang="en-US"/>
+        </a:p>
+      </dgm:t>
     </dgm:pt>
   </dgm:ptLst>
   <dgm:cxnLst>
     <dgm:cxn modelId="{2B61D3DC-CBE4-4B90-BDD9-41EA91526739}" type="presOf" srcId="{12F1C29D-93A7-4CC6-A433-94C6E343F153}" destId="{D4CFB313-A587-4787-9AE6-0155AB890997}" srcOrd="0" destOrd="0" presId="urn:microsoft.com/office/officeart/2005/8/layout/hProcess9"/>
+    <dgm:cxn modelId="{7AE118EC-76FB-4F19-8B63-AB2EE0C406C1}" srcId="{56FD9A19-DB55-4BF4-B407-620BB24BE099}" destId="{00D0601D-7D18-4953-A5F5-84EC28679740}" srcOrd="2" destOrd="0" parTransId="{AECC9765-AFE7-4B5A-8526-8DF07C134AF9}" sibTransId="{C9F7B521-652E-41B3-862C-E7844443E074}"/>
+    <dgm:cxn modelId="{3D021FC2-EB40-466D-9B5C-84136DF736C1}" srcId="{56FD9A19-DB55-4BF4-B407-620BB24BE099}" destId="{0E404470-BD1C-4731-8CCE-3E991DB8CCA1}" srcOrd="3" destOrd="0" parTransId="{05828214-680E-430F-BF6F-0DEF12CF5E7B}" sibTransId="{199103AB-2F68-4191-BDCB-B5F3FE1E367C}"/>
+    <dgm:cxn modelId="{F06EF0DE-2A2C-4AAC-9130-3AC5EDF439E0}" srcId="{56FD9A19-DB55-4BF4-B407-620BB24BE099}" destId="{5C1B7F03-AA58-436B-825A-894BE5B930C7}" srcOrd="5" destOrd="0" parTransId="{0C6FA6EF-81D0-4410-B439-E6A74D706DCD}" sibTransId="{22D4E9FA-C51E-4992-A9E2-B357765001D2}"/>
     <dgm:cxn modelId="{516C9595-3AF6-4318-9BFC-6EC5CF16C71A}" type="presOf" srcId="{0CBD97DD-D293-4518-A351-7CB3EDE3F80F}" destId="{9C4AB749-F86B-4030-B4B3-072F30D1DDED}" srcOrd="0" destOrd="0" presId="urn:microsoft.com/office/officeart/2005/8/layout/hProcess9"/>
-    <dgm:cxn modelId="{F06EF0DE-2A2C-4AAC-9130-3AC5EDF439E0}" srcId="{56FD9A19-DB55-4BF4-B407-620BB24BE099}" destId="{5C1B7F03-AA58-436B-825A-894BE5B930C7}" srcOrd="5" destOrd="0" parTransId="{0C6FA6EF-81D0-4410-B439-E6A74D706DCD}" sibTransId="{22D4E9FA-C51E-4992-A9E2-B357765001D2}"/>
+    <dgm:cxn modelId="{FDAEF6E4-06FA-46A1-BA52-9EACAE584698}" srcId="{56FD9A19-DB55-4BF4-B407-620BB24BE099}" destId="{EAFA7497-0A9E-4CA4-8BFE-41A8D6AB3598}" srcOrd="4" destOrd="0" parTransId="{8504DCC2-43B6-4A66-B930-7E7A268AB409}" sibTransId="{FE4D69A7-0B9E-49A3-A412-422015EC112B}"/>
+    <dgm:cxn modelId="{B985D95F-D6D7-45AD-BD70-7A77038FC5A7}" type="presOf" srcId="{6E535651-15F6-498F-AF33-C889C43B1366}" destId="{87952B51-C412-4F4C-A19C-38B28DB34C43}" srcOrd="0" destOrd="0" presId="urn:microsoft.com/office/officeart/2005/8/layout/hProcess9"/>
+    <dgm:cxn modelId="{5C8A6366-E8AC-4721-9224-3C2BEF0EEF5B}" type="presOf" srcId="{EAFA7497-0A9E-4CA4-8BFE-41A8D6AB3598}" destId="{E2531907-185F-4C7F-BA60-2DD7D3B07CEF}" srcOrd="0" destOrd="0" presId="urn:microsoft.com/office/officeart/2005/8/layout/hProcess9"/>
+    <dgm:cxn modelId="{E75C1AC8-58CD-4DE8-A786-0E68D0CBBB36}" type="presOf" srcId="{00D0601D-7D18-4953-A5F5-84EC28679740}" destId="{968A7CEC-6B41-4B04-B535-B53317756137}" srcOrd="0" destOrd="0" presId="urn:microsoft.com/office/officeart/2005/8/layout/hProcess9"/>
+    <dgm:cxn modelId="{DE24C948-66F4-43CD-9DEB-B0B25DE6B654}" type="presOf" srcId="{5C1B7F03-AA58-436B-825A-894BE5B930C7}" destId="{1CBD25F9-D8B0-4E2E-9FF4-5B2CE4DDA913}" srcOrd="0" destOrd="0" presId="urn:microsoft.com/office/officeart/2005/8/layout/hProcess9"/>
     <dgm:cxn modelId="{6EBD292F-1E87-4499-92E2-03FC658AC2F1}" type="presOf" srcId="{0E404470-BD1C-4731-8CCE-3E991DB8CCA1}" destId="{D4625C03-64CA-4795-8085-EA00EF1FD171}" srcOrd="0" destOrd="0" presId="urn:microsoft.com/office/officeart/2005/8/layout/hProcess9"/>
-    <dgm:cxn modelId="{DE24C948-66F4-43CD-9DEB-B0B25DE6B654}" type="presOf" srcId="{5C1B7F03-AA58-436B-825A-894BE5B930C7}" destId="{1CBD25F9-D8B0-4E2E-9FF4-5B2CE4DDA913}" srcOrd="0" destOrd="0" presId="urn:microsoft.com/office/officeart/2005/8/layout/hProcess9"/>
-    <dgm:cxn modelId="{B985D95F-D6D7-45AD-BD70-7A77038FC5A7}" type="presOf" srcId="{6E535651-15F6-498F-AF33-C889C43B1366}" destId="{87952B51-C412-4F4C-A19C-38B28DB34C43}" srcOrd="0" destOrd="0" presId="urn:microsoft.com/office/officeart/2005/8/layout/hProcess9"/>
+    <dgm:cxn modelId="{C2A8B07E-EA2E-429C-940D-5FA22DF32ACB}" srcId="{56FD9A19-DB55-4BF4-B407-620BB24BE099}" destId="{12F1C29D-93A7-4CC6-A433-94C6E343F153}" srcOrd="6" destOrd="0" parTransId="{2266E4D4-9DB5-4673-B538-51119DB1E137}" sibTransId="{4F6F0F06-DA33-4133-83A2-54ACB465A291}"/>
+    <dgm:cxn modelId="{D7FF569F-8258-4107-B319-F47274D339DF}" type="presOf" srcId="{56FD9A19-DB55-4BF4-B407-620BB24BE099}" destId="{83D74BD9-A70F-432E-BF6C-89D9EAA2628E}" srcOrd="0" destOrd="0" presId="urn:microsoft.com/office/officeart/2005/8/layout/hProcess9"/>
+    <dgm:cxn modelId="{A68F9BD2-9BDE-4C17-AA67-09BECD32E260}" srcId="{56FD9A19-DB55-4BF4-B407-620BB24BE099}" destId="{6E535651-15F6-498F-AF33-C889C43B1366}" srcOrd="1" destOrd="0" parTransId="{871E786A-7685-4918-A1BB-1A63822A779E}" sibTransId="{02381099-D145-4778-B157-F0E4C58D1B20}"/>
     <dgm:cxn modelId="{1E8858C1-A99B-4AEC-9ABF-A33F1B5B8477}" srcId="{56FD9A19-DB55-4BF4-B407-620BB24BE099}" destId="{0CBD97DD-D293-4518-A351-7CB3EDE3F80F}" srcOrd="0" destOrd="0" parTransId="{9C5A147C-4C3A-4665-9BEE-2ACFBE51AC19}" sibTransId="{E8A51B3A-253C-4B67-AF53-8812532233EE}"/>
-    <dgm:cxn modelId="{5C8A6366-E8AC-4721-9224-3C2BEF0EEF5B}" type="presOf" srcId="{EAFA7497-0A9E-4CA4-8BFE-41A8D6AB3598}" destId="{E2531907-185F-4C7F-BA60-2DD7D3B07CEF}" srcOrd="0" destOrd="0" presId="urn:microsoft.com/office/officeart/2005/8/layout/hProcess9"/>
-    <dgm:cxn modelId="{7AE118EC-76FB-4F19-8B63-AB2EE0C406C1}" srcId="{56FD9A19-DB55-4BF4-B407-620BB24BE099}" destId="{00D0601D-7D18-4953-A5F5-84EC28679740}" srcOrd="2" destOrd="0" parTransId="{AECC9765-AFE7-4B5A-8526-8DF07C134AF9}" sibTransId="{C9F7B521-652E-41B3-862C-E7844443E074}"/>
-    <dgm:cxn modelId="{E75C1AC8-58CD-4DE8-A786-0E68D0CBBB36}" type="presOf" srcId="{00D0601D-7D18-4953-A5F5-84EC28679740}" destId="{968A7CEC-6B41-4B04-B535-B53317756137}" srcOrd="0" destOrd="0" presId="urn:microsoft.com/office/officeart/2005/8/layout/hProcess9"/>
-    <dgm:cxn modelId="{C2A8B07E-EA2E-429C-940D-5FA22DF32ACB}" srcId="{56FD9A19-DB55-4BF4-B407-620BB24BE099}" destId="{12F1C29D-93A7-4CC6-A433-94C6E343F153}" srcOrd="6" destOrd="0" parTransId="{2266E4D4-9DB5-4673-B538-51119DB1E137}" sibTransId="{4F6F0F06-DA33-4133-83A2-54ACB465A291}"/>
-    <dgm:cxn modelId="{FDAEF6E4-06FA-46A1-BA52-9EACAE584698}" srcId="{56FD9A19-DB55-4BF4-B407-620BB24BE099}" destId="{EAFA7497-0A9E-4CA4-8BFE-41A8D6AB3598}" srcOrd="4" destOrd="0" parTransId="{8504DCC2-43B6-4A66-B930-7E7A268AB409}" sibTransId="{FE4D69A7-0B9E-49A3-A412-422015EC112B}"/>
-    <dgm:cxn modelId="{A68F9BD2-9BDE-4C17-AA67-09BECD32E260}" srcId="{56FD9A19-DB55-4BF4-B407-620BB24BE099}" destId="{6E535651-15F6-498F-AF33-C889C43B1366}" srcOrd="1" destOrd="0" parTransId="{871E786A-7685-4918-A1BB-1A63822A779E}" sibTransId="{02381099-D145-4778-B157-F0E4C58D1B20}"/>
-    <dgm:cxn modelId="{D7FF569F-8258-4107-B319-F47274D339DF}" type="presOf" srcId="{56FD9A19-DB55-4BF4-B407-620BB24BE099}" destId="{83D74BD9-A70F-432E-BF6C-89D9EAA2628E}" srcOrd="0" destOrd="0" presId="urn:microsoft.com/office/officeart/2005/8/layout/hProcess9"/>
-    <dgm:cxn modelId="{3D021FC2-EB40-466D-9B5C-84136DF736C1}" srcId="{56FD9A19-DB55-4BF4-B407-620BB24BE099}" destId="{0E404470-BD1C-4731-8CCE-3E991DB8CCA1}" srcOrd="3" destOrd="0" parTransId="{05828214-680E-430F-BF6F-0DEF12CF5E7B}" sibTransId="{199103AB-2F68-4191-BDCB-B5F3FE1E367C}"/>
     <dgm:cxn modelId="{FEF0F684-6F9C-40B2-8AC1-DEC1D30C7E7C}" type="presParOf" srcId="{83D74BD9-A70F-432E-BF6C-89D9EAA2628E}" destId="{9E83CAA0-9D91-4E74-B152-DF7322C7F179}" srcOrd="0" destOrd="0" presId="urn:microsoft.com/office/officeart/2005/8/layout/hProcess9"/>
     <dgm:cxn modelId="{668AD459-C564-400C-8F47-3A1185E00ED0}" type="presParOf" srcId="{83D74BD9-A70F-432E-BF6C-89D9EAA2628E}" destId="{9AE3773D-7617-4203-90F4-4FE617090387}" srcOrd="1" destOrd="0" presId="urn:microsoft.com/office/officeart/2005/8/layout/hProcess9"/>
     <dgm:cxn modelId="{F0BDE66D-DEBD-4A1F-BBFD-58C6CC82BF2C}" type="presParOf" srcId="{9AE3773D-7617-4203-90F4-4FE617090387}" destId="{9C4AB749-F86B-4030-B4B3-072F30D1DDED}" srcOrd="0" destOrd="0" presId="urn:microsoft.com/office/officeart/2005/8/layout/hProcess9"/>
@@ -6599,6 +6691,13 @@
         </dgm:presLayoutVars>
       </dgm:prSet>
       <dgm:spPr/>
+      <dgm:t>
+        <a:bodyPr/>
+        <a:lstStyle/>
+        <a:p>
+          <a:endParaRPr lang="en-US"/>
+        </a:p>
+      </dgm:t>
     </dgm:pt>
     <dgm:pt modelId="{0E540C91-6D1E-4759-9B61-49A57203A780}" type="pres">
       <dgm:prSet presAssocID="{2333C97A-BA59-4BF0-910C-6DCF300DB455}" presName="node" presStyleLbl="node1" presStyleIdx="0" presStyleCnt="4">
@@ -6611,14 +6710,35 @@
           <a:avLst/>
         </a:prstGeom>
       </dgm:spPr>
+      <dgm:t>
+        <a:bodyPr/>
+        <a:lstStyle/>
+        <a:p>
+          <a:endParaRPr lang="en-US"/>
+        </a:p>
+      </dgm:t>
     </dgm:pt>
     <dgm:pt modelId="{CA786245-F588-4D4F-8E9B-3591A56C2906}" type="pres">
       <dgm:prSet presAssocID="{ABCF6141-5583-4DE5-A87E-F34155EFF544}" presName="sibTrans" presStyleLbl="sibTrans2D1" presStyleIdx="0" presStyleCnt="3"/>
       <dgm:spPr/>
+      <dgm:t>
+        <a:bodyPr/>
+        <a:lstStyle/>
+        <a:p>
+          <a:endParaRPr lang="en-US"/>
+        </a:p>
+      </dgm:t>
     </dgm:pt>
     <dgm:pt modelId="{126B33C7-B3C2-422A-A89F-4C7A21EEDF4D}" type="pres">
       <dgm:prSet presAssocID="{ABCF6141-5583-4DE5-A87E-F34155EFF544}" presName="connectorText" presStyleLbl="sibTrans2D1" presStyleIdx="0" presStyleCnt="3"/>
       <dgm:spPr/>
+      <dgm:t>
+        <a:bodyPr/>
+        <a:lstStyle/>
+        <a:p>
+          <a:endParaRPr lang="en-US"/>
+        </a:p>
+      </dgm:t>
     </dgm:pt>
     <dgm:pt modelId="{DB4EA56A-C3E4-4630-8EB1-D5F8B0F101A0}" type="pres">
       <dgm:prSet presAssocID="{B666F6E4-6302-43B9-843E-8FE6BD9E8E9C}" presName="node" presStyleLbl="node1" presStyleIdx="1" presStyleCnt="4">
@@ -6627,14 +6747,35 @@
         </dgm:presLayoutVars>
       </dgm:prSet>
       <dgm:spPr/>
+      <dgm:t>
+        <a:bodyPr/>
+        <a:lstStyle/>
+        <a:p>
+          <a:endParaRPr lang="en-US"/>
+        </a:p>
+      </dgm:t>
     </dgm:pt>
     <dgm:pt modelId="{FDFDC67D-E407-4E5D-B23A-85D4D1103907}" type="pres">
       <dgm:prSet presAssocID="{772CDFF3-9F0E-4217-9E73-20E4BB80B3C3}" presName="sibTrans" presStyleLbl="sibTrans2D1" presStyleIdx="1" presStyleCnt="3"/>
       <dgm:spPr/>
+      <dgm:t>
+        <a:bodyPr/>
+        <a:lstStyle/>
+        <a:p>
+          <a:endParaRPr lang="en-US"/>
+        </a:p>
+      </dgm:t>
     </dgm:pt>
     <dgm:pt modelId="{2AD63B9A-41F9-4ADD-84E9-DC48D04126D2}" type="pres">
       <dgm:prSet presAssocID="{772CDFF3-9F0E-4217-9E73-20E4BB80B3C3}" presName="connectorText" presStyleLbl="sibTrans2D1" presStyleIdx="1" presStyleCnt="3"/>
       <dgm:spPr/>
+      <dgm:t>
+        <a:bodyPr/>
+        <a:lstStyle/>
+        <a:p>
+          <a:endParaRPr lang="en-US"/>
+        </a:p>
+      </dgm:t>
     </dgm:pt>
     <dgm:pt modelId="{436416D3-B92A-4E37-9DF8-AB2CA58669A3}" type="pres">
       <dgm:prSet presAssocID="{1C6DA80F-08D5-4A7D-BA3B-2062291A06F5}" presName="node" presStyleLbl="node1" presStyleIdx="2" presStyleCnt="4">
@@ -6647,14 +6788,35 @@
           <a:avLst/>
         </a:prstGeom>
       </dgm:spPr>
+      <dgm:t>
+        <a:bodyPr/>
+        <a:lstStyle/>
+        <a:p>
+          <a:endParaRPr lang="en-US"/>
+        </a:p>
+      </dgm:t>
     </dgm:pt>
     <dgm:pt modelId="{B6277DC1-05AF-4E9E-B378-7FBFE8B2228B}" type="pres">
       <dgm:prSet presAssocID="{A3E52691-81F7-4382-9D53-2A6C341B5ED6}" presName="sibTrans" presStyleLbl="sibTrans2D1" presStyleIdx="2" presStyleCnt="3"/>
       <dgm:spPr/>
+      <dgm:t>
+        <a:bodyPr/>
+        <a:lstStyle/>
+        <a:p>
+          <a:endParaRPr lang="en-US"/>
+        </a:p>
+      </dgm:t>
     </dgm:pt>
     <dgm:pt modelId="{A141E280-A956-4643-9562-814FF01AB630}" type="pres">
       <dgm:prSet presAssocID="{A3E52691-81F7-4382-9D53-2A6C341B5ED6}" presName="connectorText" presStyleLbl="sibTrans2D1" presStyleIdx="2" presStyleCnt="3"/>
       <dgm:spPr/>
+      <dgm:t>
+        <a:bodyPr/>
+        <a:lstStyle/>
+        <a:p>
+          <a:endParaRPr lang="en-US"/>
+        </a:p>
+      </dgm:t>
     </dgm:pt>
     <dgm:pt modelId="{6E342F74-A573-4A9A-8177-07179E67B93B}" type="pres">
       <dgm:prSet presAssocID="{0882C843-EC5B-4B1D-B4B1-2E1AB1FDC36F}" presName="node" presStyleLbl="node1" presStyleIdx="3" presStyleCnt="4">
@@ -6663,6 +6825,13 @@
         </dgm:presLayoutVars>
       </dgm:prSet>
       <dgm:spPr/>
+      <dgm:t>
+        <a:bodyPr/>
+        <a:lstStyle/>
+        <a:p>
+          <a:endParaRPr lang="en-US"/>
+        </a:p>
+      </dgm:t>
     </dgm:pt>
   </dgm:ptLst>
   <dgm:cxnLst>
@@ -6762,6 +6931,13 @@
         </dgm:presLayoutVars>
       </dgm:prSet>
       <dgm:spPr/>
+      <dgm:t>
+        <a:bodyPr/>
+        <a:lstStyle/>
+        <a:p>
+          <a:endParaRPr lang="en-US"/>
+        </a:p>
+      </dgm:t>
     </dgm:pt>
     <dgm:pt modelId="{0D15A354-B0A5-4376-ACC0-0066B5063C0D}" type="pres">
       <dgm:prSet presAssocID="{43C5339A-4D84-43FD-8BFF-FD5A0BE2BD9A}" presName="node" presStyleLbl="node1" presStyleIdx="0" presStyleCnt="1" custLinFactX="38181" custLinFactY="-125000" custLinFactNeighborX="100000" custLinFactNeighborY="-200000">
@@ -6774,12 +6950,19 @@
           <a:avLst/>
         </a:prstGeom>
       </dgm:spPr>
+      <dgm:t>
+        <a:bodyPr/>
+        <a:lstStyle/>
+        <a:p>
+          <a:endParaRPr lang="en-US"/>
+        </a:p>
+      </dgm:t>
     </dgm:pt>
   </dgm:ptLst>
   <dgm:cxnLst>
     <dgm:cxn modelId="{7E60EB51-AD5A-4949-8872-9DDC7F6D8544}" srcId="{AAB8FE16-43F0-4C0E-A4D7-059195D8D791}" destId="{43C5339A-4D84-43FD-8BFF-FD5A0BE2BD9A}" srcOrd="0" destOrd="0" parTransId="{3548CF64-750D-4C8A-B5CF-E6353AF71986}" sibTransId="{5C7BB67F-786B-4C9C-BD7F-144EC9B6186E}"/>
+    <dgm:cxn modelId="{D3962999-C17F-4227-8C5D-D5A6979E40B7}" type="presOf" srcId="{43C5339A-4D84-43FD-8BFF-FD5A0BE2BD9A}" destId="{0D15A354-B0A5-4376-ACC0-0066B5063C0D}" srcOrd="0" destOrd="0" presId="urn:microsoft.com/office/officeart/2005/8/layout/process1"/>
     <dgm:cxn modelId="{E0772149-CB21-4E39-B9D6-C0A528C71BDA}" type="presOf" srcId="{AAB8FE16-43F0-4C0E-A4D7-059195D8D791}" destId="{862EEC05-C701-40A8-A229-E4952200A14E}" srcOrd="0" destOrd="0" presId="urn:microsoft.com/office/officeart/2005/8/layout/process1"/>
-    <dgm:cxn modelId="{D3962999-C17F-4227-8C5D-D5A6979E40B7}" type="presOf" srcId="{43C5339A-4D84-43FD-8BFF-FD5A0BE2BD9A}" destId="{0D15A354-B0A5-4376-ACC0-0066B5063C0D}" srcOrd="0" destOrd="0" presId="urn:microsoft.com/office/officeart/2005/8/layout/process1"/>
     <dgm:cxn modelId="{A8D39AB4-761D-477C-ADAF-F57865A11771}" type="presParOf" srcId="{862EEC05-C701-40A8-A229-E4952200A14E}" destId="{0D15A354-B0A5-4376-ACC0-0066B5063C0D}" srcOrd="0" destOrd="0" presId="urn:microsoft.com/office/officeart/2005/8/layout/process1"/>
   </dgm:cxnLst>
   <dgm:bg/>
@@ -6852,6 +7035,13 @@
         </dgm:presLayoutVars>
       </dgm:prSet>
       <dgm:spPr/>
+      <dgm:t>
+        <a:bodyPr/>
+        <a:lstStyle/>
+        <a:p>
+          <a:endParaRPr lang="en-US"/>
+        </a:p>
+      </dgm:t>
     </dgm:pt>
     <dgm:pt modelId="{0D15A354-B0A5-4376-ACC0-0066B5063C0D}" type="pres">
       <dgm:prSet presAssocID="{43C5339A-4D84-43FD-8BFF-FD5A0BE2BD9A}" presName="node" presStyleLbl="node1" presStyleIdx="0" presStyleCnt="1" custLinFactX="38181" custLinFactY="-125000" custLinFactNeighborX="100000" custLinFactNeighborY="-200000">
@@ -7139,6 +7329,13 @@
         </dgm:presLayoutVars>
       </dgm:prSet>
       <dgm:spPr/>
+      <dgm:t>
+        <a:bodyPr/>
+        <a:lstStyle/>
+        <a:p>
+          <a:endParaRPr lang="en-US"/>
+        </a:p>
+      </dgm:t>
     </dgm:pt>
     <dgm:pt modelId="{F0D3C141-1BC5-4FD4-B4B5-A42570ED25A7}" type="pres">
       <dgm:prSet presAssocID="{CF5276BD-FA00-4046-8630-BF7232FC7A11}" presName="parentText" presStyleLbl="node1" presStyleIdx="0" presStyleCnt="6">
@@ -7148,6 +7345,13 @@
         </dgm:presLayoutVars>
       </dgm:prSet>
       <dgm:spPr/>
+      <dgm:t>
+        <a:bodyPr/>
+        <a:lstStyle/>
+        <a:p>
+          <a:endParaRPr lang="en-US"/>
+        </a:p>
+      </dgm:t>
     </dgm:pt>
     <dgm:pt modelId="{58FF7A15-39BF-45F8-A984-EB6788E92BA1}" type="pres">
       <dgm:prSet presAssocID="{A8DFBA06-A074-4447-B764-A747AD134278}" presName="spacer" presStyleCnt="0"/>
@@ -7161,6 +7365,13 @@
         </dgm:presLayoutVars>
       </dgm:prSet>
       <dgm:spPr/>
+      <dgm:t>
+        <a:bodyPr/>
+        <a:lstStyle/>
+        <a:p>
+          <a:endParaRPr lang="en-US"/>
+        </a:p>
+      </dgm:t>
     </dgm:pt>
     <dgm:pt modelId="{315AE267-B47A-4D48-A663-CCE771ED8BFF}" type="pres">
       <dgm:prSet presAssocID="{2E95BA88-4D5C-42CF-92AD-B8A799235E1D}" presName="spacer" presStyleCnt="0"/>
@@ -7174,6 +7385,13 @@
         </dgm:presLayoutVars>
       </dgm:prSet>
       <dgm:spPr/>
+      <dgm:t>
+        <a:bodyPr/>
+        <a:lstStyle/>
+        <a:p>
+          <a:endParaRPr lang="en-US"/>
+        </a:p>
+      </dgm:t>
     </dgm:pt>
     <dgm:pt modelId="{D1CD3CC0-8172-4BD7-B760-6B9A9C7CD5E8}" type="pres">
       <dgm:prSet presAssocID="{B3F3B2F3-01DD-401C-9F89-C75F286EC39B}" presName="spacer" presStyleCnt="0"/>
@@ -7187,6 +7405,13 @@
         </dgm:presLayoutVars>
       </dgm:prSet>
       <dgm:spPr/>
+      <dgm:t>
+        <a:bodyPr/>
+        <a:lstStyle/>
+        <a:p>
+          <a:endParaRPr lang="en-US"/>
+        </a:p>
+      </dgm:t>
     </dgm:pt>
     <dgm:pt modelId="{8EDA066B-FEA1-4ADB-8D93-5ECE3A450951}" type="pres">
       <dgm:prSet presAssocID="{47EA0D33-EFBF-482E-B748-15CDEEB2F095}" presName="spacer" presStyleCnt="0"/>
@@ -7200,6 +7425,13 @@
         </dgm:presLayoutVars>
       </dgm:prSet>
       <dgm:spPr/>
+      <dgm:t>
+        <a:bodyPr/>
+        <a:lstStyle/>
+        <a:p>
+          <a:endParaRPr lang="en-US"/>
+        </a:p>
+      </dgm:t>
     </dgm:pt>
     <dgm:pt modelId="{26E36112-F093-4058-AAA4-5838F78522A1}" type="pres">
       <dgm:prSet presAssocID="{3DB5146D-C257-41B2-89E5-5FB64906640E}" presName="spacer" presStyleCnt="0"/>
@@ -7213,6 +7445,13 @@
         </dgm:presLayoutVars>
       </dgm:prSet>
       <dgm:spPr/>
+      <dgm:t>
+        <a:bodyPr/>
+        <a:lstStyle/>
+        <a:p>
+          <a:endParaRPr lang="en-US"/>
+        </a:p>
+      </dgm:t>
     </dgm:pt>
   </dgm:ptLst>
   <dgm:cxnLst>
@@ -7222,8 +7461,8 @@
     <dgm:cxn modelId="{F63D678A-7BE0-47B5-8514-355557DC143F}" srcId="{9D23CB08-7E4C-4713-BF04-C9F5520DBBDA}" destId="{071D8484-5D29-4D71-A63E-DAFB684E638B}" srcOrd="3" destOrd="0" parTransId="{285CEDD0-71CF-4B54-8D99-CF849F1C3364}" sibTransId="{47EA0D33-EFBF-482E-B748-15CDEEB2F095}"/>
     <dgm:cxn modelId="{4F51DC23-8D33-4D7D-B31C-89E4640EB519}" srcId="{9D23CB08-7E4C-4713-BF04-C9F5520DBBDA}" destId="{0CF2B0D4-A833-44F0-BD3B-F1D71C8A1B94}" srcOrd="1" destOrd="0" parTransId="{2341B943-1C5B-463B-97FA-8962EF9D4E02}" sibTransId="{2E95BA88-4D5C-42CF-92AD-B8A799235E1D}"/>
     <dgm:cxn modelId="{188C71B7-1140-4B75-B2A5-3D90999F7312}" srcId="{9D23CB08-7E4C-4713-BF04-C9F5520DBBDA}" destId="{4F67CCB0-8D05-4FEC-A51A-4304519E0C8C}" srcOrd="5" destOrd="0" parTransId="{E93DF17C-40BF-4861-9928-40290576B7E0}" sibTransId="{0A62E621-0746-4695-B046-922F12255DEB}"/>
+    <dgm:cxn modelId="{25DC6621-A3F4-45DD-B9B3-538481C16F15}" type="presOf" srcId="{4F67CCB0-8D05-4FEC-A51A-4304519E0C8C}" destId="{0ABE1C20-DC91-4157-889A-F1C3E325A040}" srcOrd="0" destOrd="0" presId="urn:microsoft.com/office/officeart/2005/8/layout/vList2"/>
     <dgm:cxn modelId="{6856D983-48D5-4BE9-ADAB-7432D4E12D89}" type="presOf" srcId="{CA2A4B9B-781E-4A99-8D5C-0FCA965A8C62}" destId="{BF622B5B-81AE-4CD6-A475-F18AFD27A765}" srcOrd="0" destOrd="0" presId="urn:microsoft.com/office/officeart/2005/8/layout/vList2"/>
-    <dgm:cxn modelId="{25DC6621-A3F4-45DD-B9B3-538481C16F15}" type="presOf" srcId="{4F67CCB0-8D05-4FEC-A51A-4304519E0C8C}" destId="{0ABE1C20-DC91-4157-889A-F1C3E325A040}" srcOrd="0" destOrd="0" presId="urn:microsoft.com/office/officeart/2005/8/layout/vList2"/>
     <dgm:cxn modelId="{AE2ADE3F-6374-4CE4-9882-F71AE748F9DD}" srcId="{9D23CB08-7E4C-4713-BF04-C9F5520DBBDA}" destId="{CA2A4B9B-781E-4A99-8D5C-0FCA965A8C62}" srcOrd="2" destOrd="0" parTransId="{C72AAE2B-8247-463F-925A-C61CAA5EF199}" sibTransId="{B3F3B2F3-01DD-401C-9F89-C75F286EC39B}"/>
     <dgm:cxn modelId="{66E4304C-9E39-4DD0-BC7D-AA6D4BDBDDE4}" srcId="{9D23CB08-7E4C-4713-BF04-C9F5520DBBDA}" destId="{CF5276BD-FA00-4046-8630-BF7232FC7A11}" srcOrd="0" destOrd="0" parTransId="{743C5C5C-F6C1-4844-9033-DAB855F6016F}" sibTransId="{A8DFBA06-A074-4447-B764-A747AD134278}"/>
     <dgm:cxn modelId="{512A6649-FD1C-4ABC-8E52-EF0212BB5023}" srcId="{9D23CB08-7E4C-4713-BF04-C9F5520DBBDA}" destId="{3497E792-A972-4C66-B0FA-C3F75F47D114}" srcOrd="4" destOrd="0" parTransId="{280A9E35-97C9-4205-A7F8-396635BC4C29}" sibTransId="{3DB5146D-C257-41B2-89E5-5FB64906640E}"/>
@@ -20097,7 +20336,7 @@
           <a:p>
             <a:fld id="{266B94FD-7BF3-499E-953D-391D7CAECD2D}" type="datetimeFigureOut">
               <a:rPr lang="en-US" smtClean="0"/>
-              <a:t>4/26/2018</a:t>
+              <a:t>5/1/2018</a:t>
             </a:fld>
             <a:endParaRPr lang="en-US"/>
           </a:p>
@@ -20641,7 +20880,7 @@
           <a:p>
             <a:fld id="{A65AF353-4280-4F61-8B05-F6A9C58BF89C}" type="datetimeFigureOut">
               <a:rPr lang="en-US" smtClean="0"/>
-              <a:t>4/26/2018</a:t>
+              <a:t>5/1/2018</a:t>
             </a:fld>
             <a:endParaRPr lang="en-US"/>
           </a:p>
@@ -20806,7 +21045,7 @@
           <a:p>
             <a:fld id="{A65AF353-4280-4F61-8B05-F6A9C58BF89C}" type="datetimeFigureOut">
               <a:rPr lang="en-US" smtClean="0"/>
-              <a:t>4/26/2018</a:t>
+              <a:t>5/1/2018</a:t>
             </a:fld>
             <a:endParaRPr lang="en-US"/>
           </a:p>
@@ -20981,7 +21220,7 @@
           <a:p>
             <a:fld id="{A65AF353-4280-4F61-8B05-F6A9C58BF89C}" type="datetimeFigureOut">
               <a:rPr lang="en-US" smtClean="0"/>
-              <a:t>4/26/2018</a:t>
+              <a:t>5/1/2018</a:t>
             </a:fld>
             <a:endParaRPr lang="en-US"/>
           </a:p>
@@ -21164,7 +21403,7 @@
           <a:p>
             <a:fld id="{A65AF353-4280-4F61-8B05-F6A9C58BF89C}" type="datetimeFigureOut">
               <a:rPr lang="en-US" smtClean="0"/>
-              <a:t>4/26/2018</a:t>
+              <a:t>5/1/2018</a:t>
             </a:fld>
             <a:endParaRPr lang="en-US"/>
           </a:p>
@@ -21426,7 +21665,7 @@
           <a:p>
             <a:fld id="{A65AF353-4280-4F61-8B05-F6A9C58BF89C}" type="datetimeFigureOut">
               <a:rPr lang="en-US" smtClean="0"/>
-              <a:t>4/26/2018</a:t>
+              <a:t>5/1/2018</a:t>
             </a:fld>
             <a:endParaRPr lang="en-US"/>
           </a:p>
@@ -21774,7 +22013,7 @@
           <a:p>
             <a:fld id="{A65AF353-4280-4F61-8B05-F6A9C58BF89C}" type="datetimeFigureOut">
               <a:rPr lang="en-US" smtClean="0"/>
-              <a:t>4/26/2018</a:t>
+              <a:t>5/1/2018</a:t>
             </a:fld>
             <a:endParaRPr lang="en-US"/>
           </a:p>
@@ -22082,7 +22321,7 @@
           <a:p>
             <a:fld id="{A65AF353-4280-4F61-8B05-F6A9C58BF89C}" type="datetimeFigureOut">
               <a:rPr lang="en-US" smtClean="0"/>
-              <a:t>4/26/2018</a:t>
+              <a:t>5/1/2018</a:t>
             </a:fld>
             <a:endParaRPr lang="en-US"/>
           </a:p>
@@ -22309,7 +22548,7 @@
           <a:p>
             <a:fld id="{A65AF353-4280-4F61-8B05-F6A9C58BF89C}" type="datetimeFigureOut">
               <a:rPr lang="en-US" smtClean="0"/>
-              <a:t>4/26/2018</a:t>
+              <a:t>5/1/2018</a:t>
             </a:fld>
             <a:endParaRPr lang="en-US"/>
           </a:p>
@@ -22399,7 +22638,7 @@
           <a:p>
             <a:fld id="{A65AF353-4280-4F61-8B05-F6A9C58BF89C}" type="datetimeFigureOut">
               <a:rPr lang="en-US" smtClean="0"/>
-              <a:t>4/26/2018</a:t>
+              <a:t>5/1/2018</a:t>
             </a:fld>
             <a:endParaRPr lang="en-US"/>
           </a:p>
@@ -22687,7 +22926,7 @@
           <a:p>
             <a:fld id="{A65AF353-4280-4F61-8B05-F6A9C58BF89C}" type="datetimeFigureOut">
               <a:rPr lang="en-US" smtClean="0"/>
-              <a:t>4/26/2018</a:t>
+              <a:t>5/1/2018</a:t>
             </a:fld>
             <a:endParaRPr lang="en-US"/>
           </a:p>
@@ -22956,7 +23195,7 @@
           <a:p>
             <a:fld id="{A65AF353-4280-4F61-8B05-F6A9C58BF89C}" type="datetimeFigureOut">
               <a:rPr lang="en-US" smtClean="0"/>
-              <a:t>4/26/2018</a:t>
+              <a:t>5/1/2018</a:t>
             </a:fld>
             <a:endParaRPr lang="en-US"/>
           </a:p>
@@ -23166,7 +23405,7 @@
           <a:p>
             <a:fld id="{A65AF353-4280-4F61-8B05-F6A9C58BF89C}" type="datetimeFigureOut">
               <a:rPr lang="en-US" smtClean="0"/>
-              <a:t>4/26/2018</a:t>
+              <a:t>5/1/2018</a:t>
             </a:fld>
             <a:endParaRPr lang="en-US"/>
           </a:p>
@@ -23852,6 +24091,221 @@
           <a:p>
             <a:r>
               <a:rPr lang="en-US" dirty="0" smtClean="0"/>
+              <a:t>Results – Best Model</a:t>
+            </a:r>
+            <a:endParaRPr lang="en-US" dirty="0"/>
+          </a:p>
+        </p:txBody>
+      </p:sp>
+      <p:sp>
+        <p:nvSpPr>
+          <p:cNvPr id="3" name="Content Placeholder 2"/>
+          <p:cNvSpPr>
+            <a:spLocks noGrp="1"/>
+          </p:cNvSpPr>
+          <p:nvPr>
+            <p:ph idx="1"/>
+          </p:nvPr>
+        </p:nvSpPr>
+        <p:spPr/>
+        <p:txBody>
+          <a:bodyPr>
+            <a:normAutofit fontScale="92500"/>
+          </a:bodyPr>
+          <a:lstStyle/>
+          <a:p>
+            <a:r>
+              <a:rPr lang="en-US" b="1" dirty="0"/>
+              <a:t>Best model:             </a:t>
+            </a:r>
+            <a:r>
+              <a:rPr lang="en-US" dirty="0" err="1"/>
+              <a:t>RandomForestClassifier</a:t>
+            </a:r>
+            <a:endParaRPr lang="en-US" dirty="0"/>
+          </a:p>
+          <a:p>
+            <a:r>
+              <a:rPr lang="en-US" b="1" dirty="0"/>
+              <a:t>Best threshold:         </a:t>
+            </a:r>
+            <a:r>
+              <a:rPr lang="en-US" dirty="0"/>
+              <a:t>0.04</a:t>
+            </a:r>
+          </a:p>
+          <a:p>
+            <a:r>
+              <a:rPr lang="en-US" b="1" dirty="0"/>
+              <a:t>Resulting profit:       </a:t>
+            </a:r>
+            <a:r>
+              <a:rPr lang="en-US" b="1" dirty="0" smtClean="0"/>
+              <a:t> </a:t>
+            </a:r>
+            <a:r>
+              <a:rPr lang="en-US" dirty="0" smtClean="0"/>
+              <a:t>$45.94</a:t>
+            </a:r>
+            <a:endParaRPr lang="en-US" dirty="0"/>
+          </a:p>
+          <a:p>
+            <a:r>
+              <a:rPr lang="en-US" b="1" dirty="0"/>
+              <a:t>Proportion positives:   </a:t>
+            </a:r>
+            <a:r>
+              <a:rPr lang="en-US" dirty="0"/>
+              <a:t>0.80</a:t>
+            </a:r>
+          </a:p>
+          <a:p>
+            <a:pPr marL="0" indent="0">
+              <a:buNone/>
+            </a:pPr>
+            <a:r>
+              <a:rPr lang="en-US" sz="2100" b="1" dirty="0">
+                <a:latin typeface="Courier New" panose="02070309020205020404" pitchFamily="49" charset="0"/>
+                <a:cs typeface="Courier New" panose="02070309020205020404" pitchFamily="49" charset="0"/>
+              </a:rPr>
+              <a:t>             precision    recall  f1-score   support</a:t>
+            </a:r>
+          </a:p>
+          <a:p>
+            <a:pPr marL="0" indent="0">
+              <a:buNone/>
+            </a:pPr>
+            <a:r>
+              <a:rPr lang="en-US" sz="2100" b="1" dirty="0" smtClean="0">
+                <a:latin typeface="Courier New" panose="02070309020205020404" pitchFamily="49" charset="0"/>
+                <a:cs typeface="Courier New" panose="02070309020205020404" pitchFamily="49" charset="0"/>
+              </a:rPr>
+              <a:t>	False       0.74      </a:t>
+            </a:r>
+            <a:r>
+              <a:rPr lang="en-US" sz="2100" b="1" dirty="0">
+                <a:latin typeface="Courier New" panose="02070309020205020404" pitchFamily="49" charset="0"/>
+                <a:cs typeface="Courier New" panose="02070309020205020404" pitchFamily="49" charset="0"/>
+              </a:rPr>
+              <a:t>0.85      0.79      </a:t>
+            </a:r>
+            <a:r>
+              <a:rPr lang="en-US" sz="2100" b="1" dirty="0" smtClean="0">
+                <a:latin typeface="Courier New" panose="02070309020205020404" pitchFamily="49" charset="0"/>
+                <a:cs typeface="Courier New" panose="02070309020205020404" pitchFamily="49" charset="0"/>
+              </a:rPr>
+              <a:t>1272</a:t>
+            </a:r>
+          </a:p>
+          <a:p>
+            <a:pPr marL="0" indent="0">
+              <a:buNone/>
+            </a:pPr>
+            <a:r>
+              <a:rPr lang="en-US" sz="2100" b="1" dirty="0" smtClean="0">
+                <a:latin typeface="Courier New" panose="02070309020205020404" pitchFamily="49" charset="0"/>
+                <a:cs typeface="Courier New" panose="02070309020205020404" pitchFamily="49" charset="0"/>
+              </a:rPr>
+              <a:t>       True       0.82      0.68      0.75      1228</a:t>
+            </a:r>
+          </a:p>
+          <a:p>
+            <a:pPr marL="0" indent="0">
+              <a:buNone/>
+            </a:pPr>
+            <a:r>
+              <a:rPr lang="en-US" sz="2100" b="1" dirty="0" err="1" smtClean="0">
+                <a:latin typeface="Courier New" panose="02070309020205020404" pitchFamily="49" charset="0"/>
+                <a:cs typeface="Courier New" panose="02070309020205020404" pitchFamily="49" charset="0"/>
+              </a:rPr>
+              <a:t>avg</a:t>
+            </a:r>
+            <a:r>
+              <a:rPr lang="en-US" sz="2100" b="1" dirty="0" smtClean="0">
+                <a:latin typeface="Courier New" panose="02070309020205020404" pitchFamily="49" charset="0"/>
+                <a:cs typeface="Courier New" panose="02070309020205020404" pitchFamily="49" charset="0"/>
+              </a:rPr>
+              <a:t> </a:t>
+            </a:r>
+            <a:r>
+              <a:rPr lang="en-US" sz="2100" b="1" dirty="0">
+                <a:latin typeface="Courier New" panose="02070309020205020404" pitchFamily="49" charset="0"/>
+                <a:cs typeface="Courier New" panose="02070309020205020404" pitchFamily="49" charset="0"/>
+              </a:rPr>
+              <a:t>/ total       0.78      0.77      0.77      2500</a:t>
+            </a:r>
+          </a:p>
+          <a:p>
+            <a:endParaRPr lang="en-US" dirty="0"/>
+          </a:p>
+          <a:p>
+            <a:r>
+              <a:rPr lang="en-US" dirty="0"/>
+              <a:t>Accuracy Score Train: 0.7890666666666667</a:t>
+            </a:r>
+          </a:p>
+          <a:p>
+            <a:r>
+              <a:rPr lang="en-US" dirty="0"/>
+              <a:t>Accuracy Score Test: 0.7708</a:t>
+            </a:r>
+          </a:p>
+        </p:txBody>
+      </p:sp>
+    </p:spTree>
+    <p:extLst>
+      <p:ext uri="{BB962C8B-B14F-4D97-AF65-F5344CB8AC3E}">
+        <p14:creationId xmlns:p14="http://schemas.microsoft.com/office/powerpoint/2010/main" val="3723695217"/>
+      </p:ext>
+    </p:extLst>
+  </p:cSld>
+  <p:clrMapOvr>
+    <a:masterClrMapping/>
+  </p:clrMapOvr>
+  <p:timing>
+    <p:tnLst>
+      <p:par>
+        <p:cTn id="1" dur="indefinite" restart="never" nodeType="tmRoot"/>
+      </p:par>
+    </p:tnLst>
+  </p:timing>
+</p:sld>
+</file>
+
+<file path=ppt/slides/slide11.xml><?xml version="1.0" encoding="utf-8"?>
+<p:sld xmlns:a="http://schemas.openxmlformats.org/drawingml/2006/main" xmlns:r="http://schemas.openxmlformats.org/officeDocument/2006/relationships" xmlns:p="http://schemas.openxmlformats.org/presentationml/2006/main">
+  <p:cSld>
+    <p:spTree>
+      <p:nvGrpSpPr>
+        <p:cNvPr id="1" name=""/>
+        <p:cNvGrpSpPr/>
+        <p:nvPr/>
+      </p:nvGrpSpPr>
+      <p:grpSpPr>
+        <a:xfrm>
+          <a:off x="0" y="0"/>
+          <a:ext cx="0" cy="0"/>
+          <a:chOff x="0" y="0"/>
+          <a:chExt cx="0" cy="0"/>
+        </a:xfrm>
+      </p:grpSpPr>
+      <p:sp>
+        <p:nvSpPr>
+          <p:cNvPr id="2" name="Title 1"/>
+          <p:cNvSpPr>
+            <a:spLocks noGrp="1"/>
+          </p:cNvSpPr>
+          <p:nvPr>
+            <p:ph type="title"/>
+          </p:nvPr>
+        </p:nvSpPr>
+        <p:spPr/>
+        <p:txBody>
+          <a:bodyPr/>
+          <a:lstStyle/>
+          <a:p>
+            <a:r>
+              <a:rPr lang="en-US" dirty="0" smtClean="0"/>
               <a:t>Next Steps – Goal for Week2</a:t>
             </a:r>
             <a:endParaRPr lang="en-US" dirty="0"/>
@@ -23903,7 +24357,7 @@
 </p:sld>
 </file>
 
-<file path=ppt/slides/slide11.xml><?xml version="1.0" encoding="utf-8"?>
+<file path=ppt/slides/slide12.xml><?xml version="1.0" encoding="utf-8"?>
 <p:sld xmlns:a="http://schemas.openxmlformats.org/drawingml/2006/main" xmlns:r="http://schemas.openxmlformats.org/officeDocument/2006/relationships" xmlns:p="http://schemas.openxmlformats.org/presentationml/2006/main">
   <p:cSld>
     <p:spTree>
@@ -24296,15 +24750,7 @@
           <a:p>
             <a:r>
               <a:rPr lang="en-US" b="1" dirty="0"/>
-              <a:t>Data has been provided in the form of </a:t>
-            </a:r>
-            <a:r>
-              <a:rPr lang="en-US" b="1" dirty="0"/>
-              <a:t>csv </a:t>
-            </a:r>
-            <a:r>
-              <a:rPr lang="en-US" b="1" dirty="0"/>
-              <a:t>files:</a:t>
+              <a:t>Data has been provided in the form of csv files:</a:t>
             </a:r>
           </a:p>
           <a:p>
@@ -25205,184 +25651,78 @@
           <a:p>
             <a:r>
               <a:rPr lang="en-US" dirty="0" smtClean="0"/>
-              <a:t>Results – Best Model</a:t>
+              <a:t>Feature Importance</a:t>
             </a:r>
             <a:endParaRPr lang="en-US" dirty="0"/>
           </a:p>
         </p:txBody>
       </p:sp>
-      <p:sp>
-        <p:nvSpPr>
-          <p:cNvPr id="3" name="Content Placeholder 2"/>
-          <p:cNvSpPr>
-            <a:spLocks noGrp="1"/>
-          </p:cNvSpPr>
+      <p:pic>
+        <p:nvPicPr>
+          <p:cNvPr id="1026" name="Picture 2"/>
+          <p:cNvPicPr>
+            <a:picLocks noGrp="1" noChangeAspect="1" noChangeArrowheads="1"/>
+          </p:cNvPicPr>
           <p:nvPr>
             <p:ph idx="1"/>
           </p:nvPr>
-        </p:nvSpPr>
-        <p:spPr/>
-        <p:txBody>
-          <a:bodyPr>
-            <a:normAutofit fontScale="92500"/>
-          </a:bodyPr>
-          <a:lstStyle/>
-          <a:p>
-            <a:r>
-              <a:rPr lang="en-US" b="1" dirty="0"/>
-              <a:t>Best model:             </a:t>
-            </a:r>
-            <a:r>
-              <a:rPr lang="en-US" dirty="0" err="1"/>
-              <a:t>RandomForestClassifier</a:t>
-            </a:r>
-            <a:endParaRPr lang="en-US" dirty="0"/>
-          </a:p>
-          <a:p>
-            <a:r>
-              <a:rPr lang="en-US" b="1" dirty="0"/>
-              <a:t>Best threshold:         </a:t>
-            </a:r>
-            <a:r>
-              <a:rPr lang="en-US" dirty="0"/>
-              <a:t>0.04</a:t>
-            </a:r>
-          </a:p>
-          <a:p>
-            <a:r>
-              <a:rPr lang="en-US" b="1" dirty="0"/>
-              <a:t>Resulting profit:       </a:t>
-            </a:r>
-            <a:r>
-              <a:rPr lang="en-US" b="1" dirty="0" smtClean="0"/>
-              <a:t> </a:t>
-            </a:r>
-            <a:r>
-              <a:rPr lang="en-US" dirty="0" smtClean="0"/>
-              <a:t>$45.94</a:t>
-            </a:r>
-            <a:endParaRPr lang="en-US" dirty="0"/>
-          </a:p>
-          <a:p>
-            <a:r>
-              <a:rPr lang="en-US" b="1" dirty="0"/>
-              <a:t>Proportion positives:   </a:t>
-            </a:r>
-            <a:r>
-              <a:rPr lang="en-US" dirty="0"/>
-              <a:t>0.80</a:t>
-            </a:r>
-          </a:p>
-          <a:p>
-            <a:pPr marL="0" indent="0">
-              <a:buNone/>
-            </a:pPr>
-            <a:r>
-              <a:rPr lang="en-US" sz="2100" b="1" dirty="0">
-                <a:latin typeface="Courier New" panose="02070309020205020404" pitchFamily="49" charset="0"/>
-                <a:cs typeface="Courier New" panose="02070309020205020404" pitchFamily="49" charset="0"/>
-              </a:rPr>
-              <a:t>             precision    recall  f1-score   support</a:t>
-            </a:r>
-          </a:p>
-          <a:p>
-            <a:pPr marL="0" indent="0">
-              <a:buNone/>
-            </a:pPr>
-            <a:r>
-              <a:rPr lang="en-US" sz="2100" b="1" dirty="0" smtClean="0">
-                <a:latin typeface="Courier New" panose="02070309020205020404" pitchFamily="49" charset="0"/>
-                <a:cs typeface="Courier New" panose="02070309020205020404" pitchFamily="49" charset="0"/>
-              </a:rPr>
-              <a:t>	False       0.74      </a:t>
-            </a:r>
-            <a:r>
-              <a:rPr lang="en-US" sz="2100" b="1" dirty="0">
-                <a:latin typeface="Courier New" panose="02070309020205020404" pitchFamily="49" charset="0"/>
-                <a:cs typeface="Courier New" panose="02070309020205020404" pitchFamily="49" charset="0"/>
-              </a:rPr>
-              <a:t>0.85      0.79      </a:t>
-            </a:r>
-            <a:r>
-              <a:rPr lang="en-US" sz="2100" b="1" dirty="0" smtClean="0">
-                <a:latin typeface="Courier New" panose="02070309020205020404" pitchFamily="49" charset="0"/>
-                <a:cs typeface="Courier New" panose="02070309020205020404" pitchFamily="49" charset="0"/>
-              </a:rPr>
-              <a:t>1272</a:t>
-            </a:r>
-          </a:p>
-          <a:p>
-            <a:pPr marL="0" indent="0">
-              <a:buNone/>
-            </a:pPr>
-            <a:r>
-              <a:rPr lang="en-US" sz="2100" b="1" dirty="0" smtClean="0">
-                <a:latin typeface="Courier New" panose="02070309020205020404" pitchFamily="49" charset="0"/>
-                <a:cs typeface="Courier New" panose="02070309020205020404" pitchFamily="49" charset="0"/>
-              </a:rPr>
-              <a:t>       True       0.82      0.68      0.75      1228</a:t>
-            </a:r>
-          </a:p>
-          <a:p>
-            <a:pPr marL="0" indent="0">
-              <a:buNone/>
-            </a:pPr>
-            <a:r>
-              <a:rPr lang="en-US" sz="2100" b="1" dirty="0" err="1" smtClean="0">
-                <a:latin typeface="Courier New" panose="02070309020205020404" pitchFamily="49" charset="0"/>
-                <a:cs typeface="Courier New" panose="02070309020205020404" pitchFamily="49" charset="0"/>
-              </a:rPr>
-              <a:t>avg</a:t>
-            </a:r>
-            <a:r>
-              <a:rPr lang="en-US" sz="2100" b="1" dirty="0" smtClean="0">
-                <a:latin typeface="Courier New" panose="02070309020205020404" pitchFamily="49" charset="0"/>
-                <a:cs typeface="Courier New" panose="02070309020205020404" pitchFamily="49" charset="0"/>
-              </a:rPr>
-              <a:t> </a:t>
-            </a:r>
-            <a:r>
-              <a:rPr lang="en-US" sz="2100" b="1" dirty="0">
-                <a:latin typeface="Courier New" panose="02070309020205020404" pitchFamily="49" charset="0"/>
-                <a:cs typeface="Courier New" panose="02070309020205020404" pitchFamily="49" charset="0"/>
-              </a:rPr>
-              <a:t>/ total       0.78      0.77      0.77      2500</a:t>
-            </a:r>
-          </a:p>
-          <a:p>
-            <a:endParaRPr lang="en-US" dirty="0"/>
-          </a:p>
-          <a:p>
-            <a:r>
-              <a:rPr lang="en-US" dirty="0"/>
-              <a:t>Accuracy Score Train: 0.7890666666666667</a:t>
-            </a:r>
-          </a:p>
-          <a:p>
-            <a:r>
-              <a:rPr lang="en-US" dirty="0"/>
-              <a:t>Accuracy Score Test: 0.7708</a:t>
-            </a:r>
-          </a:p>
-        </p:txBody>
-      </p:sp>
+        </p:nvPicPr>
+        <p:blipFill>
+          <a:blip r:embed="rId2">
+            <a:extLst>
+              <a:ext uri="{28A0092B-C50C-407E-A947-70E740481C1C}">
+                <a14:useLocalDpi xmlns:a14="http://schemas.microsoft.com/office/drawing/2010/main" val="0"/>
+              </a:ext>
+            </a:extLst>
+          </a:blip>
+          <a:srcRect/>
+          <a:stretch>
+            <a:fillRect/>
+          </a:stretch>
+        </p:blipFill>
+        <p:spPr bwMode="auto">
+          <a:xfrm>
+            <a:off x="546957" y="1600200"/>
+            <a:ext cx="8050085" cy="4525963"/>
+          </a:xfrm>
+          <a:prstGeom prst="rect">
+            <a:avLst/>
+          </a:prstGeom>
+          <a:noFill/>
+          <a:ln>
+            <a:noFill/>
+          </a:ln>
+          <a:extLst>
+            <a:ext uri="{909E8E84-426E-40DD-AFC4-6F175D3DCCD1}">
+              <a14:hiddenFill xmlns:a14="http://schemas.microsoft.com/office/drawing/2010/main">
+                <a:solidFill>
+                  <a:schemeClr val="accent1"/>
+                </a:solidFill>
+              </a14:hiddenFill>
+            </a:ext>
+            <a:ext uri="{91240B29-F687-4F45-9708-019B960494DF}">
+              <a14:hiddenLine xmlns:a14="http://schemas.microsoft.com/office/drawing/2010/main" w="9525">
+                <a:solidFill>
+                  <a:schemeClr val="tx1"/>
+                </a:solidFill>
+                <a:miter lim="800000"/>
+                <a:headEnd/>
+                <a:tailEnd/>
+              </a14:hiddenLine>
+            </a:ext>
+          </a:extLst>
+        </p:spPr>
+      </p:pic>
     </p:spTree>
     <p:extLst>
       <p:ext uri="{BB962C8B-B14F-4D97-AF65-F5344CB8AC3E}">
-        <p14:creationId xmlns:p14="http://schemas.microsoft.com/office/powerpoint/2010/main" val="3723695217"/>
+        <p14:creationId xmlns:p14="http://schemas.microsoft.com/office/powerpoint/2010/main" val="554806362"/>
       </p:ext>
     </p:extLst>
   </p:cSld>
   <p:clrMapOvr>
     <a:masterClrMapping/>
   </p:clrMapOvr>
-  <p:timing>
-    <p:tnLst>
-      <p:par>
-        <p:cTn id="1" dur="indefinite" restart="never" nodeType="tmRoot"/>
-      </p:par>
-    </p:tnLst>
-  </p:timing>
 </p:sld>
 </file>
 

--- a/presentation/DocReach.pptx
+++ b/presentation/DocReach.pptx
@@ -2,7 +2,7 @@
 <file path=ppt/presentation.xml><?xml version="1.0" encoding="utf-8"?>
 <p:presentation xmlns:a="http://schemas.openxmlformats.org/drawingml/2006/main" xmlns:r="http://schemas.openxmlformats.org/officeDocument/2006/relationships" xmlns:p="http://schemas.openxmlformats.org/presentationml/2006/main" saveSubsetFonts="1">
   <p:sldMasterIdLst>
-    <p:sldMasterId id="2147483732" r:id="rId1"/>
+    <p:sldMasterId id="2147483828" r:id="rId1"/>
   </p:sldMasterIdLst>
   <p:notesMasterIdLst>
     <p:notesMasterId r:id="rId14"/>
@@ -21,7 +21,7 @@
     <p:sldId id="266" r:id="rId12"/>
     <p:sldId id="260" r:id="rId13"/>
   </p:sldIdLst>
-  <p:sldSz cx="9144000" cy="6858000" type="screen4x3"/>
+  <p:sldSz cx="9144000" cy="5143500" type="screen16x9"/>
   <p:notesSz cx="6858000" cy="9144000"/>
   <p:defaultTextStyle>
     <a:defPPr>
@@ -6476,21 +6476,21 @@
     </dgm:pt>
   </dgm:ptLst>
   <dgm:cxnLst>
+    <dgm:cxn modelId="{E75C1AC8-58CD-4DE8-A786-0E68D0CBBB36}" type="presOf" srcId="{00D0601D-7D18-4953-A5F5-84EC28679740}" destId="{968A7CEC-6B41-4B04-B535-B53317756137}" srcOrd="0" destOrd="0" presId="urn:microsoft.com/office/officeart/2005/8/layout/hProcess9"/>
+    <dgm:cxn modelId="{B985D95F-D6D7-45AD-BD70-7A77038FC5A7}" type="presOf" srcId="{6E535651-15F6-498F-AF33-C889C43B1366}" destId="{87952B51-C412-4F4C-A19C-38B28DB34C43}" srcOrd="0" destOrd="0" presId="urn:microsoft.com/office/officeart/2005/8/layout/hProcess9"/>
+    <dgm:cxn modelId="{A68F9BD2-9BDE-4C17-AA67-09BECD32E260}" srcId="{56FD9A19-DB55-4BF4-B407-620BB24BE099}" destId="{6E535651-15F6-498F-AF33-C889C43B1366}" srcOrd="1" destOrd="0" parTransId="{871E786A-7685-4918-A1BB-1A63822A779E}" sibTransId="{02381099-D145-4778-B157-F0E4C58D1B20}"/>
+    <dgm:cxn modelId="{C2A8B07E-EA2E-429C-940D-5FA22DF32ACB}" srcId="{56FD9A19-DB55-4BF4-B407-620BB24BE099}" destId="{12F1C29D-93A7-4CC6-A433-94C6E343F153}" srcOrd="6" destOrd="0" parTransId="{2266E4D4-9DB5-4673-B538-51119DB1E137}" sibTransId="{4F6F0F06-DA33-4133-83A2-54ACB465A291}"/>
+    <dgm:cxn modelId="{6EBD292F-1E87-4499-92E2-03FC658AC2F1}" type="presOf" srcId="{0E404470-BD1C-4731-8CCE-3E991DB8CCA1}" destId="{D4625C03-64CA-4795-8085-EA00EF1FD171}" srcOrd="0" destOrd="0" presId="urn:microsoft.com/office/officeart/2005/8/layout/hProcess9"/>
     <dgm:cxn modelId="{2B61D3DC-CBE4-4B90-BDD9-41EA91526739}" type="presOf" srcId="{12F1C29D-93A7-4CC6-A433-94C6E343F153}" destId="{D4CFB313-A587-4787-9AE6-0155AB890997}" srcOrd="0" destOrd="0" presId="urn:microsoft.com/office/officeart/2005/8/layout/hProcess9"/>
+    <dgm:cxn modelId="{DE24C948-66F4-43CD-9DEB-B0B25DE6B654}" type="presOf" srcId="{5C1B7F03-AA58-436B-825A-894BE5B930C7}" destId="{1CBD25F9-D8B0-4E2E-9FF4-5B2CE4DDA913}" srcOrd="0" destOrd="0" presId="urn:microsoft.com/office/officeart/2005/8/layout/hProcess9"/>
+    <dgm:cxn modelId="{D7FF569F-8258-4107-B319-F47274D339DF}" type="presOf" srcId="{56FD9A19-DB55-4BF4-B407-620BB24BE099}" destId="{83D74BD9-A70F-432E-BF6C-89D9EAA2628E}" srcOrd="0" destOrd="0" presId="urn:microsoft.com/office/officeart/2005/8/layout/hProcess9"/>
+    <dgm:cxn modelId="{1E8858C1-A99B-4AEC-9ABF-A33F1B5B8477}" srcId="{56FD9A19-DB55-4BF4-B407-620BB24BE099}" destId="{0CBD97DD-D293-4518-A351-7CB3EDE3F80F}" srcOrd="0" destOrd="0" parTransId="{9C5A147C-4C3A-4665-9BEE-2ACFBE51AC19}" sibTransId="{E8A51B3A-253C-4B67-AF53-8812532233EE}"/>
+    <dgm:cxn modelId="{5C8A6366-E8AC-4721-9224-3C2BEF0EEF5B}" type="presOf" srcId="{EAFA7497-0A9E-4CA4-8BFE-41A8D6AB3598}" destId="{E2531907-185F-4C7F-BA60-2DD7D3B07CEF}" srcOrd="0" destOrd="0" presId="urn:microsoft.com/office/officeart/2005/8/layout/hProcess9"/>
+    <dgm:cxn modelId="{516C9595-3AF6-4318-9BFC-6EC5CF16C71A}" type="presOf" srcId="{0CBD97DD-D293-4518-A351-7CB3EDE3F80F}" destId="{9C4AB749-F86B-4030-B4B3-072F30D1DDED}" srcOrd="0" destOrd="0" presId="urn:microsoft.com/office/officeart/2005/8/layout/hProcess9"/>
+    <dgm:cxn modelId="{F06EF0DE-2A2C-4AAC-9130-3AC5EDF439E0}" srcId="{56FD9A19-DB55-4BF4-B407-620BB24BE099}" destId="{5C1B7F03-AA58-436B-825A-894BE5B930C7}" srcOrd="5" destOrd="0" parTransId="{0C6FA6EF-81D0-4410-B439-E6A74D706DCD}" sibTransId="{22D4E9FA-C51E-4992-A9E2-B357765001D2}"/>
     <dgm:cxn modelId="{7AE118EC-76FB-4F19-8B63-AB2EE0C406C1}" srcId="{56FD9A19-DB55-4BF4-B407-620BB24BE099}" destId="{00D0601D-7D18-4953-A5F5-84EC28679740}" srcOrd="2" destOrd="0" parTransId="{AECC9765-AFE7-4B5A-8526-8DF07C134AF9}" sibTransId="{C9F7B521-652E-41B3-862C-E7844443E074}"/>
     <dgm:cxn modelId="{3D021FC2-EB40-466D-9B5C-84136DF736C1}" srcId="{56FD9A19-DB55-4BF4-B407-620BB24BE099}" destId="{0E404470-BD1C-4731-8CCE-3E991DB8CCA1}" srcOrd="3" destOrd="0" parTransId="{05828214-680E-430F-BF6F-0DEF12CF5E7B}" sibTransId="{199103AB-2F68-4191-BDCB-B5F3FE1E367C}"/>
-    <dgm:cxn modelId="{F06EF0DE-2A2C-4AAC-9130-3AC5EDF439E0}" srcId="{56FD9A19-DB55-4BF4-B407-620BB24BE099}" destId="{5C1B7F03-AA58-436B-825A-894BE5B930C7}" srcOrd="5" destOrd="0" parTransId="{0C6FA6EF-81D0-4410-B439-E6A74D706DCD}" sibTransId="{22D4E9FA-C51E-4992-A9E2-B357765001D2}"/>
-    <dgm:cxn modelId="{516C9595-3AF6-4318-9BFC-6EC5CF16C71A}" type="presOf" srcId="{0CBD97DD-D293-4518-A351-7CB3EDE3F80F}" destId="{9C4AB749-F86B-4030-B4B3-072F30D1DDED}" srcOrd="0" destOrd="0" presId="urn:microsoft.com/office/officeart/2005/8/layout/hProcess9"/>
     <dgm:cxn modelId="{FDAEF6E4-06FA-46A1-BA52-9EACAE584698}" srcId="{56FD9A19-DB55-4BF4-B407-620BB24BE099}" destId="{EAFA7497-0A9E-4CA4-8BFE-41A8D6AB3598}" srcOrd="4" destOrd="0" parTransId="{8504DCC2-43B6-4A66-B930-7E7A268AB409}" sibTransId="{FE4D69A7-0B9E-49A3-A412-422015EC112B}"/>
-    <dgm:cxn modelId="{B985D95F-D6D7-45AD-BD70-7A77038FC5A7}" type="presOf" srcId="{6E535651-15F6-498F-AF33-C889C43B1366}" destId="{87952B51-C412-4F4C-A19C-38B28DB34C43}" srcOrd="0" destOrd="0" presId="urn:microsoft.com/office/officeart/2005/8/layout/hProcess9"/>
-    <dgm:cxn modelId="{5C8A6366-E8AC-4721-9224-3C2BEF0EEF5B}" type="presOf" srcId="{EAFA7497-0A9E-4CA4-8BFE-41A8D6AB3598}" destId="{E2531907-185F-4C7F-BA60-2DD7D3B07CEF}" srcOrd="0" destOrd="0" presId="urn:microsoft.com/office/officeart/2005/8/layout/hProcess9"/>
-    <dgm:cxn modelId="{E75C1AC8-58CD-4DE8-A786-0E68D0CBBB36}" type="presOf" srcId="{00D0601D-7D18-4953-A5F5-84EC28679740}" destId="{968A7CEC-6B41-4B04-B535-B53317756137}" srcOrd="0" destOrd="0" presId="urn:microsoft.com/office/officeart/2005/8/layout/hProcess9"/>
-    <dgm:cxn modelId="{DE24C948-66F4-43CD-9DEB-B0B25DE6B654}" type="presOf" srcId="{5C1B7F03-AA58-436B-825A-894BE5B930C7}" destId="{1CBD25F9-D8B0-4E2E-9FF4-5B2CE4DDA913}" srcOrd="0" destOrd="0" presId="urn:microsoft.com/office/officeart/2005/8/layout/hProcess9"/>
-    <dgm:cxn modelId="{6EBD292F-1E87-4499-92E2-03FC658AC2F1}" type="presOf" srcId="{0E404470-BD1C-4731-8CCE-3E991DB8CCA1}" destId="{D4625C03-64CA-4795-8085-EA00EF1FD171}" srcOrd="0" destOrd="0" presId="urn:microsoft.com/office/officeart/2005/8/layout/hProcess9"/>
-    <dgm:cxn modelId="{C2A8B07E-EA2E-429C-940D-5FA22DF32ACB}" srcId="{56FD9A19-DB55-4BF4-B407-620BB24BE099}" destId="{12F1C29D-93A7-4CC6-A433-94C6E343F153}" srcOrd="6" destOrd="0" parTransId="{2266E4D4-9DB5-4673-B538-51119DB1E137}" sibTransId="{4F6F0F06-DA33-4133-83A2-54ACB465A291}"/>
-    <dgm:cxn modelId="{D7FF569F-8258-4107-B319-F47274D339DF}" type="presOf" srcId="{56FD9A19-DB55-4BF4-B407-620BB24BE099}" destId="{83D74BD9-A70F-432E-BF6C-89D9EAA2628E}" srcOrd="0" destOrd="0" presId="urn:microsoft.com/office/officeart/2005/8/layout/hProcess9"/>
-    <dgm:cxn modelId="{A68F9BD2-9BDE-4C17-AA67-09BECD32E260}" srcId="{56FD9A19-DB55-4BF4-B407-620BB24BE099}" destId="{6E535651-15F6-498F-AF33-C889C43B1366}" srcOrd="1" destOrd="0" parTransId="{871E786A-7685-4918-A1BB-1A63822A779E}" sibTransId="{02381099-D145-4778-B157-F0E4C58D1B20}"/>
-    <dgm:cxn modelId="{1E8858C1-A99B-4AEC-9ABF-A33F1B5B8477}" srcId="{56FD9A19-DB55-4BF4-B407-620BB24BE099}" destId="{0CBD97DD-D293-4518-A351-7CB3EDE3F80F}" srcOrd="0" destOrd="0" parTransId="{9C5A147C-4C3A-4665-9BEE-2ACFBE51AC19}" sibTransId="{E8A51B3A-253C-4B67-AF53-8812532233EE}"/>
     <dgm:cxn modelId="{FEF0F684-6F9C-40B2-8AC1-DEC1D30C7E7C}" type="presParOf" srcId="{83D74BD9-A70F-432E-BF6C-89D9EAA2628E}" destId="{9E83CAA0-9D91-4E74-B152-DF7322C7F179}" srcOrd="0" destOrd="0" presId="urn:microsoft.com/office/officeart/2005/8/layout/hProcess9"/>
     <dgm:cxn modelId="{668AD459-C564-400C-8F47-3A1185E00ED0}" type="presParOf" srcId="{83D74BD9-A70F-432E-BF6C-89D9EAA2628E}" destId="{9AE3773D-7617-4203-90F4-4FE617090387}" srcOrd="1" destOrd="0" presId="urn:microsoft.com/office/officeart/2005/8/layout/hProcess9"/>
     <dgm:cxn modelId="{F0BDE66D-DEBD-4A1F-BBFD-58C6CC82BF2C}" type="presParOf" srcId="{9AE3773D-7617-4203-90F4-4FE617090387}" destId="{9C4AB749-F86B-4030-B4B3-072F30D1DDED}" srcOrd="0" destOrd="0" presId="urn:microsoft.com/office/officeart/2005/8/layout/hProcess9"/>
@@ -6961,8 +6961,8 @@
   </dgm:ptLst>
   <dgm:cxnLst>
     <dgm:cxn modelId="{7E60EB51-AD5A-4949-8872-9DDC7F6D8544}" srcId="{AAB8FE16-43F0-4C0E-A4D7-059195D8D791}" destId="{43C5339A-4D84-43FD-8BFF-FD5A0BE2BD9A}" srcOrd="0" destOrd="0" parTransId="{3548CF64-750D-4C8A-B5CF-E6353AF71986}" sibTransId="{5C7BB67F-786B-4C9C-BD7F-144EC9B6186E}"/>
+    <dgm:cxn modelId="{E0772149-CB21-4E39-B9D6-C0A528C71BDA}" type="presOf" srcId="{AAB8FE16-43F0-4C0E-A4D7-059195D8D791}" destId="{862EEC05-C701-40A8-A229-E4952200A14E}" srcOrd="0" destOrd="0" presId="urn:microsoft.com/office/officeart/2005/8/layout/process1"/>
     <dgm:cxn modelId="{D3962999-C17F-4227-8C5D-D5A6979E40B7}" type="presOf" srcId="{43C5339A-4D84-43FD-8BFF-FD5A0BE2BD9A}" destId="{0D15A354-B0A5-4376-ACC0-0066B5063C0D}" srcOrd="0" destOrd="0" presId="urn:microsoft.com/office/officeart/2005/8/layout/process1"/>
-    <dgm:cxn modelId="{E0772149-CB21-4E39-B9D6-C0A528C71BDA}" type="presOf" srcId="{AAB8FE16-43F0-4C0E-A4D7-059195D8D791}" destId="{862EEC05-C701-40A8-A229-E4952200A14E}" srcOrd="0" destOrd="0" presId="urn:microsoft.com/office/officeart/2005/8/layout/process1"/>
     <dgm:cxn modelId="{A8D39AB4-761D-477C-ADAF-F57865A11771}" type="presParOf" srcId="{862EEC05-C701-40A8-A229-E4952200A14E}" destId="{0D15A354-B0A5-4376-ACC0-0066B5063C0D}" srcOrd="0" destOrd="0" presId="urn:microsoft.com/office/officeart/2005/8/layout/process1"/>
   </dgm:cxnLst>
   <dgm:bg/>
@@ -7505,8 +7505,8 @@
       </dsp:nvSpPr>
       <dsp:spPr>
         <a:xfrm>
-          <a:off x="345578" y="1448"/>
-          <a:ext cx="7538442" cy="4523065"/>
+          <a:off x="1414462" y="1428"/>
+          <a:ext cx="5400674" cy="3240405"/>
         </a:xfrm>
         <a:prstGeom prst="rect">
           <a:avLst/>
@@ -7520,7 +7520,7 @@
             <a:alphaOff val="0"/>
           </a:schemeClr>
         </a:solidFill>
-        <a:ln w="28575" cap="flat" cmpd="sng" algn="ctr">
+        <a:ln w="19050" cap="flat" cmpd="sng" algn="ctr">
           <a:solidFill>
             <a:schemeClr val="lt1">
               <a:hueOff val="0"/>
@@ -7548,12 +7548,12 @@
         </a:fontRef>
       </dsp:style>
       <dsp:txBody>
-        <a:bodyPr spcFirstLastPara="0" vert="horz" wrap="square" lIns="148590" tIns="148590" rIns="148590" bIns="148590" numCol="1" spcCol="1270" anchor="ctr" anchorCtr="0">
+        <a:bodyPr spcFirstLastPara="0" vert="horz" wrap="square" lIns="110490" tIns="110490" rIns="110490" bIns="110490" numCol="1" spcCol="1270" anchor="ctr" anchorCtr="0">
           <a:noAutofit/>
         </a:bodyPr>
         <a:lstStyle/>
         <a:p>
-          <a:pPr lvl="0" algn="ctr" defTabSz="1733550" rtl="0">
+          <a:pPr lvl="0" algn="ctr" defTabSz="1289050" rtl="0">
             <a:lnSpc>
               <a:spcPct val="90000"/>
             </a:lnSpc>
@@ -7565,31 +7565,31 @@
             </a:spcAft>
           </a:pPr>
           <a:r>
-            <a:rPr lang="en-US" sz="3900" kern="1200" dirty="0" smtClean="0"/>
+            <a:rPr lang="en-US" sz="2900" kern="1200" dirty="0" smtClean="0"/>
             <a:t>“A large social media marketing firm wants to </a:t>
           </a:r>
           <a:r>
-            <a:rPr lang="en-US" sz="3900" u="sng" kern="1200" dirty="0" smtClean="0"/>
+            <a:rPr lang="en-US" sz="2900" u="sng" kern="1200" dirty="0" smtClean="0"/>
             <a:t>target doctors / physicians</a:t>
           </a:r>
           <a:r>
-            <a:rPr lang="en-US" sz="3900" kern="1200" dirty="0" smtClean="0"/>
+            <a:rPr lang="en-US" sz="2900" kern="1200" dirty="0" smtClean="0"/>
             <a:t> based on their </a:t>
           </a:r>
           <a:r>
-            <a:rPr lang="en-US" sz="3900" u="sng" kern="1200" dirty="0" smtClean="0"/>
+            <a:rPr lang="en-US" sz="2900" u="sng" kern="1200" dirty="0" smtClean="0"/>
             <a:t>practice area</a:t>
           </a:r>
           <a:r>
-            <a:rPr lang="en-US" sz="3900" kern="1200" dirty="0" smtClean="0"/>
+            <a:rPr lang="en-US" sz="2900" kern="1200" dirty="0" smtClean="0"/>
             <a:t>.                               For example, A marketing campaign to target Cardiologists for heart related news feed.”</a:t>
           </a:r>
-          <a:endParaRPr lang="en-US" sz="3900" kern="1200" dirty="0"/>
+          <a:endParaRPr lang="en-US" sz="2900" kern="1200" dirty="0"/>
         </a:p>
       </dsp:txBody>
       <dsp:txXfrm>
-        <a:off x="345578" y="1448"/>
-        <a:ext cx="7538442" cy="4523065"/>
+        <a:off x="1414462" y="1428"/>
+        <a:ext cx="5400674" cy="3240405"/>
       </dsp:txXfrm>
     </dsp:sp>
   </dsp:spTree>
@@ -7612,7 +7612,7 @@
       <dsp:spPr>
         <a:xfrm>
           <a:off x="0" y="0"/>
-          <a:ext cx="4525963" cy="4525963"/>
+          <a:ext cx="3243263" cy="3243263"/>
         </a:xfrm>
         <a:prstGeom prst="pie">
           <a:avLst>
@@ -7628,7 +7628,7 @@
             <a:alphaOff val="0"/>
           </a:schemeClr>
         </a:solidFill>
-        <a:ln w="28575" cap="flat" cmpd="sng" algn="ctr">
+        <a:ln w="19050" cap="flat" cmpd="sng" algn="ctr">
           <a:solidFill>
             <a:schemeClr val="lt1">
               <a:hueOff val="0"/>
@@ -7663,8 +7663,8 @@
       </dsp:nvSpPr>
       <dsp:spPr>
         <a:xfrm>
-          <a:off x="2262981" y="0"/>
-          <a:ext cx="5966618" cy="4525963"/>
+          <a:off x="1621631" y="0"/>
+          <a:ext cx="6607968" cy="3243263"/>
         </a:xfrm>
         <a:prstGeom prst="rect">
           <a:avLst/>
@@ -7678,7 +7678,7 @@
             <a:alphaOff val="0"/>
           </a:schemeClr>
         </a:solidFill>
-        <a:ln w="28575" cap="flat" cmpd="sng" algn="ctr">
+        <a:ln w="19050" cap="flat" cmpd="sng" algn="ctr">
           <a:solidFill>
             <a:schemeClr val="accent1">
               <a:hueOff val="0"/>
@@ -7704,12 +7704,12 @@
         <a:fontRef idx="minor"/>
       </dsp:style>
       <dsp:txBody>
-        <a:bodyPr spcFirstLastPara="0" vert="horz" wrap="square" lIns="148590" tIns="148590" rIns="148590" bIns="148590" numCol="1" spcCol="1270" anchor="ctr" anchorCtr="0">
+        <a:bodyPr spcFirstLastPara="0" vert="horz" wrap="square" lIns="152400" tIns="152400" rIns="152400" bIns="152400" numCol="1" spcCol="1270" anchor="ctr" anchorCtr="0">
           <a:noAutofit/>
         </a:bodyPr>
         <a:lstStyle/>
         <a:p>
-          <a:pPr lvl="0" algn="ctr" defTabSz="1733550" rtl="0">
+          <a:pPr lvl="0" algn="ctr" defTabSz="1778000" rtl="0">
             <a:lnSpc>
               <a:spcPct val="90000"/>
             </a:lnSpc>
@@ -7721,15 +7721,15 @@
             </a:spcAft>
           </a:pPr>
           <a:r>
-            <a:rPr lang="en-US" sz="3900" kern="1200" smtClean="0"/>
+            <a:rPr lang="en-US" sz="4000" kern="1200" smtClean="0"/>
             <a:t>The marketing firm wants to predict physicians under medical specialties based upon procedures performed over the past year</a:t>
           </a:r>
-          <a:endParaRPr lang="en-US" sz="3900" kern="1200"/>
+          <a:endParaRPr lang="en-US" sz="4000" kern="1200"/>
         </a:p>
       </dsp:txBody>
       <dsp:txXfrm>
-        <a:off x="2262981" y="0"/>
-        <a:ext cx="5966618" cy="4525963"/>
+        <a:off x="1621631" y="0"/>
+        <a:ext cx="6607968" cy="3243263"/>
       </dsp:txXfrm>
     </dsp:sp>
   </dsp:spTree>
@@ -7752,7 +7752,7 @@
       <dsp:spPr>
         <a:xfrm>
           <a:off x="657224" y="0"/>
-          <a:ext cx="7448550" cy="4572000"/>
+          <a:ext cx="7448550" cy="3429000"/>
         </a:xfrm>
         <a:prstGeom prst="rightArrow">
           <a:avLst/>
@@ -7791,8 +7791,8 @@
       </dsp:nvSpPr>
       <dsp:spPr>
         <a:xfrm>
-          <a:off x="748" y="1371599"/>
-          <a:ext cx="1200205" cy="1828800"/>
+          <a:off x="748" y="1028700"/>
+          <a:ext cx="1200205" cy="1371600"/>
         </a:xfrm>
         <a:prstGeom prst="roundRect">
           <a:avLst/>
@@ -7805,7 +7805,7 @@
             <a:alphaOff val="0"/>
           </a:schemeClr>
         </a:solidFill>
-        <a:ln w="50800" cap="flat" cmpd="sng" algn="ctr">
+        <a:ln w="31750" cap="flat" cmpd="sng" algn="ctr">
           <a:solidFill>
             <a:schemeClr val="dk2">
               <a:shade val="80000"/>
@@ -7818,9 +7818,9 @@
           <a:prstDash val="solid"/>
         </a:ln>
         <a:effectLst>
-          <a:outerShdw blurRad="40000" dist="20000" dir="5400000" rotWithShape="0">
+          <a:outerShdw blurRad="51500" dist="25400" dir="5400000" rotWithShape="0">
             <a:srgbClr val="000000">
-              <a:alpha val="38000"/>
+              <a:alpha val="40000"/>
             </a:srgbClr>
           </a:outerShdw>
         </a:effectLst>
@@ -7864,8 +7864,8 @@
         </a:p>
       </dsp:txBody>
       <dsp:txXfrm>
-        <a:off x="59337" y="1430188"/>
-        <a:ext cx="1083027" cy="1711622"/>
+        <a:off x="59337" y="1087289"/>
+        <a:ext cx="1083027" cy="1254422"/>
       </dsp:txXfrm>
     </dsp:sp>
     <dsp:sp modelId="{87952B51-C412-4F4C-A19C-38B28DB34C43}">
@@ -7875,8 +7875,8 @@
       </dsp:nvSpPr>
       <dsp:spPr>
         <a:xfrm>
-          <a:off x="1260964" y="1371599"/>
-          <a:ext cx="1200205" cy="1828800"/>
+          <a:off x="1260964" y="1028700"/>
+          <a:ext cx="1200205" cy="1371600"/>
         </a:xfrm>
         <a:prstGeom prst="roundRect">
           <a:avLst/>
@@ -7889,7 +7889,7 @@
             <a:alphaOff val="0"/>
           </a:schemeClr>
         </a:solidFill>
-        <a:ln w="50800" cap="flat" cmpd="sng" algn="ctr">
+        <a:ln w="31750" cap="flat" cmpd="sng" algn="ctr">
           <a:solidFill>
             <a:schemeClr val="dk2">
               <a:shade val="80000"/>
@@ -7902,9 +7902,9 @@
           <a:prstDash val="solid"/>
         </a:ln>
         <a:effectLst>
-          <a:outerShdw blurRad="40000" dist="20000" dir="5400000" rotWithShape="0">
+          <a:outerShdw blurRad="51500" dist="25400" dir="5400000" rotWithShape="0">
             <a:srgbClr val="000000">
-              <a:alpha val="38000"/>
+              <a:alpha val="40000"/>
             </a:srgbClr>
           </a:outerShdw>
         </a:effectLst>
@@ -7948,8 +7948,8 @@
         </a:p>
       </dsp:txBody>
       <dsp:txXfrm>
-        <a:off x="1319553" y="1430188"/>
-        <a:ext cx="1083027" cy="1711622"/>
+        <a:off x="1319553" y="1087289"/>
+        <a:ext cx="1083027" cy="1254422"/>
       </dsp:txXfrm>
     </dsp:sp>
     <dsp:sp modelId="{968A7CEC-6B41-4B04-B535-B53317756137}">
@@ -7959,8 +7959,8 @@
       </dsp:nvSpPr>
       <dsp:spPr>
         <a:xfrm>
-          <a:off x="2521180" y="1371599"/>
-          <a:ext cx="1200205" cy="1828800"/>
+          <a:off x="2521180" y="1028700"/>
+          <a:ext cx="1200205" cy="1371600"/>
         </a:xfrm>
         <a:prstGeom prst="roundRect">
           <a:avLst/>
@@ -7973,7 +7973,7 @@
             <a:alphaOff val="0"/>
           </a:schemeClr>
         </a:solidFill>
-        <a:ln w="50800" cap="flat" cmpd="sng" algn="ctr">
+        <a:ln w="31750" cap="flat" cmpd="sng" algn="ctr">
           <a:solidFill>
             <a:schemeClr val="dk2">
               <a:shade val="80000"/>
@@ -7986,9 +7986,9 @@
           <a:prstDash val="solid"/>
         </a:ln>
         <a:effectLst>
-          <a:outerShdw blurRad="40000" dist="20000" dir="5400000" rotWithShape="0">
+          <a:outerShdw blurRad="51500" dist="25400" dir="5400000" rotWithShape="0">
             <a:srgbClr val="000000">
-              <a:alpha val="38000"/>
+              <a:alpha val="40000"/>
             </a:srgbClr>
           </a:outerShdw>
         </a:effectLst>
@@ -8032,8 +8032,8 @@
         </a:p>
       </dsp:txBody>
       <dsp:txXfrm>
-        <a:off x="2579769" y="1430188"/>
-        <a:ext cx="1083027" cy="1711622"/>
+        <a:off x="2579769" y="1087289"/>
+        <a:ext cx="1083027" cy="1254422"/>
       </dsp:txXfrm>
     </dsp:sp>
     <dsp:sp modelId="{D4625C03-64CA-4795-8085-EA00EF1FD171}">
@@ -8043,8 +8043,8 @@
       </dsp:nvSpPr>
       <dsp:spPr>
         <a:xfrm>
-          <a:off x="3781397" y="1371599"/>
-          <a:ext cx="1200205" cy="1828800"/>
+          <a:off x="3781397" y="1028700"/>
+          <a:ext cx="1200205" cy="1371600"/>
         </a:xfrm>
         <a:prstGeom prst="roundRect">
           <a:avLst/>
@@ -8057,7 +8057,7 @@
             <a:alphaOff val="0"/>
           </a:schemeClr>
         </a:solidFill>
-        <a:ln w="50800" cap="flat" cmpd="sng" algn="ctr">
+        <a:ln w="31750" cap="flat" cmpd="sng" algn="ctr">
           <a:solidFill>
             <a:schemeClr val="dk2">
               <a:shade val="80000"/>
@@ -8070,9 +8070,9 @@
           <a:prstDash val="solid"/>
         </a:ln>
         <a:effectLst>
-          <a:outerShdw blurRad="40000" dist="20000" dir="5400000" rotWithShape="0">
+          <a:outerShdw blurRad="51500" dist="25400" dir="5400000" rotWithShape="0">
             <a:srgbClr val="000000">
-              <a:alpha val="38000"/>
+              <a:alpha val="40000"/>
             </a:srgbClr>
           </a:outerShdw>
         </a:effectLst>
@@ -8116,8 +8116,8 @@
         </a:p>
       </dsp:txBody>
       <dsp:txXfrm>
-        <a:off x="3839986" y="1430188"/>
-        <a:ext cx="1083027" cy="1711622"/>
+        <a:off x="3839986" y="1087289"/>
+        <a:ext cx="1083027" cy="1254422"/>
       </dsp:txXfrm>
     </dsp:sp>
     <dsp:sp modelId="{E2531907-185F-4C7F-BA60-2DD7D3B07CEF}">
@@ -8127,8 +8127,8 @@
       </dsp:nvSpPr>
       <dsp:spPr>
         <a:xfrm>
-          <a:off x="5041613" y="1371599"/>
-          <a:ext cx="1200205" cy="1828800"/>
+          <a:off x="5041613" y="1028700"/>
+          <a:ext cx="1200205" cy="1371600"/>
         </a:xfrm>
         <a:prstGeom prst="roundRect">
           <a:avLst/>
@@ -8141,7 +8141,7 @@
             <a:alphaOff val="0"/>
           </a:schemeClr>
         </a:solidFill>
-        <a:ln w="50800" cap="flat" cmpd="sng" algn="ctr">
+        <a:ln w="31750" cap="flat" cmpd="sng" algn="ctr">
           <a:solidFill>
             <a:schemeClr val="dk2">
               <a:shade val="80000"/>
@@ -8154,9 +8154,9 @@
           <a:prstDash val="solid"/>
         </a:ln>
         <a:effectLst>
-          <a:outerShdw blurRad="40000" dist="20000" dir="5400000" rotWithShape="0">
+          <a:outerShdw blurRad="51500" dist="25400" dir="5400000" rotWithShape="0">
             <a:srgbClr val="000000">
-              <a:alpha val="38000"/>
+              <a:alpha val="40000"/>
             </a:srgbClr>
           </a:outerShdw>
         </a:effectLst>
@@ -8200,8 +8200,8 @@
         </a:p>
       </dsp:txBody>
       <dsp:txXfrm>
-        <a:off x="5100202" y="1430188"/>
-        <a:ext cx="1083027" cy="1711622"/>
+        <a:off x="5100202" y="1087289"/>
+        <a:ext cx="1083027" cy="1254422"/>
       </dsp:txXfrm>
     </dsp:sp>
     <dsp:sp modelId="{1CBD25F9-D8B0-4E2E-9FF4-5B2CE4DDA913}">
@@ -8211,8 +8211,8 @@
       </dsp:nvSpPr>
       <dsp:spPr>
         <a:xfrm>
-          <a:off x="6301829" y="1371599"/>
-          <a:ext cx="1200205" cy="1828800"/>
+          <a:off x="6301829" y="1028700"/>
+          <a:ext cx="1200205" cy="1371600"/>
         </a:xfrm>
         <a:prstGeom prst="roundRect">
           <a:avLst/>
@@ -8225,7 +8225,7 @@
             <a:alphaOff val="0"/>
           </a:schemeClr>
         </a:solidFill>
-        <a:ln w="50800" cap="flat" cmpd="sng" algn="ctr">
+        <a:ln w="31750" cap="flat" cmpd="sng" algn="ctr">
           <a:solidFill>
             <a:schemeClr val="dk2">
               <a:shade val="80000"/>
@@ -8238,9 +8238,9 @@
           <a:prstDash val="solid"/>
         </a:ln>
         <a:effectLst>
-          <a:outerShdw blurRad="40000" dist="20000" dir="5400000" rotWithShape="0">
+          <a:outerShdw blurRad="51500" dist="25400" dir="5400000" rotWithShape="0">
             <a:srgbClr val="000000">
-              <a:alpha val="38000"/>
+              <a:alpha val="40000"/>
             </a:srgbClr>
           </a:outerShdw>
         </a:effectLst>
@@ -8284,8 +8284,8 @@
         </a:p>
       </dsp:txBody>
       <dsp:txXfrm>
-        <a:off x="6360418" y="1430188"/>
-        <a:ext cx="1083027" cy="1711622"/>
+        <a:off x="6360418" y="1087289"/>
+        <a:ext cx="1083027" cy="1254422"/>
       </dsp:txXfrm>
     </dsp:sp>
     <dsp:sp modelId="{D4CFB313-A587-4787-9AE6-0155AB890997}">
@@ -8295,8 +8295,8 @@
       </dsp:nvSpPr>
       <dsp:spPr>
         <a:xfrm>
-          <a:off x="7562045" y="1371599"/>
-          <a:ext cx="1200205" cy="1828800"/>
+          <a:off x="7562045" y="1028700"/>
+          <a:ext cx="1200205" cy="1371600"/>
         </a:xfrm>
         <a:prstGeom prst="roundRect">
           <a:avLst/>
@@ -8309,7 +8309,7 @@
             <a:alphaOff val="0"/>
           </a:schemeClr>
         </a:solidFill>
-        <a:ln w="50800" cap="flat" cmpd="sng" algn="ctr">
+        <a:ln w="31750" cap="flat" cmpd="sng" algn="ctr">
           <a:solidFill>
             <a:schemeClr val="dk2">
               <a:shade val="80000"/>
@@ -8322,9 +8322,9 @@
           <a:prstDash val="solid"/>
         </a:ln>
         <a:effectLst>
-          <a:outerShdw blurRad="40000" dist="20000" dir="5400000" rotWithShape="0">
+          <a:outerShdw blurRad="51500" dist="25400" dir="5400000" rotWithShape="0">
             <a:srgbClr val="000000">
-              <a:alpha val="38000"/>
+              <a:alpha val="40000"/>
             </a:srgbClr>
           </a:outerShdw>
         </a:effectLst>
@@ -8368,8 +8368,8 @@
         </a:p>
       </dsp:txBody>
       <dsp:txXfrm>
-        <a:off x="7620634" y="1430188"/>
-        <a:ext cx="1083027" cy="1711622"/>
+        <a:off x="7620634" y="1087289"/>
+        <a:ext cx="1083027" cy="1254422"/>
       </dsp:txXfrm>
     </dsp:sp>
   </dsp:spTree>
@@ -8391,7 +8391,7 @@
       </dsp:nvSpPr>
       <dsp:spPr>
         <a:xfrm>
-          <a:off x="3750" y="1961545"/>
+          <a:off x="3750" y="1348174"/>
           <a:ext cx="1639788" cy="983872"/>
         </a:xfrm>
         <a:prstGeom prst="flowChartMagneticDisk">
@@ -8405,7 +8405,7 @@
             <a:alphaOff val="0"/>
           </a:schemeClr>
         </a:solidFill>
-        <a:ln w="28575" cap="flat" cmpd="sng" algn="ctr">
+        <a:ln w="19050" cap="flat" cmpd="sng" algn="ctr">
           <a:solidFill>
             <a:schemeClr val="lt1">
               <a:hueOff val="0"/>
@@ -8457,7 +8457,7 @@
         </a:p>
       </dsp:txBody>
       <dsp:txXfrm>
-        <a:off x="3750" y="2289502"/>
+        <a:off x="3750" y="1676131"/>
         <a:ext cx="1639788" cy="491936"/>
       </dsp:txXfrm>
     </dsp:sp>
@@ -8468,7 +8468,7 @@
       </dsp:nvSpPr>
       <dsp:spPr>
         <a:xfrm>
-          <a:off x="1807517" y="2250147"/>
+          <a:off x="1807517" y="1636777"/>
           <a:ext cx="347635" cy="406667"/>
         </a:xfrm>
         <a:prstGeom prst="rightArrow">
@@ -8526,7 +8526,7 @@
         </a:p>
       </dsp:txBody>
       <dsp:txXfrm>
-        <a:off x="1807517" y="2331480"/>
+        <a:off x="1807517" y="1718110"/>
         <a:ext cx="243345" cy="244001"/>
       </dsp:txXfrm>
     </dsp:sp>
@@ -8537,7 +8537,7 @@
       </dsp:nvSpPr>
       <dsp:spPr>
         <a:xfrm>
-          <a:off x="2299454" y="1961545"/>
+          <a:off x="2299454" y="1348174"/>
           <a:ext cx="1639788" cy="983872"/>
         </a:xfrm>
         <a:prstGeom prst="roundRect">
@@ -8553,7 +8553,7 @@
             <a:alphaOff val="0"/>
           </a:schemeClr>
         </a:solidFill>
-        <a:ln w="28575" cap="flat" cmpd="sng" algn="ctr">
+        <a:ln w="19050" cap="flat" cmpd="sng" algn="ctr">
           <a:solidFill>
             <a:schemeClr val="lt1">
               <a:hueOff val="0"/>
@@ -8605,7 +8605,7 @@
         </a:p>
       </dsp:txBody>
       <dsp:txXfrm>
-        <a:off x="2328271" y="1990362"/>
+        <a:off x="2328271" y="1376991"/>
         <a:ext cx="1582154" cy="926238"/>
       </dsp:txXfrm>
     </dsp:sp>
@@ -8616,7 +8616,7 @@
       </dsp:nvSpPr>
       <dsp:spPr>
         <a:xfrm>
-          <a:off x="4103221" y="2250147"/>
+          <a:off x="4103221" y="1636777"/>
           <a:ext cx="347635" cy="406667"/>
         </a:xfrm>
         <a:prstGeom prst="rightArrow">
@@ -8674,7 +8674,7 @@
         </a:p>
       </dsp:txBody>
       <dsp:txXfrm>
-        <a:off x="4103221" y="2331480"/>
+        <a:off x="4103221" y="1718110"/>
         <a:ext cx="243345" cy="244001"/>
       </dsp:txXfrm>
     </dsp:sp>
@@ -8685,7 +8685,7 @@
       </dsp:nvSpPr>
       <dsp:spPr>
         <a:xfrm>
-          <a:off x="4595157" y="1961545"/>
+          <a:off x="4595157" y="1348174"/>
           <a:ext cx="1639788" cy="983872"/>
         </a:xfrm>
         <a:prstGeom prst="flowChartMagneticTape">
@@ -8699,7 +8699,7 @@
             <a:alphaOff val="0"/>
           </a:schemeClr>
         </a:solidFill>
-        <a:ln w="28575" cap="flat" cmpd="sng" algn="ctr">
+        <a:ln w="19050" cap="flat" cmpd="sng" algn="ctr">
           <a:solidFill>
             <a:schemeClr val="lt1">
               <a:hueOff val="0"/>
@@ -8751,7 +8751,7 @@
         </a:p>
       </dsp:txBody>
       <dsp:txXfrm>
-        <a:off x="4835298" y="2105630"/>
+        <a:off x="4835298" y="1492259"/>
         <a:ext cx="1159506" cy="695702"/>
       </dsp:txXfrm>
     </dsp:sp>
@@ -8762,7 +8762,7 @@
       </dsp:nvSpPr>
       <dsp:spPr>
         <a:xfrm>
-          <a:off x="6398924" y="2250147"/>
+          <a:off x="6398924" y="1636777"/>
           <a:ext cx="347635" cy="406667"/>
         </a:xfrm>
         <a:prstGeom prst="rightArrow">
@@ -8820,7 +8820,7 @@
         </a:p>
       </dsp:txBody>
       <dsp:txXfrm>
-        <a:off x="6398924" y="2331480"/>
+        <a:off x="6398924" y="1718110"/>
         <a:ext cx="243345" cy="244001"/>
       </dsp:txXfrm>
     </dsp:sp>
@@ -8831,7 +8831,7 @@
       </dsp:nvSpPr>
       <dsp:spPr>
         <a:xfrm>
-          <a:off x="6890861" y="1961545"/>
+          <a:off x="6890861" y="1348174"/>
           <a:ext cx="1639788" cy="983872"/>
         </a:xfrm>
         <a:prstGeom prst="roundRect">
@@ -8847,7 +8847,7 @@
             <a:alphaOff val="0"/>
           </a:schemeClr>
         </a:solidFill>
-        <a:ln w="28575" cap="flat" cmpd="sng" algn="ctr">
+        <a:ln w="19050" cap="flat" cmpd="sng" algn="ctr">
           <a:solidFill>
             <a:schemeClr val="lt1">
               <a:hueOff val="0"/>
@@ -8899,7 +8899,7 @@
         </a:p>
       </dsp:txBody>
       <dsp:txXfrm>
-        <a:off x="6919678" y="1990362"/>
+        <a:off x="6919678" y="1376991"/>
         <a:ext cx="1582154" cy="926238"/>
       </dsp:txXfrm>
     </dsp:sp>
@@ -8923,7 +8923,7 @@
       <dsp:spPr>
         <a:xfrm>
           <a:off x="1562" y="0"/>
-          <a:ext cx="1598637" cy="914400"/>
+          <a:ext cx="1598637" cy="685800"/>
         </a:xfrm>
         <a:prstGeom prst="flowChartMagneticDisk">
           <a:avLst/>
@@ -8937,7 +8937,7 @@
             <a:alphaOff val="0"/>
           </a:schemeClr>
         </a:solidFill>
-        <a:ln w="28575" cap="flat" cmpd="sng" algn="ctr">
+        <a:ln w="19050" cap="flat" cmpd="sng" algn="ctr">
           <a:solidFill>
             <a:schemeClr val="lt1">
               <a:hueOff val="0"/>
@@ -8965,12 +8965,12 @@
         </a:fontRef>
       </dsp:style>
       <dsp:txBody>
-        <a:bodyPr spcFirstLastPara="0" vert="horz" wrap="square" lIns="64770" tIns="64770" rIns="64770" bIns="64770" numCol="1" spcCol="1270" anchor="ctr" anchorCtr="0">
+        <a:bodyPr spcFirstLastPara="0" vert="horz" wrap="square" lIns="60960" tIns="60960" rIns="60960" bIns="60960" numCol="1" spcCol="1270" anchor="ctr" anchorCtr="0">
           <a:noAutofit/>
         </a:bodyPr>
         <a:lstStyle/>
         <a:p>
-          <a:pPr lvl="0" algn="ctr" defTabSz="755650" rtl="0">
+          <a:pPr lvl="0" algn="ctr" defTabSz="711200" rtl="0">
             <a:lnSpc>
               <a:spcPct val="90000"/>
             </a:lnSpc>
@@ -8982,15 +8982,15 @@
             </a:spcAft>
           </a:pPr>
           <a:r>
-            <a:rPr lang="en-US" sz="1700" kern="1200" dirty="0" smtClean="0"/>
+            <a:rPr lang="en-US" sz="1600" kern="1200" dirty="0" smtClean="0"/>
             <a:t>New Instances</a:t>
           </a:r>
-          <a:endParaRPr lang="en-US" sz="1700" kern="1200" dirty="0"/>
+          <a:endParaRPr lang="en-US" sz="1600" kern="1200" dirty="0"/>
         </a:p>
       </dsp:txBody>
       <dsp:txXfrm>
-        <a:off x="1562" y="304800"/>
-        <a:ext cx="1598637" cy="457200"/>
+        <a:off x="1562" y="228600"/>
+        <a:ext cx="1598637" cy="342900"/>
       </dsp:txXfrm>
     </dsp:sp>
   </dsp:spTree>
@@ -9013,7 +9013,7 @@
       <dsp:spPr>
         <a:xfrm>
           <a:off x="1562" y="0"/>
-          <a:ext cx="1598637" cy="914400"/>
+          <a:ext cx="1598637" cy="685800"/>
         </a:xfrm>
         <a:prstGeom prst="flowChartMultidocument">
           <a:avLst/>
@@ -9027,7 +9027,7 @@
             <a:alphaOff val="0"/>
           </a:schemeClr>
         </a:solidFill>
-        <a:ln w="28575" cap="flat" cmpd="sng" algn="ctr">
+        <a:ln w="19050" cap="flat" cmpd="sng" algn="ctr">
           <a:solidFill>
             <a:schemeClr val="lt1">
               <a:hueOff val="0"/>
@@ -9079,8 +9079,8 @@
         </a:p>
       </dsp:txBody>
       <dsp:txXfrm>
-        <a:off x="1562" y="155575"/>
-        <a:ext cx="1376234" cy="724196"/>
+        <a:off x="1562" y="116681"/>
+        <a:ext cx="1376234" cy="543148"/>
       </dsp:txXfrm>
     </dsp:sp>
   </dsp:spTree>
@@ -9102,8 +9102,8 @@
       </dsp:nvSpPr>
       <dsp:spPr>
         <a:xfrm>
-          <a:off x="0" y="68061"/>
-          <a:ext cx="8229600" cy="669240"/>
+          <a:off x="0" y="73631"/>
+          <a:ext cx="8229600" cy="468000"/>
         </a:xfrm>
         <a:prstGeom prst="roundRect">
           <a:avLst/>
@@ -9116,7 +9116,7 @@
             <a:alphaOff val="0"/>
           </a:schemeClr>
         </a:solidFill>
-        <a:ln w="50800" cap="flat" cmpd="sng" algn="ctr">
+        <a:ln w="31750" cap="flat" cmpd="sng" algn="ctr">
           <a:solidFill>
             <a:schemeClr val="lt1">
               <a:hueOff val="0"/>
@@ -9128,9 +9128,9 @@
           <a:prstDash val="solid"/>
         </a:ln>
         <a:effectLst>
-          <a:outerShdw blurRad="40000" dist="20000" dir="5400000" rotWithShape="0">
+          <a:outerShdw blurRad="51500" dist="25400" dir="5400000" rotWithShape="0">
             <a:srgbClr val="000000">
-              <a:alpha val="38000"/>
+              <a:alpha val="40000"/>
             </a:srgbClr>
           </a:outerShdw>
         </a:effectLst>
@@ -9150,12 +9150,12 @@
         </a:fontRef>
       </dsp:style>
       <dsp:txBody>
-        <a:bodyPr spcFirstLastPara="0" vert="horz" wrap="square" lIns="99060" tIns="99060" rIns="99060" bIns="99060" numCol="1" spcCol="1270" anchor="ctr" anchorCtr="0">
+        <a:bodyPr spcFirstLastPara="0" vert="horz" wrap="square" lIns="76200" tIns="76200" rIns="76200" bIns="76200" numCol="1" spcCol="1270" anchor="ctr" anchorCtr="0">
           <a:noAutofit/>
         </a:bodyPr>
         <a:lstStyle/>
         <a:p>
-          <a:pPr lvl="0" algn="l" defTabSz="1155700" rtl="0">
+          <a:pPr lvl="0" algn="l" defTabSz="889000" rtl="0">
             <a:lnSpc>
               <a:spcPct val="90000"/>
             </a:lnSpc>
@@ -9167,15 +9167,15 @@
             </a:spcAft>
           </a:pPr>
           <a:r>
-            <a:rPr lang="en-US" sz="2600" kern="1200" smtClean="0"/>
+            <a:rPr lang="en-US" sz="2000" kern="1200" smtClean="0"/>
             <a:t>Build Multi-class classifier</a:t>
           </a:r>
-          <a:endParaRPr lang="en-US" sz="2600" kern="1200"/>
+          <a:endParaRPr lang="en-US" sz="2000" kern="1200"/>
         </a:p>
       </dsp:txBody>
       <dsp:txXfrm>
-        <a:off x="32670" y="100731"/>
-        <a:ext cx="8164260" cy="603900"/>
+        <a:off x="22846" y="96477"/>
+        <a:ext cx="8183908" cy="422308"/>
       </dsp:txXfrm>
     </dsp:sp>
     <dsp:sp modelId="{D5CA63A2-B2A1-40E0-ABEB-B6A8AFD2BEBA}">
@@ -9185,8 +9185,8 @@
       </dsp:nvSpPr>
       <dsp:spPr>
         <a:xfrm>
-          <a:off x="0" y="812181"/>
-          <a:ext cx="8229600" cy="669240"/>
+          <a:off x="0" y="599231"/>
+          <a:ext cx="8229600" cy="468000"/>
         </a:xfrm>
         <a:prstGeom prst="roundRect">
           <a:avLst/>
@@ -9199,7 +9199,7 @@
             <a:alphaOff val="0"/>
           </a:schemeClr>
         </a:solidFill>
-        <a:ln w="50800" cap="flat" cmpd="sng" algn="ctr">
+        <a:ln w="31750" cap="flat" cmpd="sng" algn="ctr">
           <a:solidFill>
             <a:schemeClr val="lt1">
               <a:hueOff val="0"/>
@@ -9211,9 +9211,9 @@
           <a:prstDash val="solid"/>
         </a:ln>
         <a:effectLst>
-          <a:outerShdw blurRad="40000" dist="20000" dir="5400000" rotWithShape="0">
+          <a:outerShdw blurRad="51500" dist="25400" dir="5400000" rotWithShape="0">
             <a:srgbClr val="000000">
-              <a:alpha val="38000"/>
+              <a:alpha val="40000"/>
             </a:srgbClr>
           </a:outerShdw>
         </a:effectLst>
@@ -9233,12 +9233,12 @@
         </a:fontRef>
       </dsp:style>
       <dsp:txBody>
-        <a:bodyPr spcFirstLastPara="0" vert="horz" wrap="square" lIns="99060" tIns="99060" rIns="99060" bIns="99060" numCol="1" spcCol="1270" anchor="ctr" anchorCtr="0">
+        <a:bodyPr spcFirstLastPara="0" vert="horz" wrap="square" lIns="76200" tIns="76200" rIns="76200" bIns="76200" numCol="1" spcCol="1270" anchor="ctr" anchorCtr="0">
           <a:noAutofit/>
         </a:bodyPr>
         <a:lstStyle/>
         <a:p>
-          <a:pPr lvl="0" algn="l" defTabSz="1155700" rtl="0">
+          <a:pPr lvl="0" algn="l" defTabSz="889000" rtl="0">
             <a:lnSpc>
               <a:spcPct val="90000"/>
             </a:lnSpc>
@@ -9250,15 +9250,15 @@
             </a:spcAft>
           </a:pPr>
           <a:r>
-            <a:rPr lang="en-US" sz="2600" kern="1200" smtClean="0"/>
+            <a:rPr lang="en-US" sz="2000" kern="1200" smtClean="0"/>
             <a:t>Hyper parameter tuning</a:t>
           </a:r>
-          <a:endParaRPr lang="en-US" sz="2600" kern="1200"/>
+          <a:endParaRPr lang="en-US" sz="2000" kern="1200"/>
         </a:p>
       </dsp:txBody>
       <dsp:txXfrm>
-        <a:off x="32670" y="844851"/>
-        <a:ext cx="8164260" cy="603900"/>
+        <a:off x="22846" y="622077"/>
+        <a:ext cx="8183908" cy="422308"/>
       </dsp:txXfrm>
     </dsp:sp>
     <dsp:sp modelId="{BF622B5B-81AE-4CD6-A475-F18AFD27A765}">
@@ -9268,8 +9268,8 @@
       </dsp:nvSpPr>
       <dsp:spPr>
         <a:xfrm>
-          <a:off x="0" y="1556301"/>
-          <a:ext cx="8229600" cy="669240"/>
+          <a:off x="0" y="1124831"/>
+          <a:ext cx="8229600" cy="468000"/>
         </a:xfrm>
         <a:prstGeom prst="roundRect">
           <a:avLst/>
@@ -9282,7 +9282,7 @@
             <a:alphaOff val="0"/>
           </a:schemeClr>
         </a:solidFill>
-        <a:ln w="50800" cap="flat" cmpd="sng" algn="ctr">
+        <a:ln w="31750" cap="flat" cmpd="sng" algn="ctr">
           <a:solidFill>
             <a:schemeClr val="lt1">
               <a:hueOff val="0"/>
@@ -9294,9 +9294,9 @@
           <a:prstDash val="solid"/>
         </a:ln>
         <a:effectLst>
-          <a:outerShdw blurRad="40000" dist="20000" dir="5400000" rotWithShape="0">
+          <a:outerShdw blurRad="51500" dist="25400" dir="5400000" rotWithShape="0">
             <a:srgbClr val="000000">
-              <a:alpha val="38000"/>
+              <a:alpha val="40000"/>
             </a:srgbClr>
           </a:outerShdw>
         </a:effectLst>
@@ -9316,12 +9316,12 @@
         </a:fontRef>
       </dsp:style>
       <dsp:txBody>
-        <a:bodyPr spcFirstLastPara="0" vert="horz" wrap="square" lIns="99060" tIns="99060" rIns="99060" bIns="99060" numCol="1" spcCol="1270" anchor="ctr" anchorCtr="0">
+        <a:bodyPr spcFirstLastPara="0" vert="horz" wrap="square" lIns="76200" tIns="76200" rIns="76200" bIns="76200" numCol="1" spcCol="1270" anchor="ctr" anchorCtr="0">
           <a:noAutofit/>
         </a:bodyPr>
         <a:lstStyle/>
         <a:p>
-          <a:pPr lvl="0" algn="l" defTabSz="1155700" rtl="0">
+          <a:pPr lvl="0" algn="l" defTabSz="889000" rtl="0">
             <a:lnSpc>
               <a:spcPct val="90000"/>
             </a:lnSpc>
@@ -9333,15 +9333,15 @@
             </a:spcAft>
           </a:pPr>
           <a:r>
-            <a:rPr lang="en-US" sz="2600" kern="1200" smtClean="0"/>
+            <a:rPr lang="en-US" sz="2000" kern="1200" smtClean="0"/>
             <a:t>Predict .py</a:t>
           </a:r>
-          <a:endParaRPr lang="en-US" sz="2600" kern="1200"/>
+          <a:endParaRPr lang="en-US" sz="2000" kern="1200"/>
         </a:p>
       </dsp:txBody>
       <dsp:txXfrm>
-        <a:off x="32670" y="1588971"/>
-        <a:ext cx="8164260" cy="603900"/>
+        <a:off x="22846" y="1147677"/>
+        <a:ext cx="8183908" cy="422308"/>
       </dsp:txXfrm>
     </dsp:sp>
     <dsp:sp modelId="{96D01BA4-FDC9-431A-8D75-4DB8E68D252E}">
@@ -9351,8 +9351,8 @@
       </dsp:nvSpPr>
       <dsp:spPr>
         <a:xfrm>
-          <a:off x="0" y="2300421"/>
-          <a:ext cx="8229600" cy="669240"/>
+          <a:off x="0" y="1650431"/>
+          <a:ext cx="8229600" cy="468000"/>
         </a:xfrm>
         <a:prstGeom prst="roundRect">
           <a:avLst/>
@@ -9365,7 +9365,7 @@
             <a:alphaOff val="0"/>
           </a:schemeClr>
         </a:solidFill>
-        <a:ln w="50800" cap="flat" cmpd="sng" algn="ctr">
+        <a:ln w="31750" cap="flat" cmpd="sng" algn="ctr">
           <a:solidFill>
             <a:schemeClr val="lt1">
               <a:hueOff val="0"/>
@@ -9377,9 +9377,9 @@
           <a:prstDash val="solid"/>
         </a:ln>
         <a:effectLst>
-          <a:outerShdw blurRad="40000" dist="20000" dir="5400000" rotWithShape="0">
+          <a:outerShdw blurRad="51500" dist="25400" dir="5400000" rotWithShape="0">
             <a:srgbClr val="000000">
-              <a:alpha val="38000"/>
+              <a:alpha val="40000"/>
             </a:srgbClr>
           </a:outerShdw>
         </a:effectLst>
@@ -9399,12 +9399,12 @@
         </a:fontRef>
       </dsp:style>
       <dsp:txBody>
-        <a:bodyPr spcFirstLastPara="0" vert="horz" wrap="square" lIns="99060" tIns="99060" rIns="99060" bIns="99060" numCol="1" spcCol="1270" anchor="ctr" anchorCtr="0">
+        <a:bodyPr spcFirstLastPara="0" vert="horz" wrap="square" lIns="76200" tIns="76200" rIns="76200" bIns="76200" numCol="1" spcCol="1270" anchor="ctr" anchorCtr="0">
           <a:noAutofit/>
         </a:bodyPr>
         <a:lstStyle/>
         <a:p>
-          <a:pPr lvl="0" algn="l" defTabSz="1155700" rtl="0">
+          <a:pPr lvl="0" algn="l" defTabSz="889000" rtl="0">
             <a:lnSpc>
               <a:spcPct val="90000"/>
             </a:lnSpc>
@@ -9416,15 +9416,15 @@
             </a:spcAft>
           </a:pPr>
           <a:r>
-            <a:rPr lang="en-US" sz="2600" kern="1200" smtClean="0"/>
+            <a:rPr lang="en-US" sz="2000" kern="1200" smtClean="0"/>
             <a:t>Flask App</a:t>
           </a:r>
-          <a:endParaRPr lang="en-US" sz="2600" kern="1200"/>
+          <a:endParaRPr lang="en-US" sz="2000" kern="1200"/>
         </a:p>
       </dsp:txBody>
       <dsp:txXfrm>
-        <a:off x="32670" y="2333091"/>
-        <a:ext cx="8164260" cy="603900"/>
+        <a:off x="22846" y="1673277"/>
+        <a:ext cx="8183908" cy="422308"/>
       </dsp:txXfrm>
     </dsp:sp>
     <dsp:sp modelId="{851FD988-8E15-48D8-97AE-03213F567206}">
@@ -9434,8 +9434,8 @@
       </dsp:nvSpPr>
       <dsp:spPr>
         <a:xfrm>
-          <a:off x="0" y="3044541"/>
-          <a:ext cx="8229600" cy="669240"/>
+          <a:off x="0" y="2176031"/>
+          <a:ext cx="8229600" cy="468000"/>
         </a:xfrm>
         <a:prstGeom prst="roundRect">
           <a:avLst/>
@@ -9448,7 +9448,7 @@
             <a:alphaOff val="0"/>
           </a:schemeClr>
         </a:solidFill>
-        <a:ln w="50800" cap="flat" cmpd="sng" algn="ctr">
+        <a:ln w="31750" cap="flat" cmpd="sng" algn="ctr">
           <a:solidFill>
             <a:schemeClr val="lt1">
               <a:hueOff val="0"/>
@@ -9460,9 +9460,9 @@
           <a:prstDash val="solid"/>
         </a:ln>
         <a:effectLst>
-          <a:outerShdw blurRad="40000" dist="20000" dir="5400000" rotWithShape="0">
+          <a:outerShdw blurRad="51500" dist="25400" dir="5400000" rotWithShape="0">
             <a:srgbClr val="000000">
-              <a:alpha val="38000"/>
+              <a:alpha val="40000"/>
             </a:srgbClr>
           </a:outerShdw>
         </a:effectLst>
@@ -9482,12 +9482,12 @@
         </a:fontRef>
       </dsp:style>
       <dsp:txBody>
-        <a:bodyPr spcFirstLastPara="0" vert="horz" wrap="square" lIns="99060" tIns="99060" rIns="99060" bIns="99060" numCol="1" spcCol="1270" anchor="ctr" anchorCtr="0">
+        <a:bodyPr spcFirstLastPara="0" vert="horz" wrap="square" lIns="76200" tIns="76200" rIns="76200" bIns="76200" numCol="1" spcCol="1270" anchor="ctr" anchorCtr="0">
           <a:noAutofit/>
         </a:bodyPr>
         <a:lstStyle/>
         <a:p>
-          <a:pPr lvl="0" algn="l" defTabSz="1155700" rtl="0">
+          <a:pPr lvl="0" algn="l" defTabSz="889000" rtl="0">
             <a:lnSpc>
               <a:spcPct val="90000"/>
             </a:lnSpc>
@@ -9499,15 +9499,15 @@
             </a:spcAft>
           </a:pPr>
           <a:r>
-            <a:rPr lang="en-US" sz="2600" kern="1200" smtClean="0"/>
+            <a:rPr lang="en-US" sz="2000" kern="1200" smtClean="0"/>
             <a:t>Code Refactoring, doc strings</a:t>
           </a:r>
-          <a:endParaRPr lang="en-US" sz="2600" kern="1200"/>
+          <a:endParaRPr lang="en-US" sz="2000" kern="1200"/>
         </a:p>
       </dsp:txBody>
       <dsp:txXfrm>
-        <a:off x="32670" y="3077211"/>
-        <a:ext cx="8164260" cy="603900"/>
+        <a:off x="22846" y="2198877"/>
+        <a:ext cx="8183908" cy="422308"/>
       </dsp:txXfrm>
     </dsp:sp>
     <dsp:sp modelId="{0ABE1C20-DC91-4157-889A-F1C3E325A040}">
@@ -9517,8 +9517,8 @@
       </dsp:nvSpPr>
       <dsp:spPr>
         <a:xfrm>
-          <a:off x="0" y="3788661"/>
-          <a:ext cx="8229600" cy="669240"/>
+          <a:off x="0" y="2701631"/>
+          <a:ext cx="8229600" cy="468000"/>
         </a:xfrm>
         <a:prstGeom prst="roundRect">
           <a:avLst/>
@@ -9531,7 +9531,7 @@
             <a:alphaOff val="0"/>
           </a:schemeClr>
         </a:solidFill>
-        <a:ln w="50800" cap="flat" cmpd="sng" algn="ctr">
+        <a:ln w="31750" cap="flat" cmpd="sng" algn="ctr">
           <a:solidFill>
             <a:schemeClr val="lt1">
               <a:hueOff val="0"/>
@@ -9543,9 +9543,9 @@
           <a:prstDash val="solid"/>
         </a:ln>
         <a:effectLst>
-          <a:outerShdw blurRad="40000" dist="20000" dir="5400000" rotWithShape="0">
+          <a:outerShdw blurRad="51500" dist="25400" dir="5400000" rotWithShape="0">
             <a:srgbClr val="000000">
-              <a:alpha val="38000"/>
+              <a:alpha val="40000"/>
             </a:srgbClr>
           </a:outerShdw>
         </a:effectLst>
@@ -9565,12 +9565,12 @@
         </a:fontRef>
       </dsp:style>
       <dsp:txBody>
-        <a:bodyPr spcFirstLastPara="0" vert="horz" wrap="square" lIns="99060" tIns="99060" rIns="99060" bIns="99060" numCol="1" spcCol="1270" anchor="ctr" anchorCtr="0">
+        <a:bodyPr spcFirstLastPara="0" vert="horz" wrap="square" lIns="76200" tIns="76200" rIns="76200" bIns="76200" numCol="1" spcCol="1270" anchor="ctr" anchorCtr="0">
           <a:noAutofit/>
         </a:bodyPr>
         <a:lstStyle/>
         <a:p>
-          <a:pPr lvl="0" algn="l" defTabSz="1155700" rtl="0">
+          <a:pPr lvl="0" algn="l" defTabSz="889000" rtl="0">
             <a:lnSpc>
               <a:spcPct val="90000"/>
             </a:lnSpc>
@@ -9582,15 +9582,15 @@
             </a:spcAft>
           </a:pPr>
           <a:r>
-            <a:rPr lang="en-US" sz="2600" kern="1200" smtClean="0"/>
+            <a:rPr lang="en-US" sz="2000" kern="1200" smtClean="0"/>
             <a:t>Update presentation</a:t>
           </a:r>
-          <a:endParaRPr lang="en-US" sz="2600" kern="1200"/>
+          <a:endParaRPr lang="en-US" sz="2000" kern="1200"/>
         </a:p>
       </dsp:txBody>
       <dsp:txXfrm>
-        <a:off x="32670" y="3821331"/>
-        <a:ext cx="8164260" cy="603900"/>
+        <a:off x="22846" y="2724477"/>
+        <a:ext cx="8183908" cy="422308"/>
       </dsp:txXfrm>
     </dsp:sp>
   </dsp:spTree>
@@ -20336,7 +20336,7 @@
           <a:p>
             <a:fld id="{266B94FD-7BF3-499E-953D-391D7CAECD2D}" type="datetimeFigureOut">
               <a:rPr lang="en-US" smtClean="0"/>
-              <a:t>5/1/2018</a:t>
+              <a:t>5/3/2018</a:t>
             </a:fld>
             <a:endParaRPr lang="en-US"/>
           </a:p>
@@ -20354,8 +20354,8 @@
         </p:nvSpPr>
         <p:spPr>
           <a:xfrm>
-            <a:off x="1143000" y="685800"/>
-            <a:ext cx="4572000" cy="3429000"/>
+            <a:off x="381000" y="685800"/>
+            <a:ext cx="6096000" cy="3429000"/>
           </a:xfrm>
           <a:prstGeom prst="rect">
             <a:avLst/>
@@ -20631,7 +20631,12 @@
             <p:ph type="sldImg"/>
           </p:nvPr>
         </p:nvSpPr>
-        <p:spPr/>
+        <p:spPr>
+          <a:xfrm>
+            <a:off x="381000" y="685800"/>
+            <a:ext cx="6096000" cy="3429000"/>
+          </a:xfrm>
+        </p:spPr>
       </p:sp>
       <p:sp>
         <p:nvSpPr>
@@ -20689,7 +20694,7 @@
 </file>
 
 <file path=ppt/slideLayouts/slideLayout1.xml><?xml version="1.0" encoding="utf-8"?>
-<p:sldLayout xmlns:a="http://schemas.openxmlformats.org/drawingml/2006/main" xmlns:r="http://schemas.openxmlformats.org/officeDocument/2006/relationships" xmlns:p="http://schemas.openxmlformats.org/presentationml/2006/main" type="title" preserve="1">
+<p:sldLayout xmlns:a="http://schemas.openxmlformats.org/drawingml/2006/main" xmlns:r="http://schemas.openxmlformats.org/officeDocument/2006/relationships" xmlns:p="http://schemas.openxmlformats.org/presentationml/2006/main" showMasterSp="0" type="title" preserve="1">
   <p:cSld name="Title Slide">
     <p:spTree>
       <p:nvGrpSpPr>
@@ -20707,7 +20712,529 @@
       </p:grpSpPr>
       <p:sp>
         <p:nvSpPr>
-          <p:cNvPr id="2" name="Title 1"/>
+          <p:cNvPr id="23" name="Rectangle 22"/>
+          <p:cNvSpPr/>
+          <p:nvPr/>
+        </p:nvSpPr>
+        <p:spPr>
+          <a:xfrm flipV="1">
+            <a:off x="5410183" y="2857501"/>
+            <a:ext cx="3733819" cy="68315"/>
+          </a:xfrm>
+          <a:prstGeom prst="rect">
+            <a:avLst/>
+          </a:prstGeom>
+          <a:solidFill>
+            <a:schemeClr val="accent2">
+              <a:alpha val="100000"/>
+            </a:schemeClr>
+          </a:solidFill>
+          <a:ln w="50800" cap="rnd" cmpd="thickThin" algn="ctr">
+            <a:noFill/>
+            <a:prstDash val="solid"/>
+          </a:ln>
+          <a:effectLst/>
+        </p:spPr>
+        <p:style>
+          <a:lnRef idx="3">
+            <a:schemeClr val="lt1"/>
+          </a:lnRef>
+          <a:fillRef idx="1">
+            <a:schemeClr val="accent1"/>
+          </a:fillRef>
+          <a:effectRef idx="1">
+            <a:schemeClr val="accent1"/>
+          </a:effectRef>
+          <a:fontRef idx="minor">
+            <a:schemeClr val="lt1"/>
+          </a:fontRef>
+        </p:style>
+        <p:txBody>
+          <a:bodyPr anchor="ctr"/>
+          <a:lstStyle/>
+          <a:p>
+            <a:pPr algn="ctr" eaLnBrk="1" latinLnBrk="0" hangingPunct="1"/>
+            <a:endParaRPr kumimoji="0" lang="en-US"/>
+          </a:p>
+        </p:txBody>
+      </p:sp>
+      <p:sp>
+        <p:nvSpPr>
+          <p:cNvPr id="24" name="Rectangle 23"/>
+          <p:cNvSpPr/>
+          <p:nvPr/>
+        </p:nvSpPr>
+        <p:spPr>
+          <a:xfrm flipV="1">
+            <a:off x="5410201" y="2922758"/>
+            <a:ext cx="3733801" cy="144018"/>
+          </a:xfrm>
+          <a:prstGeom prst="rect">
+            <a:avLst/>
+          </a:prstGeom>
+          <a:solidFill>
+            <a:schemeClr val="accent2">
+              <a:alpha val="50000"/>
+            </a:schemeClr>
+          </a:solidFill>
+          <a:ln w="50800" cap="rnd" cmpd="thickThin" algn="ctr">
+            <a:noFill/>
+            <a:prstDash val="solid"/>
+          </a:ln>
+          <a:effectLst/>
+        </p:spPr>
+        <p:style>
+          <a:lnRef idx="3">
+            <a:schemeClr val="lt1"/>
+          </a:lnRef>
+          <a:fillRef idx="1">
+            <a:schemeClr val="accent1"/>
+          </a:fillRef>
+          <a:effectRef idx="1">
+            <a:schemeClr val="accent1"/>
+          </a:effectRef>
+          <a:fontRef idx="minor">
+            <a:schemeClr val="lt1"/>
+          </a:fontRef>
+        </p:style>
+        <p:txBody>
+          <a:bodyPr anchor="ctr"/>
+          <a:lstStyle/>
+          <a:p>
+            <a:pPr algn="ctr" eaLnBrk="1" latinLnBrk="0" hangingPunct="1"/>
+            <a:endParaRPr kumimoji="0" lang="en-US"/>
+          </a:p>
+        </p:txBody>
+      </p:sp>
+      <p:sp>
+        <p:nvSpPr>
+          <p:cNvPr id="25" name="Rectangle 24"/>
+          <p:cNvSpPr/>
+          <p:nvPr/>
+        </p:nvSpPr>
+        <p:spPr>
+          <a:xfrm flipV="1">
+            <a:off x="5410201" y="3086375"/>
+            <a:ext cx="3733801" cy="6858"/>
+          </a:xfrm>
+          <a:prstGeom prst="rect">
+            <a:avLst/>
+          </a:prstGeom>
+          <a:solidFill>
+            <a:schemeClr val="accent2">
+              <a:alpha val="65000"/>
+            </a:schemeClr>
+          </a:solidFill>
+          <a:ln w="50800" cap="rnd" cmpd="thickThin" algn="ctr">
+            <a:noFill/>
+            <a:prstDash val="solid"/>
+          </a:ln>
+          <a:effectLst/>
+        </p:spPr>
+        <p:style>
+          <a:lnRef idx="3">
+            <a:schemeClr val="lt1"/>
+          </a:lnRef>
+          <a:fillRef idx="1">
+            <a:schemeClr val="accent1"/>
+          </a:fillRef>
+          <a:effectRef idx="1">
+            <a:schemeClr val="accent1"/>
+          </a:effectRef>
+          <a:fontRef idx="minor">
+            <a:schemeClr val="lt1"/>
+          </a:fontRef>
+        </p:style>
+        <p:txBody>
+          <a:bodyPr anchor="ctr"/>
+          <a:lstStyle/>
+          <a:p>
+            <a:pPr algn="ctr" eaLnBrk="1" latinLnBrk="0" hangingPunct="1"/>
+            <a:endParaRPr kumimoji="0" lang="en-US"/>
+          </a:p>
+        </p:txBody>
+      </p:sp>
+      <p:sp>
+        <p:nvSpPr>
+          <p:cNvPr id="26" name="Rectangle 25"/>
+          <p:cNvSpPr/>
+          <p:nvPr/>
+        </p:nvSpPr>
+        <p:spPr>
+          <a:xfrm flipV="1">
+            <a:off x="5410200" y="3123302"/>
+            <a:ext cx="1965960" cy="13716"/>
+          </a:xfrm>
+          <a:prstGeom prst="rect">
+            <a:avLst/>
+          </a:prstGeom>
+          <a:solidFill>
+            <a:schemeClr val="accent2">
+              <a:alpha val="60000"/>
+            </a:schemeClr>
+          </a:solidFill>
+          <a:ln w="50800" cap="rnd" cmpd="thickThin" algn="ctr">
+            <a:noFill/>
+            <a:prstDash val="solid"/>
+          </a:ln>
+          <a:effectLst/>
+        </p:spPr>
+        <p:style>
+          <a:lnRef idx="3">
+            <a:schemeClr val="lt1"/>
+          </a:lnRef>
+          <a:fillRef idx="1">
+            <a:schemeClr val="accent1"/>
+          </a:fillRef>
+          <a:effectRef idx="1">
+            <a:schemeClr val="accent1"/>
+          </a:effectRef>
+          <a:fontRef idx="minor">
+            <a:schemeClr val="lt1"/>
+          </a:fontRef>
+        </p:style>
+        <p:txBody>
+          <a:bodyPr anchor="ctr"/>
+          <a:lstStyle/>
+          <a:p>
+            <a:pPr algn="ctr" eaLnBrk="1" latinLnBrk="0" hangingPunct="1"/>
+            <a:endParaRPr kumimoji="0" lang="en-US"/>
+          </a:p>
+        </p:txBody>
+      </p:sp>
+      <p:sp>
+        <p:nvSpPr>
+          <p:cNvPr id="27" name="Rectangle 26"/>
+          <p:cNvSpPr/>
+          <p:nvPr/>
+        </p:nvSpPr>
+        <p:spPr>
+          <a:xfrm flipV="1">
+            <a:off x="5410200" y="3149679"/>
+            <a:ext cx="1965960" cy="6858"/>
+          </a:xfrm>
+          <a:prstGeom prst="rect">
+            <a:avLst/>
+          </a:prstGeom>
+          <a:solidFill>
+            <a:schemeClr val="accent2">
+              <a:alpha val="65000"/>
+            </a:schemeClr>
+          </a:solidFill>
+          <a:ln w="50800" cap="rnd" cmpd="thickThin" algn="ctr">
+            <a:noFill/>
+            <a:prstDash val="solid"/>
+          </a:ln>
+          <a:effectLst/>
+        </p:spPr>
+        <p:style>
+          <a:lnRef idx="3">
+            <a:schemeClr val="lt1"/>
+          </a:lnRef>
+          <a:fillRef idx="1">
+            <a:schemeClr val="accent1"/>
+          </a:fillRef>
+          <a:effectRef idx="1">
+            <a:schemeClr val="accent1"/>
+          </a:effectRef>
+          <a:fontRef idx="minor">
+            <a:schemeClr val="lt1"/>
+          </a:fontRef>
+        </p:style>
+        <p:txBody>
+          <a:bodyPr anchor="ctr"/>
+          <a:lstStyle/>
+          <a:p>
+            <a:pPr algn="ctr" eaLnBrk="1" latinLnBrk="0" hangingPunct="1"/>
+            <a:endParaRPr kumimoji="0" lang="en-US"/>
+          </a:p>
+        </p:txBody>
+      </p:sp>
+      <p:sp useBgFill="1">
+        <p:nvSpPr>
+          <p:cNvPr id="30" name="Rounded Rectangle 29"/>
+          <p:cNvSpPr/>
+          <p:nvPr/>
+        </p:nvSpPr>
+        <p:spPr bwMode="white">
+          <a:xfrm>
+            <a:off x="5410200" y="2971800"/>
+            <a:ext cx="3063240" cy="20574"/>
+          </a:xfrm>
+          <a:prstGeom prst="roundRect">
+            <a:avLst>
+              <a:gd name="adj" fmla="val 16667"/>
+            </a:avLst>
+          </a:prstGeom>
+          <a:ln w="50800" cap="rnd" cmpd="thickThin" algn="ctr">
+            <a:noFill/>
+            <a:prstDash val="solid"/>
+          </a:ln>
+          <a:effectLst/>
+        </p:spPr>
+        <p:style>
+          <a:lnRef idx="3">
+            <a:schemeClr val="lt1"/>
+          </a:lnRef>
+          <a:fillRef idx="1">
+            <a:schemeClr val="accent1"/>
+          </a:fillRef>
+          <a:effectRef idx="1">
+            <a:schemeClr val="accent1"/>
+          </a:effectRef>
+          <a:fontRef idx="minor">
+            <a:schemeClr val="lt1"/>
+          </a:fontRef>
+        </p:style>
+        <p:txBody>
+          <a:bodyPr anchor="ctr"/>
+          <a:lstStyle/>
+          <a:p>
+            <a:pPr algn="ctr" eaLnBrk="1" latinLnBrk="0" hangingPunct="1"/>
+            <a:endParaRPr kumimoji="0" lang="en-US"/>
+          </a:p>
+        </p:txBody>
+      </p:sp>
+      <p:sp useBgFill="1">
+        <p:nvSpPr>
+          <p:cNvPr id="31" name="Rounded Rectangle 30"/>
+          <p:cNvSpPr/>
+          <p:nvPr/>
+        </p:nvSpPr>
+        <p:spPr bwMode="white">
+          <a:xfrm>
+            <a:off x="7376507" y="3045737"/>
+            <a:ext cx="1600200" cy="27432"/>
+          </a:xfrm>
+          <a:prstGeom prst="roundRect">
+            <a:avLst>
+              <a:gd name="adj" fmla="val 16667"/>
+            </a:avLst>
+          </a:prstGeom>
+          <a:ln w="50800" cap="rnd" cmpd="thickThin" algn="ctr">
+            <a:noFill/>
+            <a:prstDash val="solid"/>
+          </a:ln>
+          <a:effectLst/>
+        </p:spPr>
+        <p:style>
+          <a:lnRef idx="3">
+            <a:schemeClr val="lt1"/>
+          </a:lnRef>
+          <a:fillRef idx="1">
+            <a:schemeClr val="accent1"/>
+          </a:fillRef>
+          <a:effectRef idx="1">
+            <a:schemeClr val="accent1"/>
+          </a:effectRef>
+          <a:fontRef idx="minor">
+            <a:schemeClr val="lt1"/>
+          </a:fontRef>
+        </p:style>
+        <p:txBody>
+          <a:bodyPr anchor="ctr"/>
+          <a:lstStyle/>
+          <a:p>
+            <a:pPr algn="ctr" eaLnBrk="1" latinLnBrk="0" hangingPunct="1"/>
+            <a:endParaRPr kumimoji="0" lang="en-US"/>
+          </a:p>
+        </p:txBody>
+      </p:sp>
+      <p:sp>
+        <p:nvSpPr>
+          <p:cNvPr id="7" name="Rectangle 6"/>
+          <p:cNvSpPr/>
+          <p:nvPr/>
+        </p:nvSpPr>
+        <p:spPr>
+          <a:xfrm>
+            <a:off x="1" y="2737246"/>
+            <a:ext cx="9144000" cy="183128"/>
+          </a:xfrm>
+          <a:prstGeom prst="rect">
+            <a:avLst/>
+          </a:prstGeom>
+          <a:solidFill>
+            <a:schemeClr val="accent2">
+              <a:alpha val="50000"/>
+            </a:schemeClr>
+          </a:solidFill>
+          <a:ln w="50800" cap="rnd" cmpd="thickThin" algn="ctr">
+            <a:noFill/>
+            <a:prstDash val="solid"/>
+          </a:ln>
+          <a:effectLst/>
+        </p:spPr>
+        <p:style>
+          <a:lnRef idx="3">
+            <a:schemeClr val="lt1"/>
+          </a:lnRef>
+          <a:fillRef idx="1">
+            <a:schemeClr val="accent1"/>
+          </a:fillRef>
+          <a:effectRef idx="1">
+            <a:schemeClr val="accent1"/>
+          </a:effectRef>
+          <a:fontRef idx="minor">
+            <a:schemeClr val="lt1"/>
+          </a:fontRef>
+        </p:style>
+        <p:txBody>
+          <a:bodyPr anchor="ctr"/>
+          <a:lstStyle/>
+          <a:p>
+            <a:pPr algn="ctr" eaLnBrk="1" latinLnBrk="0" hangingPunct="1"/>
+            <a:endParaRPr kumimoji="0" lang="en-US"/>
+          </a:p>
+        </p:txBody>
+      </p:sp>
+      <p:sp>
+        <p:nvSpPr>
+          <p:cNvPr id="10" name="Rectangle 9"/>
+          <p:cNvSpPr/>
+          <p:nvPr/>
+        </p:nvSpPr>
+        <p:spPr>
+          <a:xfrm>
+            <a:off x="1" y="2756646"/>
+            <a:ext cx="9144001" cy="105508"/>
+          </a:xfrm>
+          <a:prstGeom prst="rect">
+            <a:avLst/>
+          </a:prstGeom>
+          <a:solidFill>
+            <a:schemeClr val="accent2">
+              <a:alpha val="100000"/>
+            </a:schemeClr>
+          </a:solidFill>
+          <a:ln w="50800" cap="rnd" cmpd="thickThin" algn="ctr">
+            <a:noFill/>
+            <a:prstDash val="solid"/>
+          </a:ln>
+          <a:effectLst/>
+        </p:spPr>
+        <p:style>
+          <a:lnRef idx="3">
+            <a:schemeClr val="lt1"/>
+          </a:lnRef>
+          <a:fillRef idx="1">
+            <a:schemeClr val="accent1"/>
+          </a:fillRef>
+          <a:effectRef idx="1">
+            <a:schemeClr val="accent1"/>
+          </a:effectRef>
+          <a:fontRef idx="minor">
+            <a:schemeClr val="lt1"/>
+          </a:fontRef>
+        </p:style>
+        <p:txBody>
+          <a:bodyPr anchor="ctr"/>
+          <a:lstStyle/>
+          <a:p>
+            <a:pPr algn="ctr" eaLnBrk="1" latinLnBrk="0" hangingPunct="1"/>
+            <a:endParaRPr kumimoji="0" lang="en-US"/>
+          </a:p>
+        </p:txBody>
+      </p:sp>
+      <p:sp>
+        <p:nvSpPr>
+          <p:cNvPr id="11" name="Rectangle 10"/>
+          <p:cNvSpPr/>
+          <p:nvPr/>
+        </p:nvSpPr>
+        <p:spPr>
+          <a:xfrm flipV="1">
+            <a:off x="6414051" y="2732318"/>
+            <a:ext cx="2729950" cy="186324"/>
+          </a:xfrm>
+          <a:prstGeom prst="rect">
+            <a:avLst/>
+          </a:prstGeom>
+          <a:solidFill>
+            <a:schemeClr val="accent2">
+              <a:alpha val="100000"/>
+            </a:schemeClr>
+          </a:solidFill>
+          <a:ln w="50800" cap="rnd" cmpd="thickThin" algn="ctr">
+            <a:noFill/>
+            <a:prstDash val="solid"/>
+          </a:ln>
+          <a:effectLst/>
+        </p:spPr>
+        <p:style>
+          <a:lnRef idx="3">
+            <a:schemeClr val="lt1"/>
+          </a:lnRef>
+          <a:fillRef idx="1">
+            <a:schemeClr val="accent1"/>
+          </a:fillRef>
+          <a:effectRef idx="1">
+            <a:schemeClr val="accent1"/>
+          </a:effectRef>
+          <a:fontRef idx="minor">
+            <a:schemeClr val="lt1"/>
+          </a:fontRef>
+        </p:style>
+        <p:txBody>
+          <a:bodyPr anchor="ctr"/>
+          <a:lstStyle/>
+          <a:p>
+            <a:pPr algn="ctr" eaLnBrk="1" latinLnBrk="0" hangingPunct="1"/>
+            <a:endParaRPr kumimoji="0" lang="en-US"/>
+          </a:p>
+        </p:txBody>
+      </p:sp>
+      <p:sp>
+        <p:nvSpPr>
+          <p:cNvPr id="19" name="Rectangle 18"/>
+          <p:cNvSpPr/>
+          <p:nvPr/>
+        </p:nvSpPr>
+        <p:spPr>
+          <a:xfrm>
+            <a:off x="0" y="0"/>
+            <a:ext cx="9144000" cy="2776275"/>
+          </a:xfrm>
+          <a:prstGeom prst="rect">
+            <a:avLst/>
+          </a:prstGeom>
+          <a:solidFill>
+            <a:schemeClr val="tx2">
+              <a:alpha val="100000"/>
+            </a:schemeClr>
+          </a:solidFill>
+          <a:ln w="50800" cap="rnd" cmpd="thickThin" algn="ctr">
+            <a:noFill/>
+            <a:prstDash val="solid"/>
+          </a:ln>
+          <a:effectLst/>
+        </p:spPr>
+        <p:style>
+          <a:lnRef idx="3">
+            <a:schemeClr val="lt1"/>
+          </a:lnRef>
+          <a:fillRef idx="1">
+            <a:schemeClr val="accent1"/>
+          </a:fillRef>
+          <a:effectRef idx="1">
+            <a:schemeClr val="accent1"/>
+          </a:effectRef>
+          <a:fontRef idx="minor">
+            <a:schemeClr val="lt1"/>
+          </a:fontRef>
+        </p:style>
+        <p:txBody>
+          <a:bodyPr anchor="ctr"/>
+          <a:lstStyle/>
+          <a:p>
+            <a:pPr algn="ctr" eaLnBrk="1" latinLnBrk="0" hangingPunct="1"/>
+            <a:endParaRPr kumimoji="0" lang="en-US"/>
+          </a:p>
+        </p:txBody>
+      </p:sp>
+      <p:sp>
+        <p:nvSpPr>
+          <p:cNvPr id="8" name="Title 7"/>
           <p:cNvSpPr>
             <a:spLocks noGrp="1"/>
           </p:cNvSpPr>
@@ -20717,34 +21244,33 @@
         </p:nvSpPr>
         <p:spPr>
           <a:xfrm>
-            <a:off x="685800" y="609601"/>
-            <a:ext cx="7772400" cy="4267200"/>
+            <a:off x="457200" y="1801416"/>
+            <a:ext cx="8458200" cy="1102519"/>
           </a:xfrm>
         </p:spPr>
         <p:txBody>
-          <a:bodyPr anchor="b">
-            <a:noAutofit/>
-          </a:bodyPr>
+          <a:bodyPr anchor="b"/>
           <a:lstStyle>
             <a:lvl1pPr>
-              <a:lnSpc>
-                <a:spcPct val="100000"/>
-              </a:lnSpc>
-              <a:defRPr sz="8000"/>
+              <a:defRPr sz="4400">
+                <a:solidFill>
+                  <a:schemeClr val="bg1"/>
+                </a:solidFill>
+              </a:defRPr>
             </a:lvl1pPr>
           </a:lstStyle>
           <a:p>
             <a:r>
-              <a:rPr lang="en-US" smtClean="0"/>
+              <a:rPr kumimoji="0" lang="en-US" smtClean="0"/>
               <a:t>Click to edit Master title style</a:t>
             </a:r>
-            <a:endParaRPr lang="en-US" dirty="0"/>
+            <a:endParaRPr kumimoji="0" lang="en-US"/>
           </a:p>
         </p:txBody>
       </p:sp>
       <p:sp>
         <p:nvSpPr>
-          <p:cNvPr id="3" name="Subtitle 2"/>
+          <p:cNvPr id="9" name="Subtitle 8"/>
           <p:cNvSpPr>
             <a:spLocks noGrp="1"/>
           </p:cNvSpPr>
@@ -20754,118 +21280,58 @@
         </p:nvSpPr>
         <p:spPr>
           <a:xfrm>
-            <a:off x="1371600" y="4953000"/>
-            <a:ext cx="6400800" cy="1219200"/>
+            <a:off x="457200" y="2924953"/>
+            <a:ext cx="4953000" cy="1314450"/>
           </a:xfrm>
         </p:spPr>
         <p:txBody>
-          <a:bodyPr>
-            <a:normAutofit/>
-          </a:bodyPr>
+          <a:bodyPr/>
           <a:lstStyle>
-            <a:lvl1pPr marL="0" indent="0" algn="ctr">
+            <a:lvl1pPr marL="64008" indent="0" algn="l">
               <a:buNone/>
               <a:defRPr sz="2400">
                 <a:solidFill>
-                  <a:schemeClr val="tx1">
-                    <a:tint val="75000"/>
-                  </a:schemeClr>
+                  <a:schemeClr val="tx2"/>
                 </a:solidFill>
               </a:defRPr>
             </a:lvl1pPr>
             <a:lvl2pPr marL="457200" indent="0" algn="ctr">
               <a:buNone/>
-              <a:defRPr>
-                <a:solidFill>
-                  <a:schemeClr val="tx1">
-                    <a:tint val="75000"/>
-                  </a:schemeClr>
-                </a:solidFill>
-              </a:defRPr>
             </a:lvl2pPr>
             <a:lvl3pPr marL="914400" indent="0" algn="ctr">
               <a:buNone/>
-              <a:defRPr>
-                <a:solidFill>
-                  <a:schemeClr val="tx1">
-                    <a:tint val="75000"/>
-                  </a:schemeClr>
-                </a:solidFill>
-              </a:defRPr>
             </a:lvl3pPr>
             <a:lvl4pPr marL="1371600" indent="0" algn="ctr">
               <a:buNone/>
-              <a:defRPr>
-                <a:solidFill>
-                  <a:schemeClr val="tx1">
-                    <a:tint val="75000"/>
-                  </a:schemeClr>
-                </a:solidFill>
-              </a:defRPr>
             </a:lvl4pPr>
             <a:lvl5pPr marL="1828800" indent="0" algn="ctr">
               <a:buNone/>
-              <a:defRPr>
-                <a:solidFill>
-                  <a:schemeClr val="tx1">
-                    <a:tint val="75000"/>
-                  </a:schemeClr>
-                </a:solidFill>
-              </a:defRPr>
             </a:lvl5pPr>
             <a:lvl6pPr marL="2286000" indent="0" algn="ctr">
               <a:buNone/>
-              <a:defRPr>
-                <a:solidFill>
-                  <a:schemeClr val="tx1">
-                    <a:tint val="75000"/>
-                  </a:schemeClr>
-                </a:solidFill>
-              </a:defRPr>
             </a:lvl6pPr>
             <a:lvl7pPr marL="2743200" indent="0" algn="ctr">
               <a:buNone/>
-              <a:defRPr>
-                <a:solidFill>
-                  <a:schemeClr val="tx1">
-                    <a:tint val="75000"/>
-                  </a:schemeClr>
-                </a:solidFill>
-              </a:defRPr>
             </a:lvl7pPr>
             <a:lvl8pPr marL="3200400" indent="0" algn="ctr">
               <a:buNone/>
-              <a:defRPr>
-                <a:solidFill>
-                  <a:schemeClr val="tx1">
-                    <a:tint val="75000"/>
-                  </a:schemeClr>
-                </a:solidFill>
-              </a:defRPr>
             </a:lvl8pPr>
             <a:lvl9pPr marL="3657600" indent="0" algn="ctr">
               <a:buNone/>
-              <a:defRPr>
-                <a:solidFill>
-                  <a:schemeClr val="tx1">
-                    <a:tint val="75000"/>
-                  </a:schemeClr>
-                </a:solidFill>
-              </a:defRPr>
             </a:lvl9pPr>
           </a:lstStyle>
           <a:p>
             <a:r>
-              <a:rPr lang="en-US" smtClean="0"/>
+              <a:rPr kumimoji="0" lang="en-US" smtClean="0"/>
               <a:t>Click to edit Master subtitle style</a:t>
             </a:r>
-            <a:endParaRPr lang="en-US" dirty="0"/>
+            <a:endParaRPr kumimoji="0" lang="en-US"/>
           </a:p>
         </p:txBody>
       </p:sp>
       <p:sp>
         <p:nvSpPr>
-          <p:cNvPr id="7" name="Date Placeholder 6"/>
+          <p:cNvPr id="28" name="Date Placeholder 27"/>
           <p:cNvSpPr>
             <a:spLocks noGrp="1"/>
           </p:cNvSpPr>
@@ -20873,14 +21339,19 @@
             <p:ph type="dt" sz="half" idx="10"/>
           </p:nvPr>
         </p:nvSpPr>
-        <p:spPr/>
+        <p:spPr>
+          <a:xfrm>
+            <a:off x="6705600" y="3154680"/>
+            <a:ext cx="960120" cy="342900"/>
+          </a:xfrm>
+        </p:spPr>
         <p:txBody>
           <a:bodyPr/>
           <a:lstStyle/>
           <a:p>
             <a:fld id="{A65AF353-4280-4F61-8B05-F6A9C58BF89C}" type="datetimeFigureOut">
               <a:rPr lang="en-US" smtClean="0"/>
-              <a:t>5/1/2018</a:t>
+              <a:t>5/3/2018</a:t>
             </a:fld>
             <a:endParaRPr lang="en-US"/>
           </a:p>
@@ -20888,42 +21359,60 @@
       </p:sp>
       <p:sp>
         <p:nvSpPr>
-          <p:cNvPr id="8" name="Slide Number Placeholder 7"/>
+          <p:cNvPr id="17" name="Footer Placeholder 16"/>
           <p:cNvSpPr>
             <a:spLocks noGrp="1"/>
           </p:cNvSpPr>
           <p:nvPr>
-            <p:ph type="sldNum" sz="quarter" idx="11"/>
+            <p:ph type="ftr" sz="quarter" idx="11"/>
           </p:nvPr>
         </p:nvSpPr>
-        <p:spPr/>
+        <p:spPr>
+          <a:xfrm>
+            <a:off x="5410200" y="3153966"/>
+            <a:ext cx="1295400" cy="342900"/>
+          </a:xfrm>
+        </p:spPr>
         <p:txBody>
           <a:bodyPr/>
           <a:lstStyle/>
           <a:p>
-            <a:fld id="{099FDD71-1211-47CC-B34E-8A622282E537}" type="slidenum">
-              <a:rPr lang="en-US" smtClean="0"/>
-              <a:t>‹#›</a:t>
-            </a:fld>
             <a:endParaRPr lang="en-US"/>
           </a:p>
         </p:txBody>
       </p:sp>
       <p:sp>
         <p:nvSpPr>
-          <p:cNvPr id="9" name="Footer Placeholder 8"/>
+          <p:cNvPr id="29" name="Slide Number Placeholder 28"/>
           <p:cNvSpPr>
             <a:spLocks noGrp="1"/>
           </p:cNvSpPr>
           <p:nvPr>
-            <p:ph type="ftr" sz="quarter" idx="12"/>
+            <p:ph type="sldNum" sz="quarter" idx="12"/>
           </p:nvPr>
         </p:nvSpPr>
-        <p:spPr/>
+        <p:spPr>
+          <a:xfrm>
+            <a:off x="8320088" y="852"/>
+            <a:ext cx="747712" cy="274320"/>
+          </a:xfrm>
+        </p:spPr>
         <p:txBody>
           <a:bodyPr/>
-          <a:lstStyle/>
+          <a:lstStyle>
+            <a:lvl1pPr algn="r">
+              <a:defRPr sz="1800">
+                <a:solidFill>
+                  <a:schemeClr val="bg1"/>
+                </a:solidFill>
+              </a:defRPr>
+            </a:lvl1pPr>
+          </a:lstStyle>
           <a:p>
+            <a:fld id="{099FDD71-1211-47CC-B34E-8A622282E537}" type="slidenum">
+              <a:rPr lang="en-US" smtClean="0"/>
+              <a:t>‹#›</a:t>
+            </a:fld>
             <a:endParaRPr lang="en-US"/>
           </a:p>
         </p:txBody>
@@ -20969,10 +21458,10 @@
           <a:lstStyle/>
           <a:p>
             <a:r>
-              <a:rPr lang="en-US" smtClean="0"/>
+              <a:rPr kumimoji="0" lang="en-US" smtClean="0"/>
               <a:t>Click to edit Master title style</a:t>
             </a:r>
-            <a:endParaRPr lang="en-US" dirty="0"/>
+            <a:endParaRPr kumimoji="0" lang="en-US"/>
           </a:p>
         </p:txBody>
       </p:sp>
@@ -20991,40 +21480,40 @@
           <a:bodyPr vert="eaVert"/>
           <a:lstStyle/>
           <a:p>
-            <a:pPr lvl="0"/>
+            <a:pPr lvl="0" eaLnBrk="1" latinLnBrk="0" hangingPunct="1"/>
             <a:r>
               <a:rPr lang="en-US" smtClean="0"/>
               <a:t>Click to edit Master text styles</a:t>
             </a:r>
           </a:p>
           <a:p>
-            <a:pPr lvl="1"/>
+            <a:pPr lvl="1" eaLnBrk="1" latinLnBrk="0" hangingPunct="1"/>
             <a:r>
               <a:rPr lang="en-US" smtClean="0"/>
               <a:t>Second level</a:t>
             </a:r>
           </a:p>
           <a:p>
-            <a:pPr lvl="2"/>
+            <a:pPr lvl="2" eaLnBrk="1" latinLnBrk="0" hangingPunct="1"/>
             <a:r>
               <a:rPr lang="en-US" smtClean="0"/>
               <a:t>Third level</a:t>
             </a:r>
           </a:p>
           <a:p>
-            <a:pPr lvl="3"/>
+            <a:pPr lvl="3" eaLnBrk="1" latinLnBrk="0" hangingPunct="1"/>
             <a:r>
               <a:rPr lang="en-US" smtClean="0"/>
               <a:t>Fourth level</a:t>
             </a:r>
           </a:p>
           <a:p>
-            <a:pPr lvl="4"/>
+            <a:pPr lvl="4" eaLnBrk="1" latinLnBrk="0" hangingPunct="1"/>
             <a:r>
               <a:rPr lang="en-US" smtClean="0"/>
               <a:t>Fifth level</a:t>
             </a:r>
-            <a:endParaRPr lang="en-US"/>
+            <a:endParaRPr kumimoji="0" lang="en-US"/>
           </a:p>
         </p:txBody>
       </p:sp>
@@ -21045,7 +21534,7 @@
           <a:p>
             <a:fld id="{A65AF353-4280-4F61-8B05-F6A9C58BF89C}" type="datetimeFigureOut">
               <a:rPr lang="en-US" smtClean="0"/>
-              <a:t>5/1/2018</a:t>
+              <a:t>5/3/2018</a:t>
             </a:fld>
             <a:endParaRPr lang="en-US"/>
           </a:p>
@@ -21130,8 +21619,8 @@
         </p:nvSpPr>
         <p:spPr>
           <a:xfrm>
-            <a:off x="6629400" y="274638"/>
-            <a:ext cx="2057400" cy="5851525"/>
+            <a:off x="6781800" y="857250"/>
+            <a:ext cx="1905000" cy="4114800"/>
           </a:xfrm>
         </p:spPr>
         <p:txBody>
@@ -21139,10 +21628,10 @@
           <a:lstStyle/>
           <a:p>
             <a:r>
-              <a:rPr lang="en-US" smtClean="0"/>
+              <a:rPr kumimoji="0" lang="en-US" smtClean="0"/>
               <a:t>Click to edit Master title style</a:t>
             </a:r>
-            <a:endParaRPr lang="en-US" dirty="0"/>
+            <a:endParaRPr kumimoji="0" lang="en-US"/>
           </a:p>
         </p:txBody>
       </p:sp>
@@ -21158,48 +21647,48 @@
         </p:nvSpPr>
         <p:spPr>
           <a:xfrm>
-            <a:off x="457200" y="274638"/>
-            <a:ext cx="6019800" cy="5851525"/>
+            <a:off x="457200" y="857250"/>
+            <a:ext cx="6248400" cy="4114800"/>
           </a:xfrm>
         </p:spPr>
         <p:txBody>
           <a:bodyPr vert="eaVert"/>
           <a:lstStyle/>
           <a:p>
-            <a:pPr lvl="0"/>
+            <a:pPr lvl="0" eaLnBrk="1" latinLnBrk="0" hangingPunct="1"/>
             <a:r>
               <a:rPr lang="en-US" smtClean="0"/>
               <a:t>Click to edit Master text styles</a:t>
             </a:r>
           </a:p>
           <a:p>
-            <a:pPr lvl="1"/>
+            <a:pPr lvl="1" eaLnBrk="1" latinLnBrk="0" hangingPunct="1"/>
             <a:r>
               <a:rPr lang="en-US" smtClean="0"/>
               <a:t>Second level</a:t>
             </a:r>
           </a:p>
           <a:p>
-            <a:pPr lvl="2"/>
+            <a:pPr lvl="2" eaLnBrk="1" latinLnBrk="0" hangingPunct="1"/>
             <a:r>
               <a:rPr lang="en-US" smtClean="0"/>
               <a:t>Third level</a:t>
             </a:r>
           </a:p>
           <a:p>
-            <a:pPr lvl="3"/>
+            <a:pPr lvl="3" eaLnBrk="1" latinLnBrk="0" hangingPunct="1"/>
             <a:r>
               <a:rPr lang="en-US" smtClean="0"/>
               <a:t>Fourth level</a:t>
             </a:r>
           </a:p>
           <a:p>
-            <a:pPr lvl="4"/>
+            <a:pPr lvl="4" eaLnBrk="1" latinLnBrk="0" hangingPunct="1"/>
             <a:r>
               <a:rPr lang="en-US" smtClean="0"/>
               <a:t>Fifth level</a:t>
             </a:r>
-            <a:endParaRPr lang="en-US"/>
+            <a:endParaRPr kumimoji="0" lang="en-US"/>
           </a:p>
         </p:txBody>
       </p:sp>
@@ -21220,7 +21709,7 @@
           <a:p>
             <a:fld id="{A65AF353-4280-4F61-8B05-F6A9C58BF89C}" type="datetimeFigureOut">
               <a:rPr lang="en-US" smtClean="0"/>
-              <a:t>5/1/2018</a:t>
+              <a:t>5/3/2018</a:t>
             </a:fld>
             <a:endParaRPr lang="en-US"/>
           </a:p>
@@ -21309,10 +21798,10 @@
           <a:lstStyle/>
           <a:p>
             <a:r>
-              <a:rPr lang="en-US" smtClean="0"/>
+              <a:rPr kumimoji="0" lang="en-US" smtClean="0"/>
               <a:t>Click to edit Master title style</a:t>
             </a:r>
-            <a:endParaRPr lang="en-US" dirty="0"/>
+            <a:endParaRPr kumimoji="0" lang="en-US"/>
           </a:p>
         </p:txBody>
       </p:sp>
@@ -21329,60 +21818,42 @@
         <p:spPr/>
         <p:txBody>
           <a:bodyPr/>
-          <a:lstStyle>
-            <a:lvl5pPr>
-              <a:defRPr/>
-            </a:lvl5pPr>
-            <a:lvl6pPr>
-              <a:defRPr/>
-            </a:lvl6pPr>
-            <a:lvl7pPr>
-              <a:defRPr/>
-            </a:lvl7pPr>
-            <a:lvl8pPr>
-              <a:defRPr/>
-            </a:lvl8pPr>
-            <a:lvl9pPr>
-              <a:buFont typeface="Arial" pitchFamily="34" charset="0"/>
-              <a:buChar char="•"/>
-              <a:defRPr/>
-            </a:lvl9pPr>
-          </a:lstStyle>
+          <a:lstStyle/>
           <a:p>
-            <a:pPr lvl="0"/>
+            <a:pPr lvl="0" eaLnBrk="1" latinLnBrk="0" hangingPunct="1"/>
             <a:r>
               <a:rPr lang="en-US" smtClean="0"/>
               <a:t>Click to edit Master text styles</a:t>
             </a:r>
           </a:p>
           <a:p>
-            <a:pPr lvl="1"/>
+            <a:pPr lvl="1" eaLnBrk="1" latinLnBrk="0" hangingPunct="1"/>
             <a:r>
               <a:rPr lang="en-US" smtClean="0"/>
               <a:t>Second level</a:t>
             </a:r>
           </a:p>
           <a:p>
-            <a:pPr lvl="2"/>
+            <a:pPr lvl="2" eaLnBrk="1" latinLnBrk="0" hangingPunct="1"/>
             <a:r>
               <a:rPr lang="en-US" smtClean="0"/>
               <a:t>Third level</a:t>
             </a:r>
           </a:p>
           <a:p>
-            <a:pPr lvl="3"/>
+            <a:pPr lvl="3" eaLnBrk="1" latinLnBrk="0" hangingPunct="1"/>
             <a:r>
               <a:rPr lang="en-US" smtClean="0"/>
               <a:t>Fourth level</a:t>
             </a:r>
           </a:p>
           <a:p>
-            <a:pPr lvl="4"/>
+            <a:pPr lvl="4" eaLnBrk="1" latinLnBrk="0" hangingPunct="1"/>
             <a:r>
               <a:rPr lang="en-US" smtClean="0"/>
               <a:t>Fifth level</a:t>
             </a:r>
-            <a:endParaRPr lang="en-US" dirty="0" smtClean="0"/>
+            <a:endParaRPr kumimoji="0" lang="en-US"/>
           </a:p>
         </p:txBody>
       </p:sp>
@@ -21403,7 +21874,7 @@
           <a:p>
             <a:fld id="{A65AF353-4280-4F61-8B05-F6A9C58BF89C}" type="datetimeFigureOut">
               <a:rPr lang="en-US" smtClean="0"/>
-              <a:t>5/1/2018</a:t>
+              <a:t>5/3/2018</a:t>
             </a:fld>
             <a:endParaRPr lang="en-US"/>
           </a:p>
@@ -21488,44 +21959,45 @@
         </p:nvSpPr>
         <p:spPr>
           <a:xfrm>
-            <a:off x="722313" y="1371600"/>
-            <a:ext cx="7772400" cy="2505075"/>
+            <a:off x="722313" y="1485901"/>
+            <a:ext cx="7772400" cy="1021556"/>
           </a:xfrm>
         </p:spPr>
         <p:txBody>
-          <a:bodyPr anchor="b"/>
+          <a:bodyPr anchor="b">
+            <a:noAutofit/>
+          </a:bodyPr>
           <a:lstStyle>
-            <a:lvl1pPr algn="ctr" defTabSz="914400" rtl="0" eaLnBrk="1" latinLnBrk="0" hangingPunct="1">
-              <a:lnSpc>
-                <a:spcPct val="100000"/>
-              </a:lnSpc>
-              <a:spcBef>
-                <a:spcPct val="0"/>
-              </a:spcBef>
+            <a:lvl1pPr algn="l">
               <a:buNone/>
-              <a:defRPr lang="en-US" sz="4800" kern="1200" dirty="0" smtClean="0">
+              <a:defRPr sz="4300" b="1" cap="none" baseline="0">
+                <a:ln w="12700">
+                  <a:solidFill>
+                    <a:schemeClr val="accent2">
+                      <a:shade val="90000"/>
+                      <a:satMod val="150000"/>
+                    </a:schemeClr>
+                  </a:solidFill>
+                </a:ln>
                 <a:solidFill>
-                  <a:schemeClr val="tx2"/>
+                  <a:srgbClr val="FFFFFF"/>
                 </a:solidFill>
                 <a:effectLst>
-                  <a:outerShdw blurRad="63500" dist="38100" dir="5400000" algn="t" rotWithShape="0">
-                    <a:prstClr val="black">
+                  <a:outerShdw blurRad="38100" dist="38100" dir="5400000" algn="tl" rotWithShape="0">
+                    <a:srgbClr val="000000">
                       <a:alpha val="25000"/>
-                    </a:prstClr>
+                    </a:srgbClr>
                   </a:outerShdw>
                 </a:effectLst>
-                <a:latin typeface="+mn-lt"/>
-                <a:ea typeface="+mj-ea"/>
-                <a:cs typeface="+mj-cs"/>
               </a:defRPr>
             </a:lvl1pPr>
           </a:lstStyle>
           <a:p>
             <a:r>
-              <a:rPr lang="en-US" smtClean="0"/>
+              <a:rPr kumimoji="0" lang="en-US" smtClean="0"/>
               <a:t>Click to edit Master title style</a:t>
             </a:r>
-            <a:endParaRPr lang="en-US" dirty="0"/>
+            <a:endParaRPr kumimoji="0" lang="en-US"/>
           </a:p>
         </p:txBody>
       </p:sp>
@@ -21541,24 +22013,22 @@
         </p:nvSpPr>
         <p:spPr>
           <a:xfrm>
-            <a:off x="722313" y="4068763"/>
-            <a:ext cx="7772400" cy="1131887"/>
+            <a:off x="722313" y="2525316"/>
+            <a:ext cx="7772400" cy="1132284"/>
           </a:xfrm>
         </p:spPr>
         <p:txBody>
           <a:bodyPr anchor="t"/>
           <a:lstStyle>
-            <a:lvl1pPr marL="0" indent="0" algn="ctr">
+            <a:lvl1pPr marL="45720" indent="0">
               <a:buNone/>
-              <a:defRPr sz="2000">
+              <a:defRPr sz="2100" b="0">
                 <a:solidFill>
-                  <a:schemeClr val="tx1">
-                    <a:tint val="75000"/>
-                  </a:schemeClr>
+                  <a:schemeClr val="tx2"/>
                 </a:solidFill>
               </a:defRPr>
             </a:lvl1pPr>
-            <a:lvl2pPr marL="457200" indent="0">
+            <a:lvl2pPr>
               <a:buNone/>
               <a:defRPr sz="1800">
                 <a:solidFill>
@@ -21568,7 +22038,7 @@
                 </a:solidFill>
               </a:defRPr>
             </a:lvl2pPr>
-            <a:lvl3pPr marL="914400" indent="0">
+            <a:lvl3pPr>
               <a:buNone/>
               <a:defRPr sz="1600">
                 <a:solidFill>
@@ -21578,7 +22048,7 @@
                 </a:solidFill>
               </a:defRPr>
             </a:lvl3pPr>
-            <a:lvl4pPr marL="1371600" indent="0">
+            <a:lvl4pPr>
               <a:buNone/>
               <a:defRPr sz="1400">
                 <a:solidFill>
@@ -21588,7 +22058,7 @@
                 </a:solidFill>
               </a:defRPr>
             </a:lvl4pPr>
-            <a:lvl5pPr marL="1828800" indent="0">
+            <a:lvl5pPr>
               <a:buNone/>
               <a:defRPr sz="1400">
                 <a:solidFill>
@@ -21598,51 +22068,11 @@
                 </a:solidFill>
               </a:defRPr>
             </a:lvl5pPr>
-            <a:lvl6pPr marL="2286000" indent="0">
-              <a:buNone/>
-              <a:defRPr sz="1400">
-                <a:solidFill>
-                  <a:schemeClr val="tx1">
-                    <a:tint val="75000"/>
-                  </a:schemeClr>
-                </a:solidFill>
-              </a:defRPr>
-            </a:lvl6pPr>
-            <a:lvl7pPr marL="2743200" indent="0">
-              <a:buNone/>
-              <a:defRPr sz="1400">
-                <a:solidFill>
-                  <a:schemeClr val="tx1">
-                    <a:tint val="75000"/>
-                  </a:schemeClr>
-                </a:solidFill>
-              </a:defRPr>
-            </a:lvl7pPr>
-            <a:lvl8pPr marL="3200400" indent="0">
-              <a:buNone/>
-              <a:defRPr sz="1400">
-                <a:solidFill>
-                  <a:schemeClr val="tx1">
-                    <a:tint val="75000"/>
-                  </a:schemeClr>
-                </a:solidFill>
-              </a:defRPr>
-            </a:lvl8pPr>
-            <a:lvl9pPr marL="3657600" indent="0">
-              <a:buNone/>
-              <a:defRPr sz="1400">
-                <a:solidFill>
-                  <a:schemeClr val="tx1">
-                    <a:tint val="75000"/>
-                  </a:schemeClr>
-                </a:solidFill>
-              </a:defRPr>
-            </a:lvl9pPr>
           </a:lstStyle>
           <a:p>
-            <a:pPr lvl="0"/>
+            <a:pPr lvl="0" eaLnBrk="1" latinLnBrk="0" hangingPunct="1"/>
             <a:r>
-              <a:rPr lang="en-US" smtClean="0"/>
+              <a:rPr kumimoji="0" lang="en-US" smtClean="0"/>
               <a:t>Click to edit Master text styles</a:t>
             </a:r>
           </a:p>
@@ -21665,7 +22095,7 @@
           <a:p>
             <a:fld id="{A65AF353-4280-4F61-8B05-F6A9C58BF89C}" type="datetimeFigureOut">
               <a:rPr lang="en-US" smtClean="0"/>
-              <a:t>5/1/2018</a:t>
+              <a:t>5/3/2018</a:t>
             </a:fld>
             <a:endParaRPr lang="en-US"/>
           </a:p>
@@ -21713,156 +22143,6 @@
           </a:p>
         </p:txBody>
       </p:sp>
-      <p:sp>
-        <p:nvSpPr>
-          <p:cNvPr id="7" name="Oval 6"/>
-          <p:cNvSpPr/>
-          <p:nvPr/>
-        </p:nvSpPr>
-        <p:spPr>
-          <a:xfrm>
-            <a:off x="4495800" y="3924300"/>
-            <a:ext cx="84772" cy="84772"/>
-          </a:xfrm>
-          <a:prstGeom prst="ellipse">
-            <a:avLst/>
-          </a:prstGeom>
-          <a:solidFill>
-            <a:schemeClr val="tx1">
-              <a:lumMod val="50000"/>
-              <a:lumOff val="50000"/>
-            </a:schemeClr>
-          </a:solidFill>
-          <a:ln w="12700">
-            <a:noFill/>
-          </a:ln>
-          <a:effectLst/>
-        </p:spPr>
-        <p:style>
-          <a:lnRef idx="2">
-            <a:schemeClr val="accent1">
-              <a:shade val="50000"/>
-            </a:schemeClr>
-          </a:lnRef>
-          <a:fillRef idx="1">
-            <a:schemeClr val="accent1"/>
-          </a:fillRef>
-          <a:effectRef idx="0">
-            <a:schemeClr val="accent1"/>
-          </a:effectRef>
-          <a:fontRef idx="minor">
-            <a:schemeClr val="lt1"/>
-          </a:fontRef>
-        </p:style>
-        <p:txBody>
-          <a:bodyPr rtlCol="0" anchor="ctr"/>
-          <a:lstStyle/>
-          <a:p>
-            <a:pPr algn="ctr"/>
-            <a:endParaRPr lang="en-US"/>
-          </a:p>
-        </p:txBody>
-      </p:sp>
-      <p:sp>
-        <p:nvSpPr>
-          <p:cNvPr id="8" name="Oval 7"/>
-          <p:cNvSpPr/>
-          <p:nvPr/>
-        </p:nvSpPr>
-        <p:spPr>
-          <a:xfrm>
-            <a:off x="4695825" y="3924300"/>
-            <a:ext cx="84772" cy="84772"/>
-          </a:xfrm>
-          <a:prstGeom prst="ellipse">
-            <a:avLst/>
-          </a:prstGeom>
-          <a:solidFill>
-            <a:schemeClr val="tx1">
-              <a:lumMod val="50000"/>
-              <a:lumOff val="50000"/>
-            </a:schemeClr>
-          </a:solidFill>
-          <a:ln w="12700">
-            <a:noFill/>
-          </a:ln>
-          <a:effectLst/>
-        </p:spPr>
-        <p:style>
-          <a:lnRef idx="2">
-            <a:schemeClr val="accent1">
-              <a:shade val="50000"/>
-            </a:schemeClr>
-          </a:lnRef>
-          <a:fillRef idx="1">
-            <a:schemeClr val="accent1"/>
-          </a:fillRef>
-          <a:effectRef idx="0">
-            <a:schemeClr val="accent1"/>
-          </a:effectRef>
-          <a:fontRef idx="minor">
-            <a:schemeClr val="lt1"/>
-          </a:fontRef>
-        </p:style>
-        <p:txBody>
-          <a:bodyPr rtlCol="0" anchor="ctr"/>
-          <a:lstStyle/>
-          <a:p>
-            <a:pPr algn="ctr"/>
-            <a:endParaRPr lang="en-US"/>
-          </a:p>
-        </p:txBody>
-      </p:sp>
-      <p:sp>
-        <p:nvSpPr>
-          <p:cNvPr id="9" name="Oval 8"/>
-          <p:cNvSpPr/>
-          <p:nvPr/>
-        </p:nvSpPr>
-        <p:spPr>
-          <a:xfrm>
-            <a:off x="4296728" y="3924300"/>
-            <a:ext cx="84772" cy="84772"/>
-          </a:xfrm>
-          <a:prstGeom prst="ellipse">
-            <a:avLst/>
-          </a:prstGeom>
-          <a:solidFill>
-            <a:schemeClr val="tx1">
-              <a:lumMod val="50000"/>
-              <a:lumOff val="50000"/>
-            </a:schemeClr>
-          </a:solidFill>
-          <a:ln w="12700">
-            <a:noFill/>
-          </a:ln>
-          <a:effectLst/>
-        </p:spPr>
-        <p:style>
-          <a:lnRef idx="2">
-            <a:schemeClr val="accent1">
-              <a:shade val="50000"/>
-            </a:schemeClr>
-          </a:lnRef>
-          <a:fillRef idx="1">
-            <a:schemeClr val="accent1"/>
-          </a:fillRef>
-          <a:effectRef idx="0">
-            <a:schemeClr val="accent1"/>
-          </a:effectRef>
-          <a:fontRef idx="minor">
-            <a:schemeClr val="lt1"/>
-          </a:fontRef>
-        </p:style>
-        <p:txBody>
-          <a:bodyPr rtlCol="0" anchor="ctr"/>
-          <a:lstStyle/>
-          <a:p>
-            <a:pPr algn="ctr"/>
-            <a:endParaRPr lang="en-US"/>
-          </a:p>
-        </p:txBody>
-      </p:sp>
     </p:spTree>
   </p:cSld>
   <p:clrMapOvr>
@@ -21904,10 +22184,83 @@
           <a:lstStyle/>
           <a:p>
             <a:r>
-              <a:rPr lang="en-US" smtClean="0"/>
+              <a:rPr kumimoji="0" lang="en-US" smtClean="0"/>
               <a:t>Click to edit Master title style</a:t>
             </a:r>
-            <a:endParaRPr lang="en-US"/>
+            <a:endParaRPr kumimoji="0" lang="en-US"/>
+          </a:p>
+        </p:txBody>
+      </p:sp>
+      <p:sp>
+        <p:nvSpPr>
+          <p:cNvPr id="3" name="Content Placeholder 2"/>
+          <p:cNvSpPr>
+            <a:spLocks noGrp="1"/>
+          </p:cNvSpPr>
+          <p:nvPr>
+            <p:ph sz="half" idx="1"/>
+          </p:nvPr>
+        </p:nvSpPr>
+        <p:spPr>
+          <a:xfrm>
+            <a:off x="457200" y="1687069"/>
+            <a:ext cx="4038600" cy="3394472"/>
+          </a:xfrm>
+        </p:spPr>
+        <p:txBody>
+          <a:bodyPr/>
+          <a:lstStyle>
+            <a:lvl1pPr>
+              <a:defRPr sz="2000"/>
+            </a:lvl1pPr>
+            <a:lvl2pPr>
+              <a:defRPr sz="1900"/>
+            </a:lvl2pPr>
+            <a:lvl3pPr>
+              <a:defRPr sz="1800"/>
+            </a:lvl3pPr>
+            <a:lvl4pPr>
+              <a:defRPr sz="1800"/>
+            </a:lvl4pPr>
+            <a:lvl5pPr>
+              <a:defRPr sz="1800"/>
+            </a:lvl5pPr>
+          </a:lstStyle>
+          <a:p>
+            <a:pPr lvl="0" eaLnBrk="1" latinLnBrk="0" hangingPunct="1"/>
+            <a:r>
+              <a:rPr lang="en-US" smtClean="0"/>
+              <a:t>Click to edit Master text styles</a:t>
+            </a:r>
+          </a:p>
+          <a:p>
+            <a:pPr lvl="1" eaLnBrk="1" latinLnBrk="0" hangingPunct="1"/>
+            <a:r>
+              <a:rPr lang="en-US" smtClean="0"/>
+              <a:t>Second level</a:t>
+            </a:r>
+          </a:p>
+          <a:p>
+            <a:pPr lvl="2" eaLnBrk="1" latinLnBrk="0" hangingPunct="1"/>
+            <a:r>
+              <a:rPr lang="en-US" smtClean="0"/>
+              <a:t>Third level</a:t>
+            </a:r>
+          </a:p>
+          <a:p>
+            <a:pPr lvl="3" eaLnBrk="1" latinLnBrk="0" hangingPunct="1"/>
+            <a:r>
+              <a:rPr lang="en-US" smtClean="0"/>
+              <a:t>Fourth level</a:t>
+            </a:r>
+          </a:p>
+          <a:p>
+            <a:pPr lvl="4" eaLnBrk="1" latinLnBrk="0" hangingPunct="1"/>
+            <a:r>
+              <a:rPr lang="en-US" smtClean="0"/>
+              <a:t>Fifth level</a:t>
+            </a:r>
+            <a:endParaRPr kumimoji="0" lang="en-US"/>
           </a:p>
         </p:txBody>
       </p:sp>
@@ -21923,76 +22276,64 @@
         </p:nvSpPr>
         <p:spPr>
           <a:xfrm>
-            <a:off x="4648200" y="1600200"/>
-            <a:ext cx="4038600" cy="4525963"/>
+            <a:off x="4648200" y="1687069"/>
+            <a:ext cx="4038600" cy="3394472"/>
           </a:xfrm>
         </p:spPr>
         <p:txBody>
           <a:bodyPr/>
           <a:lstStyle>
             <a:lvl1pPr>
-              <a:defRPr sz="2400"/>
+              <a:defRPr sz="2000"/>
             </a:lvl1pPr>
             <a:lvl2pPr>
-              <a:defRPr sz="1600"/>
+              <a:defRPr sz="1900"/>
             </a:lvl2pPr>
             <a:lvl3pPr>
-              <a:defRPr sz="1600"/>
+              <a:defRPr sz="1800"/>
             </a:lvl3pPr>
             <a:lvl4pPr>
-              <a:defRPr sz="1600"/>
+              <a:defRPr sz="1800"/>
             </a:lvl4pPr>
             <a:lvl5pPr>
-              <a:defRPr sz="1600"/>
+              <a:defRPr sz="1800"/>
             </a:lvl5pPr>
-            <a:lvl6pPr>
-              <a:defRPr sz="1600"/>
-            </a:lvl6pPr>
-            <a:lvl7pPr>
-              <a:defRPr sz="1600"/>
-            </a:lvl7pPr>
-            <a:lvl8pPr>
-              <a:defRPr sz="1600"/>
-            </a:lvl8pPr>
-            <a:lvl9pPr>
-              <a:defRPr sz="1600"/>
-            </a:lvl9pPr>
           </a:lstStyle>
           <a:p>
-            <a:pPr lvl="0"/>
+            <a:pPr lvl="0" eaLnBrk="1" latinLnBrk="0" hangingPunct="1"/>
             <a:r>
               <a:rPr lang="en-US" smtClean="0"/>
               <a:t>Click to edit Master text styles</a:t>
             </a:r>
           </a:p>
           <a:p>
-            <a:pPr lvl="1"/>
+            <a:pPr lvl="1" eaLnBrk="1" latinLnBrk="0" hangingPunct="1"/>
             <a:r>
               <a:rPr lang="en-US" smtClean="0"/>
               <a:t>Second level</a:t>
             </a:r>
           </a:p>
           <a:p>
-            <a:pPr lvl="2"/>
+            <a:pPr lvl="2" eaLnBrk="1" latinLnBrk="0" hangingPunct="1"/>
             <a:r>
               <a:rPr lang="en-US" smtClean="0"/>
               <a:t>Third level</a:t>
             </a:r>
           </a:p>
           <a:p>
-            <a:pPr lvl="3"/>
+            <a:pPr lvl="3" eaLnBrk="1" latinLnBrk="0" hangingPunct="1"/>
             <a:r>
               <a:rPr lang="en-US" smtClean="0"/>
               <a:t>Fourth level</a:t>
             </a:r>
           </a:p>
           <a:p>
-            <a:pPr lvl="4"/>
+            <a:pPr lvl="4" eaLnBrk="1" latinLnBrk="0" hangingPunct="1"/>
             <a:r>
               <a:rPr lang="en-US" smtClean="0"/>
               <a:t>Fifth level</a:t>
             </a:r>
-            <a:endParaRPr lang="en-US" dirty="0" smtClean="0"/>
+            <a:endParaRPr kumimoji="0" lang="en-US"/>
           </a:p>
         </p:txBody>
       </p:sp>
@@ -22013,7 +22354,7 @@
           <a:p>
             <a:fld id="{A65AF353-4280-4F61-8B05-F6A9C58BF89C}" type="datetimeFigureOut">
               <a:rPr lang="en-US" smtClean="0"/>
-              <a:t>5/1/2018</a:t>
+              <a:t>5/3/2018</a:t>
             </a:fld>
             <a:endParaRPr lang="en-US"/>
           </a:p>
@@ -22061,63 +22402,6 @@
           </a:p>
         </p:txBody>
       </p:sp>
-      <p:sp>
-        <p:nvSpPr>
-          <p:cNvPr id="9" name="Content Placeholder 8"/>
-          <p:cNvSpPr>
-            <a:spLocks noGrp="1"/>
-          </p:cNvSpPr>
-          <p:nvPr>
-            <p:ph sz="quarter" idx="13"/>
-          </p:nvPr>
-        </p:nvSpPr>
-        <p:spPr>
-          <a:xfrm>
-            <a:off x="365760" y="1600200"/>
-            <a:ext cx="4041648" cy="4526280"/>
-          </a:xfrm>
-        </p:spPr>
-        <p:txBody>
-          <a:bodyPr/>
-          <a:lstStyle/>
-          <a:p>
-            <a:pPr lvl="0"/>
-            <a:r>
-              <a:rPr lang="en-US" smtClean="0"/>
-              <a:t>Click to edit Master text styles</a:t>
-            </a:r>
-          </a:p>
-          <a:p>
-            <a:pPr lvl="1"/>
-            <a:r>
-              <a:rPr lang="en-US" smtClean="0"/>
-              <a:t>Second level</a:t>
-            </a:r>
-          </a:p>
-          <a:p>
-            <a:pPr lvl="2"/>
-            <a:r>
-              <a:rPr lang="en-US" smtClean="0"/>
-              <a:t>Third level</a:t>
-            </a:r>
-          </a:p>
-          <a:p>
-            <a:pPr lvl="3"/>
-            <a:r>
-              <a:rPr lang="en-US" smtClean="0"/>
-              <a:t>Fourth level</a:t>
-            </a:r>
-          </a:p>
-          <a:p>
-            <a:pPr lvl="4"/>
-            <a:r>
-              <a:rPr lang="en-US" smtClean="0"/>
-              <a:t>Fifth level</a:t>
-            </a:r>
-            <a:endParaRPr lang="en-US"/>
-          </a:p>
-        </p:txBody>
-      </p:sp>
     </p:spTree>
   </p:cSld>
   <p:clrMapOvr>
@@ -22153,20 +22437,25 @@
             <p:ph type="title"/>
           </p:nvPr>
         </p:nvSpPr>
-        <p:spPr/>
+        <p:spPr>
+          <a:xfrm>
+            <a:off x="381000" y="857250"/>
+            <a:ext cx="8382000" cy="802386"/>
+          </a:xfrm>
+        </p:spPr>
         <p:txBody>
-          <a:bodyPr/>
+          <a:bodyPr anchor="ctr"/>
           <a:lstStyle>
             <a:lvl1pPr>
-              <a:defRPr/>
+              <a:defRPr sz="4000" b="0" i="0" cap="none" baseline="0"/>
             </a:lvl1pPr>
           </a:lstStyle>
           <a:p>
             <a:r>
-              <a:rPr lang="en-US" smtClean="0"/>
+              <a:rPr kumimoji="0" lang="en-US" smtClean="0"/>
               <a:t>Click to edit Master title style</a:t>
             </a:r>
-            <a:endParaRPr lang="en-US"/>
+            <a:endParaRPr kumimoji="0" lang="en-US"/>
           </a:p>
         </p:txBody>
       </p:sp>
@@ -22182,56 +22471,57 @@
         </p:nvSpPr>
         <p:spPr>
           <a:xfrm>
-            <a:off x="457200" y="1600200"/>
-            <a:ext cx="4040188" cy="609600"/>
+            <a:off x="381000" y="1683728"/>
+            <a:ext cx="4041648" cy="342900"/>
           </a:xfrm>
+          <a:solidFill>
+            <a:schemeClr val="accent2">
+              <a:satMod val="150000"/>
+              <a:alpha val="25000"/>
+            </a:schemeClr>
+          </a:solidFill>
+          <a:ln w="12700">
+            <a:solidFill>
+              <a:schemeClr val="accent2"/>
+            </a:solidFill>
+          </a:ln>
         </p:spPr>
         <p:txBody>
-          <a:bodyPr anchor="b">
+          <a:bodyPr anchor="ctr">
             <a:noAutofit/>
           </a:bodyPr>
           <a:lstStyle>
-            <a:lvl1pPr marL="0" indent="0" algn="ctr">
+            <a:lvl1pPr marL="45720" indent="0">
               <a:buNone/>
-              <a:defRPr sz="2400" b="0"/>
+              <a:defRPr sz="1900" b="1">
+                <a:solidFill>
+                  <a:schemeClr val="tx1">
+                    <a:tint val="95000"/>
+                  </a:schemeClr>
+                </a:solidFill>
+              </a:defRPr>
             </a:lvl1pPr>
-            <a:lvl2pPr marL="457200" indent="0">
+            <a:lvl2pPr>
               <a:buNone/>
               <a:defRPr sz="2000" b="1"/>
             </a:lvl2pPr>
-            <a:lvl3pPr marL="914400" indent="0">
+            <a:lvl3pPr>
               <a:buNone/>
               <a:defRPr sz="1800" b="1"/>
             </a:lvl3pPr>
-            <a:lvl4pPr marL="1371600" indent="0">
+            <a:lvl4pPr>
               <a:buNone/>
               <a:defRPr sz="1600" b="1"/>
             </a:lvl4pPr>
-            <a:lvl5pPr marL="1828800" indent="0">
+            <a:lvl5pPr>
               <a:buNone/>
               <a:defRPr sz="1600" b="1"/>
             </a:lvl5pPr>
-            <a:lvl6pPr marL="2286000" indent="0">
-              <a:buNone/>
-              <a:defRPr sz="1600" b="1"/>
-            </a:lvl6pPr>
-            <a:lvl7pPr marL="2743200" indent="0">
-              <a:buNone/>
-              <a:defRPr sz="1600" b="1"/>
-            </a:lvl7pPr>
-            <a:lvl8pPr marL="3200400" indent="0">
-              <a:buNone/>
-              <a:defRPr sz="1600" b="1"/>
-            </a:lvl8pPr>
-            <a:lvl9pPr marL="3657600" indent="0">
-              <a:buNone/>
-              <a:defRPr sz="1600" b="1"/>
-            </a:lvl9pPr>
           </a:lstStyle>
           <a:p>
-            <a:pPr lvl="0"/>
+            <a:pPr lvl="0" eaLnBrk="1" latinLnBrk="0" hangingPunct="1"/>
             <a:r>
-              <a:rPr lang="en-US" smtClean="0"/>
+              <a:rPr kumimoji="0" lang="en-US" smtClean="0"/>
               <a:t>Click to edit Master text styles</a:t>
             </a:r>
           </a:p>
@@ -22239,66 +22529,67 @@
       </p:sp>
       <p:sp>
         <p:nvSpPr>
-          <p:cNvPr id="5" name="Text Placeholder 4"/>
+          <p:cNvPr id="4" name="Text Placeholder 3"/>
           <p:cNvSpPr>
             <a:spLocks noGrp="1"/>
           </p:cNvSpPr>
           <p:nvPr>
-            <p:ph type="body" sz="quarter" idx="3"/>
+            <p:ph type="body" sz="half" idx="3"/>
           </p:nvPr>
         </p:nvSpPr>
         <p:spPr>
           <a:xfrm>
-            <a:off x="4648200" y="1600200"/>
-            <a:ext cx="4041775" cy="609600"/>
+            <a:off x="4721226" y="1683728"/>
+            <a:ext cx="4041775" cy="342900"/>
           </a:xfrm>
+          <a:solidFill>
+            <a:schemeClr val="accent2">
+              <a:satMod val="150000"/>
+              <a:alpha val="25000"/>
+            </a:schemeClr>
+          </a:solidFill>
+          <a:ln w="12700">
+            <a:solidFill>
+              <a:schemeClr val="accent2"/>
+            </a:solidFill>
+          </a:ln>
         </p:spPr>
         <p:txBody>
-          <a:bodyPr anchor="b">
+          <a:bodyPr anchor="ctr">
             <a:noAutofit/>
           </a:bodyPr>
           <a:lstStyle>
-            <a:lvl1pPr marL="0" indent="0" algn="ctr">
+            <a:lvl1pPr marL="45720" indent="0">
               <a:buNone/>
-              <a:defRPr sz="2400" b="0"/>
+              <a:defRPr sz="1900" b="1">
+                <a:solidFill>
+                  <a:schemeClr val="tx1">
+                    <a:tint val="95000"/>
+                  </a:schemeClr>
+                </a:solidFill>
+              </a:defRPr>
             </a:lvl1pPr>
-            <a:lvl2pPr marL="457200" indent="0">
+            <a:lvl2pPr>
               <a:buNone/>
               <a:defRPr sz="2000" b="1"/>
             </a:lvl2pPr>
-            <a:lvl3pPr marL="914400" indent="0">
+            <a:lvl3pPr>
               <a:buNone/>
               <a:defRPr sz="1800" b="1"/>
             </a:lvl3pPr>
-            <a:lvl4pPr marL="1371600" indent="0">
+            <a:lvl4pPr>
               <a:buNone/>
               <a:defRPr sz="1600" b="1"/>
             </a:lvl4pPr>
-            <a:lvl5pPr marL="1828800" indent="0">
+            <a:lvl5pPr>
               <a:buNone/>
               <a:defRPr sz="1600" b="1"/>
             </a:lvl5pPr>
-            <a:lvl6pPr marL="2286000" indent="0">
-              <a:buNone/>
-              <a:defRPr sz="1600" b="1"/>
-            </a:lvl6pPr>
-            <a:lvl7pPr marL="2743200" indent="0">
-              <a:buNone/>
-              <a:defRPr sz="1600" b="1"/>
-            </a:lvl7pPr>
-            <a:lvl8pPr marL="3200400" indent="0">
-              <a:buNone/>
-              <a:defRPr sz="1600" b="1"/>
-            </a:lvl8pPr>
-            <a:lvl9pPr marL="3657600" indent="0">
-              <a:buNone/>
-              <a:defRPr sz="1600" b="1"/>
-            </a:lvl9pPr>
           </a:lstStyle>
           <a:p>
-            <a:pPr lvl="0"/>
+            <a:pPr lvl="0" eaLnBrk="1" latinLnBrk="0" hangingPunct="1"/>
             <a:r>
-              <a:rPr lang="en-US" smtClean="0"/>
+              <a:rPr kumimoji="0" lang="en-US" smtClean="0"/>
               <a:t>Click to edit Master text styles</a:t>
             </a:r>
           </a:p>
@@ -22306,7 +22597,153 @@
       </p:sp>
       <p:sp>
         <p:nvSpPr>
-          <p:cNvPr id="7" name="Date Placeholder 6"/>
+          <p:cNvPr id="5" name="Content Placeholder 4"/>
+          <p:cNvSpPr>
+            <a:spLocks noGrp="1"/>
+          </p:cNvSpPr>
+          <p:nvPr>
+            <p:ph sz="quarter" idx="2"/>
+          </p:nvPr>
+        </p:nvSpPr>
+        <p:spPr>
+          <a:xfrm>
+            <a:off x="381000" y="2031389"/>
+            <a:ext cx="4041648" cy="2914650"/>
+          </a:xfrm>
+        </p:spPr>
+        <p:txBody>
+          <a:bodyPr/>
+          <a:lstStyle>
+            <a:lvl1pPr>
+              <a:defRPr sz="2000"/>
+            </a:lvl1pPr>
+            <a:lvl2pPr>
+              <a:defRPr sz="2000"/>
+            </a:lvl2pPr>
+            <a:lvl3pPr>
+              <a:defRPr sz="1800"/>
+            </a:lvl3pPr>
+            <a:lvl4pPr>
+              <a:defRPr sz="1600"/>
+            </a:lvl4pPr>
+            <a:lvl5pPr>
+              <a:defRPr sz="1600"/>
+            </a:lvl5pPr>
+          </a:lstStyle>
+          <a:p>
+            <a:pPr lvl="0" eaLnBrk="1" latinLnBrk="0" hangingPunct="1"/>
+            <a:r>
+              <a:rPr lang="en-US" smtClean="0"/>
+              <a:t>Click to edit Master text styles</a:t>
+            </a:r>
+          </a:p>
+          <a:p>
+            <a:pPr lvl="1" eaLnBrk="1" latinLnBrk="0" hangingPunct="1"/>
+            <a:r>
+              <a:rPr lang="en-US" smtClean="0"/>
+              <a:t>Second level</a:t>
+            </a:r>
+          </a:p>
+          <a:p>
+            <a:pPr lvl="2" eaLnBrk="1" latinLnBrk="0" hangingPunct="1"/>
+            <a:r>
+              <a:rPr lang="en-US" smtClean="0"/>
+              <a:t>Third level</a:t>
+            </a:r>
+          </a:p>
+          <a:p>
+            <a:pPr lvl="3" eaLnBrk="1" latinLnBrk="0" hangingPunct="1"/>
+            <a:r>
+              <a:rPr lang="en-US" smtClean="0"/>
+              <a:t>Fourth level</a:t>
+            </a:r>
+          </a:p>
+          <a:p>
+            <a:pPr lvl="4" eaLnBrk="1" latinLnBrk="0" hangingPunct="1"/>
+            <a:r>
+              <a:rPr lang="en-US" smtClean="0"/>
+              <a:t>Fifth level</a:t>
+            </a:r>
+            <a:endParaRPr kumimoji="0" lang="en-US"/>
+          </a:p>
+        </p:txBody>
+      </p:sp>
+      <p:sp>
+        <p:nvSpPr>
+          <p:cNvPr id="6" name="Content Placeholder 5"/>
+          <p:cNvSpPr>
+            <a:spLocks noGrp="1"/>
+          </p:cNvSpPr>
+          <p:nvPr>
+            <p:ph sz="quarter" idx="4"/>
+          </p:nvPr>
+        </p:nvSpPr>
+        <p:spPr>
+          <a:xfrm>
+            <a:off x="4718305" y="2031389"/>
+            <a:ext cx="4041775" cy="2914650"/>
+          </a:xfrm>
+        </p:spPr>
+        <p:txBody>
+          <a:bodyPr/>
+          <a:lstStyle>
+            <a:lvl1pPr>
+              <a:defRPr sz="2000"/>
+            </a:lvl1pPr>
+            <a:lvl2pPr>
+              <a:defRPr sz="2000"/>
+            </a:lvl2pPr>
+            <a:lvl3pPr>
+              <a:defRPr sz="1800"/>
+            </a:lvl3pPr>
+            <a:lvl4pPr>
+              <a:defRPr sz="1600"/>
+            </a:lvl4pPr>
+            <a:lvl5pPr>
+              <a:defRPr sz="1600"/>
+            </a:lvl5pPr>
+          </a:lstStyle>
+          <a:p>
+            <a:pPr lvl="0" eaLnBrk="1" latinLnBrk="0" hangingPunct="1"/>
+            <a:r>
+              <a:rPr lang="en-US" smtClean="0"/>
+              <a:t>Click to edit Master text styles</a:t>
+            </a:r>
+          </a:p>
+          <a:p>
+            <a:pPr lvl="1" eaLnBrk="1" latinLnBrk="0" hangingPunct="1"/>
+            <a:r>
+              <a:rPr lang="en-US" smtClean="0"/>
+              <a:t>Second level</a:t>
+            </a:r>
+          </a:p>
+          <a:p>
+            <a:pPr lvl="2" eaLnBrk="1" latinLnBrk="0" hangingPunct="1"/>
+            <a:r>
+              <a:rPr lang="en-US" smtClean="0"/>
+              <a:t>Third level</a:t>
+            </a:r>
+          </a:p>
+          <a:p>
+            <a:pPr lvl="3" eaLnBrk="1" latinLnBrk="0" hangingPunct="1"/>
+            <a:r>
+              <a:rPr lang="en-US" smtClean="0"/>
+              <a:t>Fourth level</a:t>
+            </a:r>
+          </a:p>
+          <a:p>
+            <a:pPr lvl="4" eaLnBrk="1" latinLnBrk="0" hangingPunct="1"/>
+            <a:r>
+              <a:rPr lang="en-US" smtClean="0"/>
+              <a:t>Fifth level</a:t>
+            </a:r>
+            <a:endParaRPr kumimoji="0" lang="en-US"/>
+          </a:p>
+        </p:txBody>
+      </p:sp>
+      <p:sp>
+        <p:nvSpPr>
+          <p:cNvPr id="26" name="Date Placeholder 25"/>
           <p:cNvSpPr>
             <a:spLocks noGrp="1"/>
           </p:cNvSpPr>
@@ -22316,12 +22753,12 @@
         </p:nvSpPr>
         <p:spPr/>
         <p:txBody>
-          <a:bodyPr/>
+          <a:bodyPr rtlCol="0"/>
           <a:lstStyle/>
           <a:p>
             <a:fld id="{A65AF353-4280-4F61-8B05-F6A9C58BF89C}" type="datetimeFigureOut">
               <a:rPr lang="en-US" smtClean="0"/>
-              <a:t>5/1/2018</a:t>
+              <a:t>5/3/2018</a:t>
             </a:fld>
             <a:endParaRPr lang="en-US"/>
           </a:p>
@@ -22329,36 +22766,17 @@
       </p:sp>
       <p:sp>
         <p:nvSpPr>
-          <p:cNvPr id="8" name="Footer Placeholder 7"/>
+          <p:cNvPr id="27" name="Slide Number Placeholder 26"/>
           <p:cNvSpPr>
             <a:spLocks noGrp="1"/>
           </p:cNvSpPr>
           <p:nvPr>
-            <p:ph type="ftr" sz="quarter" idx="11"/>
+            <p:ph type="sldNum" sz="quarter" idx="11"/>
           </p:nvPr>
         </p:nvSpPr>
         <p:spPr/>
         <p:txBody>
-          <a:bodyPr/>
-          <a:lstStyle/>
-          <a:p>
-            <a:endParaRPr lang="en-US"/>
-          </a:p>
-        </p:txBody>
-      </p:sp>
-      <p:sp>
-        <p:nvSpPr>
-          <p:cNvPr id="9" name="Slide Number Placeholder 8"/>
-          <p:cNvSpPr>
-            <a:spLocks noGrp="1"/>
-          </p:cNvSpPr>
-          <p:nvPr>
-            <p:ph type="sldNum" sz="quarter" idx="12"/>
-          </p:nvPr>
-        </p:nvSpPr>
-        <p:spPr/>
-        <p:txBody>
-          <a:bodyPr/>
+          <a:bodyPr rtlCol="0"/>
           <a:lstStyle/>
           <a:p>
             <a:fld id="{099FDD71-1211-47CC-B34E-8A622282E537}" type="slidenum">
@@ -22371,115 +22789,20 @@
       </p:sp>
       <p:sp>
         <p:nvSpPr>
-          <p:cNvPr id="11" name="Content Placeholder 10"/>
+          <p:cNvPr id="28" name="Footer Placeholder 27"/>
           <p:cNvSpPr>
             <a:spLocks noGrp="1"/>
           </p:cNvSpPr>
           <p:nvPr>
-            <p:ph sz="quarter" idx="13"/>
+            <p:ph type="ftr" sz="quarter" idx="12"/>
           </p:nvPr>
         </p:nvSpPr>
-        <p:spPr>
-          <a:xfrm>
-            <a:off x="457200" y="2212848"/>
-            <a:ext cx="4041648" cy="3913632"/>
-          </a:xfrm>
-        </p:spPr>
+        <p:spPr/>
         <p:txBody>
-          <a:bodyPr/>
+          <a:bodyPr rtlCol="0"/>
           <a:lstStyle/>
           <a:p>
-            <a:pPr lvl="0"/>
-            <a:r>
-              <a:rPr lang="en-US" smtClean="0"/>
-              <a:t>Click to edit Master text styles</a:t>
-            </a:r>
-          </a:p>
-          <a:p>
-            <a:pPr lvl="1"/>
-            <a:r>
-              <a:rPr lang="en-US" smtClean="0"/>
-              <a:t>Second level</a:t>
-            </a:r>
-          </a:p>
-          <a:p>
-            <a:pPr lvl="2"/>
-            <a:r>
-              <a:rPr lang="en-US" smtClean="0"/>
-              <a:t>Third level</a:t>
-            </a:r>
-          </a:p>
-          <a:p>
-            <a:pPr lvl="3"/>
-            <a:r>
-              <a:rPr lang="en-US" smtClean="0"/>
-              <a:t>Fourth level</a:t>
-            </a:r>
-          </a:p>
-          <a:p>
-            <a:pPr lvl="4"/>
-            <a:r>
-              <a:rPr lang="en-US" smtClean="0"/>
-              <a:t>Fifth level</a:t>
-            </a:r>
-            <a:endParaRPr lang="en-US" dirty="0"/>
-          </a:p>
-        </p:txBody>
-      </p:sp>
-      <p:sp>
-        <p:nvSpPr>
-          <p:cNvPr id="13" name="Content Placeholder 12"/>
-          <p:cNvSpPr>
-            <a:spLocks noGrp="1"/>
-          </p:cNvSpPr>
-          <p:nvPr>
-            <p:ph sz="quarter" idx="14"/>
-          </p:nvPr>
-        </p:nvSpPr>
-        <p:spPr>
-          <a:xfrm>
-            <a:off x="4672584" y="2212848"/>
-            <a:ext cx="4041648" cy="3913187"/>
-          </a:xfrm>
-        </p:spPr>
-        <p:txBody>
-          <a:bodyPr/>
-          <a:lstStyle/>
-          <a:p>
-            <a:pPr lvl="0"/>
-            <a:r>
-              <a:rPr lang="en-US" smtClean="0"/>
-              <a:t>Click to edit Master text styles</a:t>
-            </a:r>
-          </a:p>
-          <a:p>
-            <a:pPr lvl="1"/>
-            <a:r>
-              <a:rPr lang="en-US" smtClean="0"/>
-              <a:t>Second level</a:t>
-            </a:r>
-          </a:p>
-          <a:p>
-            <a:pPr lvl="2"/>
-            <a:r>
-              <a:rPr lang="en-US" smtClean="0"/>
-              <a:t>Third level</a:t>
-            </a:r>
-          </a:p>
-          <a:p>
-            <a:pPr lvl="3"/>
-            <a:r>
-              <a:rPr lang="en-US" smtClean="0"/>
-              <a:t>Fourth level</a:t>
-            </a:r>
-          </a:p>
-          <a:p>
-            <a:pPr lvl="4"/>
-            <a:r>
-              <a:rPr lang="en-US" smtClean="0"/>
-              <a:t>Fifth level</a:t>
-            </a:r>
-            <a:endParaRPr lang="en-US" dirty="0"/>
+            <a:endParaRPr lang="en-US"/>
           </a:p>
         </p:txBody>
       </p:sp>
@@ -22518,16 +22841,29 @@
             <p:ph type="title"/>
           </p:nvPr>
         </p:nvSpPr>
-        <p:spPr/>
+        <p:spPr>
+          <a:xfrm>
+            <a:off x="457200" y="857250"/>
+            <a:ext cx="8229600" cy="802386"/>
+          </a:xfrm>
+        </p:spPr>
         <p:txBody>
-          <a:bodyPr/>
-          <a:lstStyle/>
+          <a:bodyPr anchor="ctr"/>
+          <a:lstStyle>
+            <a:lvl1pPr>
+              <a:defRPr sz="4000">
+                <a:solidFill>
+                  <a:schemeClr val="tx2"/>
+                </a:solidFill>
+              </a:defRPr>
+            </a:lvl1pPr>
+          </a:lstStyle>
           <a:p>
             <a:r>
-              <a:rPr lang="en-US" smtClean="0"/>
+              <a:rPr kumimoji="0" lang="en-US" smtClean="0"/>
               <a:t>Click to edit Master title style</a:t>
             </a:r>
-            <a:endParaRPr lang="en-US" dirty="0"/>
+            <a:endParaRPr kumimoji="0" lang="en-US"/>
           </a:p>
         </p:txBody>
       </p:sp>
@@ -22541,14 +22877,19 @@
             <p:ph type="dt" sz="half" idx="10"/>
           </p:nvPr>
         </p:nvSpPr>
-        <p:spPr/>
+        <p:spPr>
+          <a:xfrm>
+            <a:off x="6583680" y="459486"/>
+            <a:ext cx="957264" cy="342900"/>
+          </a:xfrm>
+        </p:spPr>
         <p:txBody>
           <a:bodyPr/>
           <a:lstStyle/>
           <a:p>
             <a:fld id="{A65AF353-4280-4F61-8B05-F6A9C58BF89C}" type="datetimeFigureOut">
               <a:rPr lang="en-US" smtClean="0"/>
-              <a:t>5/1/2018</a:t>
+              <a:t>5/3/2018</a:t>
             </a:fld>
             <a:endParaRPr lang="en-US"/>
           </a:p>
@@ -22564,7 +22905,12 @@
             <p:ph type="ftr" sz="quarter" idx="11"/>
           </p:nvPr>
         </p:nvSpPr>
-        <p:spPr/>
+        <p:spPr>
+          <a:xfrm>
+            <a:off x="5257800" y="459486"/>
+            <a:ext cx="1325880" cy="342900"/>
+          </a:xfrm>
+        </p:spPr>
         <p:txBody>
           <a:bodyPr/>
           <a:lstStyle/>
@@ -22583,7 +22929,12 @@
             <p:ph type="sldNum" sz="quarter" idx="12"/>
           </p:nvPr>
         </p:nvSpPr>
-        <p:spPr/>
+        <p:spPr>
+          <a:xfrm>
+            <a:off x="8174736" y="1704"/>
+            <a:ext cx="762000" cy="274320"/>
+          </a:xfrm>
+        </p:spPr>
         <p:txBody>
           <a:bodyPr/>
           <a:lstStyle/>
@@ -22638,7 +22989,7 @@
           <a:p>
             <a:fld id="{A65AF353-4280-4F61-8B05-F6A9C58BF89C}" type="datetimeFigureOut">
               <a:rPr lang="en-US" smtClean="0"/>
-              <a:t>5/1/2018</a:t>
+              <a:t>5/3/2018</a:t>
             </a:fld>
             <a:endParaRPr lang="en-US"/>
           </a:p>
@@ -22723,51 +23074,90 @@
         </p:nvSpPr>
         <p:spPr>
           <a:xfrm>
-            <a:off x="5907087" y="266700"/>
-            <a:ext cx="3008313" cy="2095500"/>
+            <a:off x="5353496" y="826478"/>
+            <a:ext cx="3383280" cy="658368"/>
           </a:xfrm>
         </p:spPr>
         <p:txBody>
           <a:bodyPr anchor="b"/>
           <a:lstStyle>
-            <a:lvl1pPr algn="ctr">
-              <a:lnSpc>
-                <a:spcPct val="100000"/>
-              </a:lnSpc>
-              <a:defRPr sz="2800" b="0">
-                <a:effectLst>
-                  <a:outerShdw blurRad="50800" dist="25400" dir="5400000" algn="t" rotWithShape="0">
-                    <a:prstClr val="black">
-                      <a:alpha val="25000"/>
-                    </a:prstClr>
-                  </a:outerShdw>
-                </a:effectLst>
-              </a:defRPr>
+            <a:lvl1pPr algn="l">
+              <a:buNone/>
+              <a:defRPr sz="1800" b="1"/>
             </a:lvl1pPr>
           </a:lstStyle>
           <a:p>
             <a:r>
-              <a:rPr lang="en-US" smtClean="0"/>
+              <a:rPr kumimoji="0" lang="en-US" smtClean="0"/>
               <a:t>Click to edit Master title style</a:t>
             </a:r>
-            <a:endParaRPr lang="en-US" dirty="0"/>
+            <a:endParaRPr kumimoji="0" lang="en-US"/>
           </a:p>
         </p:txBody>
       </p:sp>
       <p:sp>
         <p:nvSpPr>
-          <p:cNvPr id="3" name="Content Placeholder 2"/>
+          <p:cNvPr id="3" name="Text Placeholder 2"/>
           <p:cNvSpPr>
             <a:spLocks noGrp="1"/>
           </p:cNvSpPr>
           <p:nvPr>
-            <p:ph idx="1"/>
+            <p:ph type="body" idx="2"/>
           </p:nvPr>
         </p:nvSpPr>
         <p:spPr>
           <a:xfrm>
-            <a:off x="719137" y="273050"/>
-            <a:ext cx="4995863" cy="5853113"/>
+            <a:off x="5353496" y="1508045"/>
+            <a:ext cx="3383280" cy="3463290"/>
+          </a:xfrm>
+        </p:spPr>
+        <p:txBody>
+          <a:bodyPr/>
+          <a:lstStyle>
+            <a:lvl1pPr marL="9144" indent="0">
+              <a:buNone/>
+              <a:defRPr sz="1400"/>
+            </a:lvl1pPr>
+            <a:lvl2pPr>
+              <a:buNone/>
+              <a:defRPr sz="1200"/>
+            </a:lvl2pPr>
+            <a:lvl3pPr>
+              <a:buNone/>
+              <a:defRPr sz="1000"/>
+            </a:lvl3pPr>
+            <a:lvl4pPr>
+              <a:buNone/>
+              <a:defRPr sz="900"/>
+            </a:lvl4pPr>
+            <a:lvl5pPr>
+              <a:buNone/>
+              <a:defRPr sz="900"/>
+            </a:lvl5pPr>
+          </a:lstStyle>
+          <a:p>
+            <a:pPr lvl="0" eaLnBrk="1" latinLnBrk="0" hangingPunct="1"/>
+            <a:r>
+              <a:rPr kumimoji="0" lang="en-US" smtClean="0"/>
+              <a:t>Click to edit Master text styles</a:t>
+            </a:r>
+          </a:p>
+        </p:txBody>
+      </p:sp>
+      <p:sp>
+        <p:nvSpPr>
+          <p:cNvPr id="4" name="Content Placeholder 3"/>
+          <p:cNvSpPr>
+            <a:spLocks noGrp="1"/>
+          </p:cNvSpPr>
+          <p:nvPr>
+            <p:ph sz="half" idx="1"/>
+          </p:nvPr>
+        </p:nvSpPr>
+        <p:spPr>
+          <a:xfrm>
+            <a:off x="152400" y="582215"/>
+            <a:ext cx="5102352" cy="4389120"/>
           </a:xfrm>
         </p:spPr>
         <p:txBody>
@@ -22788,124 +23178,42 @@
             <a:lvl5pPr>
               <a:defRPr sz="2000"/>
             </a:lvl5pPr>
-            <a:lvl6pPr>
-              <a:defRPr sz="2000"/>
-            </a:lvl6pPr>
-            <a:lvl7pPr>
-              <a:defRPr sz="2000"/>
-            </a:lvl7pPr>
-            <a:lvl8pPr>
-              <a:defRPr sz="2000"/>
-            </a:lvl8pPr>
-            <a:lvl9pPr>
-              <a:defRPr sz="2000"/>
-            </a:lvl9pPr>
           </a:lstStyle>
           <a:p>
-            <a:pPr lvl="0"/>
+            <a:pPr lvl="0" eaLnBrk="1" latinLnBrk="0" hangingPunct="1"/>
             <a:r>
               <a:rPr lang="en-US" smtClean="0"/>
               <a:t>Click to edit Master text styles</a:t>
             </a:r>
           </a:p>
           <a:p>
-            <a:pPr lvl="1"/>
+            <a:pPr lvl="1" eaLnBrk="1" latinLnBrk="0" hangingPunct="1"/>
             <a:r>
               <a:rPr lang="en-US" smtClean="0"/>
               <a:t>Second level</a:t>
             </a:r>
           </a:p>
           <a:p>
-            <a:pPr lvl="2"/>
+            <a:pPr lvl="2" eaLnBrk="1" latinLnBrk="0" hangingPunct="1"/>
             <a:r>
               <a:rPr lang="en-US" smtClean="0"/>
               <a:t>Third level</a:t>
             </a:r>
           </a:p>
           <a:p>
-            <a:pPr lvl="3"/>
+            <a:pPr lvl="3" eaLnBrk="1" latinLnBrk="0" hangingPunct="1"/>
             <a:r>
               <a:rPr lang="en-US" smtClean="0"/>
               <a:t>Fourth level</a:t>
             </a:r>
           </a:p>
           <a:p>
-            <a:pPr lvl="4"/>
+            <a:pPr lvl="4" eaLnBrk="1" latinLnBrk="0" hangingPunct="1"/>
             <a:r>
               <a:rPr lang="en-US" smtClean="0"/>
               <a:t>Fifth level</a:t>
             </a:r>
-            <a:endParaRPr lang="en-US" dirty="0"/>
-          </a:p>
-        </p:txBody>
-      </p:sp>
-      <p:sp>
-        <p:nvSpPr>
-          <p:cNvPr id="4" name="Text Placeholder 3"/>
-          <p:cNvSpPr>
-            <a:spLocks noGrp="1"/>
-          </p:cNvSpPr>
-          <p:nvPr>
-            <p:ph type="body" sz="half" idx="2"/>
-          </p:nvPr>
-        </p:nvSpPr>
-        <p:spPr>
-          <a:xfrm>
-            <a:off x="5907087" y="2438400"/>
-            <a:ext cx="3008313" cy="3687763"/>
-          </a:xfrm>
-        </p:spPr>
-        <p:txBody>
-          <a:bodyPr>
-            <a:normAutofit/>
-          </a:bodyPr>
-          <a:lstStyle>
-            <a:lvl1pPr marL="0" indent="0" algn="ctr">
-              <a:lnSpc>
-                <a:spcPct val="125000"/>
-              </a:lnSpc>
-              <a:buNone/>
-              <a:defRPr sz="1600"/>
-            </a:lvl1pPr>
-            <a:lvl2pPr marL="457200" indent="0">
-              <a:buNone/>
-              <a:defRPr sz="1200"/>
-            </a:lvl2pPr>
-            <a:lvl3pPr marL="914400" indent="0">
-              <a:buNone/>
-              <a:defRPr sz="1000"/>
-            </a:lvl3pPr>
-            <a:lvl4pPr marL="1371600" indent="0">
-              <a:buNone/>
-              <a:defRPr sz="900"/>
-            </a:lvl4pPr>
-            <a:lvl5pPr marL="1828800" indent="0">
-              <a:buNone/>
-              <a:defRPr sz="900"/>
-            </a:lvl5pPr>
-            <a:lvl6pPr marL="2286000" indent="0">
-              <a:buNone/>
-              <a:defRPr sz="900"/>
-            </a:lvl6pPr>
-            <a:lvl7pPr marL="2743200" indent="0">
-              <a:buNone/>
-              <a:defRPr sz="900"/>
-            </a:lvl7pPr>
-            <a:lvl8pPr marL="3200400" indent="0">
-              <a:buNone/>
-              <a:defRPr sz="900"/>
-            </a:lvl8pPr>
-            <a:lvl9pPr marL="3657600" indent="0">
-              <a:buNone/>
-              <a:defRPr sz="900"/>
-            </a:lvl9pPr>
-          </a:lstStyle>
-          <a:p>
-            <a:pPr lvl="0"/>
-            <a:r>
-              <a:rPr lang="en-US" smtClean="0"/>
-              <a:t>Click to edit Master text styles</a:t>
-            </a:r>
+            <a:endParaRPr kumimoji="0" lang="en-US"/>
           </a:p>
         </p:txBody>
       </p:sp>
@@ -22926,7 +23234,7 @@
           <a:p>
             <a:fld id="{A65AF353-4280-4F61-8B05-F6A9C58BF89C}" type="datetimeFigureOut">
               <a:rPr lang="en-US" smtClean="0"/>
-              <a:t>5/1/2018</a:t>
+              <a:t>5/3/2018</a:t>
             </a:fld>
             <a:endParaRPr lang="en-US"/>
           </a:p>
@@ -23011,26 +23319,24 @@
         </p:nvSpPr>
         <p:spPr>
           <a:xfrm>
-            <a:off x="1679576" y="228600"/>
-            <a:ext cx="5711824" cy="895350"/>
+            <a:off x="5440435" y="831870"/>
+            <a:ext cx="586803" cy="3511228"/>
           </a:xfrm>
         </p:spPr>
         <p:txBody>
-          <a:bodyPr anchor="b"/>
+          <a:bodyPr vert="vert270" lIns="45720" tIns="0" rIns="45720" anchor="t"/>
           <a:lstStyle>
             <a:lvl1pPr algn="ctr">
-              <a:lnSpc>
-                <a:spcPct val="100000"/>
-              </a:lnSpc>
-              <a:defRPr sz="2800" b="0"/>
+              <a:buNone/>
+              <a:defRPr sz="2000" b="1"/>
             </a:lvl1pPr>
           </a:lstStyle>
           <a:p>
             <a:r>
-              <a:rPr lang="en-US" smtClean="0"/>
+              <a:rPr kumimoji="0" lang="en-US" smtClean="0"/>
               <a:t>Click to edit Master title style</a:t>
             </a:r>
-            <a:endParaRPr lang="en-US" dirty="0"/>
+            <a:endParaRPr kumimoji="0" lang="en-US"/>
           </a:p>
         </p:txBody>
       </p:sp>
@@ -23046,68 +23352,52 @@
         </p:nvSpPr>
         <p:spPr>
           <a:xfrm>
-            <a:off x="1508126" y="1143000"/>
-            <a:ext cx="6054724" cy="4541044"/>
+            <a:off x="403671" y="857250"/>
+            <a:ext cx="4572000" cy="3429000"/>
           </a:xfrm>
-          <a:ln w="76200">
+          <a:solidFill>
+            <a:srgbClr val="EAEAEA"/>
+          </a:solidFill>
+          <a:ln w="50800">
             <a:solidFill>
-              <a:schemeClr val="bg1"/>
+              <a:srgbClr val="FFFFFF"/>
             </a:solidFill>
+            <a:miter lim="800000"/>
           </a:ln>
           <a:effectLst>
-            <a:outerShdw blurRad="88900" dist="50800" dir="5400000" algn="ctr" rotWithShape="0">
+            <a:outerShdw blurRad="57150" dist="31750" dir="4800000" algn="tl" rotWithShape="0">
               <a:srgbClr val="000000">
                 <a:alpha val="25000"/>
               </a:srgbClr>
             </a:outerShdw>
           </a:effectLst>
+          <a:scene3d>
+            <a:camera prst="orthographicFront"/>
+            <a:lightRig rig="twoPt" dir="t">
+              <a:rot lat="0" lon="0" rev="7200000"/>
+            </a:lightRig>
+          </a:scene3d>
+          <a:sp3d contourW="2540">
+            <a:bevelT w="25400" h="19050"/>
+            <a:contourClr>
+              <a:srgbClr val="AEAEAE"/>
+            </a:contourClr>
+          </a:sp3d>
         </p:spPr>
         <p:txBody>
-          <a:bodyPr anchor="t"/>
+          <a:bodyPr/>
           <a:lstStyle>
-            <a:lvl1pPr marL="0" indent="0" algn="ctr">
+            <a:lvl1pPr marL="0" indent="0">
               <a:buNone/>
               <a:defRPr sz="3200"/>
             </a:lvl1pPr>
-            <a:lvl2pPr marL="457200" indent="0">
-              <a:buNone/>
-              <a:defRPr sz="2800"/>
-            </a:lvl2pPr>
-            <a:lvl3pPr marL="914400" indent="0">
-              <a:buNone/>
-              <a:defRPr sz="2400"/>
-            </a:lvl3pPr>
-            <a:lvl4pPr marL="1371600" indent="0">
-              <a:buNone/>
-              <a:defRPr sz="2000"/>
-            </a:lvl4pPr>
-            <a:lvl5pPr marL="1828800" indent="0">
-              <a:buNone/>
-              <a:defRPr sz="2000"/>
-            </a:lvl5pPr>
-            <a:lvl6pPr marL="2286000" indent="0">
-              <a:buNone/>
-              <a:defRPr sz="2000"/>
-            </a:lvl6pPr>
-            <a:lvl7pPr marL="2743200" indent="0">
-              <a:buNone/>
-              <a:defRPr sz="2000"/>
-            </a:lvl7pPr>
-            <a:lvl8pPr marL="3200400" indent="0">
-              <a:buNone/>
-              <a:defRPr sz="2000"/>
-            </a:lvl8pPr>
-            <a:lvl9pPr marL="3657600" indent="0">
-              <a:buNone/>
-              <a:defRPr sz="2000"/>
-            </a:lvl9pPr>
           </a:lstStyle>
           <a:p>
             <a:r>
-              <a:rPr lang="en-US" smtClean="0"/>
+              <a:rPr kumimoji="0" lang="en-US" smtClean="0"/>
               <a:t>Click icon to add picture</a:t>
             </a:r>
-            <a:endParaRPr lang="en-US" dirty="0"/>
+            <a:endParaRPr kumimoji="0" lang="en-US" dirty="0"/>
           </a:p>
         </p:txBody>
       </p:sp>
@@ -23123,56 +23413,49 @@
         </p:nvSpPr>
         <p:spPr>
           <a:xfrm>
-            <a:off x="1679576" y="5810250"/>
-            <a:ext cx="5711824" cy="533400"/>
+            <a:off x="6088443" y="2455731"/>
+            <a:ext cx="2590800" cy="1887367"/>
           </a:xfrm>
         </p:spPr>
         <p:txBody>
-          <a:bodyPr>
-            <a:normAutofit/>
-          </a:bodyPr>
+          <a:bodyPr lIns="0" tIns="0" rIns="45720" anchor="t"/>
           <a:lstStyle>
-            <a:lvl1pPr marL="0" indent="0" algn="ctr">
+            <a:lvl1pPr marL="0" indent="0">
+              <a:lnSpc>
+                <a:spcPct val="100000"/>
+              </a:lnSpc>
+              <a:spcBef>
+                <a:spcPts val="0"/>
+              </a:spcBef>
+              <a:buFontTx/>
               <a:buNone/>
-              <a:defRPr sz="1600"/>
+              <a:defRPr sz="1300"/>
             </a:lvl1pPr>
-            <a:lvl2pPr marL="457200" indent="0">
+            <a:lvl2pPr>
+              <a:buFontTx/>
               <a:buNone/>
               <a:defRPr sz="1200"/>
             </a:lvl2pPr>
-            <a:lvl3pPr marL="914400" indent="0">
+            <a:lvl3pPr>
+              <a:buFontTx/>
               <a:buNone/>
               <a:defRPr sz="1000"/>
             </a:lvl3pPr>
-            <a:lvl4pPr marL="1371600" indent="0">
+            <a:lvl4pPr>
+              <a:buFontTx/>
               <a:buNone/>
               <a:defRPr sz="900"/>
             </a:lvl4pPr>
-            <a:lvl5pPr marL="1828800" indent="0">
+            <a:lvl5pPr>
+              <a:buFontTx/>
               <a:buNone/>
               <a:defRPr sz="900"/>
             </a:lvl5pPr>
-            <a:lvl6pPr marL="2286000" indent="0">
-              <a:buNone/>
-              <a:defRPr sz="900"/>
-            </a:lvl6pPr>
-            <a:lvl7pPr marL="2743200" indent="0">
-              <a:buNone/>
-              <a:defRPr sz="900"/>
-            </a:lvl7pPr>
-            <a:lvl8pPr marL="3200400" indent="0">
-              <a:buNone/>
-              <a:defRPr sz="900"/>
-            </a:lvl8pPr>
-            <a:lvl9pPr marL="3657600" indent="0">
-              <a:buNone/>
-              <a:defRPr sz="900"/>
-            </a:lvl9pPr>
           </a:lstStyle>
           <a:p>
-            <a:pPr lvl="0"/>
+            <a:pPr lvl="0" eaLnBrk="1" latinLnBrk="0" hangingPunct="1"/>
             <a:r>
-              <a:rPr lang="en-US" smtClean="0"/>
+              <a:rPr kumimoji="0" lang="en-US" smtClean="0"/>
               <a:t>Click to edit Master text styles</a:t>
             </a:r>
           </a:p>
@@ -23195,7 +23478,7 @@
           <a:p>
             <a:fld id="{A65AF353-4280-4F61-8B05-F6A9C58BF89C}" type="datetimeFigureOut">
               <a:rPr lang="en-US" smtClean="0"/>
-              <a:t>5/1/2018</a:t>
+              <a:t>5/3/2018</a:t>
             </a:fld>
             <a:endParaRPr lang="en-US"/>
           </a:p>
@@ -23255,7 +23538,7 @@
 <p:sldMaster xmlns:a="http://schemas.openxmlformats.org/drawingml/2006/main" xmlns:r="http://schemas.openxmlformats.org/officeDocument/2006/relationships" xmlns:p="http://schemas.openxmlformats.org/presentationml/2006/main">
   <p:cSld>
     <p:bg>
-      <p:bgRef idx="1002">
+      <p:bgRef idx="1001">
         <a:schemeClr val="bg1"/>
       </p:bgRef>
     </p:bg>
@@ -23275,7 +23558,625 @@
       </p:grpSpPr>
       <p:sp>
         <p:nvSpPr>
-          <p:cNvPr id="2" name="Title Placeholder 1"/>
+          <p:cNvPr id="28" name="Rectangle 27"/>
+          <p:cNvSpPr/>
+          <p:nvPr/>
+        </p:nvSpPr>
+        <p:spPr>
+          <a:xfrm>
+            <a:off x="1" y="275114"/>
+            <a:ext cx="9144000" cy="63305"/>
+          </a:xfrm>
+          <a:prstGeom prst="rect">
+            <a:avLst/>
+          </a:prstGeom>
+          <a:solidFill>
+            <a:schemeClr val="accent2">
+              <a:alpha val="50000"/>
+            </a:schemeClr>
+          </a:solidFill>
+          <a:ln w="50800" cap="rnd" cmpd="thickThin" algn="ctr">
+            <a:noFill/>
+            <a:prstDash val="solid"/>
+          </a:ln>
+          <a:effectLst/>
+        </p:spPr>
+        <p:style>
+          <a:lnRef idx="3">
+            <a:schemeClr val="lt1"/>
+          </a:lnRef>
+          <a:fillRef idx="1">
+            <a:schemeClr val="accent1"/>
+          </a:fillRef>
+          <a:effectRef idx="1">
+            <a:schemeClr val="accent1"/>
+          </a:effectRef>
+          <a:fontRef idx="minor">
+            <a:schemeClr val="lt1"/>
+          </a:fontRef>
+        </p:style>
+        <p:txBody>
+          <a:bodyPr anchor="ctr"/>
+          <a:lstStyle/>
+          <a:p>
+            <a:pPr algn="ctr" eaLnBrk="1" latinLnBrk="0" hangingPunct="1"/>
+            <a:endParaRPr kumimoji="0" lang="en-US"/>
+          </a:p>
+        </p:txBody>
+      </p:sp>
+      <p:sp>
+        <p:nvSpPr>
+          <p:cNvPr id="29" name="Rectangle 28"/>
+          <p:cNvSpPr/>
+          <p:nvPr/>
+        </p:nvSpPr>
+        <p:spPr>
+          <a:xfrm>
+            <a:off x="0" y="0"/>
+            <a:ext cx="9144000" cy="232997"/>
+          </a:xfrm>
+          <a:prstGeom prst="rect">
+            <a:avLst/>
+          </a:prstGeom>
+          <a:solidFill>
+            <a:schemeClr val="tx2">
+              <a:alpha val="100000"/>
+            </a:schemeClr>
+          </a:solidFill>
+          <a:ln w="50800" cap="rnd" cmpd="thickThin" algn="ctr">
+            <a:noFill/>
+            <a:prstDash val="solid"/>
+          </a:ln>
+          <a:effectLst/>
+        </p:spPr>
+        <p:style>
+          <a:lnRef idx="3">
+            <a:schemeClr val="lt1"/>
+          </a:lnRef>
+          <a:fillRef idx="1">
+            <a:schemeClr val="accent1"/>
+          </a:fillRef>
+          <a:effectRef idx="1">
+            <a:schemeClr val="accent1"/>
+          </a:effectRef>
+          <a:fontRef idx="minor">
+            <a:schemeClr val="lt1"/>
+          </a:fontRef>
+        </p:style>
+        <p:txBody>
+          <a:bodyPr anchor="ctr"/>
+          <a:lstStyle/>
+          <a:p>
+            <a:pPr algn="ctr" eaLnBrk="1" latinLnBrk="0" hangingPunct="1"/>
+            <a:endParaRPr kumimoji="0" lang="en-US"/>
+          </a:p>
+        </p:txBody>
+      </p:sp>
+      <p:sp>
+        <p:nvSpPr>
+          <p:cNvPr id="30" name="Rectangle 29"/>
+          <p:cNvSpPr/>
+          <p:nvPr/>
+        </p:nvSpPr>
+        <p:spPr>
+          <a:xfrm>
+            <a:off x="1" y="231207"/>
+            <a:ext cx="9144001" cy="68581"/>
+          </a:xfrm>
+          <a:prstGeom prst="rect">
+            <a:avLst/>
+          </a:prstGeom>
+          <a:solidFill>
+            <a:schemeClr val="accent2">
+              <a:alpha val="100000"/>
+            </a:schemeClr>
+          </a:solidFill>
+          <a:ln w="50800" cap="rnd" cmpd="thickThin" algn="ctr">
+            <a:noFill/>
+            <a:prstDash val="solid"/>
+          </a:ln>
+          <a:effectLst/>
+        </p:spPr>
+        <p:style>
+          <a:lnRef idx="3">
+            <a:schemeClr val="lt1"/>
+          </a:lnRef>
+          <a:fillRef idx="1">
+            <a:schemeClr val="accent1"/>
+          </a:fillRef>
+          <a:effectRef idx="1">
+            <a:schemeClr val="accent1"/>
+          </a:effectRef>
+          <a:fontRef idx="minor">
+            <a:schemeClr val="lt1"/>
+          </a:fontRef>
+        </p:style>
+        <p:txBody>
+          <a:bodyPr anchor="ctr"/>
+          <a:lstStyle/>
+          <a:p>
+            <a:pPr algn="ctr" eaLnBrk="1" latinLnBrk="0" hangingPunct="1"/>
+            <a:endParaRPr kumimoji="0" lang="en-US"/>
+          </a:p>
+        </p:txBody>
+      </p:sp>
+      <p:sp>
+        <p:nvSpPr>
+          <p:cNvPr id="31" name="Rectangle 30"/>
+          <p:cNvSpPr/>
+          <p:nvPr/>
+        </p:nvSpPr>
+        <p:spPr>
+          <a:xfrm flipV="1">
+            <a:off x="5410183" y="270185"/>
+            <a:ext cx="3733819" cy="68315"/>
+          </a:xfrm>
+          <a:prstGeom prst="rect">
+            <a:avLst/>
+          </a:prstGeom>
+          <a:solidFill>
+            <a:schemeClr val="accent2">
+              <a:alpha val="100000"/>
+            </a:schemeClr>
+          </a:solidFill>
+          <a:ln w="50800" cap="rnd" cmpd="thickThin" algn="ctr">
+            <a:noFill/>
+            <a:prstDash val="solid"/>
+          </a:ln>
+          <a:effectLst/>
+        </p:spPr>
+        <p:style>
+          <a:lnRef idx="3">
+            <a:schemeClr val="lt1"/>
+          </a:lnRef>
+          <a:fillRef idx="1">
+            <a:schemeClr val="accent1"/>
+          </a:fillRef>
+          <a:effectRef idx="1">
+            <a:schemeClr val="accent1"/>
+          </a:effectRef>
+          <a:fontRef idx="minor">
+            <a:schemeClr val="lt1"/>
+          </a:fontRef>
+        </p:style>
+        <p:txBody>
+          <a:bodyPr anchor="ctr"/>
+          <a:lstStyle/>
+          <a:p>
+            <a:pPr algn="ctr" eaLnBrk="1" latinLnBrk="0" hangingPunct="1"/>
+            <a:endParaRPr kumimoji="0" lang="en-US"/>
+          </a:p>
+        </p:txBody>
+      </p:sp>
+      <p:sp>
+        <p:nvSpPr>
+          <p:cNvPr id="32" name="Rectangle 31"/>
+          <p:cNvSpPr/>
+          <p:nvPr/>
+        </p:nvSpPr>
+        <p:spPr>
+          <a:xfrm flipV="1">
+            <a:off x="5410201" y="330085"/>
+            <a:ext cx="3733801" cy="135026"/>
+          </a:xfrm>
+          <a:prstGeom prst="rect">
+            <a:avLst/>
+          </a:prstGeom>
+          <a:solidFill>
+            <a:schemeClr val="accent2">
+              <a:alpha val="50000"/>
+            </a:schemeClr>
+          </a:solidFill>
+          <a:ln w="50800" cap="rnd" cmpd="thickThin" algn="ctr">
+            <a:noFill/>
+            <a:prstDash val="solid"/>
+          </a:ln>
+          <a:effectLst/>
+        </p:spPr>
+        <p:style>
+          <a:lnRef idx="3">
+            <a:schemeClr val="lt1"/>
+          </a:lnRef>
+          <a:fillRef idx="1">
+            <a:schemeClr val="accent1"/>
+          </a:fillRef>
+          <a:effectRef idx="1">
+            <a:schemeClr val="accent1"/>
+          </a:effectRef>
+          <a:fontRef idx="minor">
+            <a:schemeClr val="lt1"/>
+          </a:fontRef>
+        </p:style>
+        <p:txBody>
+          <a:bodyPr anchor="ctr"/>
+          <a:lstStyle/>
+          <a:p>
+            <a:pPr algn="ctr" eaLnBrk="1" latinLnBrk="0" hangingPunct="1"/>
+            <a:endParaRPr kumimoji="0" lang="en-US"/>
+          </a:p>
+        </p:txBody>
+      </p:sp>
+      <p:sp useBgFill="1">
+        <p:nvSpPr>
+          <p:cNvPr id="33" name="Rounded Rectangle 32"/>
+          <p:cNvSpPr/>
+          <p:nvPr/>
+        </p:nvSpPr>
+        <p:spPr bwMode="white">
+          <a:xfrm>
+            <a:off x="5407339" y="373128"/>
+            <a:ext cx="3063240" cy="20574"/>
+          </a:xfrm>
+          <a:prstGeom prst="roundRect">
+            <a:avLst>
+              <a:gd name="adj" fmla="val 16667"/>
+            </a:avLst>
+          </a:prstGeom>
+          <a:ln w="50800" cap="rnd" cmpd="thickThin" algn="ctr">
+            <a:noFill/>
+            <a:prstDash val="solid"/>
+          </a:ln>
+          <a:effectLst/>
+        </p:spPr>
+        <p:style>
+          <a:lnRef idx="3">
+            <a:schemeClr val="lt1"/>
+          </a:lnRef>
+          <a:fillRef idx="1">
+            <a:schemeClr val="accent1"/>
+          </a:fillRef>
+          <a:effectRef idx="1">
+            <a:schemeClr val="accent1"/>
+          </a:effectRef>
+          <a:fontRef idx="minor">
+            <a:schemeClr val="lt1"/>
+          </a:fontRef>
+        </p:style>
+        <p:txBody>
+          <a:bodyPr anchor="ctr"/>
+          <a:lstStyle/>
+          <a:p>
+            <a:pPr algn="ctr" eaLnBrk="1" latinLnBrk="0" hangingPunct="1"/>
+            <a:endParaRPr kumimoji="0" lang="en-US"/>
+          </a:p>
+        </p:txBody>
+      </p:sp>
+      <p:sp useBgFill="1">
+        <p:nvSpPr>
+          <p:cNvPr id="34" name="Rounded Rectangle 33"/>
+          <p:cNvSpPr/>
+          <p:nvPr/>
+        </p:nvSpPr>
+        <p:spPr bwMode="white">
+          <a:xfrm>
+            <a:off x="7373646" y="441707"/>
+            <a:ext cx="1600200" cy="27432"/>
+          </a:xfrm>
+          <a:prstGeom prst="roundRect">
+            <a:avLst>
+              <a:gd name="adj" fmla="val 16667"/>
+            </a:avLst>
+          </a:prstGeom>
+          <a:ln w="50800" cap="rnd" cmpd="thickThin" algn="ctr">
+            <a:noFill/>
+            <a:prstDash val="solid"/>
+          </a:ln>
+          <a:effectLst/>
+        </p:spPr>
+        <p:style>
+          <a:lnRef idx="3">
+            <a:schemeClr val="lt1"/>
+          </a:lnRef>
+          <a:fillRef idx="1">
+            <a:schemeClr val="accent1"/>
+          </a:fillRef>
+          <a:effectRef idx="1">
+            <a:schemeClr val="accent1"/>
+          </a:effectRef>
+          <a:fontRef idx="minor">
+            <a:schemeClr val="lt1"/>
+          </a:fontRef>
+        </p:style>
+        <p:txBody>
+          <a:bodyPr anchor="ctr"/>
+          <a:lstStyle/>
+          <a:p>
+            <a:pPr algn="ctr" eaLnBrk="1" latinLnBrk="0" hangingPunct="1"/>
+            <a:endParaRPr kumimoji="0" lang="en-US"/>
+          </a:p>
+        </p:txBody>
+      </p:sp>
+      <p:sp>
+        <p:nvSpPr>
+          <p:cNvPr id="35" name="Rectangle 34"/>
+          <p:cNvSpPr/>
+          <p:nvPr/>
+        </p:nvSpPr>
+        <p:spPr bwMode="invGray">
+          <a:xfrm>
+            <a:off x="9084966" y="-1501"/>
+            <a:ext cx="57626" cy="466344"/>
+          </a:xfrm>
+          <a:prstGeom prst="rect">
+            <a:avLst/>
+          </a:prstGeom>
+          <a:solidFill>
+            <a:srgbClr val="FFFFFF">
+              <a:alpha val="65098"/>
+            </a:srgbClr>
+          </a:solidFill>
+          <a:ln w="50800" cap="rnd" cmpd="thickThin" algn="ctr">
+            <a:noFill/>
+            <a:prstDash val="solid"/>
+          </a:ln>
+          <a:effectLst/>
+        </p:spPr>
+        <p:style>
+          <a:lnRef idx="3">
+            <a:schemeClr val="lt1"/>
+          </a:lnRef>
+          <a:fillRef idx="1">
+            <a:schemeClr val="accent1"/>
+          </a:fillRef>
+          <a:effectRef idx="1">
+            <a:schemeClr val="accent1"/>
+          </a:effectRef>
+          <a:fontRef idx="minor">
+            <a:schemeClr val="lt1"/>
+          </a:fontRef>
+        </p:style>
+        <p:txBody>
+          <a:bodyPr anchor="ctr"/>
+          <a:lstStyle/>
+          <a:p>
+            <a:pPr algn="ctr" eaLnBrk="1" latinLnBrk="0" hangingPunct="1"/>
+            <a:endParaRPr kumimoji="0" lang="en-US" dirty="0"/>
+          </a:p>
+        </p:txBody>
+      </p:sp>
+      <p:sp>
+        <p:nvSpPr>
+          <p:cNvPr id="36" name="Rectangle 35"/>
+          <p:cNvSpPr/>
+          <p:nvPr/>
+        </p:nvSpPr>
+        <p:spPr bwMode="invGray">
+          <a:xfrm>
+            <a:off x="9044481" y="-1501"/>
+            <a:ext cx="27432" cy="466344"/>
+          </a:xfrm>
+          <a:prstGeom prst="rect">
+            <a:avLst/>
+          </a:prstGeom>
+          <a:solidFill>
+            <a:srgbClr val="FFFFFF">
+              <a:alpha val="65098"/>
+            </a:srgbClr>
+          </a:solidFill>
+          <a:ln w="50800" cap="rnd" cmpd="thickThin" algn="ctr">
+            <a:noFill/>
+            <a:prstDash val="solid"/>
+          </a:ln>
+          <a:effectLst/>
+        </p:spPr>
+        <p:style>
+          <a:lnRef idx="3">
+            <a:schemeClr val="lt1"/>
+          </a:lnRef>
+          <a:fillRef idx="1">
+            <a:schemeClr val="accent1"/>
+          </a:fillRef>
+          <a:effectRef idx="1">
+            <a:schemeClr val="accent1"/>
+          </a:effectRef>
+          <a:fontRef idx="minor">
+            <a:schemeClr val="lt1"/>
+          </a:fontRef>
+        </p:style>
+        <p:txBody>
+          <a:bodyPr anchor="ctr"/>
+          <a:lstStyle/>
+          <a:p>
+            <a:pPr algn="ctr" eaLnBrk="1" latinLnBrk="0" hangingPunct="1"/>
+            <a:endParaRPr kumimoji="0" lang="en-US" dirty="0"/>
+          </a:p>
+        </p:txBody>
+      </p:sp>
+      <p:sp>
+        <p:nvSpPr>
+          <p:cNvPr id="37" name="Rectangle 36"/>
+          <p:cNvSpPr/>
+          <p:nvPr/>
+        </p:nvSpPr>
+        <p:spPr bwMode="invGray">
+          <a:xfrm>
+            <a:off x="9025428" y="-1501"/>
+            <a:ext cx="9144" cy="466344"/>
+          </a:xfrm>
+          <a:prstGeom prst="rect">
+            <a:avLst/>
+          </a:prstGeom>
+          <a:solidFill>
+            <a:srgbClr val="FFFFFF">
+              <a:alpha val="60000"/>
+            </a:srgbClr>
+          </a:solidFill>
+          <a:ln w="50800" cap="rnd" cmpd="thickThin" algn="ctr">
+            <a:noFill/>
+            <a:prstDash val="solid"/>
+          </a:ln>
+          <a:effectLst/>
+        </p:spPr>
+        <p:style>
+          <a:lnRef idx="3">
+            <a:schemeClr val="lt1"/>
+          </a:lnRef>
+          <a:fillRef idx="1">
+            <a:schemeClr val="accent1"/>
+          </a:fillRef>
+          <a:effectRef idx="1">
+            <a:schemeClr val="accent1"/>
+          </a:effectRef>
+          <a:fontRef idx="minor">
+            <a:schemeClr val="lt1"/>
+          </a:fontRef>
+        </p:style>
+        <p:txBody>
+          <a:bodyPr anchor="ctr"/>
+          <a:lstStyle/>
+          <a:p>
+            <a:pPr algn="ctr" eaLnBrk="1" latinLnBrk="0" hangingPunct="1"/>
+            <a:endParaRPr kumimoji="0" lang="en-US"/>
+          </a:p>
+        </p:txBody>
+      </p:sp>
+      <p:sp>
+        <p:nvSpPr>
+          <p:cNvPr id="38" name="Rectangle 37"/>
+          <p:cNvSpPr/>
+          <p:nvPr/>
+        </p:nvSpPr>
+        <p:spPr bwMode="invGray">
+          <a:xfrm>
+            <a:off x="8975423" y="-1501"/>
+            <a:ext cx="27432" cy="466344"/>
+          </a:xfrm>
+          <a:prstGeom prst="rect">
+            <a:avLst/>
+          </a:prstGeom>
+          <a:solidFill>
+            <a:srgbClr val="FFFFFF">
+              <a:alpha val="40000"/>
+            </a:srgbClr>
+          </a:solidFill>
+          <a:ln w="50800" cap="rnd" cmpd="thickThin" algn="ctr">
+            <a:noFill/>
+            <a:prstDash val="solid"/>
+          </a:ln>
+          <a:effectLst/>
+        </p:spPr>
+        <p:style>
+          <a:lnRef idx="3">
+            <a:schemeClr val="lt1"/>
+          </a:lnRef>
+          <a:fillRef idx="1">
+            <a:schemeClr val="accent1"/>
+          </a:fillRef>
+          <a:effectRef idx="1">
+            <a:schemeClr val="accent1"/>
+          </a:effectRef>
+          <a:fontRef idx="minor">
+            <a:schemeClr val="lt1"/>
+          </a:fontRef>
+        </p:style>
+        <p:txBody>
+          <a:bodyPr anchor="ctr"/>
+          <a:lstStyle/>
+          <a:p>
+            <a:pPr algn="ctr" eaLnBrk="1" latinLnBrk="0" hangingPunct="1"/>
+            <a:endParaRPr kumimoji="0" lang="en-US"/>
+          </a:p>
+        </p:txBody>
+      </p:sp>
+      <p:sp>
+        <p:nvSpPr>
+          <p:cNvPr id="39" name="Rectangle 38"/>
+          <p:cNvSpPr/>
+          <p:nvPr/>
+        </p:nvSpPr>
+        <p:spPr bwMode="invGray">
+          <a:xfrm>
+            <a:off x="8915677" y="285"/>
+            <a:ext cx="54864" cy="438912"/>
+          </a:xfrm>
+          <a:prstGeom prst="rect">
+            <a:avLst/>
+          </a:prstGeom>
+          <a:solidFill>
+            <a:srgbClr val="FFFFFF">
+              <a:alpha val="20000"/>
+            </a:srgbClr>
+          </a:solidFill>
+          <a:ln w="50800" cap="rnd" cmpd="thickThin" algn="ctr">
+            <a:noFill/>
+            <a:prstDash val="solid"/>
+          </a:ln>
+          <a:effectLst/>
+        </p:spPr>
+        <p:style>
+          <a:lnRef idx="3">
+            <a:schemeClr val="lt1"/>
+          </a:lnRef>
+          <a:fillRef idx="1">
+            <a:schemeClr val="accent1"/>
+          </a:fillRef>
+          <a:effectRef idx="1">
+            <a:schemeClr val="accent1"/>
+          </a:effectRef>
+          <a:fontRef idx="minor">
+            <a:schemeClr val="lt1"/>
+          </a:fontRef>
+        </p:style>
+        <p:txBody>
+          <a:bodyPr anchor="ctr"/>
+          <a:lstStyle/>
+          <a:p>
+            <a:pPr algn="ctr" eaLnBrk="1" latinLnBrk="0" hangingPunct="1"/>
+            <a:endParaRPr kumimoji="0" lang="en-US"/>
+          </a:p>
+        </p:txBody>
+      </p:sp>
+      <p:sp>
+        <p:nvSpPr>
+          <p:cNvPr id="40" name="Rectangle 39"/>
+          <p:cNvSpPr/>
+          <p:nvPr/>
+        </p:nvSpPr>
+        <p:spPr bwMode="invGray">
+          <a:xfrm>
+            <a:off x="8873475" y="285"/>
+            <a:ext cx="9144" cy="438912"/>
+          </a:xfrm>
+          <a:prstGeom prst="rect">
+            <a:avLst/>
+          </a:prstGeom>
+          <a:solidFill>
+            <a:srgbClr val="FFFFFF">
+              <a:alpha val="30196"/>
+            </a:srgbClr>
+          </a:solidFill>
+          <a:ln w="50800" cap="rnd" cmpd="thickThin" algn="ctr">
+            <a:noFill/>
+            <a:prstDash val="solid"/>
+          </a:ln>
+          <a:effectLst/>
+        </p:spPr>
+        <p:style>
+          <a:lnRef idx="3">
+            <a:schemeClr val="lt1"/>
+          </a:lnRef>
+          <a:fillRef idx="1">
+            <a:schemeClr val="accent1"/>
+          </a:fillRef>
+          <a:effectRef idx="1">
+            <a:schemeClr val="accent1"/>
+          </a:effectRef>
+          <a:fontRef idx="minor">
+            <a:schemeClr val="lt1"/>
+          </a:fontRef>
+        </p:style>
+        <p:txBody>
+          <a:bodyPr anchor="ctr"/>
+          <a:lstStyle/>
+          <a:p>
+            <a:pPr algn="ctr" eaLnBrk="1" latinLnBrk="0" hangingPunct="1"/>
+            <a:endParaRPr kumimoji="0" lang="en-US" dirty="0"/>
+          </a:p>
+        </p:txBody>
+      </p:sp>
+      <p:sp>
+        <p:nvSpPr>
+          <p:cNvPr id="22" name="Title Placeholder 21"/>
           <p:cNvSpPr>
             <a:spLocks noGrp="1"/>
           </p:cNvSpPr>
@@ -23285,30 +24186,30 @@
         </p:nvSpPr>
         <p:spPr>
           <a:xfrm>
-            <a:off x="457200" y="0"/>
-            <a:ext cx="8229600" cy="1600200"/>
+            <a:off x="457200" y="857250"/>
+            <a:ext cx="8229600" cy="800100"/>
           </a:xfrm>
           <a:prstGeom prst="rect">
             <a:avLst/>
           </a:prstGeom>
         </p:spPr>
         <p:txBody>
-          <a:bodyPr vert="horz" lIns="91440" tIns="45720" rIns="91440" bIns="45720" rtlCol="0" anchor="b">
-            <a:noAutofit/>
+          <a:bodyPr vert="horz" anchor="ctr">
+            <a:normAutofit/>
           </a:bodyPr>
           <a:lstStyle/>
           <a:p>
             <a:r>
-              <a:rPr lang="en-US" smtClean="0"/>
+              <a:rPr kumimoji="0" lang="en-US" smtClean="0"/>
               <a:t>Click to edit Master title style</a:t>
             </a:r>
-            <a:endParaRPr lang="en-US" dirty="0"/>
+            <a:endParaRPr kumimoji="0" lang="en-US"/>
           </a:p>
         </p:txBody>
       </p:sp>
       <p:sp>
         <p:nvSpPr>
-          <p:cNvPr id="3" name="Text Placeholder 2"/>
+          <p:cNvPr id="13" name="Text Placeholder 12"/>
           <p:cNvSpPr>
             <a:spLocks noGrp="1"/>
           </p:cNvSpPr>
@@ -23318,59 +24219,59 @@
         </p:nvSpPr>
         <p:spPr>
           <a:xfrm>
-            <a:off x="457200" y="1600200"/>
-            <a:ext cx="8229600" cy="4525963"/>
+            <a:off x="457200" y="1687068"/>
+            <a:ext cx="8229600" cy="3243834"/>
           </a:xfrm>
           <a:prstGeom prst="rect">
             <a:avLst/>
           </a:prstGeom>
         </p:spPr>
         <p:txBody>
-          <a:bodyPr vert="horz" lIns="91440" tIns="45720" rIns="91440" bIns="45720" rtlCol="0">
+          <a:bodyPr vert="horz">
             <a:normAutofit/>
           </a:bodyPr>
           <a:lstStyle/>
           <a:p>
-            <a:pPr lvl="0"/>
+            <a:pPr lvl="0" eaLnBrk="1" latinLnBrk="0" hangingPunct="1"/>
             <a:r>
-              <a:rPr lang="en-US" smtClean="0"/>
+              <a:rPr kumimoji="0" lang="en-US" smtClean="0"/>
               <a:t>Click to edit Master text styles</a:t>
             </a:r>
           </a:p>
           <a:p>
-            <a:pPr lvl="1"/>
+            <a:pPr lvl="1" eaLnBrk="1" latinLnBrk="0" hangingPunct="1"/>
             <a:r>
-              <a:rPr lang="en-US" smtClean="0"/>
+              <a:rPr kumimoji="0" lang="en-US" smtClean="0"/>
               <a:t>Second level</a:t>
             </a:r>
           </a:p>
           <a:p>
-            <a:pPr lvl="2"/>
+            <a:pPr lvl="2" eaLnBrk="1" latinLnBrk="0" hangingPunct="1"/>
             <a:r>
-              <a:rPr lang="en-US" smtClean="0"/>
+              <a:rPr kumimoji="0" lang="en-US" smtClean="0"/>
               <a:t>Third level</a:t>
             </a:r>
           </a:p>
           <a:p>
-            <a:pPr lvl="3"/>
+            <a:pPr lvl="3" eaLnBrk="1" latinLnBrk="0" hangingPunct="1"/>
             <a:r>
-              <a:rPr lang="en-US" smtClean="0"/>
+              <a:rPr kumimoji="0" lang="en-US" smtClean="0"/>
               <a:t>Fourth level</a:t>
             </a:r>
           </a:p>
           <a:p>
-            <a:pPr lvl="4"/>
+            <a:pPr lvl="4" eaLnBrk="1" latinLnBrk="0" hangingPunct="1"/>
             <a:r>
-              <a:rPr lang="en-US" smtClean="0"/>
+              <a:rPr kumimoji="0" lang="en-US" smtClean="0"/>
               <a:t>Fifth level</a:t>
             </a:r>
-            <a:endParaRPr lang="en-US" dirty="0" smtClean="0"/>
+            <a:endParaRPr kumimoji="0" lang="en-US"/>
           </a:p>
         </p:txBody>
       </p:sp>
       <p:sp>
         <p:nvSpPr>
-          <p:cNvPr id="4" name="Date Placeholder 3"/>
+          <p:cNvPr id="14" name="Date Placeholder 13"/>
           <p:cNvSpPr>
             <a:spLocks noGrp="1"/>
           </p:cNvSpPr>
@@ -23380,32 +24281,28 @@
         </p:nvSpPr>
         <p:spPr>
           <a:xfrm>
-            <a:off x="6363347" y="6356350"/>
-            <a:ext cx="2085975" cy="365125"/>
+            <a:off x="6586536" y="459486"/>
+            <a:ext cx="957264" cy="342900"/>
           </a:xfrm>
           <a:prstGeom prst="rect">
             <a:avLst/>
           </a:prstGeom>
         </p:spPr>
         <p:txBody>
-          <a:bodyPr vert="horz" lIns="91440" tIns="45720" rIns="45720" bIns="45720" rtlCol="0" anchor="ctr"/>
+          <a:bodyPr vert="horz"/>
           <a:lstStyle>
-            <a:lvl1pPr algn="r">
-              <a:defRPr sz="1200">
+            <a:lvl1pPr algn="l" eaLnBrk="1" latinLnBrk="0" hangingPunct="1">
+              <a:defRPr kumimoji="0" sz="800">
                 <a:solidFill>
-                  <a:schemeClr val="tx1">
-                    <a:lumMod val="65000"/>
-                    <a:lumOff val="35000"/>
-                  </a:schemeClr>
+                  <a:schemeClr val="accent2"/>
                 </a:solidFill>
-                <a:latin typeface="Century Gothic" pitchFamily="34" charset="0"/>
               </a:defRPr>
             </a:lvl1pPr>
           </a:lstStyle>
           <a:p>
             <a:fld id="{A65AF353-4280-4F61-8B05-F6A9C58BF89C}" type="datetimeFigureOut">
               <a:rPr lang="en-US" smtClean="0"/>
-              <a:t>5/1/2018</a:t>
+              <a:t>5/3/2018</a:t>
             </a:fld>
             <a:endParaRPr lang="en-US"/>
           </a:p>
@@ -23413,7 +24310,7 @@
       </p:sp>
       <p:sp>
         <p:nvSpPr>
-          <p:cNvPr id="5" name="Footer Placeholder 4"/>
+          <p:cNvPr id="3" name="Footer Placeholder 2"/>
           <p:cNvSpPr>
             <a:spLocks noGrp="1"/>
           </p:cNvSpPr>
@@ -23423,25 +24320,21 @@
         </p:nvSpPr>
         <p:spPr>
           <a:xfrm>
-            <a:off x="659165" y="6356350"/>
-            <a:ext cx="2847975" cy="365125"/>
+            <a:off x="5257800" y="459486"/>
+            <a:ext cx="1325880" cy="342900"/>
           </a:xfrm>
           <a:prstGeom prst="rect">
             <a:avLst/>
           </a:prstGeom>
         </p:spPr>
         <p:txBody>
-          <a:bodyPr vert="horz" lIns="45720" tIns="45720" rIns="91440" bIns="45720" rtlCol="0" anchor="ctr"/>
+          <a:bodyPr vert="horz"/>
           <a:lstStyle>
-            <a:lvl1pPr algn="l">
-              <a:defRPr sz="1200">
+            <a:lvl1pPr algn="r" eaLnBrk="1" latinLnBrk="0" hangingPunct="1">
+              <a:defRPr kumimoji="0" sz="800">
                 <a:solidFill>
-                  <a:schemeClr val="tx1">
-                    <a:lumMod val="65000"/>
-                    <a:lumOff val="35000"/>
-                  </a:schemeClr>
+                  <a:schemeClr val="accent2"/>
                 </a:solidFill>
-                <a:latin typeface="Century Gothic" pitchFamily="34" charset="0"/>
               </a:defRPr>
             </a:lvl1pPr>
           </a:lstStyle>
@@ -23452,7 +24345,7 @@
       </p:sp>
       <p:sp>
         <p:nvSpPr>
-          <p:cNvPr id="6" name="Slide Number Placeholder 5"/>
+          <p:cNvPr id="23" name="Slide Number Placeholder 22"/>
           <p:cNvSpPr>
             <a:spLocks noGrp="1"/>
           </p:cNvSpPr>
@@ -23462,25 +24355,21 @@
         </p:nvSpPr>
         <p:spPr>
           <a:xfrm>
-            <a:off x="8543278" y="6356350"/>
-            <a:ext cx="561975" cy="365125"/>
+            <a:off x="8174736" y="1704"/>
+            <a:ext cx="762000" cy="274320"/>
           </a:xfrm>
           <a:prstGeom prst="rect">
             <a:avLst/>
           </a:prstGeom>
         </p:spPr>
         <p:txBody>
-          <a:bodyPr vert="horz" lIns="27432" tIns="45720" rIns="45720" bIns="45720" rtlCol="0" anchor="ctr"/>
+          <a:bodyPr vert="horz" anchor="b"/>
           <a:lstStyle>
-            <a:lvl1pPr algn="l">
-              <a:defRPr sz="1200">
+            <a:lvl1pPr algn="r" eaLnBrk="1" latinLnBrk="0" hangingPunct="1">
+              <a:defRPr kumimoji="0" sz="1800">
                 <a:solidFill>
-                  <a:schemeClr val="tx1">
-                    <a:lumMod val="65000"/>
-                    <a:lumOff val="35000"/>
-                  </a:schemeClr>
+                  <a:srgbClr val="FFFFFF"/>
                 </a:solidFill>
-                <a:latin typeface="Century Gothic" pitchFamily="34" charset="0"/>
               </a:defRPr>
             </a:lvl1pPr>
           </a:lstStyle>
@@ -23493,326 +24382,50 @@
           </a:p>
         </p:txBody>
       </p:sp>
-      <p:sp>
-        <p:nvSpPr>
-          <p:cNvPr id="7" name="Oval 6"/>
-          <p:cNvSpPr/>
-          <p:nvPr/>
-        </p:nvSpPr>
-        <p:spPr>
-          <a:xfrm>
-            <a:off x="8457760" y="6499384"/>
-            <a:ext cx="84772" cy="84772"/>
-          </a:xfrm>
-          <a:prstGeom prst="ellipse">
-            <a:avLst/>
-          </a:prstGeom>
-          <a:solidFill>
-            <a:schemeClr val="tx1">
-              <a:lumMod val="50000"/>
-              <a:lumOff val="50000"/>
-            </a:schemeClr>
-          </a:solidFill>
-          <a:ln w="12700">
-            <a:noFill/>
-          </a:ln>
-          <a:effectLst/>
-        </p:spPr>
-        <p:style>
-          <a:lnRef idx="2">
-            <a:schemeClr val="accent1">
-              <a:shade val="50000"/>
-            </a:schemeClr>
-          </a:lnRef>
-          <a:fillRef idx="1">
-            <a:schemeClr val="accent1"/>
-          </a:fillRef>
-          <a:effectRef idx="0">
-            <a:schemeClr val="accent1"/>
-          </a:effectRef>
-          <a:fontRef idx="minor">
-            <a:schemeClr val="lt1"/>
-          </a:fontRef>
-        </p:style>
-        <p:txBody>
-          <a:bodyPr rtlCol="0" anchor="ctr"/>
-          <a:lstStyle/>
-          <a:p>
-            <a:pPr marL="0" algn="ctr" defTabSz="914400" rtl="0" eaLnBrk="1" latinLnBrk="0" hangingPunct="1"/>
-            <a:endParaRPr lang="en-US" sz="1800" kern="1200">
-              <a:solidFill>
-                <a:schemeClr val="lt1"/>
-              </a:solidFill>
-              <a:latin typeface="+mn-lt"/>
-              <a:ea typeface="+mn-ea"/>
-              <a:cs typeface="+mn-cs"/>
-            </a:endParaRPr>
-          </a:p>
-        </p:txBody>
-      </p:sp>
-      <p:sp>
-        <p:nvSpPr>
-          <p:cNvPr id="8" name="Oval 7"/>
-          <p:cNvSpPr/>
-          <p:nvPr/>
-        </p:nvSpPr>
-        <p:spPr>
-          <a:xfrm>
-            <a:off x="569119" y="6499384"/>
-            <a:ext cx="84772" cy="84772"/>
-          </a:xfrm>
-          <a:prstGeom prst="ellipse">
-            <a:avLst/>
-          </a:prstGeom>
-          <a:solidFill>
-            <a:schemeClr val="tx1">
-              <a:lumMod val="50000"/>
-              <a:lumOff val="50000"/>
-            </a:schemeClr>
-          </a:solidFill>
-          <a:ln w="12700">
-            <a:noFill/>
-          </a:ln>
-          <a:effectLst/>
-        </p:spPr>
-        <p:style>
-          <a:lnRef idx="2">
-            <a:schemeClr val="accent1">
-              <a:shade val="50000"/>
-            </a:schemeClr>
-          </a:lnRef>
-          <a:fillRef idx="1">
-            <a:schemeClr val="accent1"/>
-          </a:fillRef>
-          <a:effectRef idx="0">
-            <a:schemeClr val="accent1"/>
-          </a:effectRef>
-          <a:fontRef idx="minor">
-            <a:schemeClr val="lt1"/>
-          </a:fontRef>
-        </p:style>
-        <p:txBody>
-          <a:bodyPr rtlCol="0" anchor="ctr"/>
-          <a:lstStyle/>
-          <a:p>
-            <a:pPr algn="ctr"/>
-            <a:endParaRPr lang="en-US"/>
-          </a:p>
-        </p:txBody>
-      </p:sp>
     </p:spTree>
   </p:cSld>
   <p:clrMap bg1="lt1" tx1="dk1" bg2="lt2" tx2="dk2" accent1="accent1" accent2="accent2" accent3="accent3" accent4="accent4" accent5="accent5" accent6="accent6" hlink="hlink" folHlink="folHlink"/>
   <p:sldLayoutIdLst>
-    <p:sldLayoutId id="2147483733" r:id="rId1"/>
-    <p:sldLayoutId id="2147483734" r:id="rId2"/>
-    <p:sldLayoutId id="2147483735" r:id="rId3"/>
-    <p:sldLayoutId id="2147483736" r:id="rId4"/>
-    <p:sldLayoutId id="2147483737" r:id="rId5"/>
-    <p:sldLayoutId id="2147483738" r:id="rId6"/>
-    <p:sldLayoutId id="2147483739" r:id="rId7"/>
-    <p:sldLayoutId id="2147483740" r:id="rId8"/>
-    <p:sldLayoutId id="2147483741" r:id="rId9"/>
-    <p:sldLayoutId id="2147483742" r:id="rId10"/>
-    <p:sldLayoutId id="2147483743" r:id="rId11"/>
+    <p:sldLayoutId id="2147483829" r:id="rId1"/>
+    <p:sldLayoutId id="2147483830" r:id="rId2"/>
+    <p:sldLayoutId id="2147483831" r:id="rId3"/>
+    <p:sldLayoutId id="2147483832" r:id="rId4"/>
+    <p:sldLayoutId id="2147483833" r:id="rId5"/>
+    <p:sldLayoutId id="2147483834" r:id="rId6"/>
+    <p:sldLayoutId id="2147483835" r:id="rId7"/>
+    <p:sldLayoutId id="2147483836" r:id="rId8"/>
+    <p:sldLayoutId id="2147483837" r:id="rId9"/>
+    <p:sldLayoutId id="2147483838" r:id="rId10"/>
+    <p:sldLayoutId id="2147483839" r:id="rId11"/>
   </p:sldLayoutIdLst>
   <p:txStyles>
     <p:titleStyle>
-      <a:lvl1pPr algn="ctr" defTabSz="914400" rtl="0" eaLnBrk="1" latinLnBrk="0" hangingPunct="1">
-        <a:lnSpc>
-          <a:spcPts val="5800"/>
-        </a:lnSpc>
+      <a:lvl1pPr algn="l" rtl="0" eaLnBrk="1" latinLnBrk="0" hangingPunct="1">
         <a:spcBef>
           <a:spcPct val="0"/>
         </a:spcBef>
         <a:buNone/>
-        <a:defRPr sz="5400" kern="1200">
+        <a:defRPr kumimoji="0" sz="4000" kern="1200">
           <a:solidFill>
             <a:schemeClr val="tx2"/>
           </a:solidFill>
-          <a:effectLst>
-            <a:outerShdw blurRad="63500" dist="38100" dir="5400000" algn="t" rotWithShape="0">
-              <a:prstClr val="black">
-                <a:alpha val="25000"/>
-              </a:prstClr>
-            </a:outerShdw>
-          </a:effectLst>
-          <a:latin typeface="+mn-lt"/>
+          <a:latin typeface="+mj-lt"/>
           <a:ea typeface="+mj-ea"/>
           <a:cs typeface="+mj-cs"/>
         </a:defRPr>
       </a:lvl1pPr>
     </p:titleStyle>
     <p:bodyStyle>
-      <a:lvl1pPr marL="342900" indent="-342900" algn="l" defTabSz="914400" rtl="0" eaLnBrk="1" latinLnBrk="0" hangingPunct="1">
+      <a:lvl1pPr marL="365760" indent="-256032" algn="l" rtl="0" eaLnBrk="1" latinLnBrk="0" hangingPunct="1">
         <a:spcBef>
-          <a:spcPct val="20000"/>
+          <a:spcPts val="300"/>
         </a:spcBef>
-        <a:buFont typeface="Arial" pitchFamily="34" charset="0"/>
+        <a:buClr>
+          <a:schemeClr val="accent3"/>
+        </a:buClr>
+        <a:buFont typeface="Georgia"/>
         <a:buChar char="•"/>
-        <a:defRPr sz="2400" kern="1200">
-          <a:solidFill>
-            <a:schemeClr val="tx1">
-              <a:lumMod val="50000"/>
-              <a:lumOff val="50000"/>
-            </a:schemeClr>
-          </a:solidFill>
-          <a:latin typeface="+mj-lt"/>
-          <a:ea typeface="+mn-ea"/>
-          <a:cs typeface="+mn-cs"/>
-        </a:defRPr>
-      </a:lvl1pPr>
-      <a:lvl2pPr marL="742950" indent="-285750" algn="l" defTabSz="914400" rtl="0" eaLnBrk="1" latinLnBrk="0" hangingPunct="1">
-        <a:spcBef>
-          <a:spcPct val="20000"/>
-        </a:spcBef>
-        <a:buFont typeface="Courier New" pitchFamily="49" charset="0"/>
-        <a:buChar char="o"/>
-        <a:defRPr sz="1600" kern="1200">
-          <a:solidFill>
-            <a:schemeClr val="tx1">
-              <a:lumMod val="50000"/>
-              <a:lumOff val="50000"/>
-            </a:schemeClr>
-          </a:solidFill>
-          <a:latin typeface="+mj-lt"/>
-          <a:ea typeface="+mn-ea"/>
-          <a:cs typeface="+mn-cs"/>
-        </a:defRPr>
-      </a:lvl2pPr>
-      <a:lvl3pPr marL="1143000" indent="-228600" algn="l" defTabSz="914400" rtl="0" eaLnBrk="1" latinLnBrk="0" hangingPunct="1">
-        <a:spcBef>
-          <a:spcPct val="20000"/>
-        </a:spcBef>
-        <a:buFont typeface="Arial" pitchFamily="34" charset="0"/>
-        <a:buChar char="•"/>
-        <a:defRPr sz="1600" kern="1200">
-          <a:solidFill>
-            <a:schemeClr val="tx1">
-              <a:lumMod val="50000"/>
-              <a:lumOff val="50000"/>
-            </a:schemeClr>
-          </a:solidFill>
-          <a:latin typeface="+mj-lt"/>
-          <a:ea typeface="+mn-ea"/>
-          <a:cs typeface="+mn-cs"/>
-        </a:defRPr>
-      </a:lvl3pPr>
-      <a:lvl4pPr marL="1600200" indent="-228600" algn="l" defTabSz="914400" rtl="0" eaLnBrk="1" latinLnBrk="0" hangingPunct="1">
-        <a:spcBef>
-          <a:spcPct val="20000"/>
-        </a:spcBef>
-        <a:buFont typeface="Courier New" pitchFamily="49" charset="0"/>
-        <a:buChar char="o"/>
-        <a:defRPr sz="1600" kern="1200">
-          <a:solidFill>
-            <a:schemeClr val="tx1">
-              <a:lumMod val="50000"/>
-              <a:lumOff val="50000"/>
-            </a:schemeClr>
-          </a:solidFill>
-          <a:latin typeface="+mj-lt"/>
-          <a:ea typeface="+mn-ea"/>
-          <a:cs typeface="+mn-cs"/>
-        </a:defRPr>
-      </a:lvl4pPr>
-      <a:lvl5pPr marL="2057400" indent="-228600" algn="l" defTabSz="914400" rtl="0" eaLnBrk="1" latinLnBrk="0" hangingPunct="1">
-        <a:spcBef>
-          <a:spcPct val="20000"/>
-        </a:spcBef>
-        <a:buFont typeface="Arial" pitchFamily="34" charset="0"/>
-        <a:buChar char="•"/>
-        <a:defRPr sz="1600" kern="1200">
-          <a:solidFill>
-            <a:schemeClr val="tx1">
-              <a:lumMod val="50000"/>
-              <a:lumOff val="50000"/>
-            </a:schemeClr>
-          </a:solidFill>
-          <a:latin typeface="+mj-lt"/>
-          <a:ea typeface="+mn-ea"/>
-          <a:cs typeface="+mn-cs"/>
-        </a:defRPr>
-      </a:lvl5pPr>
-      <a:lvl6pPr marL="2514600" indent="-228600" algn="l" defTabSz="914400" rtl="0" eaLnBrk="1" latinLnBrk="0" hangingPunct="1">
-        <a:spcBef>
-          <a:spcPct val="20000"/>
-        </a:spcBef>
-        <a:buFont typeface="Courier New" pitchFamily="49" charset="0"/>
-        <a:buChar char="o"/>
-        <a:defRPr sz="1600" kern="1200">
-          <a:solidFill>
-            <a:schemeClr val="tx1">
-              <a:lumMod val="50000"/>
-              <a:lumOff val="50000"/>
-            </a:schemeClr>
-          </a:solidFill>
-          <a:latin typeface="+mj-lt"/>
-          <a:ea typeface="+mn-ea"/>
-          <a:cs typeface="+mn-cs"/>
-        </a:defRPr>
-      </a:lvl6pPr>
-      <a:lvl7pPr marL="2971800" indent="-228600" algn="l" defTabSz="914400" rtl="0" eaLnBrk="1" latinLnBrk="0" hangingPunct="1">
-        <a:spcBef>
-          <a:spcPct val="20000"/>
-        </a:spcBef>
-        <a:buFont typeface="Arial" pitchFamily="34" charset="0"/>
-        <a:buChar char="•"/>
-        <a:defRPr sz="1600" kern="1200">
-          <a:solidFill>
-            <a:schemeClr val="tx1">
-              <a:lumMod val="50000"/>
-              <a:lumOff val="50000"/>
-            </a:schemeClr>
-          </a:solidFill>
-          <a:latin typeface="+mj-lt"/>
-          <a:ea typeface="+mn-ea"/>
-          <a:cs typeface="+mn-cs"/>
-        </a:defRPr>
-      </a:lvl7pPr>
-      <a:lvl8pPr marL="3429000" indent="-228600" algn="l" defTabSz="914400" rtl="0" eaLnBrk="1" latinLnBrk="0" hangingPunct="1">
-        <a:spcBef>
-          <a:spcPct val="20000"/>
-        </a:spcBef>
-        <a:buFont typeface="Courier New" pitchFamily="49" charset="0"/>
-        <a:buChar char="o"/>
-        <a:defRPr sz="1600" kern="1200">
-          <a:solidFill>
-            <a:schemeClr val="tx1">
-              <a:lumMod val="50000"/>
-              <a:lumOff val="50000"/>
-            </a:schemeClr>
-          </a:solidFill>
-          <a:latin typeface="+mj-lt"/>
-          <a:ea typeface="+mn-ea"/>
-          <a:cs typeface="+mn-cs"/>
-        </a:defRPr>
-      </a:lvl8pPr>
-      <a:lvl9pPr marL="3886200" indent="-228600" algn="l" defTabSz="914400" rtl="0" eaLnBrk="1" latinLnBrk="0" hangingPunct="1">
-        <a:spcBef>
-          <a:spcPct val="20000"/>
-        </a:spcBef>
-        <a:buFont typeface="Arial" pitchFamily="34" charset="0"/>
-        <a:buChar char="•"/>
-        <a:defRPr sz="1600" kern="1200">
-          <a:solidFill>
-            <a:schemeClr val="tx1">
-              <a:lumMod val="50000"/>
-              <a:lumOff val="50000"/>
-            </a:schemeClr>
-          </a:solidFill>
-          <a:latin typeface="+mj-lt"/>
-          <a:ea typeface="+mn-ea"/>
-          <a:cs typeface="+mn-cs"/>
-        </a:defRPr>
-      </a:lvl9pPr>
-    </p:bodyStyle>
-    <p:otherStyle>
-      <a:defPPr>
-        <a:defRPr lang="en-US"/>
-      </a:defPPr>
-      <a:lvl1pPr marL="0" algn="l" defTabSz="914400" rtl="0" eaLnBrk="1" latinLnBrk="0" hangingPunct="1">
-        <a:defRPr sz="1800" kern="1200">
+        <a:defRPr kumimoji="0" sz="2800" kern="1200">
           <a:solidFill>
             <a:schemeClr val="tx1"/>
           </a:solidFill>
@@ -23821,8 +24434,164 @@
           <a:cs typeface="+mn-cs"/>
         </a:defRPr>
       </a:lvl1pPr>
-      <a:lvl2pPr marL="457200" algn="l" defTabSz="914400" rtl="0" eaLnBrk="1" latinLnBrk="0" hangingPunct="1">
-        <a:defRPr sz="1800" kern="1200">
+      <a:lvl2pPr marL="658368" indent="-246888" algn="l" rtl="0" eaLnBrk="1" latinLnBrk="0" hangingPunct="1">
+        <a:spcBef>
+          <a:spcPts val="300"/>
+        </a:spcBef>
+        <a:buClr>
+          <a:schemeClr val="accent2"/>
+        </a:buClr>
+        <a:buFont typeface="Georgia"/>
+        <a:buChar char="▫"/>
+        <a:defRPr kumimoji="0" sz="2600" kern="1200">
+          <a:solidFill>
+            <a:schemeClr val="accent2"/>
+          </a:solidFill>
+          <a:latin typeface="+mn-lt"/>
+          <a:ea typeface="+mn-ea"/>
+          <a:cs typeface="+mn-cs"/>
+        </a:defRPr>
+      </a:lvl2pPr>
+      <a:lvl3pPr marL="923544" indent="-219456" algn="l" rtl="0" eaLnBrk="1" latinLnBrk="0" hangingPunct="1">
+        <a:spcBef>
+          <a:spcPts val="300"/>
+        </a:spcBef>
+        <a:buClr>
+          <a:schemeClr val="accent1"/>
+        </a:buClr>
+        <a:buFont typeface="Wingdings 2"/>
+        <a:buChar char=""/>
+        <a:defRPr kumimoji="0" sz="2400" kern="1200">
+          <a:solidFill>
+            <a:schemeClr val="accent1"/>
+          </a:solidFill>
+          <a:latin typeface="+mn-lt"/>
+          <a:ea typeface="+mn-ea"/>
+          <a:cs typeface="+mn-cs"/>
+        </a:defRPr>
+      </a:lvl3pPr>
+      <a:lvl4pPr marL="1179576" indent="-201168" algn="l" rtl="0" eaLnBrk="1" latinLnBrk="0" hangingPunct="1">
+        <a:spcBef>
+          <a:spcPts val="300"/>
+        </a:spcBef>
+        <a:buClr>
+          <a:schemeClr val="accent1"/>
+        </a:buClr>
+        <a:buFont typeface="Wingdings 2"/>
+        <a:buChar char=""/>
+        <a:defRPr kumimoji="0" sz="2200" kern="1200">
+          <a:solidFill>
+            <a:schemeClr val="accent1"/>
+          </a:solidFill>
+          <a:latin typeface="+mn-lt"/>
+          <a:ea typeface="+mn-ea"/>
+          <a:cs typeface="+mn-cs"/>
+        </a:defRPr>
+      </a:lvl4pPr>
+      <a:lvl5pPr marL="1389888" indent="-182880" algn="l" rtl="0" eaLnBrk="1" latinLnBrk="0" hangingPunct="1">
+        <a:spcBef>
+          <a:spcPts val="300"/>
+        </a:spcBef>
+        <a:buClr>
+          <a:schemeClr val="accent3"/>
+        </a:buClr>
+        <a:buFont typeface="Georgia"/>
+        <a:buChar char="▫"/>
+        <a:defRPr kumimoji="0" sz="2000" kern="1200">
+          <a:solidFill>
+            <a:schemeClr val="accent3"/>
+          </a:solidFill>
+          <a:latin typeface="+mn-lt"/>
+          <a:ea typeface="+mn-ea"/>
+          <a:cs typeface="+mn-cs"/>
+        </a:defRPr>
+      </a:lvl5pPr>
+      <a:lvl6pPr marL="1609344" indent="-182880" algn="l" rtl="0" eaLnBrk="1" latinLnBrk="0" hangingPunct="1">
+        <a:spcBef>
+          <a:spcPts val="300"/>
+        </a:spcBef>
+        <a:buClr>
+          <a:schemeClr val="accent3"/>
+        </a:buClr>
+        <a:buFont typeface="Georgia"/>
+        <a:buChar char="▫"/>
+        <a:defRPr kumimoji="0" sz="1800" kern="1200">
+          <a:solidFill>
+            <a:schemeClr val="accent3"/>
+          </a:solidFill>
+          <a:latin typeface="+mn-lt"/>
+          <a:ea typeface="+mn-ea"/>
+          <a:cs typeface="+mn-cs"/>
+        </a:defRPr>
+      </a:lvl6pPr>
+      <a:lvl7pPr marL="1828800" indent="-182880" algn="l" rtl="0" eaLnBrk="1" latinLnBrk="0" hangingPunct="1">
+        <a:spcBef>
+          <a:spcPts val="300"/>
+        </a:spcBef>
+        <a:buClr>
+          <a:schemeClr val="accent3"/>
+        </a:buClr>
+        <a:buFont typeface="Georgia"/>
+        <a:buChar char="▫"/>
+        <a:defRPr kumimoji="0" sz="1600" kern="1200">
+          <a:solidFill>
+            <a:schemeClr val="accent3"/>
+          </a:solidFill>
+          <a:latin typeface="+mn-lt"/>
+          <a:ea typeface="+mn-ea"/>
+          <a:cs typeface="+mn-cs"/>
+        </a:defRPr>
+      </a:lvl7pPr>
+      <a:lvl8pPr marL="2029968" indent="-182880" algn="l" rtl="0" eaLnBrk="1" latinLnBrk="0" hangingPunct="1">
+        <a:spcBef>
+          <a:spcPts val="300"/>
+        </a:spcBef>
+        <a:buClr>
+          <a:schemeClr val="accent3"/>
+        </a:buClr>
+        <a:buFont typeface="Georgia"/>
+        <a:buChar char="◦"/>
+        <a:defRPr kumimoji="0" sz="1500" kern="1200">
+          <a:solidFill>
+            <a:schemeClr val="accent3"/>
+          </a:solidFill>
+          <a:latin typeface="+mn-lt"/>
+          <a:ea typeface="+mn-ea"/>
+          <a:cs typeface="+mn-cs"/>
+        </a:defRPr>
+      </a:lvl8pPr>
+      <a:lvl9pPr marL="2240280" indent="-182880" algn="l" rtl="0" eaLnBrk="1" latinLnBrk="0" hangingPunct="1">
+        <a:spcBef>
+          <a:spcPts val="300"/>
+        </a:spcBef>
+        <a:buClr>
+          <a:schemeClr val="accent3"/>
+        </a:buClr>
+        <a:buFont typeface="Georgia"/>
+        <a:buChar char="◦"/>
+        <a:defRPr kumimoji="0" sz="1400" kern="1200" baseline="0">
+          <a:solidFill>
+            <a:schemeClr val="accent3"/>
+          </a:solidFill>
+          <a:latin typeface="+mn-lt"/>
+          <a:ea typeface="+mn-ea"/>
+          <a:cs typeface="+mn-cs"/>
+        </a:defRPr>
+      </a:lvl9pPr>
+    </p:bodyStyle>
+    <p:otherStyle>
+      <a:lvl1pPr marL="0" algn="l" rtl="0" eaLnBrk="1" latinLnBrk="0" hangingPunct="1">
+        <a:defRPr kumimoji="0" kern="1200">
+          <a:solidFill>
+            <a:schemeClr val="tx1"/>
+          </a:solidFill>
+          <a:latin typeface="+mn-lt"/>
+          <a:ea typeface="+mn-ea"/>
+          <a:cs typeface="+mn-cs"/>
+        </a:defRPr>
+      </a:lvl1pPr>
+      <a:lvl2pPr marL="457200" algn="l" rtl="0" eaLnBrk="1" latinLnBrk="0" hangingPunct="1">
+        <a:defRPr kumimoji="0" kern="1200">
           <a:solidFill>
             <a:schemeClr val="tx1"/>
           </a:solidFill>
@@ -23831,8 +24600,8 @@
           <a:cs typeface="+mn-cs"/>
         </a:defRPr>
       </a:lvl2pPr>
-      <a:lvl3pPr marL="914400" algn="l" defTabSz="914400" rtl="0" eaLnBrk="1" latinLnBrk="0" hangingPunct="1">
-        <a:defRPr sz="1800" kern="1200">
+      <a:lvl3pPr marL="914400" algn="l" rtl="0" eaLnBrk="1" latinLnBrk="0" hangingPunct="1">
+        <a:defRPr kumimoji="0" kern="1200">
           <a:solidFill>
             <a:schemeClr val="tx1"/>
           </a:solidFill>
@@ -23841,8 +24610,8 @@
           <a:cs typeface="+mn-cs"/>
         </a:defRPr>
       </a:lvl3pPr>
-      <a:lvl4pPr marL="1371600" algn="l" defTabSz="914400" rtl="0" eaLnBrk="1" latinLnBrk="0" hangingPunct="1">
-        <a:defRPr sz="1800" kern="1200">
+      <a:lvl4pPr marL="1371600" algn="l" rtl="0" eaLnBrk="1" latinLnBrk="0" hangingPunct="1">
+        <a:defRPr kumimoji="0" kern="1200">
           <a:solidFill>
             <a:schemeClr val="tx1"/>
           </a:solidFill>
@@ -23851,8 +24620,8 @@
           <a:cs typeface="+mn-cs"/>
         </a:defRPr>
       </a:lvl4pPr>
-      <a:lvl5pPr marL="1828800" algn="l" defTabSz="914400" rtl="0" eaLnBrk="1" latinLnBrk="0" hangingPunct="1">
-        <a:defRPr sz="1800" kern="1200">
+      <a:lvl5pPr marL="1828800" algn="l" rtl="0" eaLnBrk="1" latinLnBrk="0" hangingPunct="1">
+        <a:defRPr kumimoji="0" kern="1200">
           <a:solidFill>
             <a:schemeClr val="tx1"/>
           </a:solidFill>
@@ -23861,8 +24630,8 @@
           <a:cs typeface="+mn-cs"/>
         </a:defRPr>
       </a:lvl5pPr>
-      <a:lvl6pPr marL="2286000" algn="l" defTabSz="914400" rtl="0" eaLnBrk="1" latinLnBrk="0" hangingPunct="1">
-        <a:defRPr sz="1800" kern="1200">
+      <a:lvl6pPr marL="2286000" algn="l" rtl="0" eaLnBrk="1" latinLnBrk="0" hangingPunct="1">
+        <a:defRPr kumimoji="0" kern="1200">
           <a:solidFill>
             <a:schemeClr val="tx1"/>
           </a:solidFill>
@@ -23871,8 +24640,8 @@
           <a:cs typeface="+mn-cs"/>
         </a:defRPr>
       </a:lvl6pPr>
-      <a:lvl7pPr marL="2743200" algn="l" defTabSz="914400" rtl="0" eaLnBrk="1" latinLnBrk="0" hangingPunct="1">
-        <a:defRPr sz="1800" kern="1200">
+      <a:lvl7pPr marL="2743200" algn="l" rtl="0" eaLnBrk="1" latinLnBrk="0" hangingPunct="1">
+        <a:defRPr kumimoji="0" kern="1200">
           <a:solidFill>
             <a:schemeClr val="tx1"/>
           </a:solidFill>
@@ -23881,8 +24650,8 @@
           <a:cs typeface="+mn-cs"/>
         </a:defRPr>
       </a:lvl7pPr>
-      <a:lvl8pPr marL="3200400" algn="l" defTabSz="914400" rtl="0" eaLnBrk="1" latinLnBrk="0" hangingPunct="1">
-        <a:defRPr sz="1800" kern="1200">
+      <a:lvl8pPr marL="3200400" algn="l" rtl="0" eaLnBrk="1" latinLnBrk="0" hangingPunct="1">
+        <a:defRPr kumimoji="0" kern="1200">
           <a:solidFill>
             <a:schemeClr val="tx1"/>
           </a:solidFill>
@@ -23891,8 +24660,8 @@
           <a:cs typeface="+mn-cs"/>
         </a:defRPr>
       </a:lvl8pPr>
-      <a:lvl9pPr marL="3657600" algn="l" defTabSz="914400" rtl="0" eaLnBrk="1" latinLnBrk="0" hangingPunct="1">
-        <a:defRPr sz="1800" kern="1200">
+      <a:lvl9pPr marL="3657600" algn="l" rtl="0" eaLnBrk="1" latinLnBrk="0" hangingPunct="1">
+        <a:defRPr kumimoji="0" kern="1200">
           <a:solidFill>
             <a:schemeClr val="tx1"/>
           </a:solidFill>
@@ -23959,7 +24728,7 @@
         <p:spPr/>
         <p:txBody>
           <a:bodyPr>
-            <a:normAutofit fontScale="92500" lnSpcReduction="10000"/>
+            <a:normAutofit fontScale="92500"/>
           </a:bodyPr>
           <a:lstStyle/>
           <a:p>
@@ -24006,8 +24775,8 @@
         </p:blipFill>
         <p:spPr bwMode="auto">
           <a:xfrm>
-            <a:off x="1303510" y="1683351"/>
-            <a:ext cx="6524625" cy="1762125"/>
+            <a:off x="1447801" y="457200"/>
+            <a:ext cx="6524625" cy="1321594"/>
           </a:xfrm>
           <a:prstGeom prst="rect">
             <a:avLst/>
@@ -24110,7 +24879,7 @@
         <p:spPr/>
         <p:txBody>
           <a:bodyPr>
-            <a:normAutofit fontScale="92500"/>
+            <a:normAutofit fontScale="77500" lnSpcReduction="20000"/>
           </a:bodyPr>
           <a:lstStyle/>
           <a:p>
@@ -24301,7 +25070,9 @@
         </p:nvSpPr>
         <p:spPr/>
         <p:txBody>
-          <a:bodyPr/>
+          <a:bodyPr>
+            <a:normAutofit/>
+          </a:bodyPr>
           <a:lstStyle/>
           <a:p>
             <a:r>
@@ -24328,8 +25099,8 @@
           </p:nvPr>
         </p:nvGraphicFramePr>
         <p:xfrm>
-          <a:off x="457200" y="1600200"/>
-          <a:ext cx="8229600" cy="4525963"/>
+          <a:off x="457200" y="1687116"/>
+          <a:ext cx="8229600" cy="3243263"/>
         </p:xfrm>
         <a:graphic>
           <a:graphicData uri="http://schemas.openxmlformats.org/drawingml/2006/diagram">
@@ -24492,8 +25263,8 @@
           </p:nvPr>
         </p:nvGraphicFramePr>
         <p:xfrm>
-          <a:off x="457200" y="1600200"/>
-          <a:ext cx="8229600" cy="4525963"/>
+          <a:off x="457200" y="1687116"/>
+          <a:ext cx="8229600" cy="3243263"/>
         </p:xfrm>
         <a:graphic>
           <a:graphicData uri="http://schemas.openxmlformats.org/drawingml/2006/diagram">
@@ -24577,8 +25348,8 @@
           </p:nvPr>
         </p:nvGraphicFramePr>
         <p:xfrm>
-          <a:off x="457200" y="1600200"/>
-          <a:ext cx="8229600" cy="4525963"/>
+          <a:off x="457200" y="1687116"/>
+          <a:ext cx="8229600" cy="3243263"/>
         </p:xfrm>
         <a:graphic>
           <a:graphicData uri="http://schemas.openxmlformats.org/drawingml/2006/diagram">
@@ -24662,8 +25433,8 @@
           </p:nvPr>
         </p:nvGraphicFramePr>
         <p:xfrm>
-          <a:off x="228600" y="1676400"/>
-          <a:ext cx="8763000" cy="4572000"/>
+          <a:off x="228600" y="1257300"/>
+          <a:ext cx="8763000" cy="3429000"/>
         </p:xfrm>
         <a:graphic>
           <a:graphicData uri="http://schemas.openxmlformats.org/drawingml/2006/diagram">
@@ -24744,7 +25515,7 @@
         <p:spPr/>
         <p:txBody>
           <a:bodyPr>
-            <a:normAutofit fontScale="77500" lnSpcReduction="20000"/>
+            <a:normAutofit fontScale="62500" lnSpcReduction="20000"/>
           </a:bodyPr>
           <a:lstStyle/>
           <a:p>
@@ -24894,7 +25665,7 @@
         <p:spPr>
           <a:xfrm>
             <a:off x="457200" y="0"/>
-            <a:ext cx="8229600" cy="1219200"/>
+            <a:ext cx="8229600" cy="914400"/>
           </a:xfrm>
         </p:spPr>
         <p:txBody>
@@ -24921,13 +25692,13 @@
         </p:nvSpPr>
         <p:spPr>
           <a:xfrm>
-            <a:off x="457200" y="1219200"/>
-            <a:ext cx="8229600" cy="4906963"/>
+            <a:off x="457200" y="914401"/>
+            <a:ext cx="8229600" cy="3680222"/>
           </a:xfrm>
         </p:spPr>
         <p:txBody>
           <a:bodyPr>
-            <a:normAutofit fontScale="92500" lnSpcReduction="20000"/>
+            <a:normAutofit fontScale="47500" lnSpcReduction="20000"/>
           </a:bodyPr>
           <a:lstStyle/>
           <a:p>
@@ -25304,7 +26075,7 @@
         <p:spPr>
           <a:xfrm>
             <a:off x="457200" y="0"/>
-            <a:ext cx="8229600" cy="1219200"/>
+            <a:ext cx="8229600" cy="914400"/>
           </a:xfrm>
         </p:spPr>
         <p:txBody>
@@ -25335,8 +26106,8 @@
           </p:nvPr>
         </p:nvGraphicFramePr>
         <p:xfrm>
-          <a:off x="152400" y="1219200"/>
-          <a:ext cx="8534400" cy="4906963"/>
+          <a:off x="152400" y="914401"/>
+          <a:ext cx="8534400" cy="3680222"/>
         </p:xfrm>
         <a:graphic>
           <a:graphicData uri="http://schemas.openxmlformats.org/drawingml/2006/diagram">
@@ -25357,8 +26128,8 @@
           </p:nvPr>
         </p:nvGraphicFramePr>
         <p:xfrm>
-          <a:off x="6934200" y="1676400"/>
-          <a:ext cx="1600200" cy="914400"/>
+          <a:off x="6934200" y="1257300"/>
+          <a:ext cx="1600200" cy="685800"/>
         </p:xfrm>
         <a:graphic>
           <a:graphicData uri="http://schemas.openxmlformats.org/drawingml/2006/diagram">
@@ -25374,8 +26145,8 @@
         </p:nvSpPr>
         <p:spPr>
           <a:xfrm>
-            <a:off x="7543800" y="2805448"/>
-            <a:ext cx="457200" cy="304800"/>
+            <a:off x="7543800" y="2104086"/>
+            <a:ext cx="457200" cy="228600"/>
           </a:xfrm>
           <a:prstGeom prst="downArrow">
             <a:avLst/>
@@ -25417,8 +26188,8 @@
         </p:nvSpPr>
         <p:spPr>
           <a:xfrm>
-            <a:off x="7586730" y="4383110"/>
-            <a:ext cx="457200" cy="304800"/>
+            <a:off x="7586730" y="3287333"/>
+            <a:ext cx="457200" cy="228600"/>
           </a:xfrm>
           <a:prstGeom prst="downArrow">
             <a:avLst/>
@@ -25465,8 +26236,8 @@
           </p:nvPr>
         </p:nvGraphicFramePr>
         <p:xfrm>
-          <a:off x="7162800" y="4876800"/>
-          <a:ext cx="1600200" cy="914400"/>
+          <a:off x="7162800" y="3657600"/>
+          <a:ext cx="1600200" cy="685800"/>
         </p:xfrm>
         <a:graphic>
           <a:graphicData uri="http://schemas.openxmlformats.org/drawingml/2006/diagram">
@@ -25523,8 +26294,8 @@
         </p:nvSpPr>
         <p:spPr>
           <a:xfrm>
-            <a:off x="457200" y="274638"/>
-            <a:ext cx="8229600" cy="639762"/>
+            <a:off x="457200" y="205978"/>
+            <a:ext cx="8229600" cy="479822"/>
           </a:xfrm>
         </p:spPr>
         <p:txBody>
@@ -25552,22 +26323,21 @@
           </p:nvPr>
         </p:nvPicPr>
         <p:blipFill>
-          <a:blip r:embed="rId2">
+          <a:blip r:embed="rId2" cstate="print">
             <a:extLst>
               <a:ext uri="{28A0092B-C50C-407E-A947-70E740481C1C}">
                 <a14:useLocalDpi xmlns:a14="http://schemas.microsoft.com/office/drawing/2010/main" val="0"/>
               </a:ext>
             </a:extLst>
           </a:blip>
-          <a:srcRect/>
           <a:stretch>
             <a:fillRect/>
           </a:stretch>
         </p:blipFill>
         <p:spPr bwMode="auto">
           <a:xfrm>
-            <a:off x="7055" y="838200"/>
-            <a:ext cx="9136945" cy="5943600"/>
+            <a:off x="728134" y="1687116"/>
+            <a:ext cx="7687733" cy="3243263"/>
           </a:xfrm>
           <a:prstGeom prst="rect">
             <a:avLst/>
@@ -25675,15 +26445,14 @@
               </a:ext>
             </a:extLst>
           </a:blip>
-          <a:srcRect/>
           <a:stretch>
             <a:fillRect/>
           </a:stretch>
         </p:blipFill>
         <p:spPr bwMode="auto">
           <a:xfrm>
-            <a:off x="546957" y="1600200"/>
-            <a:ext cx="8050085" cy="4525963"/>
+            <a:off x="726257" y="1687116"/>
+            <a:ext cx="7691487" cy="3243263"/>
           </a:xfrm>
           <a:prstGeom prst="rect">
             <a:avLst/>
@@ -25723,13 +26492,20 @@
   <p:clrMapOvr>
     <a:masterClrMapping/>
   </p:clrMapOvr>
+  <p:timing>
+    <p:tnLst>
+      <p:par>
+        <p:cTn id="1" dur="indefinite" restart="never" nodeType="tmRoot"/>
+      </p:par>
+    </p:tnLst>
+  </p:timing>
 </p:sld>
 </file>
 
 <file path=ppt/theme/theme1.xml><?xml version="1.0" encoding="utf-8"?>
-<a:theme xmlns:a="http://schemas.openxmlformats.org/drawingml/2006/main" name="Executive">
+<a:theme xmlns:a="http://schemas.openxmlformats.org/drawingml/2006/main" name="Urban">
   <a:themeElements>
-    <a:clrScheme name="Executive">
+    <a:clrScheme name="Urban">
       <a:dk1>
         <a:sysClr val="windowText" lastClr="000000"/>
       </a:dk1>
@@ -25737,48 +26513,48 @@
         <a:sysClr val="window" lastClr="FFFFFF"/>
       </a:lt1>
       <a:dk2>
-        <a:srgbClr val="2F5897"/>
+        <a:srgbClr val="424456"/>
       </a:dk2>
       <a:lt2>
-        <a:srgbClr val="E4E9EF"/>
+        <a:srgbClr val="DEDEDE"/>
       </a:lt2>
       <a:accent1>
-        <a:srgbClr val="6076B4"/>
+        <a:srgbClr val="53548A"/>
       </a:accent1>
       <a:accent2>
-        <a:srgbClr val="9C5252"/>
+        <a:srgbClr val="438086"/>
       </a:accent2>
       <a:accent3>
-        <a:srgbClr val="E68422"/>
+        <a:srgbClr val="A04DA3"/>
       </a:accent3>
       <a:accent4>
-        <a:srgbClr val="846648"/>
+        <a:srgbClr val="C4652D"/>
       </a:accent4>
       <a:accent5>
-        <a:srgbClr val="63891F"/>
+        <a:srgbClr val="8B5D3D"/>
       </a:accent5>
       <a:accent6>
-        <a:srgbClr val="758085"/>
+        <a:srgbClr val="5C92B5"/>
       </a:accent6>
       <a:hlink>
-        <a:srgbClr val="3399FF"/>
+        <a:srgbClr val="67AFBD"/>
       </a:hlink>
       <a:folHlink>
-        <a:srgbClr val="B2B2B2"/>
+        <a:srgbClr val="C2A874"/>
       </a:folHlink>
     </a:clrScheme>
-    <a:fontScheme name="Executive">
+    <a:fontScheme name="Urban">
       <a:majorFont>
-        <a:latin typeface="Century Gothic"/>
+        <a:latin typeface="Trebuchet MS"/>
         <a:ea typeface=""/>
         <a:cs typeface=""/>
         <a:font script="Jpan" typeface="HGｺﾞｼｯｸM"/>
-        <a:font script="Hang" typeface="HY중고딕"/>
-        <a:font script="Hans" typeface="幼圆"/>
+        <a:font script="Hang" typeface="맑은 고딕"/>
+        <a:font script="Hans" typeface="方正姚体"/>
         <a:font script="Hant" typeface="微軟正黑體"/>
         <a:font script="Arab" typeface="Tahoma"/>
-        <a:font script="Hebr" typeface="Gisha"/>
-        <a:font script="Thai" typeface="DilleniaUPC"/>
+        <a:font script="Hebr" typeface="Arial"/>
+        <a:font script="Thai" typeface="Cordia New"/>
         <a:font script="Ethi" typeface="Nyala"/>
         <a:font script="Beng" typeface="Vrinda"/>
         <a:font script="Gujr" typeface="Shruti"/>
@@ -25804,16 +26580,16 @@
         <a:font script="Geor" typeface="Sylfaen"/>
       </a:majorFont>
       <a:minorFont>
-        <a:latin typeface="Palatino Linotype"/>
+        <a:latin typeface="Georgia"/>
         <a:ea typeface=""/>
         <a:cs typeface=""/>
-        <a:font script="Jpan" typeface="HGS明朝E"/>
+        <a:font script="Jpan" typeface="HG明朝B"/>
         <a:font script="Hang" typeface="맑은 고딕"/>
         <a:font script="Hans" typeface="宋体"/>
         <a:font script="Hant" typeface="新細明體"/>
-        <a:font script="Arab" typeface="Times New Roman"/>
+        <a:font script="Arab" typeface="Arial"/>
         <a:font script="Hebr" typeface="Times New Roman"/>
-        <a:font script="Thai" typeface="Browallia New"/>
+        <a:font script="Thai" typeface="Angsana New"/>
         <a:font script="Ethi" typeface="Nyala"/>
         <a:font script="Beng" typeface="Vrinda"/>
         <a:font script="Gujr" typeface="Shruti"/>
@@ -25839,7 +26615,7 @@
         <a:font script="Geor" typeface="Sylfaen"/>
       </a:minorFont>
     </a:fontScheme>
-    <a:fmtScheme name="Executive">
+    <a:fmtScheme name="Urban">
       <a:fillStyleLst>
         <a:solidFill>
           <a:schemeClr val="phClr"/>
@@ -25848,66 +26624,66 @@
           <a:gsLst>
             <a:gs pos="0">
               <a:schemeClr val="phClr">
-                <a:tint val="50000"/>
-                <a:satMod val="300000"/>
+                <a:tint val="1000"/>
+                <a:satMod val="255000"/>
               </a:schemeClr>
             </a:gs>
-            <a:gs pos="35000">
+            <a:gs pos="55000">
               <a:schemeClr val="phClr">
-                <a:tint val="37000"/>
-                <a:satMod val="300000"/>
+                <a:tint val="12000"/>
+                <a:satMod val="255000"/>
               </a:schemeClr>
             </a:gs>
             <a:gs pos="100000">
               <a:schemeClr val="phClr">
-                <a:tint val="15000"/>
-                <a:satMod val="350000"/>
+                <a:tint val="45000"/>
+                <a:satMod val="250000"/>
               </a:schemeClr>
             </a:gs>
           </a:gsLst>
-          <a:lin ang="16200000" scaled="1"/>
+          <a:path path="circle">
+            <a:fillToRect l="-40000" t="-90000" r="140000" b="190000"/>
+          </a:path>
         </a:gradFill>
         <a:gradFill rotWithShape="1">
           <a:gsLst>
             <a:gs pos="0">
               <a:schemeClr val="phClr">
-                <a:shade val="51000"/>
-                <a:satMod val="130000"/>
+                <a:tint val="43000"/>
+                <a:satMod val="165000"/>
               </a:schemeClr>
             </a:gs>
-            <a:gs pos="80000">
+            <a:gs pos="55000">
               <a:schemeClr val="phClr">
-                <a:shade val="93000"/>
-                <a:satMod val="130000"/>
+                <a:tint val="83000"/>
+                <a:satMod val="155000"/>
               </a:schemeClr>
             </a:gs>
             <a:gs pos="100000">
               <a:schemeClr val="phClr">
-                <a:shade val="94000"/>
-                <a:satMod val="135000"/>
+                <a:shade val="85000"/>
               </a:schemeClr>
             </a:gs>
           </a:gsLst>
-          <a:lin ang="16200000" scaled="0"/>
+          <a:path path="circle">
+            <a:fillToRect l="-40000" t="-90000" r="140000" b="190000"/>
+          </a:path>
         </a:gradFill>
       </a:fillStyleLst>
       <a:lnStyleLst>
         <a:ln w="9525" cap="flat" cmpd="sng" algn="ctr">
           <a:solidFill>
-            <a:schemeClr val="phClr">
-              <a:shade val="95000"/>
-              <a:satMod val="105000"/>
-            </a:schemeClr>
+            <a:schemeClr val="phClr"/>
           </a:solidFill>
           <a:prstDash val="solid"/>
         </a:ln>
-        <a:ln w="28575" cap="flat" cmpd="sng" algn="ctr">
+        <a:ln w="19050" cap="flat" cmpd="sng" algn="ctr">
           <a:solidFill>
             <a:schemeClr val="phClr"/>
           </a:solidFill>
           <a:prstDash val="solid"/>
         </a:ln>
-        <a:ln w="50800" cap="flat" cmpd="sng" algn="ctr">
+        <a:ln w="31750" cap="flat" cmpd="sng" algn="ctr">
           <a:solidFill>
             <a:schemeClr val="phClr"/>
           </a:solidFill>
@@ -25917,40 +26693,45 @@
       <a:effectStyleLst>
         <a:effectStyle>
           <a:effectLst>
-            <a:outerShdw blurRad="40000" dist="20000" dir="5400000" rotWithShape="0">
+            <a:outerShdw blurRad="51500" dist="25400" dir="5400000" rotWithShape="0">
               <a:srgbClr val="000000">
-                <a:alpha val="38000"/>
+                <a:alpha val="40000"/>
               </a:srgbClr>
             </a:outerShdw>
           </a:effectLst>
         </a:effectStyle>
         <a:effectStyle>
           <a:effectLst>
-            <a:outerShdw blurRad="40000" dist="23000" dir="5400000" rotWithShape="0">
+            <a:outerShdw blurRad="50800" dist="25400" dir="5400000" rotWithShape="0">
               <a:srgbClr val="000000">
-                <a:alpha val="35000"/>
+                <a:alpha val="45000"/>
               </a:srgbClr>
             </a:outerShdw>
           </a:effectLst>
         </a:effectStyle>
         <a:effectStyle>
           <a:effectLst>
-            <a:outerShdw blurRad="40000" dist="23000" dir="5400000" rotWithShape="0">
+            <a:outerShdw blurRad="50800" dist="25400" dir="5400000" rotWithShape="0">
               <a:srgbClr val="000000">
-                <a:alpha val="35000"/>
+                <a:alpha val="45000"/>
               </a:srgbClr>
             </a:outerShdw>
           </a:effectLst>
           <a:scene3d>
-            <a:camera prst="orthographicFront">
+            <a:camera prst="orthographicFront" fov="0">
               <a:rot lat="0" lon="0" rev="0"/>
             </a:camera>
-            <a:lightRig rig="threePt" dir="t">
-              <a:rot lat="0" lon="0" rev="1200000"/>
+            <a:lightRig rig="flat" dir="t">
+              <a:rot lat="0" lon="0" rev="20040000"/>
             </a:lightRig>
           </a:scene3d>
-          <a:sp3d>
-            <a:bevelT w="63500" h="25400"/>
+          <a:sp3d contourW="12700" prstMaterial="dkEdge">
+            <a:bevelT w="25400" h="38100" prst="convex"/>
+            <a:contourClr>
+              <a:schemeClr val="phClr">
+                <a:satMod val="115000"/>
+              </a:schemeClr>
+            </a:contourClr>
           </a:sp3d>
         </a:effectStyle>
       </a:effectStyleLst>
@@ -25960,43 +26741,40 @@
         </a:solidFill>
         <a:gradFill rotWithShape="1">
           <a:gsLst>
-            <a:gs pos="50000">
+            <a:gs pos="100000">
               <a:schemeClr val="phClr">
                 <a:tint val="80000"/>
                 <a:satMod val="250000"/>
               </a:schemeClr>
             </a:gs>
-            <a:gs pos="76000">
+            <a:gs pos="60000">
               <a:schemeClr val="phClr">
-                <a:tint val="90000"/>
-                <a:shade val="90000"/>
-                <a:satMod val="200000"/>
+                <a:shade val="38000"/>
+                <a:satMod val="175000"/>
               </a:schemeClr>
             </a:gs>
-            <a:gs pos="92000">
+            <a:gs pos="0">
               <a:schemeClr val="phClr">
-                <a:tint val="90000"/>
-                <a:shade val="70000"/>
-                <a:satMod val="250000"/>
+                <a:shade val="30000"/>
+                <a:satMod val="175000"/>
               </a:schemeClr>
             </a:gs>
           </a:gsLst>
-          <a:path path="circle">
-            <a:fillToRect l="50000" t="50000" r="50000" b="50000"/>
-          </a:path>
+          <a:lin ang="5400000" scaled="0"/>
         </a:gradFill>
         <a:blipFill>
           <a:blip xmlns:r="http://schemas.openxmlformats.org/officeDocument/2006/relationships" r:embed="rId1">
             <a:duotone>
               <a:schemeClr val="phClr">
-                <a:tint val="95000"/>
+                <a:shade val="48000"/>
               </a:schemeClr>
               <a:schemeClr val="phClr">
-                <a:shade val="90000"/>
+                <a:tint val="96000"/>
+                <a:satMod val="150000"/>
               </a:schemeClr>
             </a:duotone>
           </a:blip>
-          <a:tile tx="0" ty="0" sx="100000" sy="100000" flip="none" algn="tl"/>
+          <a:tile tx="0" ty="0" sx="80000" sy="80000" flip="none" algn="tl"/>
         </a:blipFill>
       </a:bgFillStyleLst>
     </a:fmtScheme>

--- a/presentation/DocReach.pptx
+++ b/presentation/DocReach.pptx
@@ -2,10 +2,10 @@
 <file path=ppt/presentation.xml><?xml version="1.0" encoding="utf-8"?>
 <p:presentation xmlns:a="http://schemas.openxmlformats.org/drawingml/2006/main" xmlns:r="http://schemas.openxmlformats.org/officeDocument/2006/relationships" xmlns:p="http://schemas.openxmlformats.org/presentationml/2006/main" saveSubsetFonts="1">
   <p:sldMasterIdLst>
-    <p:sldMasterId id="2147483828" r:id="rId1"/>
+    <p:sldMasterId id="2147483840" r:id="rId1"/>
   </p:sldMasterIdLst>
   <p:notesMasterIdLst>
-    <p:notesMasterId r:id="rId14"/>
+    <p:notesMasterId r:id="rId15"/>
   </p:notesMasterIdLst>
   <p:sldIdLst>
     <p:sldId id="256" r:id="rId2"/>
@@ -15,11 +15,12 @@
     <p:sldId id="261" r:id="rId6"/>
     <p:sldId id="264" r:id="rId7"/>
     <p:sldId id="265" r:id="rId8"/>
-    <p:sldId id="257" r:id="rId9"/>
-    <p:sldId id="267" r:id="rId10"/>
-    <p:sldId id="259" r:id="rId11"/>
-    <p:sldId id="266" r:id="rId12"/>
-    <p:sldId id="260" r:id="rId13"/>
+    <p:sldId id="268" r:id="rId9"/>
+    <p:sldId id="257" r:id="rId10"/>
+    <p:sldId id="267" r:id="rId11"/>
+    <p:sldId id="259" r:id="rId12"/>
+    <p:sldId id="266" r:id="rId13"/>
+    <p:sldId id="260" r:id="rId14"/>
   </p:sldIdLst>
   <p:sldSz cx="9144000" cy="5143500" type="screen16x9"/>
   <p:notesSz cx="6858000" cy="9144000"/>
@@ -6961,8 +6962,8 @@
   </dgm:ptLst>
   <dgm:cxnLst>
     <dgm:cxn modelId="{7E60EB51-AD5A-4949-8872-9DDC7F6D8544}" srcId="{AAB8FE16-43F0-4C0E-A4D7-059195D8D791}" destId="{43C5339A-4D84-43FD-8BFF-FD5A0BE2BD9A}" srcOrd="0" destOrd="0" parTransId="{3548CF64-750D-4C8A-B5CF-E6353AF71986}" sibTransId="{5C7BB67F-786B-4C9C-BD7F-144EC9B6186E}"/>
+    <dgm:cxn modelId="{D3962999-C17F-4227-8C5D-D5A6979E40B7}" type="presOf" srcId="{43C5339A-4D84-43FD-8BFF-FD5A0BE2BD9A}" destId="{0D15A354-B0A5-4376-ACC0-0066B5063C0D}" srcOrd="0" destOrd="0" presId="urn:microsoft.com/office/officeart/2005/8/layout/process1"/>
     <dgm:cxn modelId="{E0772149-CB21-4E39-B9D6-C0A528C71BDA}" type="presOf" srcId="{AAB8FE16-43F0-4C0E-A4D7-059195D8D791}" destId="{862EEC05-C701-40A8-A229-E4952200A14E}" srcOrd="0" destOrd="0" presId="urn:microsoft.com/office/officeart/2005/8/layout/process1"/>
-    <dgm:cxn modelId="{D3962999-C17F-4227-8C5D-D5A6979E40B7}" type="presOf" srcId="{43C5339A-4D84-43FD-8BFF-FD5A0BE2BD9A}" destId="{0D15A354-B0A5-4376-ACC0-0066B5063C0D}" srcOrd="0" destOrd="0" presId="urn:microsoft.com/office/officeart/2005/8/layout/process1"/>
     <dgm:cxn modelId="{A8D39AB4-761D-477C-ADAF-F57865A11771}" type="presParOf" srcId="{862EEC05-C701-40A8-A229-E4952200A14E}" destId="{0D15A354-B0A5-4376-ACC0-0066B5063C0D}" srcOrd="0" destOrd="0" presId="urn:microsoft.com/office/officeart/2005/8/layout/process1"/>
   </dgm:cxnLst>
   <dgm:bg/>
@@ -7505,8 +7506,8 @@
       </dsp:nvSpPr>
       <dsp:spPr>
         <a:xfrm>
-          <a:off x="1414462" y="1428"/>
-          <a:ext cx="5400674" cy="3240405"/>
+          <a:off x="1068883" y="1250"/>
+          <a:ext cx="6091832" cy="3655099"/>
         </a:xfrm>
         <a:prstGeom prst="rect">
           <a:avLst/>
@@ -7520,7 +7521,7 @@
             <a:alphaOff val="0"/>
           </a:schemeClr>
         </a:solidFill>
-        <a:ln w="19050" cap="flat" cmpd="sng" algn="ctr">
+        <a:ln w="26425" cap="flat" cmpd="sng" algn="ctr">
           <a:solidFill>
             <a:schemeClr val="lt1">
               <a:hueOff val="0"/>
@@ -7548,12 +7549,12 @@
         </a:fontRef>
       </dsp:style>
       <dsp:txBody>
-        <a:bodyPr spcFirstLastPara="0" vert="horz" wrap="square" lIns="110490" tIns="110490" rIns="110490" bIns="110490" numCol="1" spcCol="1270" anchor="ctr" anchorCtr="0">
+        <a:bodyPr spcFirstLastPara="0" vert="horz" wrap="square" lIns="121920" tIns="121920" rIns="121920" bIns="121920" numCol="1" spcCol="1270" anchor="ctr" anchorCtr="0">
           <a:noAutofit/>
         </a:bodyPr>
         <a:lstStyle/>
         <a:p>
-          <a:pPr lvl="0" algn="ctr" defTabSz="1289050" rtl="0">
+          <a:pPr lvl="0" algn="ctr" defTabSz="1422400" rtl="0">
             <a:lnSpc>
               <a:spcPct val="90000"/>
             </a:lnSpc>
@@ -7565,31 +7566,31 @@
             </a:spcAft>
           </a:pPr>
           <a:r>
-            <a:rPr lang="en-US" sz="2900" kern="1200" dirty="0" smtClean="0"/>
+            <a:rPr lang="en-US" sz="3200" kern="1200" dirty="0" smtClean="0"/>
             <a:t>“A large social media marketing firm wants to </a:t>
           </a:r>
           <a:r>
-            <a:rPr lang="en-US" sz="2900" u="sng" kern="1200" dirty="0" smtClean="0"/>
+            <a:rPr lang="en-US" sz="3200" u="sng" kern="1200" dirty="0" smtClean="0"/>
             <a:t>target doctors / physicians</a:t>
           </a:r>
           <a:r>
-            <a:rPr lang="en-US" sz="2900" kern="1200" dirty="0" smtClean="0"/>
+            <a:rPr lang="en-US" sz="3200" kern="1200" dirty="0" smtClean="0"/>
             <a:t> based on their </a:t>
           </a:r>
           <a:r>
-            <a:rPr lang="en-US" sz="2900" u="sng" kern="1200" dirty="0" smtClean="0"/>
+            <a:rPr lang="en-US" sz="3200" u="sng" kern="1200" dirty="0" smtClean="0"/>
             <a:t>practice area</a:t>
           </a:r>
           <a:r>
-            <a:rPr lang="en-US" sz="2900" kern="1200" dirty="0" smtClean="0"/>
+            <a:rPr lang="en-US" sz="3200" kern="1200" dirty="0" smtClean="0"/>
             <a:t>.                               For example, A marketing campaign to target Cardiologists for heart related news feed.”</a:t>
           </a:r>
-          <a:endParaRPr lang="en-US" sz="2900" kern="1200" dirty="0"/>
+          <a:endParaRPr lang="en-US" sz="3200" kern="1200" dirty="0"/>
         </a:p>
       </dsp:txBody>
       <dsp:txXfrm>
-        <a:off x="1414462" y="1428"/>
-        <a:ext cx="5400674" cy="3240405"/>
+        <a:off x="1068883" y="1250"/>
+        <a:ext cx="6091832" cy="3655099"/>
       </dsp:txXfrm>
     </dsp:sp>
   </dsp:spTree>
@@ -7612,7 +7613,7 @@
       <dsp:spPr>
         <a:xfrm>
           <a:off x="0" y="0"/>
-          <a:ext cx="3243263" cy="3243263"/>
+          <a:ext cx="3657600" cy="3657600"/>
         </a:xfrm>
         <a:prstGeom prst="pie">
           <a:avLst>
@@ -7628,7 +7629,7 @@
             <a:alphaOff val="0"/>
           </a:schemeClr>
         </a:solidFill>
-        <a:ln w="19050" cap="flat" cmpd="sng" algn="ctr">
+        <a:ln w="26425" cap="flat" cmpd="sng" algn="ctr">
           <a:solidFill>
             <a:schemeClr val="lt1">
               <a:hueOff val="0"/>
@@ -7663,8 +7664,8 @@
       </dsp:nvSpPr>
       <dsp:spPr>
         <a:xfrm>
-          <a:off x="1621631" y="0"/>
-          <a:ext cx="6607968" cy="3243263"/>
+          <a:off x="1828800" y="0"/>
+          <a:ext cx="6400800" cy="3657600"/>
         </a:xfrm>
         <a:prstGeom prst="rect">
           <a:avLst/>
@@ -7678,7 +7679,7 @@
             <a:alphaOff val="0"/>
           </a:schemeClr>
         </a:solidFill>
-        <a:ln w="19050" cap="flat" cmpd="sng" algn="ctr">
+        <a:ln w="26425" cap="flat" cmpd="sng" algn="ctr">
           <a:solidFill>
             <a:schemeClr val="accent1">
               <a:hueOff val="0"/>
@@ -7704,12 +7705,12 @@
         <a:fontRef idx="minor"/>
       </dsp:style>
       <dsp:txBody>
-        <a:bodyPr spcFirstLastPara="0" vert="horz" wrap="square" lIns="152400" tIns="152400" rIns="152400" bIns="152400" numCol="1" spcCol="1270" anchor="ctr" anchorCtr="0">
+        <a:bodyPr spcFirstLastPara="0" vert="horz" wrap="square" lIns="160020" tIns="160020" rIns="160020" bIns="160020" numCol="1" spcCol="1270" anchor="ctr" anchorCtr="0">
           <a:noAutofit/>
         </a:bodyPr>
         <a:lstStyle/>
         <a:p>
-          <a:pPr lvl="0" algn="ctr" defTabSz="1778000" rtl="0">
+          <a:pPr lvl="0" algn="ctr" defTabSz="1866900" rtl="0">
             <a:lnSpc>
               <a:spcPct val="90000"/>
             </a:lnSpc>
@@ -7721,15 +7722,15 @@
             </a:spcAft>
           </a:pPr>
           <a:r>
-            <a:rPr lang="en-US" sz="4000" kern="1200" smtClean="0"/>
+            <a:rPr lang="en-US" sz="4200" kern="1200" smtClean="0"/>
             <a:t>The marketing firm wants to predict physicians under medical specialties based upon procedures performed over the past year</a:t>
           </a:r>
-          <a:endParaRPr lang="en-US" sz="4000" kern="1200"/>
+          <a:endParaRPr lang="en-US" sz="4200" kern="1200"/>
         </a:p>
       </dsp:txBody>
       <dsp:txXfrm>
-        <a:off x="1621631" y="0"/>
-        <a:ext cx="6607968" cy="3243263"/>
+        <a:off x="1828800" y="0"/>
+        <a:ext cx="6400800" cy="3657600"/>
       </dsp:txXfrm>
     </dsp:sp>
   </dsp:spTree>
@@ -7805,7 +7806,7 @@
             <a:alphaOff val="0"/>
           </a:schemeClr>
         </a:solidFill>
-        <a:ln w="31750" cap="flat" cmpd="sng" algn="ctr">
+        <a:ln w="44450" cap="flat" cmpd="sng" algn="ctr">
           <a:solidFill>
             <a:schemeClr val="dk2">
               <a:shade val="80000"/>
@@ -7817,13 +7818,7 @@
           </a:solidFill>
           <a:prstDash val="solid"/>
         </a:ln>
-        <a:effectLst>
-          <a:outerShdw blurRad="51500" dist="25400" dir="5400000" rotWithShape="0">
-            <a:srgbClr val="000000">
-              <a:alpha val="40000"/>
-            </a:srgbClr>
-          </a:outerShdw>
-        </a:effectLst>
+        <a:effectLst/>
       </dsp:spPr>
       <dsp:style>
         <a:lnRef idx="3">
@@ -7889,7 +7884,7 @@
             <a:alphaOff val="0"/>
           </a:schemeClr>
         </a:solidFill>
-        <a:ln w="31750" cap="flat" cmpd="sng" algn="ctr">
+        <a:ln w="44450" cap="flat" cmpd="sng" algn="ctr">
           <a:solidFill>
             <a:schemeClr val="dk2">
               <a:shade val="80000"/>
@@ -7901,13 +7896,7 @@
           </a:solidFill>
           <a:prstDash val="solid"/>
         </a:ln>
-        <a:effectLst>
-          <a:outerShdw blurRad="51500" dist="25400" dir="5400000" rotWithShape="0">
-            <a:srgbClr val="000000">
-              <a:alpha val="40000"/>
-            </a:srgbClr>
-          </a:outerShdw>
-        </a:effectLst>
+        <a:effectLst/>
       </dsp:spPr>
       <dsp:style>
         <a:lnRef idx="3">
@@ -7973,7 +7962,7 @@
             <a:alphaOff val="0"/>
           </a:schemeClr>
         </a:solidFill>
-        <a:ln w="31750" cap="flat" cmpd="sng" algn="ctr">
+        <a:ln w="44450" cap="flat" cmpd="sng" algn="ctr">
           <a:solidFill>
             <a:schemeClr val="dk2">
               <a:shade val="80000"/>
@@ -7985,13 +7974,7 @@
           </a:solidFill>
           <a:prstDash val="solid"/>
         </a:ln>
-        <a:effectLst>
-          <a:outerShdw blurRad="51500" dist="25400" dir="5400000" rotWithShape="0">
-            <a:srgbClr val="000000">
-              <a:alpha val="40000"/>
-            </a:srgbClr>
-          </a:outerShdw>
-        </a:effectLst>
+        <a:effectLst/>
       </dsp:spPr>
       <dsp:style>
         <a:lnRef idx="3">
@@ -8057,7 +8040,7 @@
             <a:alphaOff val="0"/>
           </a:schemeClr>
         </a:solidFill>
-        <a:ln w="31750" cap="flat" cmpd="sng" algn="ctr">
+        <a:ln w="44450" cap="flat" cmpd="sng" algn="ctr">
           <a:solidFill>
             <a:schemeClr val="dk2">
               <a:shade val="80000"/>
@@ -8069,13 +8052,7 @@
           </a:solidFill>
           <a:prstDash val="solid"/>
         </a:ln>
-        <a:effectLst>
-          <a:outerShdw blurRad="51500" dist="25400" dir="5400000" rotWithShape="0">
-            <a:srgbClr val="000000">
-              <a:alpha val="40000"/>
-            </a:srgbClr>
-          </a:outerShdw>
-        </a:effectLst>
+        <a:effectLst/>
       </dsp:spPr>
       <dsp:style>
         <a:lnRef idx="3">
@@ -8141,7 +8118,7 @@
             <a:alphaOff val="0"/>
           </a:schemeClr>
         </a:solidFill>
-        <a:ln w="31750" cap="flat" cmpd="sng" algn="ctr">
+        <a:ln w="44450" cap="flat" cmpd="sng" algn="ctr">
           <a:solidFill>
             <a:schemeClr val="dk2">
               <a:shade val="80000"/>
@@ -8153,13 +8130,7 @@
           </a:solidFill>
           <a:prstDash val="solid"/>
         </a:ln>
-        <a:effectLst>
-          <a:outerShdw blurRad="51500" dist="25400" dir="5400000" rotWithShape="0">
-            <a:srgbClr val="000000">
-              <a:alpha val="40000"/>
-            </a:srgbClr>
-          </a:outerShdw>
-        </a:effectLst>
+        <a:effectLst/>
       </dsp:spPr>
       <dsp:style>
         <a:lnRef idx="3">
@@ -8225,7 +8196,7 @@
             <a:alphaOff val="0"/>
           </a:schemeClr>
         </a:solidFill>
-        <a:ln w="31750" cap="flat" cmpd="sng" algn="ctr">
+        <a:ln w="44450" cap="flat" cmpd="sng" algn="ctr">
           <a:solidFill>
             <a:schemeClr val="dk2">
               <a:shade val="80000"/>
@@ -8237,13 +8208,7 @@
           </a:solidFill>
           <a:prstDash val="solid"/>
         </a:ln>
-        <a:effectLst>
-          <a:outerShdw blurRad="51500" dist="25400" dir="5400000" rotWithShape="0">
-            <a:srgbClr val="000000">
-              <a:alpha val="40000"/>
-            </a:srgbClr>
-          </a:outerShdw>
-        </a:effectLst>
+        <a:effectLst/>
       </dsp:spPr>
       <dsp:style>
         <a:lnRef idx="3">
@@ -8309,7 +8274,7 @@
             <a:alphaOff val="0"/>
           </a:schemeClr>
         </a:solidFill>
-        <a:ln w="31750" cap="flat" cmpd="sng" algn="ctr">
+        <a:ln w="44450" cap="flat" cmpd="sng" algn="ctr">
           <a:solidFill>
             <a:schemeClr val="dk2">
               <a:shade val="80000"/>
@@ -8321,13 +8286,7 @@
           </a:solidFill>
           <a:prstDash val="solid"/>
         </a:ln>
-        <a:effectLst>
-          <a:outerShdw blurRad="51500" dist="25400" dir="5400000" rotWithShape="0">
-            <a:srgbClr val="000000">
-              <a:alpha val="40000"/>
-            </a:srgbClr>
-          </a:outerShdw>
-        </a:effectLst>
+        <a:effectLst/>
       </dsp:spPr>
       <dsp:style>
         <a:lnRef idx="3">
@@ -8405,7 +8364,7 @@
             <a:alphaOff val="0"/>
           </a:schemeClr>
         </a:solidFill>
-        <a:ln w="19050" cap="flat" cmpd="sng" algn="ctr">
+        <a:ln w="26425" cap="flat" cmpd="sng" algn="ctr">
           <a:solidFill>
             <a:schemeClr val="lt1">
               <a:hueOff val="0"/>
@@ -8553,7 +8512,7 @@
             <a:alphaOff val="0"/>
           </a:schemeClr>
         </a:solidFill>
-        <a:ln w="19050" cap="flat" cmpd="sng" algn="ctr">
+        <a:ln w="26425" cap="flat" cmpd="sng" algn="ctr">
           <a:solidFill>
             <a:schemeClr val="lt1">
               <a:hueOff val="0"/>
@@ -8699,7 +8658,7 @@
             <a:alphaOff val="0"/>
           </a:schemeClr>
         </a:solidFill>
-        <a:ln w="19050" cap="flat" cmpd="sng" algn="ctr">
+        <a:ln w="26425" cap="flat" cmpd="sng" algn="ctr">
           <a:solidFill>
             <a:schemeClr val="lt1">
               <a:hueOff val="0"/>
@@ -8847,7 +8806,7 @@
             <a:alphaOff val="0"/>
           </a:schemeClr>
         </a:solidFill>
-        <a:ln w="19050" cap="flat" cmpd="sng" algn="ctr">
+        <a:ln w="26425" cap="flat" cmpd="sng" algn="ctr">
           <a:solidFill>
             <a:schemeClr val="lt1">
               <a:hueOff val="0"/>
@@ -8937,7 +8896,7 @@
             <a:alphaOff val="0"/>
           </a:schemeClr>
         </a:solidFill>
-        <a:ln w="19050" cap="flat" cmpd="sng" algn="ctr">
+        <a:ln w="26425" cap="flat" cmpd="sng" algn="ctr">
           <a:solidFill>
             <a:schemeClr val="lt1">
               <a:hueOff val="0"/>
@@ -9027,7 +8986,7 @@
             <a:alphaOff val="0"/>
           </a:schemeClr>
         </a:solidFill>
-        <a:ln w="19050" cap="flat" cmpd="sng" algn="ctr">
+        <a:ln w="26425" cap="flat" cmpd="sng" algn="ctr">
           <a:solidFill>
             <a:schemeClr val="lt1">
               <a:hueOff val="0"/>
@@ -9055,12 +9014,12 @@
         </a:fontRef>
       </dsp:style>
       <dsp:txBody>
-        <a:bodyPr spcFirstLastPara="0" vert="horz" wrap="square" lIns="76200" tIns="76200" rIns="76200" bIns="76200" numCol="1" spcCol="1270" anchor="ctr" anchorCtr="0">
+        <a:bodyPr spcFirstLastPara="0" vert="horz" wrap="square" lIns="80010" tIns="80010" rIns="80010" bIns="80010" numCol="1" spcCol="1270" anchor="ctr" anchorCtr="0">
           <a:noAutofit/>
         </a:bodyPr>
         <a:lstStyle/>
         <a:p>
-          <a:pPr lvl="0" algn="ctr" defTabSz="889000" rtl="0">
+          <a:pPr lvl="0" algn="ctr" defTabSz="933450" rtl="0">
             <a:lnSpc>
               <a:spcPct val="90000"/>
             </a:lnSpc>
@@ -9072,10 +9031,10 @@
             </a:spcAft>
           </a:pPr>
           <a:r>
-            <a:rPr lang="en-US" sz="2000" kern="1200" dirty="0" smtClean="0"/>
+            <a:rPr lang="en-US" sz="2100" kern="1200" dirty="0" smtClean="0"/>
             <a:t>Prediction</a:t>
           </a:r>
-          <a:endParaRPr lang="en-US" sz="2000" kern="1200" dirty="0"/>
+          <a:endParaRPr lang="en-US" sz="2100" kern="1200" dirty="0"/>
         </a:p>
       </dsp:txBody>
       <dsp:txXfrm>
@@ -9102,8 +9061,8 @@
       </dsp:nvSpPr>
       <dsp:spPr>
         <a:xfrm>
-          <a:off x="0" y="73631"/>
-          <a:ext cx="8229600" cy="468000"/>
+          <a:off x="0" y="48599"/>
+          <a:ext cx="8229600" cy="538200"/>
         </a:xfrm>
         <a:prstGeom prst="roundRect">
           <a:avLst/>
@@ -9116,7 +9075,7 @@
             <a:alphaOff val="0"/>
           </a:schemeClr>
         </a:solidFill>
-        <a:ln w="31750" cap="flat" cmpd="sng" algn="ctr">
+        <a:ln w="44450" cap="flat" cmpd="sng" algn="ctr">
           <a:solidFill>
             <a:schemeClr val="lt1">
               <a:hueOff val="0"/>
@@ -9127,13 +9086,7 @@
           </a:solidFill>
           <a:prstDash val="solid"/>
         </a:ln>
-        <a:effectLst>
-          <a:outerShdw blurRad="51500" dist="25400" dir="5400000" rotWithShape="0">
-            <a:srgbClr val="000000">
-              <a:alpha val="40000"/>
-            </a:srgbClr>
-          </a:outerShdw>
-        </a:effectLst>
+        <a:effectLst/>
       </dsp:spPr>
       <dsp:style>
         <a:lnRef idx="3">
@@ -9150,12 +9103,12 @@
         </a:fontRef>
       </dsp:style>
       <dsp:txBody>
-        <a:bodyPr spcFirstLastPara="0" vert="horz" wrap="square" lIns="76200" tIns="76200" rIns="76200" bIns="76200" numCol="1" spcCol="1270" anchor="ctr" anchorCtr="0">
+        <a:bodyPr spcFirstLastPara="0" vert="horz" wrap="square" lIns="87630" tIns="87630" rIns="87630" bIns="87630" numCol="1" spcCol="1270" anchor="ctr" anchorCtr="0">
           <a:noAutofit/>
         </a:bodyPr>
         <a:lstStyle/>
         <a:p>
-          <a:pPr lvl="0" algn="l" defTabSz="889000" rtl="0">
+          <a:pPr lvl="0" algn="l" defTabSz="1022350" rtl="0">
             <a:lnSpc>
               <a:spcPct val="90000"/>
             </a:lnSpc>
@@ -9167,15 +9120,15 @@
             </a:spcAft>
           </a:pPr>
           <a:r>
-            <a:rPr lang="en-US" sz="2000" kern="1200" smtClean="0"/>
+            <a:rPr lang="en-US" sz="2300" kern="1200" smtClean="0"/>
             <a:t>Build Multi-class classifier</a:t>
           </a:r>
-          <a:endParaRPr lang="en-US" sz="2000" kern="1200"/>
+          <a:endParaRPr lang="en-US" sz="2300" kern="1200"/>
         </a:p>
       </dsp:txBody>
       <dsp:txXfrm>
-        <a:off x="22846" y="96477"/>
-        <a:ext cx="8183908" cy="422308"/>
+        <a:off x="26273" y="74872"/>
+        <a:ext cx="8177054" cy="485654"/>
       </dsp:txXfrm>
     </dsp:sp>
     <dsp:sp modelId="{D5CA63A2-B2A1-40E0-ABEB-B6A8AFD2BEBA}">
@@ -9185,8 +9138,8 @@
       </dsp:nvSpPr>
       <dsp:spPr>
         <a:xfrm>
-          <a:off x="0" y="599231"/>
-          <a:ext cx="8229600" cy="468000"/>
+          <a:off x="0" y="653039"/>
+          <a:ext cx="8229600" cy="538200"/>
         </a:xfrm>
         <a:prstGeom prst="roundRect">
           <a:avLst/>
@@ -9199,7 +9152,7 @@
             <a:alphaOff val="0"/>
           </a:schemeClr>
         </a:solidFill>
-        <a:ln w="31750" cap="flat" cmpd="sng" algn="ctr">
+        <a:ln w="44450" cap="flat" cmpd="sng" algn="ctr">
           <a:solidFill>
             <a:schemeClr val="lt1">
               <a:hueOff val="0"/>
@@ -9210,13 +9163,7 @@
           </a:solidFill>
           <a:prstDash val="solid"/>
         </a:ln>
-        <a:effectLst>
-          <a:outerShdw blurRad="51500" dist="25400" dir="5400000" rotWithShape="0">
-            <a:srgbClr val="000000">
-              <a:alpha val="40000"/>
-            </a:srgbClr>
-          </a:outerShdw>
-        </a:effectLst>
+        <a:effectLst/>
       </dsp:spPr>
       <dsp:style>
         <a:lnRef idx="3">
@@ -9233,12 +9180,12 @@
         </a:fontRef>
       </dsp:style>
       <dsp:txBody>
-        <a:bodyPr spcFirstLastPara="0" vert="horz" wrap="square" lIns="76200" tIns="76200" rIns="76200" bIns="76200" numCol="1" spcCol="1270" anchor="ctr" anchorCtr="0">
+        <a:bodyPr spcFirstLastPara="0" vert="horz" wrap="square" lIns="87630" tIns="87630" rIns="87630" bIns="87630" numCol="1" spcCol="1270" anchor="ctr" anchorCtr="0">
           <a:noAutofit/>
         </a:bodyPr>
         <a:lstStyle/>
         <a:p>
-          <a:pPr lvl="0" algn="l" defTabSz="889000" rtl="0">
+          <a:pPr lvl="0" algn="l" defTabSz="1022350" rtl="0">
             <a:lnSpc>
               <a:spcPct val="90000"/>
             </a:lnSpc>
@@ -9250,15 +9197,15 @@
             </a:spcAft>
           </a:pPr>
           <a:r>
-            <a:rPr lang="en-US" sz="2000" kern="1200" smtClean="0"/>
+            <a:rPr lang="en-US" sz="2300" kern="1200" smtClean="0"/>
             <a:t>Hyper parameter tuning</a:t>
           </a:r>
-          <a:endParaRPr lang="en-US" sz="2000" kern="1200"/>
+          <a:endParaRPr lang="en-US" sz="2300" kern="1200"/>
         </a:p>
       </dsp:txBody>
       <dsp:txXfrm>
-        <a:off x="22846" y="622077"/>
-        <a:ext cx="8183908" cy="422308"/>
+        <a:off x="26273" y="679312"/>
+        <a:ext cx="8177054" cy="485654"/>
       </dsp:txXfrm>
     </dsp:sp>
     <dsp:sp modelId="{BF622B5B-81AE-4CD6-A475-F18AFD27A765}">
@@ -9268,8 +9215,8 @@
       </dsp:nvSpPr>
       <dsp:spPr>
         <a:xfrm>
-          <a:off x="0" y="1124831"/>
-          <a:ext cx="8229600" cy="468000"/>
+          <a:off x="0" y="1257479"/>
+          <a:ext cx="8229600" cy="538200"/>
         </a:xfrm>
         <a:prstGeom prst="roundRect">
           <a:avLst/>
@@ -9282,7 +9229,7 @@
             <a:alphaOff val="0"/>
           </a:schemeClr>
         </a:solidFill>
-        <a:ln w="31750" cap="flat" cmpd="sng" algn="ctr">
+        <a:ln w="44450" cap="flat" cmpd="sng" algn="ctr">
           <a:solidFill>
             <a:schemeClr val="lt1">
               <a:hueOff val="0"/>
@@ -9293,13 +9240,7 @@
           </a:solidFill>
           <a:prstDash val="solid"/>
         </a:ln>
-        <a:effectLst>
-          <a:outerShdw blurRad="51500" dist="25400" dir="5400000" rotWithShape="0">
-            <a:srgbClr val="000000">
-              <a:alpha val="40000"/>
-            </a:srgbClr>
-          </a:outerShdw>
-        </a:effectLst>
+        <a:effectLst/>
       </dsp:spPr>
       <dsp:style>
         <a:lnRef idx="3">
@@ -9316,12 +9257,12 @@
         </a:fontRef>
       </dsp:style>
       <dsp:txBody>
-        <a:bodyPr spcFirstLastPara="0" vert="horz" wrap="square" lIns="76200" tIns="76200" rIns="76200" bIns="76200" numCol="1" spcCol="1270" anchor="ctr" anchorCtr="0">
+        <a:bodyPr spcFirstLastPara="0" vert="horz" wrap="square" lIns="87630" tIns="87630" rIns="87630" bIns="87630" numCol="1" spcCol="1270" anchor="ctr" anchorCtr="0">
           <a:noAutofit/>
         </a:bodyPr>
         <a:lstStyle/>
         <a:p>
-          <a:pPr lvl="0" algn="l" defTabSz="889000" rtl="0">
+          <a:pPr lvl="0" algn="l" defTabSz="1022350" rtl="0">
             <a:lnSpc>
               <a:spcPct val="90000"/>
             </a:lnSpc>
@@ -9333,15 +9274,15 @@
             </a:spcAft>
           </a:pPr>
           <a:r>
-            <a:rPr lang="en-US" sz="2000" kern="1200" smtClean="0"/>
+            <a:rPr lang="en-US" sz="2300" kern="1200" smtClean="0"/>
             <a:t>Predict .py</a:t>
           </a:r>
-          <a:endParaRPr lang="en-US" sz="2000" kern="1200"/>
+          <a:endParaRPr lang="en-US" sz="2300" kern="1200"/>
         </a:p>
       </dsp:txBody>
       <dsp:txXfrm>
-        <a:off x="22846" y="1147677"/>
-        <a:ext cx="8183908" cy="422308"/>
+        <a:off x="26273" y="1283752"/>
+        <a:ext cx="8177054" cy="485654"/>
       </dsp:txXfrm>
     </dsp:sp>
     <dsp:sp modelId="{96D01BA4-FDC9-431A-8D75-4DB8E68D252E}">
@@ -9351,8 +9292,8 @@
       </dsp:nvSpPr>
       <dsp:spPr>
         <a:xfrm>
-          <a:off x="0" y="1650431"/>
-          <a:ext cx="8229600" cy="468000"/>
+          <a:off x="0" y="1861920"/>
+          <a:ext cx="8229600" cy="538200"/>
         </a:xfrm>
         <a:prstGeom prst="roundRect">
           <a:avLst/>
@@ -9365,7 +9306,7 @@
             <a:alphaOff val="0"/>
           </a:schemeClr>
         </a:solidFill>
-        <a:ln w="31750" cap="flat" cmpd="sng" algn="ctr">
+        <a:ln w="44450" cap="flat" cmpd="sng" algn="ctr">
           <a:solidFill>
             <a:schemeClr val="lt1">
               <a:hueOff val="0"/>
@@ -9376,13 +9317,7 @@
           </a:solidFill>
           <a:prstDash val="solid"/>
         </a:ln>
-        <a:effectLst>
-          <a:outerShdw blurRad="51500" dist="25400" dir="5400000" rotWithShape="0">
-            <a:srgbClr val="000000">
-              <a:alpha val="40000"/>
-            </a:srgbClr>
-          </a:outerShdw>
-        </a:effectLst>
+        <a:effectLst/>
       </dsp:spPr>
       <dsp:style>
         <a:lnRef idx="3">
@@ -9399,12 +9334,12 @@
         </a:fontRef>
       </dsp:style>
       <dsp:txBody>
-        <a:bodyPr spcFirstLastPara="0" vert="horz" wrap="square" lIns="76200" tIns="76200" rIns="76200" bIns="76200" numCol="1" spcCol="1270" anchor="ctr" anchorCtr="0">
+        <a:bodyPr spcFirstLastPara="0" vert="horz" wrap="square" lIns="87630" tIns="87630" rIns="87630" bIns="87630" numCol="1" spcCol="1270" anchor="ctr" anchorCtr="0">
           <a:noAutofit/>
         </a:bodyPr>
         <a:lstStyle/>
         <a:p>
-          <a:pPr lvl="0" algn="l" defTabSz="889000" rtl="0">
+          <a:pPr lvl="0" algn="l" defTabSz="1022350" rtl="0">
             <a:lnSpc>
               <a:spcPct val="90000"/>
             </a:lnSpc>
@@ -9416,15 +9351,15 @@
             </a:spcAft>
           </a:pPr>
           <a:r>
-            <a:rPr lang="en-US" sz="2000" kern="1200" smtClean="0"/>
+            <a:rPr lang="en-US" sz="2300" kern="1200" smtClean="0"/>
             <a:t>Flask App</a:t>
           </a:r>
-          <a:endParaRPr lang="en-US" sz="2000" kern="1200"/>
+          <a:endParaRPr lang="en-US" sz="2300" kern="1200"/>
         </a:p>
       </dsp:txBody>
       <dsp:txXfrm>
-        <a:off x="22846" y="1673277"/>
-        <a:ext cx="8183908" cy="422308"/>
+        <a:off x="26273" y="1888193"/>
+        <a:ext cx="8177054" cy="485654"/>
       </dsp:txXfrm>
     </dsp:sp>
     <dsp:sp modelId="{851FD988-8E15-48D8-97AE-03213F567206}">
@@ -9434,8 +9369,8 @@
       </dsp:nvSpPr>
       <dsp:spPr>
         <a:xfrm>
-          <a:off x="0" y="2176031"/>
-          <a:ext cx="8229600" cy="468000"/>
+          <a:off x="0" y="2466359"/>
+          <a:ext cx="8229600" cy="538200"/>
         </a:xfrm>
         <a:prstGeom prst="roundRect">
           <a:avLst/>
@@ -9448,7 +9383,7 @@
             <a:alphaOff val="0"/>
           </a:schemeClr>
         </a:solidFill>
-        <a:ln w="31750" cap="flat" cmpd="sng" algn="ctr">
+        <a:ln w="44450" cap="flat" cmpd="sng" algn="ctr">
           <a:solidFill>
             <a:schemeClr val="lt1">
               <a:hueOff val="0"/>
@@ -9459,13 +9394,7 @@
           </a:solidFill>
           <a:prstDash val="solid"/>
         </a:ln>
-        <a:effectLst>
-          <a:outerShdw blurRad="51500" dist="25400" dir="5400000" rotWithShape="0">
-            <a:srgbClr val="000000">
-              <a:alpha val="40000"/>
-            </a:srgbClr>
-          </a:outerShdw>
-        </a:effectLst>
+        <a:effectLst/>
       </dsp:spPr>
       <dsp:style>
         <a:lnRef idx="3">
@@ -9482,12 +9411,12 @@
         </a:fontRef>
       </dsp:style>
       <dsp:txBody>
-        <a:bodyPr spcFirstLastPara="0" vert="horz" wrap="square" lIns="76200" tIns="76200" rIns="76200" bIns="76200" numCol="1" spcCol="1270" anchor="ctr" anchorCtr="0">
+        <a:bodyPr spcFirstLastPara="0" vert="horz" wrap="square" lIns="87630" tIns="87630" rIns="87630" bIns="87630" numCol="1" spcCol="1270" anchor="ctr" anchorCtr="0">
           <a:noAutofit/>
         </a:bodyPr>
         <a:lstStyle/>
         <a:p>
-          <a:pPr lvl="0" algn="l" defTabSz="889000" rtl="0">
+          <a:pPr lvl="0" algn="l" defTabSz="1022350" rtl="0">
             <a:lnSpc>
               <a:spcPct val="90000"/>
             </a:lnSpc>
@@ -9499,15 +9428,15 @@
             </a:spcAft>
           </a:pPr>
           <a:r>
-            <a:rPr lang="en-US" sz="2000" kern="1200" smtClean="0"/>
+            <a:rPr lang="en-US" sz="2300" kern="1200" smtClean="0"/>
             <a:t>Code Refactoring, doc strings</a:t>
           </a:r>
-          <a:endParaRPr lang="en-US" sz="2000" kern="1200"/>
+          <a:endParaRPr lang="en-US" sz="2300" kern="1200"/>
         </a:p>
       </dsp:txBody>
       <dsp:txXfrm>
-        <a:off x="22846" y="2198877"/>
-        <a:ext cx="8183908" cy="422308"/>
+        <a:off x="26273" y="2492632"/>
+        <a:ext cx="8177054" cy="485654"/>
       </dsp:txXfrm>
     </dsp:sp>
     <dsp:sp modelId="{0ABE1C20-DC91-4157-889A-F1C3E325A040}">
@@ -9517,8 +9446,8 @@
       </dsp:nvSpPr>
       <dsp:spPr>
         <a:xfrm>
-          <a:off x="0" y="2701631"/>
-          <a:ext cx="8229600" cy="468000"/>
+          <a:off x="0" y="3070800"/>
+          <a:ext cx="8229600" cy="538200"/>
         </a:xfrm>
         <a:prstGeom prst="roundRect">
           <a:avLst/>
@@ -9531,7 +9460,7 @@
             <a:alphaOff val="0"/>
           </a:schemeClr>
         </a:solidFill>
-        <a:ln w="31750" cap="flat" cmpd="sng" algn="ctr">
+        <a:ln w="44450" cap="flat" cmpd="sng" algn="ctr">
           <a:solidFill>
             <a:schemeClr val="lt1">
               <a:hueOff val="0"/>
@@ -9542,13 +9471,7 @@
           </a:solidFill>
           <a:prstDash val="solid"/>
         </a:ln>
-        <a:effectLst>
-          <a:outerShdw blurRad="51500" dist="25400" dir="5400000" rotWithShape="0">
-            <a:srgbClr val="000000">
-              <a:alpha val="40000"/>
-            </a:srgbClr>
-          </a:outerShdw>
-        </a:effectLst>
+        <a:effectLst/>
       </dsp:spPr>
       <dsp:style>
         <a:lnRef idx="3">
@@ -9565,12 +9488,12 @@
         </a:fontRef>
       </dsp:style>
       <dsp:txBody>
-        <a:bodyPr spcFirstLastPara="0" vert="horz" wrap="square" lIns="76200" tIns="76200" rIns="76200" bIns="76200" numCol="1" spcCol="1270" anchor="ctr" anchorCtr="0">
+        <a:bodyPr spcFirstLastPara="0" vert="horz" wrap="square" lIns="87630" tIns="87630" rIns="87630" bIns="87630" numCol="1" spcCol="1270" anchor="ctr" anchorCtr="0">
           <a:noAutofit/>
         </a:bodyPr>
         <a:lstStyle/>
         <a:p>
-          <a:pPr lvl="0" algn="l" defTabSz="889000" rtl="0">
+          <a:pPr lvl="0" algn="l" defTabSz="1022350" rtl="0">
             <a:lnSpc>
               <a:spcPct val="90000"/>
             </a:lnSpc>
@@ -9582,15 +9505,15 @@
             </a:spcAft>
           </a:pPr>
           <a:r>
-            <a:rPr lang="en-US" sz="2000" kern="1200" smtClean="0"/>
+            <a:rPr lang="en-US" sz="2300" kern="1200" smtClean="0"/>
             <a:t>Update presentation</a:t>
           </a:r>
-          <a:endParaRPr lang="en-US" sz="2000" kern="1200"/>
+          <a:endParaRPr lang="en-US" sz="2300" kern="1200"/>
         </a:p>
       </dsp:txBody>
       <dsp:txXfrm>
-        <a:off x="22846" y="2724477"/>
-        <a:ext cx="8183908" cy="422308"/>
+        <a:off x="26273" y="3097073"/>
+        <a:ext cx="8177054" cy="485654"/>
       </dsp:txXfrm>
     </dsp:sp>
   </dsp:spTree>
@@ -20336,7 +20259,7 @@
           <a:p>
             <a:fld id="{266B94FD-7BF3-499E-953D-391D7CAECD2D}" type="datetimeFigureOut">
               <a:rPr lang="en-US" smtClean="0"/>
-              <a:t>5/3/2018</a:t>
+              <a:t>5/4/2018</a:t>
             </a:fld>
             <a:endParaRPr lang="en-US"/>
           </a:p>
@@ -20694,7 +20617,7 @@
 </file>
 
 <file path=ppt/slideLayouts/slideLayout1.xml><?xml version="1.0" encoding="utf-8"?>
-<p:sldLayout xmlns:a="http://schemas.openxmlformats.org/drawingml/2006/main" xmlns:r="http://schemas.openxmlformats.org/officeDocument/2006/relationships" xmlns:p="http://schemas.openxmlformats.org/presentationml/2006/main" showMasterSp="0" type="title" preserve="1">
+<p:sldLayout xmlns:a="http://schemas.openxmlformats.org/drawingml/2006/main" xmlns:r="http://schemas.openxmlformats.org/officeDocument/2006/relationships" xmlns:p="http://schemas.openxmlformats.org/presentationml/2006/main" type="title" preserve="1">
   <p:cSld name="Title Slide">
     <p:spTree>
       <p:nvGrpSpPr>
@@ -20712,529 +20635,7 @@
       </p:grpSpPr>
       <p:sp>
         <p:nvSpPr>
-          <p:cNvPr id="23" name="Rectangle 22"/>
-          <p:cNvSpPr/>
-          <p:nvPr/>
-        </p:nvSpPr>
-        <p:spPr>
-          <a:xfrm flipV="1">
-            <a:off x="5410183" y="2857501"/>
-            <a:ext cx="3733819" cy="68315"/>
-          </a:xfrm>
-          <a:prstGeom prst="rect">
-            <a:avLst/>
-          </a:prstGeom>
-          <a:solidFill>
-            <a:schemeClr val="accent2">
-              <a:alpha val="100000"/>
-            </a:schemeClr>
-          </a:solidFill>
-          <a:ln w="50800" cap="rnd" cmpd="thickThin" algn="ctr">
-            <a:noFill/>
-            <a:prstDash val="solid"/>
-          </a:ln>
-          <a:effectLst/>
-        </p:spPr>
-        <p:style>
-          <a:lnRef idx="3">
-            <a:schemeClr val="lt1"/>
-          </a:lnRef>
-          <a:fillRef idx="1">
-            <a:schemeClr val="accent1"/>
-          </a:fillRef>
-          <a:effectRef idx="1">
-            <a:schemeClr val="accent1"/>
-          </a:effectRef>
-          <a:fontRef idx="minor">
-            <a:schemeClr val="lt1"/>
-          </a:fontRef>
-        </p:style>
-        <p:txBody>
-          <a:bodyPr anchor="ctr"/>
-          <a:lstStyle/>
-          <a:p>
-            <a:pPr algn="ctr" eaLnBrk="1" latinLnBrk="0" hangingPunct="1"/>
-            <a:endParaRPr kumimoji="0" lang="en-US"/>
-          </a:p>
-        </p:txBody>
-      </p:sp>
-      <p:sp>
-        <p:nvSpPr>
-          <p:cNvPr id="24" name="Rectangle 23"/>
-          <p:cNvSpPr/>
-          <p:nvPr/>
-        </p:nvSpPr>
-        <p:spPr>
-          <a:xfrm flipV="1">
-            <a:off x="5410201" y="2922758"/>
-            <a:ext cx="3733801" cy="144018"/>
-          </a:xfrm>
-          <a:prstGeom prst="rect">
-            <a:avLst/>
-          </a:prstGeom>
-          <a:solidFill>
-            <a:schemeClr val="accent2">
-              <a:alpha val="50000"/>
-            </a:schemeClr>
-          </a:solidFill>
-          <a:ln w="50800" cap="rnd" cmpd="thickThin" algn="ctr">
-            <a:noFill/>
-            <a:prstDash val="solid"/>
-          </a:ln>
-          <a:effectLst/>
-        </p:spPr>
-        <p:style>
-          <a:lnRef idx="3">
-            <a:schemeClr val="lt1"/>
-          </a:lnRef>
-          <a:fillRef idx="1">
-            <a:schemeClr val="accent1"/>
-          </a:fillRef>
-          <a:effectRef idx="1">
-            <a:schemeClr val="accent1"/>
-          </a:effectRef>
-          <a:fontRef idx="minor">
-            <a:schemeClr val="lt1"/>
-          </a:fontRef>
-        </p:style>
-        <p:txBody>
-          <a:bodyPr anchor="ctr"/>
-          <a:lstStyle/>
-          <a:p>
-            <a:pPr algn="ctr" eaLnBrk="1" latinLnBrk="0" hangingPunct="1"/>
-            <a:endParaRPr kumimoji="0" lang="en-US"/>
-          </a:p>
-        </p:txBody>
-      </p:sp>
-      <p:sp>
-        <p:nvSpPr>
-          <p:cNvPr id="25" name="Rectangle 24"/>
-          <p:cNvSpPr/>
-          <p:nvPr/>
-        </p:nvSpPr>
-        <p:spPr>
-          <a:xfrm flipV="1">
-            <a:off x="5410201" y="3086375"/>
-            <a:ext cx="3733801" cy="6858"/>
-          </a:xfrm>
-          <a:prstGeom prst="rect">
-            <a:avLst/>
-          </a:prstGeom>
-          <a:solidFill>
-            <a:schemeClr val="accent2">
-              <a:alpha val="65000"/>
-            </a:schemeClr>
-          </a:solidFill>
-          <a:ln w="50800" cap="rnd" cmpd="thickThin" algn="ctr">
-            <a:noFill/>
-            <a:prstDash val="solid"/>
-          </a:ln>
-          <a:effectLst/>
-        </p:spPr>
-        <p:style>
-          <a:lnRef idx="3">
-            <a:schemeClr val="lt1"/>
-          </a:lnRef>
-          <a:fillRef idx="1">
-            <a:schemeClr val="accent1"/>
-          </a:fillRef>
-          <a:effectRef idx="1">
-            <a:schemeClr val="accent1"/>
-          </a:effectRef>
-          <a:fontRef idx="minor">
-            <a:schemeClr val="lt1"/>
-          </a:fontRef>
-        </p:style>
-        <p:txBody>
-          <a:bodyPr anchor="ctr"/>
-          <a:lstStyle/>
-          <a:p>
-            <a:pPr algn="ctr" eaLnBrk="1" latinLnBrk="0" hangingPunct="1"/>
-            <a:endParaRPr kumimoji="0" lang="en-US"/>
-          </a:p>
-        </p:txBody>
-      </p:sp>
-      <p:sp>
-        <p:nvSpPr>
-          <p:cNvPr id="26" name="Rectangle 25"/>
-          <p:cNvSpPr/>
-          <p:nvPr/>
-        </p:nvSpPr>
-        <p:spPr>
-          <a:xfrm flipV="1">
-            <a:off x="5410200" y="3123302"/>
-            <a:ext cx="1965960" cy="13716"/>
-          </a:xfrm>
-          <a:prstGeom prst="rect">
-            <a:avLst/>
-          </a:prstGeom>
-          <a:solidFill>
-            <a:schemeClr val="accent2">
-              <a:alpha val="60000"/>
-            </a:schemeClr>
-          </a:solidFill>
-          <a:ln w="50800" cap="rnd" cmpd="thickThin" algn="ctr">
-            <a:noFill/>
-            <a:prstDash val="solid"/>
-          </a:ln>
-          <a:effectLst/>
-        </p:spPr>
-        <p:style>
-          <a:lnRef idx="3">
-            <a:schemeClr val="lt1"/>
-          </a:lnRef>
-          <a:fillRef idx="1">
-            <a:schemeClr val="accent1"/>
-          </a:fillRef>
-          <a:effectRef idx="1">
-            <a:schemeClr val="accent1"/>
-          </a:effectRef>
-          <a:fontRef idx="minor">
-            <a:schemeClr val="lt1"/>
-          </a:fontRef>
-        </p:style>
-        <p:txBody>
-          <a:bodyPr anchor="ctr"/>
-          <a:lstStyle/>
-          <a:p>
-            <a:pPr algn="ctr" eaLnBrk="1" latinLnBrk="0" hangingPunct="1"/>
-            <a:endParaRPr kumimoji="0" lang="en-US"/>
-          </a:p>
-        </p:txBody>
-      </p:sp>
-      <p:sp>
-        <p:nvSpPr>
-          <p:cNvPr id="27" name="Rectangle 26"/>
-          <p:cNvSpPr/>
-          <p:nvPr/>
-        </p:nvSpPr>
-        <p:spPr>
-          <a:xfrm flipV="1">
-            <a:off x="5410200" y="3149679"/>
-            <a:ext cx="1965960" cy="6858"/>
-          </a:xfrm>
-          <a:prstGeom prst="rect">
-            <a:avLst/>
-          </a:prstGeom>
-          <a:solidFill>
-            <a:schemeClr val="accent2">
-              <a:alpha val="65000"/>
-            </a:schemeClr>
-          </a:solidFill>
-          <a:ln w="50800" cap="rnd" cmpd="thickThin" algn="ctr">
-            <a:noFill/>
-            <a:prstDash val="solid"/>
-          </a:ln>
-          <a:effectLst/>
-        </p:spPr>
-        <p:style>
-          <a:lnRef idx="3">
-            <a:schemeClr val="lt1"/>
-          </a:lnRef>
-          <a:fillRef idx="1">
-            <a:schemeClr val="accent1"/>
-          </a:fillRef>
-          <a:effectRef idx="1">
-            <a:schemeClr val="accent1"/>
-          </a:effectRef>
-          <a:fontRef idx="minor">
-            <a:schemeClr val="lt1"/>
-          </a:fontRef>
-        </p:style>
-        <p:txBody>
-          <a:bodyPr anchor="ctr"/>
-          <a:lstStyle/>
-          <a:p>
-            <a:pPr algn="ctr" eaLnBrk="1" latinLnBrk="0" hangingPunct="1"/>
-            <a:endParaRPr kumimoji="0" lang="en-US"/>
-          </a:p>
-        </p:txBody>
-      </p:sp>
-      <p:sp useBgFill="1">
-        <p:nvSpPr>
-          <p:cNvPr id="30" name="Rounded Rectangle 29"/>
-          <p:cNvSpPr/>
-          <p:nvPr/>
-        </p:nvSpPr>
-        <p:spPr bwMode="white">
-          <a:xfrm>
-            <a:off x="5410200" y="2971800"/>
-            <a:ext cx="3063240" cy="20574"/>
-          </a:xfrm>
-          <a:prstGeom prst="roundRect">
-            <a:avLst>
-              <a:gd name="adj" fmla="val 16667"/>
-            </a:avLst>
-          </a:prstGeom>
-          <a:ln w="50800" cap="rnd" cmpd="thickThin" algn="ctr">
-            <a:noFill/>
-            <a:prstDash val="solid"/>
-          </a:ln>
-          <a:effectLst/>
-        </p:spPr>
-        <p:style>
-          <a:lnRef idx="3">
-            <a:schemeClr val="lt1"/>
-          </a:lnRef>
-          <a:fillRef idx="1">
-            <a:schemeClr val="accent1"/>
-          </a:fillRef>
-          <a:effectRef idx="1">
-            <a:schemeClr val="accent1"/>
-          </a:effectRef>
-          <a:fontRef idx="minor">
-            <a:schemeClr val="lt1"/>
-          </a:fontRef>
-        </p:style>
-        <p:txBody>
-          <a:bodyPr anchor="ctr"/>
-          <a:lstStyle/>
-          <a:p>
-            <a:pPr algn="ctr" eaLnBrk="1" latinLnBrk="0" hangingPunct="1"/>
-            <a:endParaRPr kumimoji="0" lang="en-US"/>
-          </a:p>
-        </p:txBody>
-      </p:sp>
-      <p:sp useBgFill="1">
-        <p:nvSpPr>
-          <p:cNvPr id="31" name="Rounded Rectangle 30"/>
-          <p:cNvSpPr/>
-          <p:nvPr/>
-        </p:nvSpPr>
-        <p:spPr bwMode="white">
-          <a:xfrm>
-            <a:off x="7376507" y="3045737"/>
-            <a:ext cx="1600200" cy="27432"/>
-          </a:xfrm>
-          <a:prstGeom prst="roundRect">
-            <a:avLst>
-              <a:gd name="adj" fmla="val 16667"/>
-            </a:avLst>
-          </a:prstGeom>
-          <a:ln w="50800" cap="rnd" cmpd="thickThin" algn="ctr">
-            <a:noFill/>
-            <a:prstDash val="solid"/>
-          </a:ln>
-          <a:effectLst/>
-        </p:spPr>
-        <p:style>
-          <a:lnRef idx="3">
-            <a:schemeClr val="lt1"/>
-          </a:lnRef>
-          <a:fillRef idx="1">
-            <a:schemeClr val="accent1"/>
-          </a:fillRef>
-          <a:effectRef idx="1">
-            <a:schemeClr val="accent1"/>
-          </a:effectRef>
-          <a:fontRef idx="minor">
-            <a:schemeClr val="lt1"/>
-          </a:fontRef>
-        </p:style>
-        <p:txBody>
-          <a:bodyPr anchor="ctr"/>
-          <a:lstStyle/>
-          <a:p>
-            <a:pPr algn="ctr" eaLnBrk="1" latinLnBrk="0" hangingPunct="1"/>
-            <a:endParaRPr kumimoji="0" lang="en-US"/>
-          </a:p>
-        </p:txBody>
-      </p:sp>
-      <p:sp>
-        <p:nvSpPr>
-          <p:cNvPr id="7" name="Rectangle 6"/>
-          <p:cNvSpPr/>
-          <p:nvPr/>
-        </p:nvSpPr>
-        <p:spPr>
-          <a:xfrm>
-            <a:off x="1" y="2737246"/>
-            <a:ext cx="9144000" cy="183128"/>
-          </a:xfrm>
-          <a:prstGeom prst="rect">
-            <a:avLst/>
-          </a:prstGeom>
-          <a:solidFill>
-            <a:schemeClr val="accent2">
-              <a:alpha val="50000"/>
-            </a:schemeClr>
-          </a:solidFill>
-          <a:ln w="50800" cap="rnd" cmpd="thickThin" algn="ctr">
-            <a:noFill/>
-            <a:prstDash val="solid"/>
-          </a:ln>
-          <a:effectLst/>
-        </p:spPr>
-        <p:style>
-          <a:lnRef idx="3">
-            <a:schemeClr val="lt1"/>
-          </a:lnRef>
-          <a:fillRef idx="1">
-            <a:schemeClr val="accent1"/>
-          </a:fillRef>
-          <a:effectRef idx="1">
-            <a:schemeClr val="accent1"/>
-          </a:effectRef>
-          <a:fontRef idx="minor">
-            <a:schemeClr val="lt1"/>
-          </a:fontRef>
-        </p:style>
-        <p:txBody>
-          <a:bodyPr anchor="ctr"/>
-          <a:lstStyle/>
-          <a:p>
-            <a:pPr algn="ctr" eaLnBrk="1" latinLnBrk="0" hangingPunct="1"/>
-            <a:endParaRPr kumimoji="0" lang="en-US"/>
-          </a:p>
-        </p:txBody>
-      </p:sp>
-      <p:sp>
-        <p:nvSpPr>
-          <p:cNvPr id="10" name="Rectangle 9"/>
-          <p:cNvSpPr/>
-          <p:nvPr/>
-        </p:nvSpPr>
-        <p:spPr>
-          <a:xfrm>
-            <a:off x="1" y="2756646"/>
-            <a:ext cx="9144001" cy="105508"/>
-          </a:xfrm>
-          <a:prstGeom prst="rect">
-            <a:avLst/>
-          </a:prstGeom>
-          <a:solidFill>
-            <a:schemeClr val="accent2">
-              <a:alpha val="100000"/>
-            </a:schemeClr>
-          </a:solidFill>
-          <a:ln w="50800" cap="rnd" cmpd="thickThin" algn="ctr">
-            <a:noFill/>
-            <a:prstDash val="solid"/>
-          </a:ln>
-          <a:effectLst/>
-        </p:spPr>
-        <p:style>
-          <a:lnRef idx="3">
-            <a:schemeClr val="lt1"/>
-          </a:lnRef>
-          <a:fillRef idx="1">
-            <a:schemeClr val="accent1"/>
-          </a:fillRef>
-          <a:effectRef idx="1">
-            <a:schemeClr val="accent1"/>
-          </a:effectRef>
-          <a:fontRef idx="minor">
-            <a:schemeClr val="lt1"/>
-          </a:fontRef>
-        </p:style>
-        <p:txBody>
-          <a:bodyPr anchor="ctr"/>
-          <a:lstStyle/>
-          <a:p>
-            <a:pPr algn="ctr" eaLnBrk="1" latinLnBrk="0" hangingPunct="1"/>
-            <a:endParaRPr kumimoji="0" lang="en-US"/>
-          </a:p>
-        </p:txBody>
-      </p:sp>
-      <p:sp>
-        <p:nvSpPr>
-          <p:cNvPr id="11" name="Rectangle 10"/>
-          <p:cNvSpPr/>
-          <p:nvPr/>
-        </p:nvSpPr>
-        <p:spPr>
-          <a:xfrm flipV="1">
-            <a:off x="6414051" y="2732318"/>
-            <a:ext cx="2729950" cy="186324"/>
-          </a:xfrm>
-          <a:prstGeom prst="rect">
-            <a:avLst/>
-          </a:prstGeom>
-          <a:solidFill>
-            <a:schemeClr val="accent2">
-              <a:alpha val="100000"/>
-            </a:schemeClr>
-          </a:solidFill>
-          <a:ln w="50800" cap="rnd" cmpd="thickThin" algn="ctr">
-            <a:noFill/>
-            <a:prstDash val="solid"/>
-          </a:ln>
-          <a:effectLst/>
-        </p:spPr>
-        <p:style>
-          <a:lnRef idx="3">
-            <a:schemeClr val="lt1"/>
-          </a:lnRef>
-          <a:fillRef idx="1">
-            <a:schemeClr val="accent1"/>
-          </a:fillRef>
-          <a:effectRef idx="1">
-            <a:schemeClr val="accent1"/>
-          </a:effectRef>
-          <a:fontRef idx="minor">
-            <a:schemeClr val="lt1"/>
-          </a:fontRef>
-        </p:style>
-        <p:txBody>
-          <a:bodyPr anchor="ctr"/>
-          <a:lstStyle/>
-          <a:p>
-            <a:pPr algn="ctr" eaLnBrk="1" latinLnBrk="0" hangingPunct="1"/>
-            <a:endParaRPr kumimoji="0" lang="en-US"/>
-          </a:p>
-        </p:txBody>
-      </p:sp>
-      <p:sp>
-        <p:nvSpPr>
-          <p:cNvPr id="19" name="Rectangle 18"/>
-          <p:cNvSpPr/>
-          <p:nvPr/>
-        </p:nvSpPr>
-        <p:spPr>
-          <a:xfrm>
-            <a:off x="0" y="0"/>
-            <a:ext cx="9144000" cy="2776275"/>
-          </a:xfrm>
-          <a:prstGeom prst="rect">
-            <a:avLst/>
-          </a:prstGeom>
-          <a:solidFill>
-            <a:schemeClr val="tx2">
-              <a:alpha val="100000"/>
-            </a:schemeClr>
-          </a:solidFill>
-          <a:ln w="50800" cap="rnd" cmpd="thickThin" algn="ctr">
-            <a:noFill/>
-            <a:prstDash val="solid"/>
-          </a:ln>
-          <a:effectLst/>
-        </p:spPr>
-        <p:style>
-          <a:lnRef idx="3">
-            <a:schemeClr val="lt1"/>
-          </a:lnRef>
-          <a:fillRef idx="1">
-            <a:schemeClr val="accent1"/>
-          </a:fillRef>
-          <a:effectRef idx="1">
-            <a:schemeClr val="accent1"/>
-          </a:effectRef>
-          <a:fontRef idx="minor">
-            <a:schemeClr val="lt1"/>
-          </a:fontRef>
-        </p:style>
-        <p:txBody>
-          <a:bodyPr anchor="ctr"/>
-          <a:lstStyle/>
-          <a:p>
-            <a:pPr algn="ctr" eaLnBrk="1" latinLnBrk="0" hangingPunct="1"/>
-            <a:endParaRPr kumimoji="0" lang="en-US"/>
-          </a:p>
-        </p:txBody>
-      </p:sp>
-      <p:sp>
-        <p:nvSpPr>
-          <p:cNvPr id="8" name="Title 7"/>
+          <p:cNvPr id="2" name="Title 1"/>
           <p:cNvSpPr>
             <a:spLocks noGrp="1"/>
           </p:cNvSpPr>
@@ -21244,33 +20645,31 @@
         </p:nvSpPr>
         <p:spPr>
           <a:xfrm>
-            <a:off x="457200" y="1801416"/>
-            <a:ext cx="8458200" cy="1102519"/>
+            <a:off x="685800" y="1028700"/>
+            <a:ext cx="7848600" cy="1445419"/>
           </a:xfrm>
         </p:spPr>
         <p:txBody>
-          <a:bodyPr anchor="b"/>
+          <a:bodyPr anchor="b">
+            <a:noAutofit/>
+          </a:bodyPr>
           <a:lstStyle>
             <a:lvl1pPr>
-              <a:defRPr sz="4400">
-                <a:solidFill>
-                  <a:schemeClr val="bg1"/>
-                </a:solidFill>
-              </a:defRPr>
+              <a:defRPr sz="5400" cap="all" baseline="0"/>
             </a:lvl1pPr>
           </a:lstStyle>
           <a:p>
             <a:r>
-              <a:rPr kumimoji="0" lang="en-US" smtClean="0"/>
+              <a:rPr lang="en-US" smtClean="0"/>
               <a:t>Click to edit Master title style</a:t>
             </a:r>
-            <a:endParaRPr kumimoji="0" lang="en-US"/>
+            <a:endParaRPr lang="en-US" dirty="0"/>
           </a:p>
         </p:txBody>
       </p:sp>
       <p:sp>
         <p:nvSpPr>
-          <p:cNvPr id="9" name="Subtitle 8"/>
+          <p:cNvPr id="3" name="Subtitle 2"/>
           <p:cNvSpPr>
             <a:spLocks noGrp="1"/>
           </p:cNvSpPr>
@@ -21280,58 +20679,117 @@
         </p:nvSpPr>
         <p:spPr>
           <a:xfrm>
-            <a:off x="457200" y="2924953"/>
-            <a:ext cx="4953000" cy="1314450"/>
+            <a:off x="685800" y="2628900"/>
+            <a:ext cx="6400800" cy="1314450"/>
           </a:xfrm>
         </p:spPr>
         <p:txBody>
           <a:bodyPr/>
           <a:lstStyle>
-            <a:lvl1pPr marL="64008" indent="0" algn="l">
+            <a:lvl1pPr marL="0" indent="0" algn="l">
               <a:buNone/>
-              <a:defRPr sz="2400">
+              <a:defRPr>
                 <a:solidFill>
-                  <a:schemeClr val="tx2"/>
+                  <a:schemeClr val="tx1">
+                    <a:lumMod val="75000"/>
+                    <a:lumOff val="25000"/>
+                  </a:schemeClr>
                 </a:solidFill>
               </a:defRPr>
             </a:lvl1pPr>
             <a:lvl2pPr marL="457200" indent="0" algn="ctr">
               <a:buNone/>
+              <a:defRPr>
+                <a:solidFill>
+                  <a:schemeClr val="tx1">
+                    <a:tint val="75000"/>
+                  </a:schemeClr>
+                </a:solidFill>
+              </a:defRPr>
             </a:lvl2pPr>
             <a:lvl3pPr marL="914400" indent="0" algn="ctr">
               <a:buNone/>
+              <a:defRPr>
+                <a:solidFill>
+                  <a:schemeClr val="tx1">
+                    <a:tint val="75000"/>
+                  </a:schemeClr>
+                </a:solidFill>
+              </a:defRPr>
             </a:lvl3pPr>
             <a:lvl4pPr marL="1371600" indent="0" algn="ctr">
               <a:buNone/>
+              <a:defRPr>
+                <a:solidFill>
+                  <a:schemeClr val="tx1">
+                    <a:tint val="75000"/>
+                  </a:schemeClr>
+                </a:solidFill>
+              </a:defRPr>
             </a:lvl4pPr>
             <a:lvl5pPr marL="1828800" indent="0" algn="ctr">
               <a:buNone/>
+              <a:defRPr>
+                <a:solidFill>
+                  <a:schemeClr val="tx1">
+                    <a:tint val="75000"/>
+                  </a:schemeClr>
+                </a:solidFill>
+              </a:defRPr>
             </a:lvl5pPr>
             <a:lvl6pPr marL="2286000" indent="0" algn="ctr">
               <a:buNone/>
+              <a:defRPr>
+                <a:solidFill>
+                  <a:schemeClr val="tx1">
+                    <a:tint val="75000"/>
+                  </a:schemeClr>
+                </a:solidFill>
+              </a:defRPr>
             </a:lvl6pPr>
             <a:lvl7pPr marL="2743200" indent="0" algn="ctr">
               <a:buNone/>
+              <a:defRPr>
+                <a:solidFill>
+                  <a:schemeClr val="tx1">
+                    <a:tint val="75000"/>
+                  </a:schemeClr>
+                </a:solidFill>
+              </a:defRPr>
             </a:lvl7pPr>
             <a:lvl8pPr marL="3200400" indent="0" algn="ctr">
               <a:buNone/>
+              <a:defRPr>
+                <a:solidFill>
+                  <a:schemeClr val="tx1">
+                    <a:tint val="75000"/>
+                  </a:schemeClr>
+                </a:solidFill>
+              </a:defRPr>
             </a:lvl8pPr>
             <a:lvl9pPr marL="3657600" indent="0" algn="ctr">
               <a:buNone/>
+              <a:defRPr>
+                <a:solidFill>
+                  <a:schemeClr val="tx1">
+                    <a:tint val="75000"/>
+                  </a:schemeClr>
+                </a:solidFill>
+              </a:defRPr>
             </a:lvl9pPr>
           </a:lstStyle>
           <a:p>
             <a:r>
-              <a:rPr kumimoji="0" lang="en-US" smtClean="0"/>
+              <a:rPr lang="en-US" smtClean="0"/>
               <a:t>Click to edit Master subtitle style</a:t>
             </a:r>
-            <a:endParaRPr kumimoji="0" lang="en-US"/>
+            <a:endParaRPr lang="en-US" dirty="0"/>
           </a:p>
         </p:txBody>
       </p:sp>
       <p:sp>
         <p:nvSpPr>
-          <p:cNvPr id="28" name="Date Placeholder 27"/>
+          <p:cNvPr id="4" name="Date Placeholder 3"/>
           <p:cNvSpPr>
             <a:spLocks noGrp="1"/>
           </p:cNvSpPr>
@@ -21339,19 +20797,14 @@
             <p:ph type="dt" sz="half" idx="10"/>
           </p:nvPr>
         </p:nvSpPr>
-        <p:spPr>
-          <a:xfrm>
-            <a:off x="6705600" y="3154680"/>
-            <a:ext cx="960120" cy="342900"/>
-          </a:xfrm>
-        </p:spPr>
+        <p:spPr/>
         <p:txBody>
           <a:bodyPr/>
           <a:lstStyle/>
           <a:p>
             <a:fld id="{A65AF353-4280-4F61-8B05-F6A9C58BF89C}" type="datetimeFigureOut">
               <a:rPr lang="en-US" smtClean="0"/>
-              <a:t>5/3/2018</a:t>
+              <a:t>5/4/2018</a:t>
             </a:fld>
             <a:endParaRPr lang="en-US"/>
           </a:p>
@@ -21359,7 +20812,7 @@
       </p:sp>
       <p:sp>
         <p:nvSpPr>
-          <p:cNvPr id="17" name="Footer Placeholder 16"/>
+          <p:cNvPr id="5" name="Footer Placeholder 4"/>
           <p:cNvSpPr>
             <a:spLocks noGrp="1"/>
           </p:cNvSpPr>
@@ -21367,12 +20820,7 @@
             <p:ph type="ftr" sz="quarter" idx="11"/>
           </p:nvPr>
         </p:nvSpPr>
-        <p:spPr>
-          <a:xfrm>
-            <a:off x="5410200" y="3153966"/>
-            <a:ext cx="1295400" cy="342900"/>
-          </a:xfrm>
-        </p:spPr>
+        <p:spPr/>
         <p:txBody>
           <a:bodyPr/>
           <a:lstStyle/>
@@ -21383,7 +20831,7 @@
       </p:sp>
       <p:sp>
         <p:nvSpPr>
-          <p:cNvPr id="29" name="Slide Number Placeholder 28"/>
+          <p:cNvPr id="6" name="Slide Number Placeholder 5"/>
           <p:cNvSpPr>
             <a:spLocks noGrp="1"/>
           </p:cNvSpPr>
@@ -21391,23 +20839,10 @@
             <p:ph type="sldNum" sz="quarter" idx="12"/>
           </p:nvPr>
         </p:nvSpPr>
-        <p:spPr>
-          <a:xfrm>
-            <a:off x="8320088" y="852"/>
-            <a:ext cx="747712" cy="274320"/>
-          </a:xfrm>
-        </p:spPr>
+        <p:spPr/>
         <p:txBody>
           <a:bodyPr/>
-          <a:lstStyle>
-            <a:lvl1pPr algn="r">
-              <a:defRPr sz="1800">
-                <a:solidFill>
-                  <a:schemeClr val="bg1"/>
-                </a:solidFill>
-              </a:defRPr>
-            </a:lvl1pPr>
-          </a:lstStyle>
+          <a:lstStyle/>
           <a:p>
             <a:fld id="{099FDD71-1211-47CC-B34E-8A622282E537}" type="slidenum">
               <a:rPr lang="en-US" smtClean="0"/>
@@ -21417,6 +20852,41 @@
           </a:p>
         </p:txBody>
       </p:sp>
+      <p:cxnSp>
+        <p:nvCxnSpPr>
+          <p:cNvPr id="8" name="Straight Connector 7"/>
+          <p:cNvCxnSpPr/>
+          <p:nvPr/>
+        </p:nvCxnSpPr>
+        <p:spPr>
+          <a:xfrm>
+            <a:off x="685800" y="2548890"/>
+            <a:ext cx="7848600" cy="1191"/>
+          </a:xfrm>
+          <a:prstGeom prst="line">
+            <a:avLst/>
+          </a:prstGeom>
+          <a:ln w="19050">
+            <a:solidFill>
+              <a:schemeClr val="tx2"/>
+            </a:solidFill>
+          </a:ln>
+        </p:spPr>
+        <p:style>
+          <a:lnRef idx="1">
+            <a:schemeClr val="accent1"/>
+          </a:lnRef>
+          <a:fillRef idx="0">
+            <a:schemeClr val="accent1"/>
+          </a:fillRef>
+          <a:effectRef idx="0">
+            <a:schemeClr val="accent1"/>
+          </a:effectRef>
+          <a:fontRef idx="minor">
+            <a:schemeClr val="tx1"/>
+          </a:fontRef>
+        </p:style>
+      </p:cxnSp>
     </p:spTree>
   </p:cSld>
   <p:clrMapOvr>
@@ -21458,10 +20928,10 @@
           <a:lstStyle/>
           <a:p>
             <a:r>
-              <a:rPr kumimoji="0" lang="en-US" smtClean="0"/>
+              <a:rPr lang="en-US" smtClean="0"/>
               <a:t>Click to edit Master title style</a:t>
             </a:r>
-            <a:endParaRPr kumimoji="0" lang="en-US"/>
+            <a:endParaRPr lang="en-US"/>
           </a:p>
         </p:txBody>
       </p:sp>
@@ -21480,40 +20950,40 @@
           <a:bodyPr vert="eaVert"/>
           <a:lstStyle/>
           <a:p>
-            <a:pPr lvl="0" eaLnBrk="1" latinLnBrk="0" hangingPunct="1"/>
+            <a:pPr lvl="0"/>
             <a:r>
               <a:rPr lang="en-US" smtClean="0"/>
               <a:t>Click to edit Master text styles</a:t>
             </a:r>
           </a:p>
           <a:p>
-            <a:pPr lvl="1" eaLnBrk="1" latinLnBrk="0" hangingPunct="1"/>
+            <a:pPr lvl="1"/>
             <a:r>
               <a:rPr lang="en-US" smtClean="0"/>
               <a:t>Second level</a:t>
             </a:r>
           </a:p>
           <a:p>
-            <a:pPr lvl="2" eaLnBrk="1" latinLnBrk="0" hangingPunct="1"/>
+            <a:pPr lvl="2"/>
             <a:r>
               <a:rPr lang="en-US" smtClean="0"/>
               <a:t>Third level</a:t>
             </a:r>
           </a:p>
           <a:p>
-            <a:pPr lvl="3" eaLnBrk="1" latinLnBrk="0" hangingPunct="1"/>
+            <a:pPr lvl="3"/>
             <a:r>
               <a:rPr lang="en-US" smtClean="0"/>
               <a:t>Fourth level</a:t>
             </a:r>
           </a:p>
           <a:p>
-            <a:pPr lvl="4" eaLnBrk="1" latinLnBrk="0" hangingPunct="1"/>
+            <a:pPr lvl="4"/>
             <a:r>
               <a:rPr lang="en-US" smtClean="0"/>
               <a:t>Fifth level</a:t>
             </a:r>
-            <a:endParaRPr kumimoji="0" lang="en-US"/>
+            <a:endParaRPr lang="en-US"/>
           </a:p>
         </p:txBody>
       </p:sp>
@@ -21534,7 +21004,7 @@
           <a:p>
             <a:fld id="{A65AF353-4280-4F61-8B05-F6A9C58BF89C}" type="datetimeFigureOut">
               <a:rPr lang="en-US" smtClean="0"/>
-              <a:t>5/3/2018</a:t>
+              <a:t>5/4/2018</a:t>
             </a:fld>
             <a:endParaRPr lang="en-US"/>
           </a:p>
@@ -21619,19 +21089,19 @@
         </p:nvSpPr>
         <p:spPr>
           <a:xfrm>
-            <a:off x="6781800" y="857250"/>
-            <a:ext cx="1905000" cy="4114800"/>
+            <a:off x="6629400" y="457200"/>
+            <a:ext cx="2057400" cy="4400550"/>
           </a:xfrm>
         </p:spPr>
         <p:txBody>
-          <a:bodyPr vert="eaVert"/>
+          <a:bodyPr vert="eaVert" anchor="b"/>
           <a:lstStyle/>
           <a:p>
             <a:r>
-              <a:rPr kumimoji="0" lang="en-US" smtClean="0"/>
+              <a:rPr lang="en-US" smtClean="0"/>
               <a:t>Click to edit Master title style</a:t>
             </a:r>
-            <a:endParaRPr kumimoji="0" lang="en-US"/>
+            <a:endParaRPr lang="en-US" dirty="0"/>
           </a:p>
         </p:txBody>
       </p:sp>
@@ -21647,48 +21117,48 @@
         </p:nvSpPr>
         <p:spPr>
           <a:xfrm>
-            <a:off x="457200" y="857250"/>
-            <a:ext cx="6248400" cy="4114800"/>
+            <a:off x="457200" y="457200"/>
+            <a:ext cx="6019800" cy="4400550"/>
           </a:xfrm>
         </p:spPr>
         <p:txBody>
           <a:bodyPr vert="eaVert"/>
           <a:lstStyle/>
           <a:p>
-            <a:pPr lvl="0" eaLnBrk="1" latinLnBrk="0" hangingPunct="1"/>
+            <a:pPr lvl="0"/>
             <a:r>
               <a:rPr lang="en-US" smtClean="0"/>
               <a:t>Click to edit Master text styles</a:t>
             </a:r>
           </a:p>
           <a:p>
-            <a:pPr lvl="1" eaLnBrk="1" latinLnBrk="0" hangingPunct="1"/>
+            <a:pPr lvl="1"/>
             <a:r>
               <a:rPr lang="en-US" smtClean="0"/>
               <a:t>Second level</a:t>
             </a:r>
           </a:p>
           <a:p>
-            <a:pPr lvl="2" eaLnBrk="1" latinLnBrk="0" hangingPunct="1"/>
+            <a:pPr lvl="2"/>
             <a:r>
               <a:rPr lang="en-US" smtClean="0"/>
               <a:t>Third level</a:t>
             </a:r>
           </a:p>
           <a:p>
-            <a:pPr lvl="3" eaLnBrk="1" latinLnBrk="0" hangingPunct="1"/>
+            <a:pPr lvl="3"/>
             <a:r>
               <a:rPr lang="en-US" smtClean="0"/>
               <a:t>Fourth level</a:t>
             </a:r>
           </a:p>
           <a:p>
-            <a:pPr lvl="4" eaLnBrk="1" latinLnBrk="0" hangingPunct="1"/>
+            <a:pPr lvl="4"/>
             <a:r>
               <a:rPr lang="en-US" smtClean="0"/>
               <a:t>Fifth level</a:t>
             </a:r>
-            <a:endParaRPr kumimoji="0" lang="en-US"/>
+            <a:endParaRPr lang="en-US" dirty="0"/>
           </a:p>
         </p:txBody>
       </p:sp>
@@ -21709,7 +21179,7 @@
           <a:p>
             <a:fld id="{A65AF353-4280-4F61-8B05-F6A9C58BF89C}" type="datetimeFigureOut">
               <a:rPr lang="en-US" smtClean="0"/>
-              <a:t>5/3/2018</a:t>
+              <a:t>5/4/2018</a:t>
             </a:fld>
             <a:endParaRPr lang="en-US"/>
           </a:p>
@@ -21798,10 +21268,10 @@
           <a:lstStyle/>
           <a:p>
             <a:r>
-              <a:rPr kumimoji="0" lang="en-US" smtClean="0"/>
+              <a:rPr lang="en-US" smtClean="0"/>
               <a:t>Click to edit Master title style</a:t>
             </a:r>
-            <a:endParaRPr kumimoji="0" lang="en-US"/>
+            <a:endParaRPr lang="en-US"/>
           </a:p>
         </p:txBody>
       </p:sp>
@@ -21820,40 +21290,40 @@
           <a:bodyPr/>
           <a:lstStyle/>
           <a:p>
-            <a:pPr lvl="0" eaLnBrk="1" latinLnBrk="0" hangingPunct="1"/>
+            <a:pPr lvl="0"/>
             <a:r>
               <a:rPr lang="en-US" smtClean="0"/>
               <a:t>Click to edit Master text styles</a:t>
             </a:r>
           </a:p>
           <a:p>
-            <a:pPr lvl="1" eaLnBrk="1" latinLnBrk="0" hangingPunct="1"/>
+            <a:pPr lvl="1"/>
             <a:r>
               <a:rPr lang="en-US" smtClean="0"/>
               <a:t>Second level</a:t>
             </a:r>
           </a:p>
           <a:p>
-            <a:pPr lvl="2" eaLnBrk="1" latinLnBrk="0" hangingPunct="1"/>
+            <a:pPr lvl="2"/>
             <a:r>
               <a:rPr lang="en-US" smtClean="0"/>
               <a:t>Third level</a:t>
             </a:r>
           </a:p>
           <a:p>
-            <a:pPr lvl="3" eaLnBrk="1" latinLnBrk="0" hangingPunct="1"/>
+            <a:pPr lvl="3"/>
             <a:r>
               <a:rPr lang="en-US" smtClean="0"/>
               <a:t>Fourth level</a:t>
             </a:r>
           </a:p>
           <a:p>
-            <a:pPr lvl="4" eaLnBrk="1" latinLnBrk="0" hangingPunct="1"/>
+            <a:pPr lvl="4"/>
             <a:r>
               <a:rPr lang="en-US" smtClean="0"/>
               <a:t>Fifth level</a:t>
             </a:r>
-            <a:endParaRPr kumimoji="0" lang="en-US"/>
+            <a:endParaRPr lang="en-US"/>
           </a:p>
         </p:txBody>
       </p:sp>
@@ -21874,7 +21344,7 @@
           <a:p>
             <a:fld id="{A65AF353-4280-4F61-8B05-F6A9C58BF89C}" type="datetimeFigureOut">
               <a:rPr lang="en-US" smtClean="0"/>
-              <a:t>5/3/2018</a:t>
+              <a:t>5/4/2018</a:t>
             </a:fld>
             <a:endParaRPr lang="en-US"/>
           </a:p>
@@ -21933,6 +21403,11 @@
 <file path=ppt/slideLayouts/slideLayout3.xml><?xml version="1.0" encoding="utf-8"?>
 <p:sldLayout xmlns:a="http://schemas.openxmlformats.org/drawingml/2006/main" xmlns:r="http://schemas.openxmlformats.org/officeDocument/2006/relationships" xmlns:p="http://schemas.openxmlformats.org/presentationml/2006/main" type="secHead" preserve="1">
   <p:cSld name="Section Header">
+    <p:bg>
+      <p:bgRef idx="1001">
+        <a:schemeClr val="bg2"/>
+      </p:bgRef>
+    </p:bg>
     <p:spTree>
       <p:nvGrpSpPr>
         <p:cNvPr id="1" name=""/>
@@ -21959,45 +21434,25 @@
         </p:nvSpPr>
         <p:spPr>
           <a:xfrm>
-            <a:off x="722313" y="1485901"/>
-            <a:ext cx="7772400" cy="1021556"/>
+            <a:off x="722313" y="1771651"/>
+            <a:ext cx="7772400" cy="1650206"/>
           </a:xfrm>
         </p:spPr>
         <p:txBody>
           <a:bodyPr anchor="b">
-            <a:noAutofit/>
+            <a:normAutofit/>
           </a:bodyPr>
           <a:lstStyle>
             <a:lvl1pPr algn="l">
-              <a:buNone/>
-              <a:defRPr sz="4300" b="1" cap="none" baseline="0">
-                <a:ln w="12700">
-                  <a:solidFill>
-                    <a:schemeClr val="accent2">
-                      <a:shade val="90000"/>
-                      <a:satMod val="150000"/>
-                    </a:schemeClr>
-                  </a:solidFill>
-                </a:ln>
-                <a:solidFill>
-                  <a:srgbClr val="FFFFFF"/>
-                </a:solidFill>
-                <a:effectLst>
-                  <a:outerShdw blurRad="38100" dist="38100" dir="5400000" algn="tl" rotWithShape="0">
-                    <a:srgbClr val="000000">
-                      <a:alpha val="25000"/>
-                    </a:srgbClr>
-                  </a:outerShdw>
-                </a:effectLst>
-              </a:defRPr>
+              <a:defRPr sz="4800" b="0" cap="all"/>
             </a:lvl1pPr>
           </a:lstStyle>
           <a:p>
             <a:r>
-              <a:rPr kumimoji="0" lang="en-US" smtClean="0"/>
+              <a:rPr lang="en-US" smtClean="0"/>
               <a:t>Click to edit Master title style</a:t>
             </a:r>
-            <a:endParaRPr kumimoji="0" lang="en-US"/>
+            <a:endParaRPr lang="en-US" dirty="0"/>
           </a:p>
         </p:txBody>
       </p:sp>
@@ -22013,22 +21468,24 @@
         </p:nvSpPr>
         <p:spPr>
           <a:xfrm>
-            <a:off x="722313" y="2525316"/>
-            <a:ext cx="7772400" cy="1132284"/>
+            <a:off x="722313" y="3470149"/>
+            <a:ext cx="7772400" cy="1125140"/>
           </a:xfrm>
         </p:spPr>
         <p:txBody>
-          <a:bodyPr anchor="t"/>
+          <a:bodyPr anchor="t">
+            <a:normAutofit/>
+          </a:bodyPr>
           <a:lstStyle>
-            <a:lvl1pPr marL="45720" indent="0">
+            <a:lvl1pPr marL="0" indent="0">
               <a:buNone/>
-              <a:defRPr sz="2100" b="0">
+              <a:defRPr sz="2400">
                 <a:solidFill>
                   <a:schemeClr val="tx2"/>
                 </a:solidFill>
               </a:defRPr>
             </a:lvl1pPr>
-            <a:lvl2pPr>
+            <a:lvl2pPr marL="457200" indent="0">
               <a:buNone/>
               <a:defRPr sz="1800">
                 <a:solidFill>
@@ -22038,7 +21495,7 @@
                 </a:solidFill>
               </a:defRPr>
             </a:lvl2pPr>
-            <a:lvl3pPr>
+            <a:lvl3pPr marL="914400" indent="0">
               <a:buNone/>
               <a:defRPr sz="1600">
                 <a:solidFill>
@@ -22048,7 +21505,7 @@
                 </a:solidFill>
               </a:defRPr>
             </a:lvl3pPr>
-            <a:lvl4pPr>
+            <a:lvl4pPr marL="1371600" indent="0">
               <a:buNone/>
               <a:defRPr sz="1400">
                 <a:solidFill>
@@ -22058,7 +21515,7 @@
                 </a:solidFill>
               </a:defRPr>
             </a:lvl4pPr>
-            <a:lvl5pPr>
+            <a:lvl5pPr marL="1828800" indent="0">
               <a:buNone/>
               <a:defRPr sz="1400">
                 <a:solidFill>
@@ -22068,11 +21525,51 @@
                 </a:solidFill>
               </a:defRPr>
             </a:lvl5pPr>
+            <a:lvl6pPr marL="2286000" indent="0">
+              <a:buNone/>
+              <a:defRPr sz="1400">
+                <a:solidFill>
+                  <a:schemeClr val="tx1">
+                    <a:tint val="75000"/>
+                  </a:schemeClr>
+                </a:solidFill>
+              </a:defRPr>
+            </a:lvl6pPr>
+            <a:lvl7pPr marL="2743200" indent="0">
+              <a:buNone/>
+              <a:defRPr sz="1400">
+                <a:solidFill>
+                  <a:schemeClr val="tx1">
+                    <a:tint val="75000"/>
+                  </a:schemeClr>
+                </a:solidFill>
+              </a:defRPr>
+            </a:lvl7pPr>
+            <a:lvl8pPr marL="3200400" indent="0">
+              <a:buNone/>
+              <a:defRPr sz="1400">
+                <a:solidFill>
+                  <a:schemeClr val="tx1">
+                    <a:tint val="75000"/>
+                  </a:schemeClr>
+                </a:solidFill>
+              </a:defRPr>
+            </a:lvl8pPr>
+            <a:lvl9pPr marL="3657600" indent="0">
+              <a:buNone/>
+              <a:defRPr sz="1400">
+                <a:solidFill>
+                  <a:schemeClr val="tx1">
+                    <a:tint val="75000"/>
+                  </a:schemeClr>
+                </a:solidFill>
+              </a:defRPr>
+            </a:lvl9pPr>
           </a:lstStyle>
           <a:p>
-            <a:pPr lvl="0" eaLnBrk="1" latinLnBrk="0" hangingPunct="1"/>
+            <a:pPr lvl="0"/>
             <a:r>
-              <a:rPr kumimoji="0" lang="en-US" smtClean="0"/>
+              <a:rPr lang="en-US" smtClean="0"/>
               <a:t>Click to edit Master text styles</a:t>
             </a:r>
           </a:p>
@@ -22095,7 +21592,7 @@
           <a:p>
             <a:fld id="{A65AF353-4280-4F61-8B05-F6A9C58BF89C}" type="datetimeFigureOut">
               <a:rPr lang="en-US" smtClean="0"/>
-              <a:t>5/3/2018</a:t>
+              <a:t>5/4/2018</a:t>
             </a:fld>
             <a:endParaRPr lang="en-US"/>
           </a:p>
@@ -22143,10 +21640,45 @@
           </a:p>
         </p:txBody>
       </p:sp>
+      <p:cxnSp>
+        <p:nvCxnSpPr>
+          <p:cNvPr id="7" name="Straight Connector 6"/>
+          <p:cNvCxnSpPr/>
+          <p:nvPr/>
+        </p:nvCxnSpPr>
+        <p:spPr>
+          <a:xfrm>
+            <a:off x="731520" y="3449574"/>
+            <a:ext cx="7848600" cy="1191"/>
+          </a:xfrm>
+          <a:prstGeom prst="line">
+            <a:avLst/>
+          </a:prstGeom>
+          <a:ln w="19050">
+            <a:solidFill>
+              <a:schemeClr val="tx2"/>
+            </a:solidFill>
+          </a:ln>
+        </p:spPr>
+        <p:style>
+          <a:lnRef idx="1">
+            <a:schemeClr val="accent1"/>
+          </a:lnRef>
+          <a:fillRef idx="0">
+            <a:schemeClr val="accent1"/>
+          </a:fillRef>
+          <a:effectRef idx="0">
+            <a:schemeClr val="accent1"/>
+          </a:effectRef>
+          <a:fontRef idx="minor">
+            <a:schemeClr val="tx1"/>
+          </a:fontRef>
+        </p:style>
+      </p:cxnSp>
     </p:spTree>
   </p:cSld>
   <p:clrMapOvr>
-    <a:masterClrMapping/>
+    <a:overrideClrMapping bg1="dk1" tx1="lt1" bg2="dk2" tx2="lt2" accent1="accent1" accent2="accent2" accent3="accent3" accent4="accent4" accent5="accent5" accent6="accent6" hlink="hlink" folHlink="folHlink"/>
   </p:clrMapOvr>
 </p:sldLayout>
 </file>
@@ -22184,10 +21716,10 @@
           <a:lstStyle/>
           <a:p>
             <a:r>
-              <a:rPr kumimoji="0" lang="en-US" smtClean="0"/>
+              <a:rPr lang="en-US" smtClean="0"/>
               <a:t>Click to edit Master title style</a:t>
             </a:r>
-            <a:endParaRPr kumimoji="0" lang="en-US"/>
+            <a:endParaRPr lang="en-US"/>
           </a:p>
         </p:txBody>
       </p:sp>
@@ -22203,21 +21735,21 @@
         </p:nvSpPr>
         <p:spPr>
           <a:xfrm>
-            <a:off x="457200" y="1687069"/>
-            <a:ext cx="4038600" cy="3394472"/>
+            <a:off x="457200" y="1255014"/>
+            <a:ext cx="4038600" cy="3538728"/>
           </a:xfrm>
         </p:spPr>
         <p:txBody>
           <a:bodyPr/>
           <a:lstStyle>
             <a:lvl1pPr>
-              <a:defRPr sz="2000"/>
+              <a:defRPr sz="2800"/>
             </a:lvl1pPr>
             <a:lvl2pPr>
-              <a:defRPr sz="1900"/>
+              <a:defRPr sz="2400"/>
             </a:lvl2pPr>
             <a:lvl3pPr>
-              <a:defRPr sz="1800"/>
+              <a:defRPr sz="2000"/>
             </a:lvl3pPr>
             <a:lvl4pPr>
               <a:defRPr sz="1800"/>
@@ -22225,42 +21757,54 @@
             <a:lvl5pPr>
               <a:defRPr sz="1800"/>
             </a:lvl5pPr>
+            <a:lvl6pPr>
+              <a:defRPr sz="1800"/>
+            </a:lvl6pPr>
+            <a:lvl7pPr>
+              <a:defRPr sz="1800"/>
+            </a:lvl7pPr>
+            <a:lvl8pPr>
+              <a:defRPr sz="1800"/>
+            </a:lvl8pPr>
+            <a:lvl9pPr>
+              <a:defRPr sz="1800"/>
+            </a:lvl9pPr>
           </a:lstStyle>
           <a:p>
-            <a:pPr lvl="0" eaLnBrk="1" latinLnBrk="0" hangingPunct="1"/>
+            <a:pPr lvl="0"/>
             <a:r>
               <a:rPr lang="en-US" smtClean="0"/>
               <a:t>Click to edit Master text styles</a:t>
             </a:r>
           </a:p>
           <a:p>
-            <a:pPr lvl="1" eaLnBrk="1" latinLnBrk="0" hangingPunct="1"/>
+            <a:pPr lvl="1"/>
             <a:r>
               <a:rPr lang="en-US" smtClean="0"/>
               <a:t>Second level</a:t>
             </a:r>
           </a:p>
           <a:p>
-            <a:pPr lvl="2" eaLnBrk="1" latinLnBrk="0" hangingPunct="1"/>
+            <a:pPr lvl="2"/>
             <a:r>
               <a:rPr lang="en-US" smtClean="0"/>
               <a:t>Third level</a:t>
             </a:r>
           </a:p>
           <a:p>
-            <a:pPr lvl="3" eaLnBrk="1" latinLnBrk="0" hangingPunct="1"/>
+            <a:pPr lvl="3"/>
             <a:r>
               <a:rPr lang="en-US" smtClean="0"/>
               <a:t>Fourth level</a:t>
             </a:r>
           </a:p>
           <a:p>
-            <a:pPr lvl="4" eaLnBrk="1" latinLnBrk="0" hangingPunct="1"/>
+            <a:pPr lvl="4"/>
             <a:r>
               <a:rPr lang="en-US" smtClean="0"/>
               <a:t>Fifth level</a:t>
             </a:r>
-            <a:endParaRPr kumimoji="0" lang="en-US"/>
+            <a:endParaRPr lang="en-US" dirty="0"/>
           </a:p>
         </p:txBody>
       </p:sp>
@@ -22276,21 +21820,21 @@
         </p:nvSpPr>
         <p:spPr>
           <a:xfrm>
-            <a:off x="4648200" y="1687069"/>
-            <a:ext cx="4038600" cy="3394472"/>
+            <a:off x="4648200" y="1255014"/>
+            <a:ext cx="4038600" cy="3538728"/>
           </a:xfrm>
         </p:spPr>
         <p:txBody>
           <a:bodyPr/>
           <a:lstStyle>
             <a:lvl1pPr>
-              <a:defRPr sz="2000"/>
+              <a:defRPr sz="2800"/>
             </a:lvl1pPr>
             <a:lvl2pPr>
-              <a:defRPr sz="1900"/>
+              <a:defRPr sz="2400"/>
             </a:lvl2pPr>
             <a:lvl3pPr>
-              <a:defRPr sz="1800"/>
+              <a:defRPr sz="2000"/>
             </a:lvl3pPr>
             <a:lvl4pPr>
               <a:defRPr sz="1800"/>
@@ -22298,42 +21842,54 @@
             <a:lvl5pPr>
               <a:defRPr sz="1800"/>
             </a:lvl5pPr>
+            <a:lvl6pPr>
+              <a:defRPr sz="1800"/>
+            </a:lvl6pPr>
+            <a:lvl7pPr>
+              <a:defRPr sz="1800"/>
+            </a:lvl7pPr>
+            <a:lvl8pPr>
+              <a:defRPr sz="1800"/>
+            </a:lvl8pPr>
+            <a:lvl9pPr>
+              <a:defRPr sz="1800"/>
+            </a:lvl9pPr>
           </a:lstStyle>
           <a:p>
-            <a:pPr lvl="0" eaLnBrk="1" latinLnBrk="0" hangingPunct="1"/>
+            <a:pPr lvl="0"/>
             <a:r>
               <a:rPr lang="en-US" smtClean="0"/>
               <a:t>Click to edit Master text styles</a:t>
             </a:r>
           </a:p>
           <a:p>
-            <a:pPr lvl="1" eaLnBrk="1" latinLnBrk="0" hangingPunct="1"/>
+            <a:pPr lvl="1"/>
             <a:r>
               <a:rPr lang="en-US" smtClean="0"/>
               <a:t>Second level</a:t>
             </a:r>
           </a:p>
           <a:p>
-            <a:pPr lvl="2" eaLnBrk="1" latinLnBrk="0" hangingPunct="1"/>
+            <a:pPr lvl="2"/>
             <a:r>
               <a:rPr lang="en-US" smtClean="0"/>
               <a:t>Third level</a:t>
             </a:r>
           </a:p>
           <a:p>
-            <a:pPr lvl="3" eaLnBrk="1" latinLnBrk="0" hangingPunct="1"/>
+            <a:pPr lvl="3"/>
             <a:r>
               <a:rPr lang="en-US" smtClean="0"/>
               <a:t>Fourth level</a:t>
             </a:r>
           </a:p>
           <a:p>
-            <a:pPr lvl="4" eaLnBrk="1" latinLnBrk="0" hangingPunct="1"/>
+            <a:pPr lvl="4"/>
             <a:r>
               <a:rPr lang="en-US" smtClean="0"/>
               <a:t>Fifth level</a:t>
             </a:r>
-            <a:endParaRPr kumimoji="0" lang="en-US"/>
+            <a:endParaRPr lang="en-US" dirty="0"/>
           </a:p>
         </p:txBody>
       </p:sp>
@@ -22354,7 +21910,7 @@
           <a:p>
             <a:fld id="{A65AF353-4280-4F61-8B05-F6A9C58BF89C}" type="datetimeFigureOut">
               <a:rPr lang="en-US" smtClean="0"/>
-              <a:t>5/3/2018</a:t>
+              <a:t>5/4/2018</a:t>
             </a:fld>
             <a:endParaRPr lang="en-US"/>
           </a:p>
@@ -22437,25 +21993,20 @@
             <p:ph type="title"/>
           </p:nvPr>
         </p:nvSpPr>
-        <p:spPr>
-          <a:xfrm>
-            <a:off x="381000" y="857250"/>
-            <a:ext cx="8382000" cy="802386"/>
-          </a:xfrm>
-        </p:spPr>
+        <p:spPr/>
         <p:txBody>
-          <a:bodyPr anchor="ctr"/>
+          <a:bodyPr/>
           <a:lstStyle>
             <a:lvl1pPr>
-              <a:defRPr sz="4000" b="0" i="0" cap="none" baseline="0"/>
+              <a:defRPr/>
             </a:lvl1pPr>
           </a:lstStyle>
           <a:p>
             <a:r>
-              <a:rPr kumimoji="0" lang="en-US" smtClean="0"/>
+              <a:rPr lang="en-US" smtClean="0"/>
               <a:t>Click to edit Master title style</a:t>
             </a:r>
-            <a:endParaRPr kumimoji="0" lang="en-US"/>
+            <a:endParaRPr lang="en-US" dirty="0"/>
           </a:p>
         </p:txBody>
       </p:sp>
@@ -22471,57 +22022,77 @@
         </p:nvSpPr>
         <p:spPr>
           <a:xfrm>
-            <a:off x="381000" y="1683728"/>
-            <a:ext cx="4041648" cy="342900"/>
+            <a:off x="457200" y="1257300"/>
+            <a:ext cx="3931920" cy="479822"/>
           </a:xfrm>
-          <a:solidFill>
-            <a:schemeClr val="accent2">
-              <a:satMod val="150000"/>
-              <a:alpha val="25000"/>
-            </a:schemeClr>
-          </a:solidFill>
-          <a:ln w="12700">
-            <a:solidFill>
-              <a:schemeClr val="accent2"/>
-            </a:solidFill>
+          <a:noFill/>
+          <a:ln>
+            <a:noFill/>
           </a:ln>
+          <a:effectLst/>
         </p:spPr>
+        <p:style>
+          <a:lnRef idx="3">
+            <a:schemeClr val="lt1"/>
+          </a:lnRef>
+          <a:fillRef idx="1">
+            <a:schemeClr val="accent2"/>
+          </a:fillRef>
+          <a:effectRef idx="1">
+            <a:schemeClr val="accent2"/>
+          </a:effectRef>
+          <a:fontRef idx="none"/>
+        </p:style>
         <p:txBody>
           <a:bodyPr anchor="ctr">
-            <a:noAutofit/>
+            <a:normAutofit/>
           </a:bodyPr>
           <a:lstStyle>
-            <a:lvl1pPr marL="45720" indent="0">
+            <a:lvl1pPr marL="0" indent="0" algn="ctr">
               <a:buNone/>
-              <a:defRPr sz="1900" b="1">
+              <a:defRPr sz="2000" b="0">
                 <a:solidFill>
-                  <a:schemeClr val="tx1">
-                    <a:tint val="95000"/>
-                  </a:schemeClr>
+                  <a:schemeClr val="tx2"/>
                 </a:solidFill>
               </a:defRPr>
             </a:lvl1pPr>
-            <a:lvl2pPr>
+            <a:lvl2pPr marL="457200" indent="0">
               <a:buNone/>
               <a:defRPr sz="2000" b="1"/>
             </a:lvl2pPr>
-            <a:lvl3pPr>
+            <a:lvl3pPr marL="914400" indent="0">
               <a:buNone/>
               <a:defRPr sz="1800" b="1"/>
             </a:lvl3pPr>
-            <a:lvl4pPr>
+            <a:lvl4pPr marL="1371600" indent="0">
               <a:buNone/>
               <a:defRPr sz="1600" b="1"/>
             </a:lvl4pPr>
-            <a:lvl5pPr>
+            <a:lvl5pPr marL="1828800" indent="0">
               <a:buNone/>
               <a:defRPr sz="1600" b="1"/>
             </a:lvl5pPr>
+            <a:lvl6pPr marL="2286000" indent="0">
+              <a:buNone/>
+              <a:defRPr sz="1600" b="1"/>
+            </a:lvl6pPr>
+            <a:lvl7pPr marL="2743200" indent="0">
+              <a:buNone/>
+              <a:defRPr sz="1600" b="1"/>
+            </a:lvl7pPr>
+            <a:lvl8pPr marL="3200400" indent="0">
+              <a:buNone/>
+              <a:defRPr sz="1600" b="1"/>
+            </a:lvl8pPr>
+            <a:lvl9pPr marL="3657600" indent="0">
+              <a:buNone/>
+              <a:defRPr sz="1600" b="1"/>
+            </a:lvl9pPr>
           </a:lstStyle>
           <a:p>
-            <a:pPr lvl="0" eaLnBrk="1" latinLnBrk="0" hangingPunct="1"/>
+            <a:pPr lvl="0"/>
             <a:r>
-              <a:rPr kumimoji="0" lang="en-US" smtClean="0"/>
+              <a:rPr lang="en-US" smtClean="0"/>
               <a:t>Click to edit Master text styles</a:t>
             </a:r>
           </a:p>
@@ -22529,93 +22100,25 @@
       </p:sp>
       <p:sp>
         <p:nvSpPr>
-          <p:cNvPr id="4" name="Text Placeholder 3"/>
+          <p:cNvPr id="4" name="Content Placeholder 3"/>
           <p:cNvSpPr>
             <a:spLocks noGrp="1"/>
           </p:cNvSpPr>
           <p:nvPr>
-            <p:ph type="body" sz="half" idx="3"/>
+            <p:ph sz="half" idx="2"/>
           </p:nvPr>
         </p:nvSpPr>
         <p:spPr>
           <a:xfrm>
-            <a:off x="4721226" y="1683728"/>
-            <a:ext cx="4041775" cy="342900"/>
-          </a:xfrm>
-          <a:solidFill>
-            <a:schemeClr val="accent2">
-              <a:satMod val="150000"/>
-              <a:alpha val="25000"/>
-            </a:schemeClr>
-          </a:solidFill>
-          <a:ln w="12700">
-            <a:solidFill>
-              <a:schemeClr val="accent2"/>
-            </a:solidFill>
-          </a:ln>
-        </p:spPr>
-        <p:txBody>
-          <a:bodyPr anchor="ctr">
-            <a:noAutofit/>
-          </a:bodyPr>
-          <a:lstStyle>
-            <a:lvl1pPr marL="45720" indent="0">
-              <a:buNone/>
-              <a:defRPr sz="1900" b="1">
-                <a:solidFill>
-                  <a:schemeClr val="tx1">
-                    <a:tint val="95000"/>
-                  </a:schemeClr>
-                </a:solidFill>
-              </a:defRPr>
-            </a:lvl1pPr>
-            <a:lvl2pPr>
-              <a:buNone/>
-              <a:defRPr sz="2000" b="1"/>
-            </a:lvl2pPr>
-            <a:lvl3pPr>
-              <a:buNone/>
-              <a:defRPr sz="1800" b="1"/>
-            </a:lvl3pPr>
-            <a:lvl4pPr>
-              <a:buNone/>
-              <a:defRPr sz="1600" b="1"/>
-            </a:lvl4pPr>
-            <a:lvl5pPr>
-              <a:buNone/>
-              <a:defRPr sz="1600" b="1"/>
-            </a:lvl5pPr>
-          </a:lstStyle>
-          <a:p>
-            <a:pPr lvl="0" eaLnBrk="1" latinLnBrk="0" hangingPunct="1"/>
-            <a:r>
-              <a:rPr kumimoji="0" lang="en-US" smtClean="0"/>
-              <a:t>Click to edit Master text styles</a:t>
-            </a:r>
-          </a:p>
-        </p:txBody>
-      </p:sp>
-      <p:sp>
-        <p:nvSpPr>
-          <p:cNvPr id="5" name="Content Placeholder 4"/>
-          <p:cNvSpPr>
-            <a:spLocks noGrp="1"/>
-          </p:cNvSpPr>
-          <p:nvPr>
-            <p:ph sz="quarter" idx="2"/>
-          </p:nvPr>
-        </p:nvSpPr>
-        <p:spPr>
-          <a:xfrm>
-            <a:off x="381000" y="2031389"/>
-            <a:ext cx="4041648" cy="2914650"/>
+            <a:off x="457200" y="1828800"/>
+            <a:ext cx="3931920" cy="2963466"/>
           </a:xfrm>
         </p:spPr>
         <p:txBody>
           <a:bodyPr/>
           <a:lstStyle>
             <a:lvl1pPr>
-              <a:defRPr sz="2000"/>
+              <a:defRPr sz="2400"/>
             </a:lvl1pPr>
             <a:lvl2pPr>
               <a:defRPr sz="2000"/>
@@ -22629,42 +22132,145 @@
             <a:lvl5pPr>
               <a:defRPr sz="1600"/>
             </a:lvl5pPr>
+            <a:lvl6pPr>
+              <a:defRPr sz="1600"/>
+            </a:lvl6pPr>
+            <a:lvl7pPr>
+              <a:defRPr sz="1600"/>
+            </a:lvl7pPr>
+            <a:lvl8pPr>
+              <a:defRPr sz="1600"/>
+            </a:lvl8pPr>
+            <a:lvl9pPr>
+              <a:defRPr sz="1600"/>
+            </a:lvl9pPr>
           </a:lstStyle>
           <a:p>
-            <a:pPr lvl="0" eaLnBrk="1" latinLnBrk="0" hangingPunct="1"/>
+            <a:pPr lvl="0"/>
             <a:r>
               <a:rPr lang="en-US" smtClean="0"/>
               <a:t>Click to edit Master text styles</a:t>
             </a:r>
           </a:p>
           <a:p>
-            <a:pPr lvl="1" eaLnBrk="1" latinLnBrk="0" hangingPunct="1"/>
+            <a:pPr lvl="1"/>
             <a:r>
               <a:rPr lang="en-US" smtClean="0"/>
               <a:t>Second level</a:t>
             </a:r>
           </a:p>
           <a:p>
-            <a:pPr lvl="2" eaLnBrk="1" latinLnBrk="0" hangingPunct="1"/>
+            <a:pPr lvl="2"/>
             <a:r>
               <a:rPr lang="en-US" smtClean="0"/>
               <a:t>Third level</a:t>
             </a:r>
           </a:p>
           <a:p>
-            <a:pPr lvl="3" eaLnBrk="1" latinLnBrk="0" hangingPunct="1"/>
+            <a:pPr lvl="3"/>
             <a:r>
               <a:rPr lang="en-US" smtClean="0"/>
               <a:t>Fourth level</a:t>
             </a:r>
           </a:p>
           <a:p>
-            <a:pPr lvl="4" eaLnBrk="1" latinLnBrk="0" hangingPunct="1"/>
+            <a:pPr lvl="4"/>
             <a:r>
               <a:rPr lang="en-US" smtClean="0"/>
               <a:t>Fifth level</a:t>
             </a:r>
-            <a:endParaRPr kumimoji="0" lang="en-US"/>
+            <a:endParaRPr lang="en-US" dirty="0"/>
+          </a:p>
+        </p:txBody>
+      </p:sp>
+      <p:sp>
+        <p:nvSpPr>
+          <p:cNvPr id="5" name="Text Placeholder 4"/>
+          <p:cNvSpPr>
+            <a:spLocks noGrp="1"/>
+          </p:cNvSpPr>
+          <p:nvPr>
+            <p:ph type="body" sz="quarter" idx="3"/>
+          </p:nvPr>
+        </p:nvSpPr>
+        <p:spPr>
+          <a:xfrm>
+            <a:off x="4754880" y="1257300"/>
+            <a:ext cx="3931920" cy="479822"/>
+          </a:xfrm>
+          <a:noFill/>
+          <a:ln>
+            <a:noFill/>
+          </a:ln>
+          <a:effectLst/>
+        </p:spPr>
+        <p:style>
+          <a:lnRef idx="3">
+            <a:schemeClr val="lt1"/>
+          </a:lnRef>
+          <a:fillRef idx="1">
+            <a:schemeClr val="accent2"/>
+          </a:fillRef>
+          <a:effectRef idx="1">
+            <a:schemeClr val="accent2"/>
+          </a:effectRef>
+          <a:fontRef idx="none"/>
+        </p:style>
+        <p:txBody>
+          <a:bodyPr anchor="ctr">
+            <a:normAutofit/>
+          </a:bodyPr>
+          <a:lstStyle>
+            <a:lvl1pPr marL="0" indent="0" algn="ctr">
+              <a:buNone/>
+              <a:defRPr lang="en-US" sz="2000" b="0" kern="1200" dirty="0" smtClean="0">
+                <a:solidFill>
+                  <a:schemeClr val="tx2"/>
+                </a:solidFill>
+                <a:latin typeface="+mn-lt"/>
+                <a:ea typeface="+mn-ea"/>
+                <a:cs typeface="+mn-cs"/>
+              </a:defRPr>
+            </a:lvl1pPr>
+            <a:lvl2pPr marL="457200" indent="0">
+              <a:buNone/>
+              <a:defRPr sz="2000" b="1"/>
+            </a:lvl2pPr>
+            <a:lvl3pPr marL="914400" indent="0">
+              <a:buNone/>
+              <a:defRPr sz="1800" b="1"/>
+            </a:lvl3pPr>
+            <a:lvl4pPr marL="1371600" indent="0">
+              <a:buNone/>
+              <a:defRPr sz="1600" b="1"/>
+            </a:lvl4pPr>
+            <a:lvl5pPr marL="1828800" indent="0">
+              <a:buNone/>
+              <a:defRPr sz="1600" b="1"/>
+            </a:lvl5pPr>
+            <a:lvl6pPr marL="2286000" indent="0">
+              <a:buNone/>
+              <a:defRPr sz="1600" b="1"/>
+            </a:lvl6pPr>
+            <a:lvl7pPr marL="2743200" indent="0">
+              <a:buNone/>
+              <a:defRPr sz="1600" b="1"/>
+            </a:lvl7pPr>
+            <a:lvl8pPr marL="3200400" indent="0">
+              <a:buNone/>
+              <a:defRPr sz="1600" b="1"/>
+            </a:lvl8pPr>
+            <a:lvl9pPr marL="3657600" indent="0">
+              <a:buNone/>
+              <a:defRPr sz="1600" b="1"/>
+            </a:lvl9pPr>
+          </a:lstStyle>
+          <a:p>
+            <a:pPr lvl="0"/>
+            <a:r>
+              <a:rPr lang="en-US" smtClean="0"/>
+              <a:t>Click to edit Master text styles</a:t>
+            </a:r>
           </a:p>
         </p:txBody>
       </p:sp>
@@ -22680,15 +22286,15 @@
         </p:nvSpPr>
         <p:spPr>
           <a:xfrm>
-            <a:off x="4718305" y="2031389"/>
-            <a:ext cx="4041775" cy="2914650"/>
+            <a:off x="4754880" y="1828800"/>
+            <a:ext cx="3931920" cy="2963466"/>
           </a:xfrm>
         </p:spPr>
         <p:txBody>
           <a:bodyPr/>
           <a:lstStyle>
             <a:lvl1pPr>
-              <a:defRPr sz="2000"/>
+              <a:defRPr sz="2400"/>
             </a:lvl1pPr>
             <a:lvl2pPr>
               <a:defRPr sz="2000"/>
@@ -22702,48 +22308,60 @@
             <a:lvl5pPr>
               <a:defRPr sz="1600"/>
             </a:lvl5pPr>
+            <a:lvl6pPr>
+              <a:defRPr sz="1600"/>
+            </a:lvl6pPr>
+            <a:lvl7pPr>
+              <a:defRPr sz="1600"/>
+            </a:lvl7pPr>
+            <a:lvl8pPr>
+              <a:defRPr sz="1600"/>
+            </a:lvl8pPr>
+            <a:lvl9pPr>
+              <a:defRPr sz="1600"/>
+            </a:lvl9pPr>
           </a:lstStyle>
           <a:p>
-            <a:pPr lvl="0" eaLnBrk="1" latinLnBrk="0" hangingPunct="1"/>
+            <a:pPr lvl="0"/>
             <a:r>
               <a:rPr lang="en-US" smtClean="0"/>
               <a:t>Click to edit Master text styles</a:t>
             </a:r>
           </a:p>
           <a:p>
-            <a:pPr lvl="1" eaLnBrk="1" latinLnBrk="0" hangingPunct="1"/>
+            <a:pPr lvl="1"/>
             <a:r>
               <a:rPr lang="en-US" smtClean="0"/>
               <a:t>Second level</a:t>
             </a:r>
           </a:p>
           <a:p>
-            <a:pPr lvl="2" eaLnBrk="1" latinLnBrk="0" hangingPunct="1"/>
+            <a:pPr lvl="2"/>
             <a:r>
               <a:rPr lang="en-US" smtClean="0"/>
               <a:t>Third level</a:t>
             </a:r>
           </a:p>
           <a:p>
-            <a:pPr lvl="3" eaLnBrk="1" latinLnBrk="0" hangingPunct="1"/>
+            <a:pPr lvl="3"/>
             <a:r>
               <a:rPr lang="en-US" smtClean="0"/>
               <a:t>Fourth level</a:t>
             </a:r>
           </a:p>
           <a:p>
-            <a:pPr lvl="4" eaLnBrk="1" latinLnBrk="0" hangingPunct="1"/>
+            <a:pPr lvl="4"/>
             <a:r>
               <a:rPr lang="en-US" smtClean="0"/>
               <a:t>Fifth level</a:t>
             </a:r>
-            <a:endParaRPr kumimoji="0" lang="en-US"/>
+            <a:endParaRPr lang="en-US" dirty="0"/>
           </a:p>
         </p:txBody>
       </p:sp>
       <p:sp>
         <p:nvSpPr>
-          <p:cNvPr id="26" name="Date Placeholder 25"/>
+          <p:cNvPr id="7" name="Date Placeholder 6"/>
           <p:cNvSpPr>
             <a:spLocks noGrp="1"/>
           </p:cNvSpPr>
@@ -22753,12 +22371,12 @@
         </p:nvSpPr>
         <p:spPr/>
         <p:txBody>
-          <a:bodyPr rtlCol="0"/>
+          <a:bodyPr/>
           <a:lstStyle/>
           <a:p>
             <a:fld id="{A65AF353-4280-4F61-8B05-F6A9C58BF89C}" type="datetimeFigureOut">
               <a:rPr lang="en-US" smtClean="0"/>
-              <a:t>5/3/2018</a:t>
+              <a:t>5/4/2018</a:t>
             </a:fld>
             <a:endParaRPr lang="en-US"/>
           </a:p>
@@ -22766,17 +22384,36 @@
       </p:sp>
       <p:sp>
         <p:nvSpPr>
-          <p:cNvPr id="27" name="Slide Number Placeholder 26"/>
+          <p:cNvPr id="8" name="Footer Placeholder 7"/>
           <p:cNvSpPr>
             <a:spLocks noGrp="1"/>
           </p:cNvSpPr>
           <p:nvPr>
-            <p:ph type="sldNum" sz="quarter" idx="11"/>
+            <p:ph type="ftr" sz="quarter" idx="11"/>
           </p:nvPr>
         </p:nvSpPr>
         <p:spPr/>
         <p:txBody>
-          <a:bodyPr rtlCol="0"/>
+          <a:bodyPr/>
+          <a:lstStyle/>
+          <a:p>
+            <a:endParaRPr lang="en-US"/>
+          </a:p>
+        </p:txBody>
+      </p:sp>
+      <p:sp>
+        <p:nvSpPr>
+          <p:cNvPr id="9" name="Slide Number Placeholder 8"/>
+          <p:cNvSpPr>
+            <a:spLocks noGrp="1"/>
+          </p:cNvSpPr>
+          <p:nvPr>
+            <p:ph type="sldNum" sz="quarter" idx="12"/>
+          </p:nvPr>
+        </p:nvSpPr>
+        <p:spPr/>
+        <p:txBody>
+          <a:bodyPr/>
           <a:lstStyle/>
           <a:p>
             <a:fld id="{099FDD71-1211-47CC-B34E-8A622282E537}" type="slidenum">
@@ -22787,25 +22424,41 @@
           </a:p>
         </p:txBody>
       </p:sp>
-      <p:sp>
-        <p:nvSpPr>
-          <p:cNvPr id="28" name="Footer Placeholder 27"/>
-          <p:cNvSpPr>
-            <a:spLocks noGrp="1"/>
-          </p:cNvSpPr>
-          <p:nvPr>
-            <p:ph type="ftr" sz="quarter" idx="12"/>
-          </p:nvPr>
-        </p:nvSpPr>
-        <p:spPr/>
-        <p:txBody>
-          <a:bodyPr rtlCol="0"/>
-          <a:lstStyle/>
-          <a:p>
-            <a:endParaRPr lang="en-US"/>
-          </a:p>
-        </p:txBody>
-      </p:sp>
+      <p:cxnSp>
+        <p:nvCxnSpPr>
+          <p:cNvPr id="11" name="Straight Connector 10"/>
+          <p:cNvCxnSpPr/>
+          <p:nvPr/>
+        </p:nvCxnSpPr>
+        <p:spPr>
+          <a:xfrm rot="5400000">
+            <a:off x="2806462" y="3034268"/>
+            <a:ext cx="3531870" cy="794"/>
+          </a:xfrm>
+          <a:prstGeom prst="line">
+            <a:avLst/>
+          </a:prstGeom>
+          <a:ln w="19050">
+            <a:solidFill>
+              <a:schemeClr val="tx2"/>
+            </a:solidFill>
+          </a:ln>
+        </p:spPr>
+        <p:style>
+          <a:lnRef idx="1">
+            <a:schemeClr val="accent1"/>
+          </a:lnRef>
+          <a:fillRef idx="0">
+            <a:schemeClr val="accent1"/>
+          </a:fillRef>
+          <a:effectRef idx="0">
+            <a:schemeClr val="accent1"/>
+          </a:effectRef>
+          <a:fontRef idx="minor">
+            <a:schemeClr val="tx1"/>
+          </a:fontRef>
+        </p:style>
+      </p:cxnSp>
     </p:spTree>
   </p:cSld>
   <p:clrMapOvr>
@@ -22841,29 +22494,16 @@
             <p:ph type="title"/>
           </p:nvPr>
         </p:nvSpPr>
-        <p:spPr>
-          <a:xfrm>
-            <a:off x="457200" y="857250"/>
-            <a:ext cx="8229600" cy="802386"/>
-          </a:xfrm>
-        </p:spPr>
+        <p:spPr/>
         <p:txBody>
-          <a:bodyPr anchor="ctr"/>
-          <a:lstStyle>
-            <a:lvl1pPr>
-              <a:defRPr sz="4000">
-                <a:solidFill>
-                  <a:schemeClr val="tx2"/>
-                </a:solidFill>
-              </a:defRPr>
-            </a:lvl1pPr>
-          </a:lstStyle>
+          <a:bodyPr/>
+          <a:lstStyle/>
           <a:p>
             <a:r>
-              <a:rPr kumimoji="0" lang="en-US" smtClean="0"/>
+              <a:rPr lang="en-US" smtClean="0"/>
               <a:t>Click to edit Master title style</a:t>
             </a:r>
-            <a:endParaRPr kumimoji="0" lang="en-US"/>
+            <a:endParaRPr lang="en-US"/>
           </a:p>
         </p:txBody>
       </p:sp>
@@ -22877,19 +22517,14 @@
             <p:ph type="dt" sz="half" idx="10"/>
           </p:nvPr>
         </p:nvSpPr>
-        <p:spPr>
-          <a:xfrm>
-            <a:off x="6583680" y="459486"/>
-            <a:ext cx="957264" cy="342900"/>
-          </a:xfrm>
-        </p:spPr>
+        <p:spPr/>
         <p:txBody>
           <a:bodyPr/>
           <a:lstStyle/>
           <a:p>
             <a:fld id="{A65AF353-4280-4F61-8B05-F6A9C58BF89C}" type="datetimeFigureOut">
               <a:rPr lang="en-US" smtClean="0"/>
-              <a:t>5/3/2018</a:t>
+              <a:t>5/4/2018</a:t>
             </a:fld>
             <a:endParaRPr lang="en-US"/>
           </a:p>
@@ -22905,12 +22540,7 @@
             <p:ph type="ftr" sz="quarter" idx="11"/>
           </p:nvPr>
         </p:nvSpPr>
-        <p:spPr>
-          <a:xfrm>
-            <a:off x="5257800" y="459486"/>
-            <a:ext cx="1325880" cy="342900"/>
-          </a:xfrm>
-        </p:spPr>
+        <p:spPr/>
         <p:txBody>
           <a:bodyPr/>
           <a:lstStyle/>
@@ -22929,12 +22559,7 @@
             <p:ph type="sldNum" sz="quarter" idx="12"/>
           </p:nvPr>
         </p:nvSpPr>
-        <p:spPr>
-          <a:xfrm>
-            <a:off x="8174736" y="1704"/>
-            <a:ext cx="762000" cy="274320"/>
-          </a:xfrm>
-        </p:spPr>
+        <p:spPr/>
         <p:txBody>
           <a:bodyPr/>
           <a:lstStyle/>
@@ -22989,7 +22614,7 @@
           <a:p>
             <a:fld id="{A65AF353-4280-4F61-8B05-F6A9C58BF89C}" type="datetimeFigureOut">
               <a:rPr lang="en-US" smtClean="0"/>
-              <a:t>5/3/2018</a:t>
+              <a:t>5/4/2018</a:t>
             </a:fld>
             <a:endParaRPr lang="en-US"/>
           </a:p>
@@ -23074,90 +22699,42 @@
         </p:nvSpPr>
         <p:spPr>
           <a:xfrm>
-            <a:off x="5353496" y="826478"/>
-            <a:ext cx="3383280" cy="658368"/>
+            <a:off x="457200" y="594060"/>
+            <a:ext cx="2139696" cy="946404"/>
           </a:xfrm>
         </p:spPr>
         <p:txBody>
-          <a:bodyPr anchor="b"/>
+          <a:bodyPr anchor="b">
+            <a:noAutofit/>
+          </a:bodyPr>
           <a:lstStyle>
             <a:lvl1pPr algn="l">
-              <a:buNone/>
-              <a:defRPr sz="1800" b="1"/>
+              <a:defRPr sz="2400" b="0"/>
             </a:lvl1pPr>
           </a:lstStyle>
           <a:p>
             <a:r>
-              <a:rPr kumimoji="0" lang="en-US" smtClean="0"/>
+              <a:rPr lang="en-US" smtClean="0"/>
               <a:t>Click to edit Master title style</a:t>
             </a:r>
-            <a:endParaRPr kumimoji="0" lang="en-US"/>
+            <a:endParaRPr lang="en-US" dirty="0"/>
           </a:p>
         </p:txBody>
       </p:sp>
       <p:sp>
         <p:nvSpPr>
-          <p:cNvPr id="3" name="Text Placeholder 2"/>
+          <p:cNvPr id="3" name="Content Placeholder 2"/>
           <p:cNvSpPr>
             <a:spLocks noGrp="1"/>
           </p:cNvSpPr>
           <p:nvPr>
-            <p:ph type="body" idx="2"/>
+            <p:ph idx="1"/>
           </p:nvPr>
         </p:nvSpPr>
         <p:spPr>
           <a:xfrm>
-            <a:off x="5353496" y="1508045"/>
-            <a:ext cx="3383280" cy="3463290"/>
-          </a:xfrm>
-        </p:spPr>
-        <p:txBody>
-          <a:bodyPr/>
-          <a:lstStyle>
-            <a:lvl1pPr marL="9144" indent="0">
-              <a:buNone/>
-              <a:defRPr sz="1400"/>
-            </a:lvl1pPr>
-            <a:lvl2pPr>
-              <a:buNone/>
-              <a:defRPr sz="1200"/>
-            </a:lvl2pPr>
-            <a:lvl3pPr>
-              <a:buNone/>
-              <a:defRPr sz="1000"/>
-            </a:lvl3pPr>
-            <a:lvl4pPr>
-              <a:buNone/>
-              <a:defRPr sz="900"/>
-            </a:lvl4pPr>
-            <a:lvl5pPr>
-              <a:buNone/>
-              <a:defRPr sz="900"/>
-            </a:lvl5pPr>
-          </a:lstStyle>
-          <a:p>
-            <a:pPr lvl="0" eaLnBrk="1" latinLnBrk="0" hangingPunct="1"/>
-            <a:r>
-              <a:rPr kumimoji="0" lang="en-US" smtClean="0"/>
-              <a:t>Click to edit Master text styles</a:t>
-            </a:r>
-          </a:p>
-        </p:txBody>
-      </p:sp>
-      <p:sp>
-        <p:nvSpPr>
-          <p:cNvPr id="4" name="Content Placeholder 3"/>
-          <p:cNvSpPr>
-            <a:spLocks noGrp="1"/>
-          </p:cNvSpPr>
-          <p:nvPr>
-            <p:ph sz="half" idx="1"/>
-          </p:nvPr>
-        </p:nvSpPr>
-        <p:spPr>
-          <a:xfrm>
-            <a:off x="152400" y="582215"/>
-            <a:ext cx="5102352" cy="4389120"/>
+            <a:off x="2971800" y="594060"/>
+            <a:ext cx="5715000" cy="4183380"/>
           </a:xfrm>
         </p:spPr>
         <p:txBody>
@@ -23178,42 +22755,119 @@
             <a:lvl5pPr>
               <a:defRPr sz="2000"/>
             </a:lvl5pPr>
+            <a:lvl6pPr>
+              <a:defRPr sz="2000"/>
+            </a:lvl6pPr>
+            <a:lvl7pPr>
+              <a:defRPr sz="2000"/>
+            </a:lvl7pPr>
+            <a:lvl8pPr>
+              <a:defRPr sz="2000"/>
+            </a:lvl8pPr>
+            <a:lvl9pPr>
+              <a:defRPr sz="2000"/>
+            </a:lvl9pPr>
           </a:lstStyle>
           <a:p>
-            <a:pPr lvl="0" eaLnBrk="1" latinLnBrk="0" hangingPunct="1"/>
+            <a:pPr lvl="0"/>
             <a:r>
               <a:rPr lang="en-US" smtClean="0"/>
               <a:t>Click to edit Master text styles</a:t>
             </a:r>
           </a:p>
           <a:p>
-            <a:pPr lvl="1" eaLnBrk="1" latinLnBrk="0" hangingPunct="1"/>
+            <a:pPr lvl="1"/>
             <a:r>
               <a:rPr lang="en-US" smtClean="0"/>
               <a:t>Second level</a:t>
             </a:r>
           </a:p>
           <a:p>
-            <a:pPr lvl="2" eaLnBrk="1" latinLnBrk="0" hangingPunct="1"/>
+            <a:pPr lvl="2"/>
             <a:r>
               <a:rPr lang="en-US" smtClean="0"/>
               <a:t>Third level</a:t>
             </a:r>
           </a:p>
           <a:p>
-            <a:pPr lvl="3" eaLnBrk="1" latinLnBrk="0" hangingPunct="1"/>
+            <a:pPr lvl="3"/>
             <a:r>
               <a:rPr lang="en-US" smtClean="0"/>
               <a:t>Fourth level</a:t>
             </a:r>
           </a:p>
           <a:p>
-            <a:pPr lvl="4" eaLnBrk="1" latinLnBrk="0" hangingPunct="1"/>
+            <a:pPr lvl="4"/>
             <a:r>
               <a:rPr lang="en-US" smtClean="0"/>
               <a:t>Fifth level</a:t>
             </a:r>
-            <a:endParaRPr kumimoji="0" lang="en-US"/>
+            <a:endParaRPr lang="en-US" dirty="0"/>
+          </a:p>
+        </p:txBody>
+      </p:sp>
+      <p:sp>
+        <p:nvSpPr>
+          <p:cNvPr id="4" name="Text Placeholder 3"/>
+          <p:cNvSpPr>
+            <a:spLocks noGrp="1"/>
+          </p:cNvSpPr>
+          <p:nvPr>
+            <p:ph type="body" sz="half" idx="2"/>
+          </p:nvPr>
+        </p:nvSpPr>
+        <p:spPr>
+          <a:xfrm>
+            <a:off x="457201" y="1597915"/>
+            <a:ext cx="2139696" cy="3182711"/>
+          </a:xfrm>
+        </p:spPr>
+        <p:txBody>
+          <a:bodyPr/>
+          <a:lstStyle>
+            <a:lvl1pPr marL="0" indent="0">
+              <a:buNone/>
+              <a:defRPr sz="1400"/>
+            </a:lvl1pPr>
+            <a:lvl2pPr marL="457200" indent="0">
+              <a:buNone/>
+              <a:defRPr sz="1200"/>
+            </a:lvl2pPr>
+            <a:lvl3pPr marL="914400" indent="0">
+              <a:buNone/>
+              <a:defRPr sz="1000"/>
+            </a:lvl3pPr>
+            <a:lvl4pPr marL="1371600" indent="0">
+              <a:buNone/>
+              <a:defRPr sz="900"/>
+            </a:lvl4pPr>
+            <a:lvl5pPr marL="1828800" indent="0">
+              <a:buNone/>
+              <a:defRPr sz="900"/>
+            </a:lvl5pPr>
+            <a:lvl6pPr marL="2286000" indent="0">
+              <a:buNone/>
+              <a:defRPr sz="900"/>
+            </a:lvl6pPr>
+            <a:lvl7pPr marL="2743200" indent="0">
+              <a:buNone/>
+              <a:defRPr sz="900"/>
+            </a:lvl7pPr>
+            <a:lvl8pPr marL="3200400" indent="0">
+              <a:buNone/>
+              <a:defRPr sz="900"/>
+            </a:lvl8pPr>
+            <a:lvl9pPr marL="3657600" indent="0">
+              <a:buNone/>
+              <a:defRPr sz="900"/>
+            </a:lvl9pPr>
+          </a:lstStyle>
+          <a:p>
+            <a:pPr lvl="0"/>
+            <a:r>
+              <a:rPr lang="en-US" smtClean="0"/>
+              <a:t>Click to edit Master text styles</a:t>
+            </a:r>
           </a:p>
         </p:txBody>
       </p:sp>
@@ -23234,7 +22888,7 @@
           <a:p>
             <a:fld id="{A65AF353-4280-4F61-8B05-F6A9C58BF89C}" type="datetimeFigureOut">
               <a:rPr lang="en-US" smtClean="0"/>
-              <a:t>5/3/2018</a:t>
+              <a:t>5/4/2018</a:t>
             </a:fld>
             <a:endParaRPr lang="en-US"/>
           </a:p>
@@ -23282,6 +22936,41 @@
           </a:p>
         </p:txBody>
       </p:sp>
+      <p:cxnSp>
+        <p:nvCxnSpPr>
+          <p:cNvPr id="9" name="Straight Connector 8"/>
+          <p:cNvCxnSpPr/>
+          <p:nvPr/>
+        </p:nvCxnSpPr>
+        <p:spPr>
+          <a:xfrm rot="5400000">
+            <a:off x="684114" y="2684956"/>
+            <a:ext cx="4183380" cy="1588"/>
+          </a:xfrm>
+          <a:prstGeom prst="line">
+            <a:avLst/>
+          </a:prstGeom>
+          <a:ln w="19050">
+            <a:solidFill>
+              <a:schemeClr val="tx2"/>
+            </a:solidFill>
+          </a:ln>
+        </p:spPr>
+        <p:style>
+          <a:lnRef idx="1">
+            <a:schemeClr val="accent1"/>
+          </a:lnRef>
+          <a:fillRef idx="0">
+            <a:schemeClr val="accent1"/>
+          </a:fillRef>
+          <a:effectRef idx="0">
+            <a:schemeClr val="accent1"/>
+          </a:effectRef>
+          <a:fontRef idx="minor">
+            <a:schemeClr val="tx1"/>
+          </a:fontRef>
+        </p:style>
+      </p:cxnSp>
     </p:spTree>
   </p:cSld>
   <p:clrMapOvr>
@@ -23319,24 +23008,25 @@
         </p:nvSpPr>
         <p:spPr>
           <a:xfrm>
-            <a:off x="5440435" y="831870"/>
-            <a:ext cx="586803" cy="3511228"/>
+            <a:off x="457200" y="594360"/>
+            <a:ext cx="2142680" cy="948690"/>
           </a:xfrm>
         </p:spPr>
         <p:txBody>
-          <a:bodyPr vert="vert270" lIns="45720" tIns="0" rIns="45720" anchor="t"/>
+          <a:bodyPr anchor="b">
+            <a:normAutofit/>
+          </a:bodyPr>
           <a:lstStyle>
-            <a:lvl1pPr algn="ctr">
-              <a:buNone/>
-              <a:defRPr sz="2000" b="1"/>
+            <a:lvl1pPr algn="l">
+              <a:defRPr sz="2400" b="0"/>
             </a:lvl1pPr>
           </a:lstStyle>
           <a:p>
             <a:r>
-              <a:rPr kumimoji="0" lang="en-US" smtClean="0"/>
+              <a:rPr lang="en-US" smtClean="0"/>
               <a:t>Click to edit Master title style</a:t>
             </a:r>
-            <a:endParaRPr kumimoji="0" lang="en-US"/>
+            <a:endParaRPr lang="en-US" dirty="0"/>
           </a:p>
         </p:txBody>
       </p:sp>
@@ -23352,37 +23042,25 @@
         </p:nvSpPr>
         <p:spPr>
           <a:xfrm>
-            <a:off x="403671" y="857250"/>
-            <a:ext cx="4572000" cy="3429000"/>
+            <a:off x="2858610" y="628651"/>
+            <a:ext cx="5904390" cy="4125342"/>
           </a:xfrm>
           <a:solidFill>
-            <a:srgbClr val="EAEAEA"/>
+            <a:schemeClr val="bg2"/>
           </a:solidFill>
-          <a:ln w="50800">
+          <a:ln w="76200">
             <a:solidFill>
               <a:srgbClr val="FFFFFF"/>
             </a:solidFill>
             <a:miter lim="800000"/>
           </a:ln>
           <a:effectLst>
-            <a:outerShdw blurRad="57150" dist="31750" dir="4800000" algn="tl" rotWithShape="0">
-              <a:srgbClr val="000000">
-                <a:alpha val="25000"/>
-              </a:srgbClr>
+            <a:outerShdw blurRad="50800" dist="12700" dir="5400000" algn="t" rotWithShape="0">
+              <a:prstClr val="black">
+                <a:alpha val="59000"/>
+              </a:prstClr>
             </a:outerShdw>
           </a:effectLst>
-          <a:scene3d>
-            <a:camera prst="orthographicFront"/>
-            <a:lightRig rig="twoPt" dir="t">
-              <a:rot lat="0" lon="0" rev="7200000"/>
-            </a:lightRig>
-          </a:scene3d>
-          <a:sp3d contourW="2540">
-            <a:bevelT w="25400" h="19050"/>
-            <a:contourClr>
-              <a:srgbClr val="AEAEAE"/>
-            </a:contourClr>
-          </a:sp3d>
         </p:spPr>
         <p:txBody>
           <a:bodyPr/>
@@ -23391,13 +23069,45 @@
               <a:buNone/>
               <a:defRPr sz="3200"/>
             </a:lvl1pPr>
+            <a:lvl2pPr marL="457200" indent="0">
+              <a:buNone/>
+              <a:defRPr sz="2800"/>
+            </a:lvl2pPr>
+            <a:lvl3pPr marL="914400" indent="0">
+              <a:buNone/>
+              <a:defRPr sz="2400"/>
+            </a:lvl3pPr>
+            <a:lvl4pPr marL="1371600" indent="0">
+              <a:buNone/>
+              <a:defRPr sz="2000"/>
+            </a:lvl4pPr>
+            <a:lvl5pPr marL="1828800" indent="0">
+              <a:buNone/>
+              <a:defRPr sz="2000"/>
+            </a:lvl5pPr>
+            <a:lvl6pPr marL="2286000" indent="0">
+              <a:buNone/>
+              <a:defRPr sz="2000"/>
+            </a:lvl6pPr>
+            <a:lvl7pPr marL="2743200" indent="0">
+              <a:buNone/>
+              <a:defRPr sz="2000"/>
+            </a:lvl7pPr>
+            <a:lvl8pPr marL="3200400" indent="0">
+              <a:buNone/>
+              <a:defRPr sz="2000"/>
+            </a:lvl8pPr>
+            <a:lvl9pPr marL="3657600" indent="0">
+              <a:buNone/>
+              <a:defRPr sz="2000"/>
+            </a:lvl9pPr>
           </a:lstStyle>
           <a:p>
             <a:r>
-              <a:rPr kumimoji="0" lang="en-US" smtClean="0"/>
+              <a:rPr lang="en-US" smtClean="0"/>
               <a:t>Click icon to add picture</a:t>
             </a:r>
-            <a:endParaRPr kumimoji="0" lang="en-US" dirty="0"/>
+            <a:endParaRPr lang="en-US" dirty="0"/>
           </a:p>
         </p:txBody>
       </p:sp>
@@ -23413,49 +23123,54 @@
         </p:nvSpPr>
         <p:spPr>
           <a:xfrm>
-            <a:off x="6088443" y="2455731"/>
-            <a:ext cx="2590800" cy="1887367"/>
+            <a:off x="457200" y="1600200"/>
+            <a:ext cx="2139696" cy="3182112"/>
           </a:xfrm>
         </p:spPr>
         <p:txBody>
-          <a:bodyPr lIns="0" tIns="0" rIns="45720" anchor="t"/>
+          <a:bodyPr/>
           <a:lstStyle>
             <a:lvl1pPr marL="0" indent="0">
-              <a:lnSpc>
-                <a:spcPct val="100000"/>
-              </a:lnSpc>
-              <a:spcBef>
-                <a:spcPts val="0"/>
-              </a:spcBef>
-              <a:buFontTx/>
               <a:buNone/>
-              <a:defRPr sz="1300"/>
+              <a:defRPr sz="1400"/>
             </a:lvl1pPr>
-            <a:lvl2pPr>
-              <a:buFontTx/>
+            <a:lvl2pPr marL="457200" indent="0">
               <a:buNone/>
               <a:defRPr sz="1200"/>
             </a:lvl2pPr>
-            <a:lvl3pPr>
-              <a:buFontTx/>
+            <a:lvl3pPr marL="914400" indent="0">
               <a:buNone/>
               <a:defRPr sz="1000"/>
             </a:lvl3pPr>
-            <a:lvl4pPr>
-              <a:buFontTx/>
+            <a:lvl4pPr marL="1371600" indent="0">
               <a:buNone/>
               <a:defRPr sz="900"/>
             </a:lvl4pPr>
-            <a:lvl5pPr>
-              <a:buFontTx/>
+            <a:lvl5pPr marL="1828800" indent="0">
               <a:buNone/>
               <a:defRPr sz="900"/>
             </a:lvl5pPr>
+            <a:lvl6pPr marL="2286000" indent="0">
+              <a:buNone/>
+              <a:defRPr sz="900"/>
+            </a:lvl6pPr>
+            <a:lvl7pPr marL="2743200" indent="0">
+              <a:buNone/>
+              <a:defRPr sz="900"/>
+            </a:lvl7pPr>
+            <a:lvl8pPr marL="3200400" indent="0">
+              <a:buNone/>
+              <a:defRPr sz="900"/>
+            </a:lvl8pPr>
+            <a:lvl9pPr marL="3657600" indent="0">
+              <a:buNone/>
+              <a:defRPr sz="900"/>
+            </a:lvl9pPr>
           </a:lstStyle>
           <a:p>
-            <a:pPr lvl="0" eaLnBrk="1" latinLnBrk="0" hangingPunct="1"/>
+            <a:pPr lvl="0"/>
             <a:r>
-              <a:rPr kumimoji="0" lang="en-US" smtClean="0"/>
+              <a:rPr lang="en-US" smtClean="0"/>
               <a:t>Click to edit Master text styles</a:t>
             </a:r>
           </a:p>
@@ -23478,7 +23193,7 @@
           <a:p>
             <a:fld id="{A65AF353-4280-4F61-8B05-F6A9C58BF89C}" type="datetimeFigureOut">
               <a:rPr lang="en-US" smtClean="0"/>
-              <a:t>5/3/2018</a:t>
+              <a:t>5/4/2018</a:t>
             </a:fld>
             <a:endParaRPr lang="en-US"/>
           </a:p>
@@ -23558,37 +23273,35 @@
       </p:grpSpPr>
       <p:sp>
         <p:nvSpPr>
-          <p:cNvPr id="28" name="Rectangle 27"/>
+          <p:cNvPr id="10" name="Rectangle 9"/>
           <p:cNvSpPr/>
           <p:nvPr/>
         </p:nvSpPr>
         <p:spPr>
           <a:xfrm>
-            <a:off x="1" y="275114"/>
-            <a:ext cx="9144000" cy="63305"/>
+            <a:off x="0" y="165590"/>
+            <a:ext cx="9144000" cy="171450"/>
           </a:xfrm>
           <a:prstGeom prst="rect">
             <a:avLst/>
           </a:prstGeom>
           <a:solidFill>
-            <a:schemeClr val="accent2">
-              <a:alpha val="50000"/>
-            </a:schemeClr>
+            <a:srgbClr val="FFFFFF"/>
           </a:solidFill>
-          <a:ln w="50800" cap="rnd" cmpd="thickThin" algn="ctr">
+          <a:ln>
             <a:noFill/>
-            <a:prstDash val="solid"/>
           </a:ln>
-          <a:effectLst/>
         </p:spPr>
         <p:style>
-          <a:lnRef idx="3">
-            <a:schemeClr val="lt1"/>
+          <a:lnRef idx="2">
+            <a:schemeClr val="accent1">
+              <a:shade val="50000"/>
+            </a:schemeClr>
           </a:lnRef>
           <a:fillRef idx="1">
             <a:schemeClr val="accent1"/>
           </a:fillRef>
-          <a:effectRef idx="1">
+          <a:effectRef idx="0">
             <a:schemeClr val="accent1"/>
           </a:effectRef>
           <a:fontRef idx="minor">
@@ -23596,587 +23309,17 @@
           </a:fontRef>
         </p:style>
         <p:txBody>
-          <a:bodyPr anchor="ctr"/>
+          <a:bodyPr rtlCol="0" anchor="ctr"/>
           <a:lstStyle/>
           <a:p>
-            <a:pPr algn="ctr" eaLnBrk="1" latinLnBrk="0" hangingPunct="1"/>
-            <a:endParaRPr kumimoji="0" lang="en-US"/>
+            <a:pPr algn="ctr"/>
+            <a:endParaRPr lang="en-US"/>
           </a:p>
         </p:txBody>
       </p:sp>
       <p:sp>
         <p:nvSpPr>
-          <p:cNvPr id="29" name="Rectangle 28"/>
-          <p:cNvSpPr/>
-          <p:nvPr/>
-        </p:nvSpPr>
-        <p:spPr>
-          <a:xfrm>
-            <a:off x="0" y="0"/>
-            <a:ext cx="9144000" cy="232997"/>
-          </a:xfrm>
-          <a:prstGeom prst="rect">
-            <a:avLst/>
-          </a:prstGeom>
-          <a:solidFill>
-            <a:schemeClr val="tx2">
-              <a:alpha val="100000"/>
-            </a:schemeClr>
-          </a:solidFill>
-          <a:ln w="50800" cap="rnd" cmpd="thickThin" algn="ctr">
-            <a:noFill/>
-            <a:prstDash val="solid"/>
-          </a:ln>
-          <a:effectLst/>
-        </p:spPr>
-        <p:style>
-          <a:lnRef idx="3">
-            <a:schemeClr val="lt1"/>
-          </a:lnRef>
-          <a:fillRef idx="1">
-            <a:schemeClr val="accent1"/>
-          </a:fillRef>
-          <a:effectRef idx="1">
-            <a:schemeClr val="accent1"/>
-          </a:effectRef>
-          <a:fontRef idx="minor">
-            <a:schemeClr val="lt1"/>
-          </a:fontRef>
-        </p:style>
-        <p:txBody>
-          <a:bodyPr anchor="ctr"/>
-          <a:lstStyle/>
-          <a:p>
-            <a:pPr algn="ctr" eaLnBrk="1" latinLnBrk="0" hangingPunct="1"/>
-            <a:endParaRPr kumimoji="0" lang="en-US"/>
-          </a:p>
-        </p:txBody>
-      </p:sp>
-      <p:sp>
-        <p:nvSpPr>
-          <p:cNvPr id="30" name="Rectangle 29"/>
-          <p:cNvSpPr/>
-          <p:nvPr/>
-        </p:nvSpPr>
-        <p:spPr>
-          <a:xfrm>
-            <a:off x="1" y="231207"/>
-            <a:ext cx="9144001" cy="68581"/>
-          </a:xfrm>
-          <a:prstGeom prst="rect">
-            <a:avLst/>
-          </a:prstGeom>
-          <a:solidFill>
-            <a:schemeClr val="accent2">
-              <a:alpha val="100000"/>
-            </a:schemeClr>
-          </a:solidFill>
-          <a:ln w="50800" cap="rnd" cmpd="thickThin" algn="ctr">
-            <a:noFill/>
-            <a:prstDash val="solid"/>
-          </a:ln>
-          <a:effectLst/>
-        </p:spPr>
-        <p:style>
-          <a:lnRef idx="3">
-            <a:schemeClr val="lt1"/>
-          </a:lnRef>
-          <a:fillRef idx="1">
-            <a:schemeClr val="accent1"/>
-          </a:fillRef>
-          <a:effectRef idx="1">
-            <a:schemeClr val="accent1"/>
-          </a:effectRef>
-          <a:fontRef idx="minor">
-            <a:schemeClr val="lt1"/>
-          </a:fontRef>
-        </p:style>
-        <p:txBody>
-          <a:bodyPr anchor="ctr"/>
-          <a:lstStyle/>
-          <a:p>
-            <a:pPr algn="ctr" eaLnBrk="1" latinLnBrk="0" hangingPunct="1"/>
-            <a:endParaRPr kumimoji="0" lang="en-US"/>
-          </a:p>
-        </p:txBody>
-      </p:sp>
-      <p:sp>
-        <p:nvSpPr>
-          <p:cNvPr id="31" name="Rectangle 30"/>
-          <p:cNvSpPr/>
-          <p:nvPr/>
-        </p:nvSpPr>
-        <p:spPr>
-          <a:xfrm flipV="1">
-            <a:off x="5410183" y="270185"/>
-            <a:ext cx="3733819" cy="68315"/>
-          </a:xfrm>
-          <a:prstGeom prst="rect">
-            <a:avLst/>
-          </a:prstGeom>
-          <a:solidFill>
-            <a:schemeClr val="accent2">
-              <a:alpha val="100000"/>
-            </a:schemeClr>
-          </a:solidFill>
-          <a:ln w="50800" cap="rnd" cmpd="thickThin" algn="ctr">
-            <a:noFill/>
-            <a:prstDash val="solid"/>
-          </a:ln>
-          <a:effectLst/>
-        </p:spPr>
-        <p:style>
-          <a:lnRef idx="3">
-            <a:schemeClr val="lt1"/>
-          </a:lnRef>
-          <a:fillRef idx="1">
-            <a:schemeClr val="accent1"/>
-          </a:fillRef>
-          <a:effectRef idx="1">
-            <a:schemeClr val="accent1"/>
-          </a:effectRef>
-          <a:fontRef idx="minor">
-            <a:schemeClr val="lt1"/>
-          </a:fontRef>
-        </p:style>
-        <p:txBody>
-          <a:bodyPr anchor="ctr"/>
-          <a:lstStyle/>
-          <a:p>
-            <a:pPr algn="ctr" eaLnBrk="1" latinLnBrk="0" hangingPunct="1"/>
-            <a:endParaRPr kumimoji="0" lang="en-US"/>
-          </a:p>
-        </p:txBody>
-      </p:sp>
-      <p:sp>
-        <p:nvSpPr>
-          <p:cNvPr id="32" name="Rectangle 31"/>
-          <p:cNvSpPr/>
-          <p:nvPr/>
-        </p:nvSpPr>
-        <p:spPr>
-          <a:xfrm flipV="1">
-            <a:off x="5410201" y="330085"/>
-            <a:ext cx="3733801" cy="135026"/>
-          </a:xfrm>
-          <a:prstGeom prst="rect">
-            <a:avLst/>
-          </a:prstGeom>
-          <a:solidFill>
-            <a:schemeClr val="accent2">
-              <a:alpha val="50000"/>
-            </a:schemeClr>
-          </a:solidFill>
-          <a:ln w="50800" cap="rnd" cmpd="thickThin" algn="ctr">
-            <a:noFill/>
-            <a:prstDash val="solid"/>
-          </a:ln>
-          <a:effectLst/>
-        </p:spPr>
-        <p:style>
-          <a:lnRef idx="3">
-            <a:schemeClr val="lt1"/>
-          </a:lnRef>
-          <a:fillRef idx="1">
-            <a:schemeClr val="accent1"/>
-          </a:fillRef>
-          <a:effectRef idx="1">
-            <a:schemeClr val="accent1"/>
-          </a:effectRef>
-          <a:fontRef idx="minor">
-            <a:schemeClr val="lt1"/>
-          </a:fontRef>
-        </p:style>
-        <p:txBody>
-          <a:bodyPr anchor="ctr"/>
-          <a:lstStyle/>
-          <a:p>
-            <a:pPr algn="ctr" eaLnBrk="1" latinLnBrk="0" hangingPunct="1"/>
-            <a:endParaRPr kumimoji="0" lang="en-US"/>
-          </a:p>
-        </p:txBody>
-      </p:sp>
-      <p:sp useBgFill="1">
-        <p:nvSpPr>
-          <p:cNvPr id="33" name="Rounded Rectangle 32"/>
-          <p:cNvSpPr/>
-          <p:nvPr/>
-        </p:nvSpPr>
-        <p:spPr bwMode="white">
-          <a:xfrm>
-            <a:off x="5407339" y="373128"/>
-            <a:ext cx="3063240" cy="20574"/>
-          </a:xfrm>
-          <a:prstGeom prst="roundRect">
-            <a:avLst>
-              <a:gd name="adj" fmla="val 16667"/>
-            </a:avLst>
-          </a:prstGeom>
-          <a:ln w="50800" cap="rnd" cmpd="thickThin" algn="ctr">
-            <a:noFill/>
-            <a:prstDash val="solid"/>
-          </a:ln>
-          <a:effectLst/>
-        </p:spPr>
-        <p:style>
-          <a:lnRef idx="3">
-            <a:schemeClr val="lt1"/>
-          </a:lnRef>
-          <a:fillRef idx="1">
-            <a:schemeClr val="accent1"/>
-          </a:fillRef>
-          <a:effectRef idx="1">
-            <a:schemeClr val="accent1"/>
-          </a:effectRef>
-          <a:fontRef idx="minor">
-            <a:schemeClr val="lt1"/>
-          </a:fontRef>
-        </p:style>
-        <p:txBody>
-          <a:bodyPr anchor="ctr"/>
-          <a:lstStyle/>
-          <a:p>
-            <a:pPr algn="ctr" eaLnBrk="1" latinLnBrk="0" hangingPunct="1"/>
-            <a:endParaRPr kumimoji="0" lang="en-US"/>
-          </a:p>
-        </p:txBody>
-      </p:sp>
-      <p:sp useBgFill="1">
-        <p:nvSpPr>
-          <p:cNvPr id="34" name="Rounded Rectangle 33"/>
-          <p:cNvSpPr/>
-          <p:nvPr/>
-        </p:nvSpPr>
-        <p:spPr bwMode="white">
-          <a:xfrm>
-            <a:off x="7373646" y="441707"/>
-            <a:ext cx="1600200" cy="27432"/>
-          </a:xfrm>
-          <a:prstGeom prst="roundRect">
-            <a:avLst>
-              <a:gd name="adj" fmla="val 16667"/>
-            </a:avLst>
-          </a:prstGeom>
-          <a:ln w="50800" cap="rnd" cmpd="thickThin" algn="ctr">
-            <a:noFill/>
-            <a:prstDash val="solid"/>
-          </a:ln>
-          <a:effectLst/>
-        </p:spPr>
-        <p:style>
-          <a:lnRef idx="3">
-            <a:schemeClr val="lt1"/>
-          </a:lnRef>
-          <a:fillRef idx="1">
-            <a:schemeClr val="accent1"/>
-          </a:fillRef>
-          <a:effectRef idx="1">
-            <a:schemeClr val="accent1"/>
-          </a:effectRef>
-          <a:fontRef idx="minor">
-            <a:schemeClr val="lt1"/>
-          </a:fontRef>
-        </p:style>
-        <p:txBody>
-          <a:bodyPr anchor="ctr"/>
-          <a:lstStyle/>
-          <a:p>
-            <a:pPr algn="ctr" eaLnBrk="1" latinLnBrk="0" hangingPunct="1"/>
-            <a:endParaRPr kumimoji="0" lang="en-US"/>
-          </a:p>
-        </p:txBody>
-      </p:sp>
-      <p:sp>
-        <p:nvSpPr>
-          <p:cNvPr id="35" name="Rectangle 34"/>
-          <p:cNvSpPr/>
-          <p:nvPr/>
-        </p:nvSpPr>
-        <p:spPr bwMode="invGray">
-          <a:xfrm>
-            <a:off x="9084966" y="-1501"/>
-            <a:ext cx="57626" cy="466344"/>
-          </a:xfrm>
-          <a:prstGeom prst="rect">
-            <a:avLst/>
-          </a:prstGeom>
-          <a:solidFill>
-            <a:srgbClr val="FFFFFF">
-              <a:alpha val="65098"/>
-            </a:srgbClr>
-          </a:solidFill>
-          <a:ln w="50800" cap="rnd" cmpd="thickThin" algn="ctr">
-            <a:noFill/>
-            <a:prstDash val="solid"/>
-          </a:ln>
-          <a:effectLst/>
-        </p:spPr>
-        <p:style>
-          <a:lnRef idx="3">
-            <a:schemeClr val="lt1"/>
-          </a:lnRef>
-          <a:fillRef idx="1">
-            <a:schemeClr val="accent1"/>
-          </a:fillRef>
-          <a:effectRef idx="1">
-            <a:schemeClr val="accent1"/>
-          </a:effectRef>
-          <a:fontRef idx="minor">
-            <a:schemeClr val="lt1"/>
-          </a:fontRef>
-        </p:style>
-        <p:txBody>
-          <a:bodyPr anchor="ctr"/>
-          <a:lstStyle/>
-          <a:p>
-            <a:pPr algn="ctr" eaLnBrk="1" latinLnBrk="0" hangingPunct="1"/>
-            <a:endParaRPr kumimoji="0" lang="en-US" dirty="0"/>
-          </a:p>
-        </p:txBody>
-      </p:sp>
-      <p:sp>
-        <p:nvSpPr>
-          <p:cNvPr id="36" name="Rectangle 35"/>
-          <p:cNvSpPr/>
-          <p:nvPr/>
-        </p:nvSpPr>
-        <p:spPr bwMode="invGray">
-          <a:xfrm>
-            <a:off x="9044481" y="-1501"/>
-            <a:ext cx="27432" cy="466344"/>
-          </a:xfrm>
-          <a:prstGeom prst="rect">
-            <a:avLst/>
-          </a:prstGeom>
-          <a:solidFill>
-            <a:srgbClr val="FFFFFF">
-              <a:alpha val="65098"/>
-            </a:srgbClr>
-          </a:solidFill>
-          <a:ln w="50800" cap="rnd" cmpd="thickThin" algn="ctr">
-            <a:noFill/>
-            <a:prstDash val="solid"/>
-          </a:ln>
-          <a:effectLst/>
-        </p:spPr>
-        <p:style>
-          <a:lnRef idx="3">
-            <a:schemeClr val="lt1"/>
-          </a:lnRef>
-          <a:fillRef idx="1">
-            <a:schemeClr val="accent1"/>
-          </a:fillRef>
-          <a:effectRef idx="1">
-            <a:schemeClr val="accent1"/>
-          </a:effectRef>
-          <a:fontRef idx="minor">
-            <a:schemeClr val="lt1"/>
-          </a:fontRef>
-        </p:style>
-        <p:txBody>
-          <a:bodyPr anchor="ctr"/>
-          <a:lstStyle/>
-          <a:p>
-            <a:pPr algn="ctr" eaLnBrk="1" latinLnBrk="0" hangingPunct="1"/>
-            <a:endParaRPr kumimoji="0" lang="en-US" dirty="0"/>
-          </a:p>
-        </p:txBody>
-      </p:sp>
-      <p:sp>
-        <p:nvSpPr>
-          <p:cNvPr id="37" name="Rectangle 36"/>
-          <p:cNvSpPr/>
-          <p:nvPr/>
-        </p:nvSpPr>
-        <p:spPr bwMode="invGray">
-          <a:xfrm>
-            <a:off x="9025428" y="-1501"/>
-            <a:ext cx="9144" cy="466344"/>
-          </a:xfrm>
-          <a:prstGeom prst="rect">
-            <a:avLst/>
-          </a:prstGeom>
-          <a:solidFill>
-            <a:srgbClr val="FFFFFF">
-              <a:alpha val="60000"/>
-            </a:srgbClr>
-          </a:solidFill>
-          <a:ln w="50800" cap="rnd" cmpd="thickThin" algn="ctr">
-            <a:noFill/>
-            <a:prstDash val="solid"/>
-          </a:ln>
-          <a:effectLst/>
-        </p:spPr>
-        <p:style>
-          <a:lnRef idx="3">
-            <a:schemeClr val="lt1"/>
-          </a:lnRef>
-          <a:fillRef idx="1">
-            <a:schemeClr val="accent1"/>
-          </a:fillRef>
-          <a:effectRef idx="1">
-            <a:schemeClr val="accent1"/>
-          </a:effectRef>
-          <a:fontRef idx="minor">
-            <a:schemeClr val="lt1"/>
-          </a:fontRef>
-        </p:style>
-        <p:txBody>
-          <a:bodyPr anchor="ctr"/>
-          <a:lstStyle/>
-          <a:p>
-            <a:pPr algn="ctr" eaLnBrk="1" latinLnBrk="0" hangingPunct="1"/>
-            <a:endParaRPr kumimoji="0" lang="en-US"/>
-          </a:p>
-        </p:txBody>
-      </p:sp>
-      <p:sp>
-        <p:nvSpPr>
-          <p:cNvPr id="38" name="Rectangle 37"/>
-          <p:cNvSpPr/>
-          <p:nvPr/>
-        </p:nvSpPr>
-        <p:spPr bwMode="invGray">
-          <a:xfrm>
-            <a:off x="8975423" y="-1501"/>
-            <a:ext cx="27432" cy="466344"/>
-          </a:xfrm>
-          <a:prstGeom prst="rect">
-            <a:avLst/>
-          </a:prstGeom>
-          <a:solidFill>
-            <a:srgbClr val="FFFFFF">
-              <a:alpha val="40000"/>
-            </a:srgbClr>
-          </a:solidFill>
-          <a:ln w="50800" cap="rnd" cmpd="thickThin" algn="ctr">
-            <a:noFill/>
-            <a:prstDash val="solid"/>
-          </a:ln>
-          <a:effectLst/>
-        </p:spPr>
-        <p:style>
-          <a:lnRef idx="3">
-            <a:schemeClr val="lt1"/>
-          </a:lnRef>
-          <a:fillRef idx="1">
-            <a:schemeClr val="accent1"/>
-          </a:fillRef>
-          <a:effectRef idx="1">
-            <a:schemeClr val="accent1"/>
-          </a:effectRef>
-          <a:fontRef idx="minor">
-            <a:schemeClr val="lt1"/>
-          </a:fontRef>
-        </p:style>
-        <p:txBody>
-          <a:bodyPr anchor="ctr"/>
-          <a:lstStyle/>
-          <a:p>
-            <a:pPr algn="ctr" eaLnBrk="1" latinLnBrk="0" hangingPunct="1"/>
-            <a:endParaRPr kumimoji="0" lang="en-US"/>
-          </a:p>
-        </p:txBody>
-      </p:sp>
-      <p:sp>
-        <p:nvSpPr>
-          <p:cNvPr id="39" name="Rectangle 38"/>
-          <p:cNvSpPr/>
-          <p:nvPr/>
-        </p:nvSpPr>
-        <p:spPr bwMode="invGray">
-          <a:xfrm>
-            <a:off x="8915677" y="285"/>
-            <a:ext cx="54864" cy="438912"/>
-          </a:xfrm>
-          <a:prstGeom prst="rect">
-            <a:avLst/>
-          </a:prstGeom>
-          <a:solidFill>
-            <a:srgbClr val="FFFFFF">
-              <a:alpha val="20000"/>
-            </a:srgbClr>
-          </a:solidFill>
-          <a:ln w="50800" cap="rnd" cmpd="thickThin" algn="ctr">
-            <a:noFill/>
-            <a:prstDash val="solid"/>
-          </a:ln>
-          <a:effectLst/>
-        </p:spPr>
-        <p:style>
-          <a:lnRef idx="3">
-            <a:schemeClr val="lt1"/>
-          </a:lnRef>
-          <a:fillRef idx="1">
-            <a:schemeClr val="accent1"/>
-          </a:fillRef>
-          <a:effectRef idx="1">
-            <a:schemeClr val="accent1"/>
-          </a:effectRef>
-          <a:fontRef idx="minor">
-            <a:schemeClr val="lt1"/>
-          </a:fontRef>
-        </p:style>
-        <p:txBody>
-          <a:bodyPr anchor="ctr"/>
-          <a:lstStyle/>
-          <a:p>
-            <a:pPr algn="ctr" eaLnBrk="1" latinLnBrk="0" hangingPunct="1"/>
-            <a:endParaRPr kumimoji="0" lang="en-US"/>
-          </a:p>
-        </p:txBody>
-      </p:sp>
-      <p:sp>
-        <p:nvSpPr>
-          <p:cNvPr id="40" name="Rectangle 39"/>
-          <p:cNvSpPr/>
-          <p:nvPr/>
-        </p:nvSpPr>
-        <p:spPr bwMode="invGray">
-          <a:xfrm>
-            <a:off x="8873475" y="285"/>
-            <a:ext cx="9144" cy="438912"/>
-          </a:xfrm>
-          <a:prstGeom prst="rect">
-            <a:avLst/>
-          </a:prstGeom>
-          <a:solidFill>
-            <a:srgbClr val="FFFFFF">
-              <a:alpha val="30196"/>
-            </a:srgbClr>
-          </a:solidFill>
-          <a:ln w="50800" cap="rnd" cmpd="thickThin" algn="ctr">
-            <a:noFill/>
-            <a:prstDash val="solid"/>
-          </a:ln>
-          <a:effectLst/>
-        </p:spPr>
-        <p:style>
-          <a:lnRef idx="3">
-            <a:schemeClr val="lt1"/>
-          </a:lnRef>
-          <a:fillRef idx="1">
-            <a:schemeClr val="accent1"/>
-          </a:fillRef>
-          <a:effectRef idx="1">
-            <a:schemeClr val="accent1"/>
-          </a:effectRef>
-          <a:fontRef idx="minor">
-            <a:schemeClr val="lt1"/>
-          </a:fontRef>
-        </p:style>
-        <p:txBody>
-          <a:bodyPr anchor="ctr"/>
-          <a:lstStyle/>
-          <a:p>
-            <a:pPr algn="ctr" eaLnBrk="1" latinLnBrk="0" hangingPunct="1"/>
-            <a:endParaRPr kumimoji="0" lang="en-US" dirty="0"/>
-          </a:p>
-        </p:txBody>
-      </p:sp>
-      <p:sp>
-        <p:nvSpPr>
-          <p:cNvPr id="22" name="Title Placeholder 21"/>
+          <p:cNvPr id="2" name="Title Placeholder 1"/>
           <p:cNvSpPr>
             <a:spLocks noGrp="1"/>
           </p:cNvSpPr>
@@ -24186,30 +23329,30 @@
         </p:nvSpPr>
         <p:spPr>
           <a:xfrm>
-            <a:off x="457200" y="857250"/>
-            <a:ext cx="8229600" cy="800100"/>
+            <a:off x="457200" y="400050"/>
+            <a:ext cx="8229600" cy="742950"/>
           </a:xfrm>
           <a:prstGeom prst="rect">
             <a:avLst/>
           </a:prstGeom>
         </p:spPr>
         <p:txBody>
-          <a:bodyPr vert="horz" anchor="ctr">
+          <a:bodyPr vert="horz" lIns="91440" tIns="45720" rIns="91440" bIns="45720" rtlCol="0" anchor="ctr">
             <a:normAutofit/>
           </a:bodyPr>
           <a:lstStyle/>
           <a:p>
             <a:r>
-              <a:rPr kumimoji="0" lang="en-US" smtClean="0"/>
+              <a:rPr lang="en-US" smtClean="0"/>
               <a:t>Click to edit Master title style</a:t>
             </a:r>
-            <a:endParaRPr kumimoji="0" lang="en-US"/>
+            <a:endParaRPr lang="en-US" dirty="0"/>
           </a:p>
         </p:txBody>
       </p:sp>
       <p:sp>
         <p:nvSpPr>
-          <p:cNvPr id="13" name="Text Placeholder 12"/>
+          <p:cNvPr id="3" name="Text Placeholder 2"/>
           <p:cNvSpPr>
             <a:spLocks noGrp="1"/>
           </p:cNvSpPr>
@@ -24219,59 +23362,105 @@
         </p:nvSpPr>
         <p:spPr>
           <a:xfrm>
-            <a:off x="457200" y="1687068"/>
-            <a:ext cx="8229600" cy="3243834"/>
+            <a:off x="457200" y="1200150"/>
+            <a:ext cx="8229600" cy="3657600"/>
           </a:xfrm>
           <a:prstGeom prst="rect">
             <a:avLst/>
           </a:prstGeom>
         </p:spPr>
         <p:txBody>
-          <a:bodyPr vert="horz">
+          <a:bodyPr vert="horz" lIns="91440" tIns="45720" rIns="91440" bIns="45720" rtlCol="0">
             <a:normAutofit/>
           </a:bodyPr>
           <a:lstStyle/>
           <a:p>
-            <a:pPr lvl="0" eaLnBrk="1" latinLnBrk="0" hangingPunct="1"/>
+            <a:pPr lvl="0"/>
             <a:r>
-              <a:rPr kumimoji="0" lang="en-US" smtClean="0"/>
+              <a:rPr lang="en-US" smtClean="0"/>
               <a:t>Click to edit Master text styles</a:t>
             </a:r>
           </a:p>
           <a:p>
-            <a:pPr lvl="1" eaLnBrk="1" latinLnBrk="0" hangingPunct="1"/>
+            <a:pPr lvl="1"/>
             <a:r>
-              <a:rPr kumimoji="0" lang="en-US" smtClean="0"/>
+              <a:rPr lang="en-US" smtClean="0"/>
               <a:t>Second level</a:t>
             </a:r>
           </a:p>
           <a:p>
-            <a:pPr lvl="2" eaLnBrk="1" latinLnBrk="0" hangingPunct="1"/>
+            <a:pPr lvl="2"/>
             <a:r>
-              <a:rPr kumimoji="0" lang="en-US" smtClean="0"/>
+              <a:rPr lang="en-US" smtClean="0"/>
               <a:t>Third level</a:t>
             </a:r>
           </a:p>
           <a:p>
-            <a:pPr lvl="3" eaLnBrk="1" latinLnBrk="0" hangingPunct="1"/>
+            <a:pPr lvl="3"/>
             <a:r>
-              <a:rPr kumimoji="0" lang="en-US" smtClean="0"/>
+              <a:rPr lang="en-US" smtClean="0"/>
               <a:t>Fourth level</a:t>
             </a:r>
           </a:p>
           <a:p>
-            <a:pPr lvl="4" eaLnBrk="1" latinLnBrk="0" hangingPunct="1"/>
+            <a:pPr lvl="4"/>
             <a:r>
-              <a:rPr kumimoji="0" lang="en-US" smtClean="0"/>
+              <a:rPr lang="en-US" smtClean="0"/>
               <a:t>Fifth level</a:t>
             </a:r>
-            <a:endParaRPr kumimoji="0" lang="en-US"/>
+            <a:endParaRPr lang="en-US" dirty="0"/>
           </a:p>
         </p:txBody>
       </p:sp>
       <p:sp>
         <p:nvSpPr>
-          <p:cNvPr id="14" name="Date Placeholder 13"/>
+          <p:cNvPr id="7" name="Rectangle 6"/>
+          <p:cNvSpPr/>
+          <p:nvPr/>
+        </p:nvSpPr>
+        <p:spPr>
+          <a:xfrm>
+            <a:off x="0" y="0"/>
+            <a:ext cx="9144000" cy="274320"/>
+          </a:xfrm>
+          <a:prstGeom prst="rect">
+            <a:avLst/>
+          </a:prstGeom>
+          <a:solidFill>
+            <a:schemeClr val="accent1"/>
+          </a:solidFill>
+          <a:ln>
+            <a:noFill/>
+          </a:ln>
+        </p:spPr>
+        <p:style>
+          <a:lnRef idx="2">
+            <a:schemeClr val="accent1">
+              <a:shade val="50000"/>
+            </a:schemeClr>
+          </a:lnRef>
+          <a:fillRef idx="1">
+            <a:schemeClr val="accent1"/>
+          </a:fillRef>
+          <a:effectRef idx="0">
+            <a:schemeClr val="accent1"/>
+          </a:effectRef>
+          <a:fontRef idx="minor">
+            <a:schemeClr val="lt1"/>
+          </a:fontRef>
+        </p:style>
+        <p:txBody>
+          <a:bodyPr rtlCol="0" anchor="ctr"/>
+          <a:lstStyle/>
+          <a:p>
+            <a:pPr algn="ctr"/>
+            <a:endParaRPr lang="en-US"/>
+          </a:p>
+        </p:txBody>
+      </p:sp>
+      <p:sp>
+        <p:nvSpPr>
+          <p:cNvPr id="4" name="Date Placeholder 3"/>
           <p:cNvSpPr>
             <a:spLocks noGrp="1"/>
           </p:cNvSpPr>
@@ -24281,20 +23470,20 @@
         </p:nvSpPr>
         <p:spPr>
           <a:xfrm>
-            <a:off x="6586536" y="459486"/>
-            <a:ext cx="957264" cy="342900"/>
+            <a:off x="457200" y="13716"/>
+            <a:ext cx="2895600" cy="246888"/>
           </a:xfrm>
           <a:prstGeom prst="rect">
             <a:avLst/>
           </a:prstGeom>
         </p:spPr>
         <p:txBody>
-          <a:bodyPr vert="horz"/>
+          <a:bodyPr vert="horz" lIns="91440" tIns="45720" rIns="91440" bIns="45720" rtlCol="0" anchor="ctr"/>
           <a:lstStyle>
-            <a:lvl1pPr algn="l" eaLnBrk="1" latinLnBrk="0" hangingPunct="1">
-              <a:defRPr kumimoji="0" sz="800">
+            <a:lvl1pPr algn="l">
+              <a:defRPr sz="1200">
                 <a:solidFill>
-                  <a:schemeClr val="accent2"/>
+                  <a:srgbClr val="FFFFFF"/>
                 </a:solidFill>
               </a:defRPr>
             </a:lvl1pPr>
@@ -24302,7 +23491,7 @@
           <a:p>
             <a:fld id="{A65AF353-4280-4F61-8B05-F6A9C58BF89C}" type="datetimeFigureOut">
               <a:rPr lang="en-US" smtClean="0"/>
-              <a:t>5/3/2018</a:t>
+              <a:t>5/4/2018</a:t>
             </a:fld>
             <a:endParaRPr lang="en-US"/>
           </a:p>
@@ -24310,7 +23499,7 @@
       </p:sp>
       <p:sp>
         <p:nvSpPr>
-          <p:cNvPr id="3" name="Footer Placeholder 2"/>
+          <p:cNvPr id="5" name="Footer Placeholder 4"/>
           <p:cNvSpPr>
             <a:spLocks noGrp="1"/>
           </p:cNvSpPr>
@@ -24320,20 +23509,20 @@
         </p:nvSpPr>
         <p:spPr>
           <a:xfrm>
-            <a:off x="5257800" y="459486"/>
-            <a:ext cx="1325880" cy="342900"/>
+            <a:off x="3429000" y="13716"/>
+            <a:ext cx="4114800" cy="246888"/>
           </a:xfrm>
           <a:prstGeom prst="rect">
             <a:avLst/>
           </a:prstGeom>
         </p:spPr>
         <p:txBody>
-          <a:bodyPr vert="horz"/>
+          <a:bodyPr vert="horz" lIns="91440" tIns="45720" rIns="91440" bIns="45720" rtlCol="0" anchor="ctr"/>
           <a:lstStyle>
-            <a:lvl1pPr algn="r" eaLnBrk="1" latinLnBrk="0" hangingPunct="1">
-              <a:defRPr kumimoji="0" sz="800">
+            <a:lvl1pPr algn="ctr">
+              <a:defRPr sz="1200">
                 <a:solidFill>
-                  <a:schemeClr val="accent2"/>
+                  <a:srgbClr val="FFFFFF"/>
                 </a:solidFill>
               </a:defRPr>
             </a:lvl1pPr>
@@ -24345,7 +23534,7 @@
       </p:sp>
       <p:sp>
         <p:nvSpPr>
-          <p:cNvPr id="23" name="Slide Number Placeholder 22"/>
+          <p:cNvPr id="6" name="Slide Number Placeholder 5"/>
           <p:cNvSpPr>
             <a:spLocks noGrp="1"/>
           </p:cNvSpPr>
@@ -24355,18 +23544,18 @@
         </p:nvSpPr>
         <p:spPr>
           <a:xfrm>
-            <a:off x="8174736" y="1704"/>
-            <a:ext cx="762000" cy="274320"/>
+            <a:off x="7620000" y="13716"/>
+            <a:ext cx="1066800" cy="246888"/>
           </a:xfrm>
           <a:prstGeom prst="rect">
             <a:avLst/>
           </a:prstGeom>
         </p:spPr>
         <p:txBody>
-          <a:bodyPr vert="horz" anchor="b"/>
+          <a:bodyPr vert="horz" lIns="91440" tIns="45720" rIns="91440" bIns="45720" rtlCol="0" anchor="ctr"/>
           <a:lstStyle>
-            <a:lvl1pPr algn="r" eaLnBrk="1" latinLnBrk="0" hangingPunct="1">
-              <a:defRPr kumimoji="0" sz="1800">
+            <a:lvl1pPr algn="l">
+              <a:defRPr sz="1400" b="1">
                 <a:solidFill>
                   <a:srgbClr val="FFFFFF"/>
                 </a:solidFill>
@@ -24386,26 +23575,26 @@
   </p:cSld>
   <p:clrMap bg1="lt1" tx1="dk1" bg2="lt2" tx2="dk2" accent1="accent1" accent2="accent2" accent3="accent3" accent4="accent4" accent5="accent5" accent6="accent6" hlink="hlink" folHlink="folHlink"/>
   <p:sldLayoutIdLst>
-    <p:sldLayoutId id="2147483829" r:id="rId1"/>
-    <p:sldLayoutId id="2147483830" r:id="rId2"/>
-    <p:sldLayoutId id="2147483831" r:id="rId3"/>
-    <p:sldLayoutId id="2147483832" r:id="rId4"/>
-    <p:sldLayoutId id="2147483833" r:id="rId5"/>
-    <p:sldLayoutId id="2147483834" r:id="rId6"/>
-    <p:sldLayoutId id="2147483835" r:id="rId7"/>
-    <p:sldLayoutId id="2147483836" r:id="rId8"/>
-    <p:sldLayoutId id="2147483837" r:id="rId9"/>
-    <p:sldLayoutId id="2147483838" r:id="rId10"/>
-    <p:sldLayoutId id="2147483839" r:id="rId11"/>
+    <p:sldLayoutId id="2147483841" r:id="rId1"/>
+    <p:sldLayoutId id="2147483842" r:id="rId2"/>
+    <p:sldLayoutId id="2147483843" r:id="rId3"/>
+    <p:sldLayoutId id="2147483844" r:id="rId4"/>
+    <p:sldLayoutId id="2147483845" r:id="rId5"/>
+    <p:sldLayoutId id="2147483846" r:id="rId6"/>
+    <p:sldLayoutId id="2147483847" r:id="rId7"/>
+    <p:sldLayoutId id="2147483848" r:id="rId8"/>
+    <p:sldLayoutId id="2147483849" r:id="rId9"/>
+    <p:sldLayoutId id="2147483850" r:id="rId10"/>
+    <p:sldLayoutId id="2147483851" r:id="rId11"/>
   </p:sldLayoutIdLst>
   <p:txStyles>
     <p:titleStyle>
-      <a:lvl1pPr algn="l" rtl="0" eaLnBrk="1" latinLnBrk="0" hangingPunct="1">
+      <a:lvl1pPr algn="l" defTabSz="914400" rtl="0" eaLnBrk="1" latinLnBrk="0" hangingPunct="1">
         <a:spcBef>
           <a:spcPct val="0"/>
         </a:spcBef>
         <a:buNone/>
-        <a:defRPr kumimoji="0" sz="4000" kern="1200">
+        <a:defRPr sz="4000" kern="1200" spc="-100" baseline="0">
           <a:solidFill>
             <a:schemeClr val="tx2"/>
           </a:solidFill>
@@ -24416,16 +23605,17 @@
       </a:lvl1pPr>
     </p:titleStyle>
     <p:bodyStyle>
-      <a:lvl1pPr marL="365760" indent="-256032" algn="l" rtl="0" eaLnBrk="1" latinLnBrk="0" hangingPunct="1">
+      <a:lvl1pPr marL="182880" indent="-182880" algn="l" defTabSz="914400" rtl="0" eaLnBrk="1" latinLnBrk="0" hangingPunct="1">
         <a:spcBef>
-          <a:spcPts val="300"/>
+          <a:spcPct val="20000"/>
         </a:spcBef>
         <a:buClr>
-          <a:schemeClr val="accent3"/>
+          <a:schemeClr val="accent1"/>
         </a:buClr>
-        <a:buFont typeface="Georgia"/>
+        <a:buSzPct val="85000"/>
+        <a:buFont typeface="Arial" pitchFamily="34" charset="0"/>
         <a:buChar char="•"/>
-        <a:defRPr kumimoji="0" sz="2800" kern="1200">
+        <a:defRPr sz="2400" kern="1200">
           <a:solidFill>
             <a:schemeClr val="tx1"/>
           </a:solidFill>
@@ -24434,144 +23624,147 @@
           <a:cs typeface="+mn-cs"/>
         </a:defRPr>
       </a:lvl1pPr>
-      <a:lvl2pPr marL="658368" indent="-246888" algn="l" rtl="0" eaLnBrk="1" latinLnBrk="0" hangingPunct="1">
+      <a:lvl2pPr marL="457200" indent="-182880" algn="l" defTabSz="914400" rtl="0" eaLnBrk="1" latinLnBrk="0" hangingPunct="1">
         <a:spcBef>
-          <a:spcPts val="300"/>
+          <a:spcPct val="20000"/>
         </a:spcBef>
         <a:buClr>
-          <a:schemeClr val="accent2"/>
+          <a:schemeClr val="accent1"/>
         </a:buClr>
-        <a:buFont typeface="Georgia"/>
-        <a:buChar char="▫"/>
-        <a:defRPr kumimoji="0" sz="2600" kern="1200">
+        <a:buSzPct val="85000"/>
+        <a:buFont typeface="Arial" pitchFamily="34" charset="0"/>
+        <a:buChar char="•"/>
+        <a:defRPr sz="2000" kern="1200">
           <a:solidFill>
-            <a:schemeClr val="accent2"/>
+            <a:schemeClr val="tx1"/>
           </a:solidFill>
           <a:latin typeface="+mn-lt"/>
           <a:ea typeface="+mn-ea"/>
           <a:cs typeface="+mn-cs"/>
         </a:defRPr>
       </a:lvl2pPr>
-      <a:lvl3pPr marL="923544" indent="-219456" algn="l" rtl="0" eaLnBrk="1" latinLnBrk="0" hangingPunct="1">
+      <a:lvl3pPr marL="731520" indent="-182880" algn="l" defTabSz="914400" rtl="0" eaLnBrk="1" latinLnBrk="0" hangingPunct="1">
         <a:spcBef>
-          <a:spcPts val="300"/>
+          <a:spcPct val="20000"/>
         </a:spcBef>
         <a:buClr>
           <a:schemeClr val="accent1"/>
         </a:buClr>
-        <a:buFont typeface="Wingdings 2"/>
-        <a:buChar char=""/>
-        <a:defRPr kumimoji="0" sz="2400" kern="1200">
+        <a:buSzPct val="90000"/>
+        <a:buFont typeface="Arial" pitchFamily="34" charset="0"/>
+        <a:buChar char="•"/>
+        <a:defRPr sz="1800" kern="1200">
           <a:solidFill>
-            <a:schemeClr val="accent1"/>
+            <a:schemeClr val="tx1"/>
           </a:solidFill>
           <a:latin typeface="+mn-lt"/>
           <a:ea typeface="+mn-ea"/>
           <a:cs typeface="+mn-cs"/>
         </a:defRPr>
       </a:lvl3pPr>
-      <a:lvl4pPr marL="1179576" indent="-201168" algn="l" rtl="0" eaLnBrk="1" latinLnBrk="0" hangingPunct="1">
+      <a:lvl4pPr marL="1005840" indent="-182880" algn="l" defTabSz="914400" rtl="0" eaLnBrk="1" latinLnBrk="0" hangingPunct="1">
         <a:spcBef>
-          <a:spcPts val="300"/>
+          <a:spcPct val="20000"/>
         </a:spcBef>
         <a:buClr>
           <a:schemeClr val="accent1"/>
         </a:buClr>
-        <a:buFont typeface="Wingdings 2"/>
-        <a:buChar char=""/>
-        <a:defRPr kumimoji="0" sz="2200" kern="1200">
+        <a:buFont typeface="Arial" pitchFamily="34" charset="0"/>
+        <a:buChar char="•"/>
+        <a:defRPr sz="1600" kern="1200">
           <a:solidFill>
-            <a:schemeClr val="accent1"/>
+            <a:schemeClr val="tx1"/>
           </a:solidFill>
           <a:latin typeface="+mn-lt"/>
           <a:ea typeface="+mn-ea"/>
           <a:cs typeface="+mn-cs"/>
         </a:defRPr>
       </a:lvl4pPr>
-      <a:lvl5pPr marL="1389888" indent="-182880" algn="l" rtl="0" eaLnBrk="1" latinLnBrk="0" hangingPunct="1">
+      <a:lvl5pPr marL="1188720" indent="-137160" algn="l" defTabSz="914400" rtl="0" eaLnBrk="1" latinLnBrk="0" hangingPunct="1">
         <a:spcBef>
-          <a:spcPts val="300"/>
+          <a:spcPct val="20000"/>
         </a:spcBef>
         <a:buClr>
-          <a:schemeClr val="accent3"/>
+          <a:schemeClr val="accent1"/>
         </a:buClr>
-        <a:buFont typeface="Georgia"/>
-        <a:buChar char="▫"/>
-        <a:defRPr kumimoji="0" sz="2000" kern="1200">
+        <a:buSzPct val="100000"/>
+        <a:buFont typeface="Arial" pitchFamily="34" charset="0"/>
+        <a:buChar char="•"/>
+        <a:defRPr sz="1400" kern="1200" baseline="0">
           <a:solidFill>
-            <a:schemeClr val="accent3"/>
+            <a:schemeClr val="tx1"/>
           </a:solidFill>
           <a:latin typeface="+mn-lt"/>
           <a:ea typeface="+mn-ea"/>
           <a:cs typeface="+mn-cs"/>
         </a:defRPr>
       </a:lvl5pPr>
-      <a:lvl6pPr marL="1609344" indent="-182880" algn="l" rtl="0" eaLnBrk="1" latinLnBrk="0" hangingPunct="1">
+      <a:lvl6pPr marL="1371600" indent="-182880" algn="l" defTabSz="914400" rtl="0" eaLnBrk="1" latinLnBrk="0" hangingPunct="1">
         <a:spcBef>
-          <a:spcPts val="300"/>
+          <a:spcPct val="20000"/>
         </a:spcBef>
         <a:buClr>
-          <a:schemeClr val="accent3"/>
+          <a:schemeClr val="accent1"/>
         </a:buClr>
-        <a:buFont typeface="Georgia"/>
-        <a:buChar char="▫"/>
-        <a:defRPr kumimoji="0" sz="1800" kern="1200">
+        <a:buFont typeface="Arial" pitchFamily="34" charset="0"/>
+        <a:buChar char="•"/>
+        <a:defRPr sz="1300" kern="1200">
           <a:solidFill>
-            <a:schemeClr val="accent3"/>
+            <a:schemeClr val="tx1"/>
           </a:solidFill>
           <a:latin typeface="+mn-lt"/>
           <a:ea typeface="+mn-ea"/>
           <a:cs typeface="+mn-cs"/>
         </a:defRPr>
       </a:lvl6pPr>
-      <a:lvl7pPr marL="1828800" indent="-182880" algn="l" rtl="0" eaLnBrk="1" latinLnBrk="0" hangingPunct="1">
+      <a:lvl7pPr marL="1554480" indent="-182880" algn="l" defTabSz="914400" rtl="0" eaLnBrk="1" latinLnBrk="0" hangingPunct="1">
         <a:spcBef>
-          <a:spcPts val="300"/>
+          <a:spcPct val="20000"/>
         </a:spcBef>
         <a:buClr>
-          <a:schemeClr val="accent3"/>
+          <a:schemeClr val="accent1"/>
         </a:buClr>
-        <a:buFont typeface="Georgia"/>
-        <a:buChar char="▫"/>
-        <a:defRPr kumimoji="0" sz="1600" kern="1200">
+        <a:buFont typeface="Arial" pitchFamily="34" charset="0"/>
+        <a:buChar char="•"/>
+        <a:defRPr sz="1300" kern="1200">
           <a:solidFill>
-            <a:schemeClr val="accent3"/>
+            <a:schemeClr val="tx1"/>
           </a:solidFill>
           <a:latin typeface="+mn-lt"/>
           <a:ea typeface="+mn-ea"/>
           <a:cs typeface="+mn-cs"/>
         </a:defRPr>
       </a:lvl7pPr>
-      <a:lvl8pPr marL="2029968" indent="-182880" algn="l" rtl="0" eaLnBrk="1" latinLnBrk="0" hangingPunct="1">
+      <a:lvl8pPr marL="1737360" indent="-182880" algn="l" defTabSz="914400" rtl="0" eaLnBrk="1" latinLnBrk="0" hangingPunct="1">
         <a:spcBef>
-          <a:spcPts val="300"/>
+          <a:spcPct val="20000"/>
         </a:spcBef>
         <a:buClr>
-          <a:schemeClr val="accent3"/>
+          <a:schemeClr val="accent1"/>
         </a:buClr>
-        <a:buFont typeface="Georgia"/>
-        <a:buChar char="◦"/>
-        <a:defRPr kumimoji="0" sz="1500" kern="1200">
+        <a:buFont typeface="Arial" pitchFamily="34" charset="0"/>
+        <a:buChar char="•"/>
+        <a:defRPr sz="1300" kern="1200">
           <a:solidFill>
-            <a:schemeClr val="accent3"/>
+            <a:schemeClr val="tx1"/>
           </a:solidFill>
           <a:latin typeface="+mn-lt"/>
           <a:ea typeface="+mn-ea"/>
           <a:cs typeface="+mn-cs"/>
         </a:defRPr>
       </a:lvl8pPr>
-      <a:lvl9pPr marL="2240280" indent="-182880" algn="l" rtl="0" eaLnBrk="1" latinLnBrk="0" hangingPunct="1">
+      <a:lvl9pPr marL="1920240" indent="-182880" algn="l" defTabSz="914400" rtl="0" eaLnBrk="1" latinLnBrk="0" hangingPunct="1">
         <a:spcBef>
-          <a:spcPts val="300"/>
+          <a:spcPct val="20000"/>
         </a:spcBef>
         <a:buClr>
-          <a:schemeClr val="accent3"/>
+          <a:schemeClr val="accent1"/>
         </a:buClr>
-        <a:buFont typeface="Georgia"/>
-        <a:buChar char="◦"/>
-        <a:defRPr kumimoji="0" sz="1400" kern="1200" baseline="0">
+        <a:buFont typeface="Arial" pitchFamily="34" charset="0"/>
+        <a:buChar char="•"/>
+        <a:defRPr sz="1300" kern="1200">
           <a:solidFill>
-            <a:schemeClr val="accent3"/>
+            <a:schemeClr val="tx1"/>
           </a:solidFill>
           <a:latin typeface="+mn-lt"/>
           <a:ea typeface="+mn-ea"/>
@@ -24580,8 +23773,11 @@
       </a:lvl9pPr>
     </p:bodyStyle>
     <p:otherStyle>
-      <a:lvl1pPr marL="0" algn="l" rtl="0" eaLnBrk="1" latinLnBrk="0" hangingPunct="1">
-        <a:defRPr kumimoji="0" kern="1200">
+      <a:defPPr>
+        <a:defRPr lang="en-US"/>
+      </a:defPPr>
+      <a:lvl1pPr marL="0" algn="l" defTabSz="914400" rtl="0" eaLnBrk="1" latinLnBrk="0" hangingPunct="1">
+        <a:defRPr sz="1800" kern="1200">
           <a:solidFill>
             <a:schemeClr val="tx1"/>
           </a:solidFill>
@@ -24590,8 +23786,8 @@
           <a:cs typeface="+mn-cs"/>
         </a:defRPr>
       </a:lvl1pPr>
-      <a:lvl2pPr marL="457200" algn="l" rtl="0" eaLnBrk="1" latinLnBrk="0" hangingPunct="1">
-        <a:defRPr kumimoji="0" kern="1200">
+      <a:lvl2pPr marL="457200" algn="l" defTabSz="914400" rtl="0" eaLnBrk="1" latinLnBrk="0" hangingPunct="1">
+        <a:defRPr sz="1800" kern="1200">
           <a:solidFill>
             <a:schemeClr val="tx1"/>
           </a:solidFill>
@@ -24600,8 +23796,8 @@
           <a:cs typeface="+mn-cs"/>
         </a:defRPr>
       </a:lvl2pPr>
-      <a:lvl3pPr marL="914400" algn="l" rtl="0" eaLnBrk="1" latinLnBrk="0" hangingPunct="1">
-        <a:defRPr kumimoji="0" kern="1200">
+      <a:lvl3pPr marL="914400" algn="l" defTabSz="914400" rtl="0" eaLnBrk="1" latinLnBrk="0" hangingPunct="1">
+        <a:defRPr sz="1800" kern="1200">
           <a:solidFill>
             <a:schemeClr val="tx1"/>
           </a:solidFill>
@@ -24610,8 +23806,8 @@
           <a:cs typeface="+mn-cs"/>
         </a:defRPr>
       </a:lvl3pPr>
-      <a:lvl4pPr marL="1371600" algn="l" rtl="0" eaLnBrk="1" latinLnBrk="0" hangingPunct="1">
-        <a:defRPr kumimoji="0" kern="1200">
+      <a:lvl4pPr marL="1371600" algn="l" defTabSz="914400" rtl="0" eaLnBrk="1" latinLnBrk="0" hangingPunct="1">
+        <a:defRPr sz="1800" kern="1200">
           <a:solidFill>
             <a:schemeClr val="tx1"/>
           </a:solidFill>
@@ -24620,8 +23816,8 @@
           <a:cs typeface="+mn-cs"/>
         </a:defRPr>
       </a:lvl4pPr>
-      <a:lvl5pPr marL="1828800" algn="l" rtl="0" eaLnBrk="1" latinLnBrk="0" hangingPunct="1">
-        <a:defRPr kumimoji="0" kern="1200">
+      <a:lvl5pPr marL="1828800" algn="l" defTabSz="914400" rtl="0" eaLnBrk="1" latinLnBrk="0" hangingPunct="1">
+        <a:defRPr sz="1800" kern="1200">
           <a:solidFill>
             <a:schemeClr val="tx1"/>
           </a:solidFill>
@@ -24630,8 +23826,8 @@
           <a:cs typeface="+mn-cs"/>
         </a:defRPr>
       </a:lvl5pPr>
-      <a:lvl6pPr marL="2286000" algn="l" rtl="0" eaLnBrk="1" latinLnBrk="0" hangingPunct="1">
-        <a:defRPr kumimoji="0" kern="1200">
+      <a:lvl6pPr marL="2286000" algn="l" defTabSz="914400" rtl="0" eaLnBrk="1" latinLnBrk="0" hangingPunct="1">
+        <a:defRPr sz="1800" kern="1200">
           <a:solidFill>
             <a:schemeClr val="tx1"/>
           </a:solidFill>
@@ -24640,8 +23836,8 @@
           <a:cs typeface="+mn-cs"/>
         </a:defRPr>
       </a:lvl6pPr>
-      <a:lvl7pPr marL="2743200" algn="l" rtl="0" eaLnBrk="1" latinLnBrk="0" hangingPunct="1">
-        <a:defRPr kumimoji="0" kern="1200">
+      <a:lvl7pPr marL="2743200" algn="l" defTabSz="914400" rtl="0" eaLnBrk="1" latinLnBrk="0" hangingPunct="1">
+        <a:defRPr sz="1800" kern="1200">
           <a:solidFill>
             <a:schemeClr val="tx1"/>
           </a:solidFill>
@@ -24650,8 +23846,8 @@
           <a:cs typeface="+mn-cs"/>
         </a:defRPr>
       </a:lvl7pPr>
-      <a:lvl8pPr marL="3200400" algn="l" rtl="0" eaLnBrk="1" latinLnBrk="0" hangingPunct="1">
-        <a:defRPr kumimoji="0" kern="1200">
+      <a:lvl8pPr marL="3200400" algn="l" defTabSz="914400" rtl="0" eaLnBrk="1" latinLnBrk="0" hangingPunct="1">
+        <a:defRPr sz="1800" kern="1200">
           <a:solidFill>
             <a:schemeClr val="tx1"/>
           </a:solidFill>
@@ -24660,8 +23856,8 @@
           <a:cs typeface="+mn-cs"/>
         </a:defRPr>
       </a:lvl8pPr>
-      <a:lvl9pPr marL="3657600" algn="l" rtl="0" eaLnBrk="1" latinLnBrk="0" hangingPunct="1">
-        <a:defRPr kumimoji="0" kern="1200">
+      <a:lvl9pPr marL="3657600" algn="l" defTabSz="914400" rtl="0" eaLnBrk="1" latinLnBrk="0" hangingPunct="1">
+        <a:defRPr sz="1800" kern="1200">
           <a:solidFill>
             <a:schemeClr val="tx1"/>
           </a:solidFill>
@@ -24728,7 +23924,7 @@
         <p:spPr/>
         <p:txBody>
           <a:bodyPr>
-            <a:normAutofit fontScale="92500"/>
+            <a:normAutofit lnSpcReduction="10000"/>
           </a:bodyPr>
           <a:lstStyle/>
           <a:p>
@@ -24860,6 +24056,121 @@
           <a:p>
             <a:r>
               <a:rPr lang="en-US" dirty="0" smtClean="0"/>
+              <a:t>Feature Importance</a:t>
+            </a:r>
+            <a:endParaRPr lang="en-US" dirty="0"/>
+          </a:p>
+        </p:txBody>
+      </p:sp>
+      <p:pic>
+        <p:nvPicPr>
+          <p:cNvPr id="1026" name="Picture 2"/>
+          <p:cNvPicPr>
+            <a:picLocks noGrp="1" noChangeAspect="1" noChangeArrowheads="1"/>
+          </p:cNvPicPr>
+          <p:nvPr>
+            <p:ph idx="1"/>
+          </p:nvPr>
+        </p:nvPicPr>
+        <p:blipFill>
+          <a:blip r:embed="rId2">
+            <a:extLst>
+              <a:ext uri="{28A0092B-C50C-407E-A947-70E740481C1C}">
+                <a14:useLocalDpi xmlns:a14="http://schemas.microsoft.com/office/drawing/2010/main" val="0"/>
+              </a:ext>
+            </a:extLst>
+          </a:blip>
+          <a:stretch>
+            <a:fillRect/>
+          </a:stretch>
+        </p:blipFill>
+        <p:spPr bwMode="auto">
+          <a:xfrm>
+            <a:off x="457201" y="1687116"/>
+            <a:ext cx="7960544" cy="3243263"/>
+          </a:xfrm>
+          <a:prstGeom prst="rect">
+            <a:avLst/>
+          </a:prstGeom>
+          <a:noFill/>
+          <a:ln>
+            <a:noFill/>
+          </a:ln>
+          <a:extLst>
+            <a:ext uri="{909E8E84-426E-40DD-AFC4-6F175D3DCCD1}">
+              <a14:hiddenFill xmlns:a14="http://schemas.microsoft.com/office/drawing/2010/main">
+                <a:solidFill>
+                  <a:schemeClr val="accent1"/>
+                </a:solidFill>
+              </a14:hiddenFill>
+            </a:ext>
+            <a:ext uri="{91240B29-F687-4F45-9708-019B960494DF}">
+              <a14:hiddenLine xmlns:a14="http://schemas.microsoft.com/office/drawing/2010/main" w="9525">
+                <a:solidFill>
+                  <a:schemeClr val="tx1"/>
+                </a:solidFill>
+                <a:miter lim="800000"/>
+                <a:headEnd/>
+                <a:tailEnd/>
+              </a14:hiddenLine>
+            </a:ext>
+          </a:extLst>
+        </p:spPr>
+      </p:pic>
+    </p:spTree>
+    <p:extLst>
+      <p:ext uri="{BB962C8B-B14F-4D97-AF65-F5344CB8AC3E}">
+        <p14:creationId xmlns:p14="http://schemas.microsoft.com/office/powerpoint/2010/main" val="554806362"/>
+      </p:ext>
+    </p:extLst>
+  </p:cSld>
+  <p:clrMapOvr>
+    <a:masterClrMapping/>
+  </p:clrMapOvr>
+  <p:timing>
+    <p:tnLst>
+      <p:par>
+        <p:cTn id="1" dur="indefinite" restart="never" nodeType="tmRoot"/>
+      </p:par>
+    </p:tnLst>
+  </p:timing>
+</p:sld>
+</file>
+
+<file path=ppt/slides/slide11.xml><?xml version="1.0" encoding="utf-8"?>
+<p:sld xmlns:a="http://schemas.openxmlformats.org/drawingml/2006/main" xmlns:r="http://schemas.openxmlformats.org/officeDocument/2006/relationships" xmlns:p="http://schemas.openxmlformats.org/presentationml/2006/main">
+  <p:cSld>
+    <p:spTree>
+      <p:nvGrpSpPr>
+        <p:cNvPr id="1" name=""/>
+        <p:cNvGrpSpPr/>
+        <p:nvPr/>
+      </p:nvGrpSpPr>
+      <p:grpSpPr>
+        <a:xfrm>
+          <a:off x="0" y="0"/>
+          <a:ext cx="0" cy="0"/>
+          <a:chOff x="0" y="0"/>
+          <a:chExt cx="0" cy="0"/>
+        </a:xfrm>
+      </p:grpSpPr>
+      <p:sp>
+        <p:nvSpPr>
+          <p:cNvPr id="2" name="Title 1"/>
+          <p:cNvSpPr>
+            <a:spLocks noGrp="1"/>
+          </p:cNvSpPr>
+          <p:nvPr>
+            <p:ph type="title"/>
+          </p:nvPr>
+        </p:nvSpPr>
+        <p:spPr/>
+        <p:txBody>
+          <a:bodyPr/>
+          <a:lstStyle/>
+          <a:p>
+            <a:r>
+              <a:rPr lang="en-US" dirty="0" smtClean="0"/>
               <a:t>Results – Best Model</a:t>
             </a:r>
             <a:endParaRPr lang="en-US" dirty="0"/>
@@ -24879,7 +24190,7 @@
         <p:spPr/>
         <p:txBody>
           <a:bodyPr>
-            <a:normAutofit fontScale="77500" lnSpcReduction="20000"/>
+            <a:normAutofit fontScale="92500" lnSpcReduction="20000"/>
           </a:bodyPr>
           <a:lstStyle/>
           <a:p>
@@ -25041,7 +24352,7 @@
 </p:sld>
 </file>
 
-<file path=ppt/slides/slide11.xml><?xml version="1.0" encoding="utf-8"?>
+<file path=ppt/slides/slide12.xml><?xml version="1.0" encoding="utf-8"?>
 <p:sld xmlns:a="http://schemas.openxmlformats.org/drawingml/2006/main" xmlns:r="http://schemas.openxmlformats.org/officeDocument/2006/relationships" xmlns:p="http://schemas.openxmlformats.org/presentationml/2006/main">
   <p:cSld>
     <p:spTree>
@@ -25099,8 +24410,8 @@
           </p:nvPr>
         </p:nvGraphicFramePr>
         <p:xfrm>
-          <a:off x="457200" y="1687116"/>
-          <a:ext cx="8229600" cy="3243263"/>
+          <a:off x="457200" y="1200150"/>
+          <a:ext cx="8229600" cy="3657600"/>
         </p:xfrm>
         <a:graphic>
           <a:graphicData uri="http://schemas.openxmlformats.org/drawingml/2006/diagram">
@@ -25128,7 +24439,7 @@
 </p:sld>
 </file>
 
-<file path=ppt/slides/slide12.xml><?xml version="1.0" encoding="utf-8"?>
+<file path=ppt/slides/slide13.xml><?xml version="1.0" encoding="utf-8"?>
 <p:sld xmlns:a="http://schemas.openxmlformats.org/drawingml/2006/main" xmlns:r="http://schemas.openxmlformats.org/officeDocument/2006/relationships" xmlns:p="http://schemas.openxmlformats.org/presentationml/2006/main">
   <p:cSld>
     <p:spTree>
@@ -25263,8 +24574,8 @@
           </p:nvPr>
         </p:nvGraphicFramePr>
         <p:xfrm>
-          <a:off x="457200" y="1687116"/>
-          <a:ext cx="8229600" cy="3243263"/>
+          <a:off x="457200" y="1200150"/>
+          <a:ext cx="8229600" cy="3657600"/>
         </p:xfrm>
         <a:graphic>
           <a:graphicData uri="http://schemas.openxmlformats.org/drawingml/2006/diagram">
@@ -25348,8 +24659,8 @@
           </p:nvPr>
         </p:nvGraphicFramePr>
         <p:xfrm>
-          <a:off x="457200" y="1687116"/>
-          <a:ext cx="8229600" cy="3243263"/>
+          <a:off x="457200" y="1200150"/>
+          <a:ext cx="8229600" cy="3657600"/>
         </p:xfrm>
         <a:graphic>
           <a:graphicData uri="http://schemas.openxmlformats.org/drawingml/2006/diagram">
@@ -25515,7 +24826,7 @@
         <p:spPr/>
         <p:txBody>
           <a:bodyPr>
-            <a:normAutofit fontScale="62500" lnSpcReduction="20000"/>
+            <a:normAutofit fontScale="70000" lnSpcReduction="20000"/>
           </a:bodyPr>
           <a:lstStyle/>
           <a:p>
@@ -25698,7 +25009,7 @@
         </p:spPr>
         <p:txBody>
           <a:bodyPr>
-            <a:normAutofit fontScale="47500" lnSpcReduction="20000"/>
+            <a:normAutofit fontScale="62500" lnSpcReduction="20000"/>
           </a:bodyPr>
           <a:lstStyle/>
           <a:p>
@@ -26284,6 +25595,78 @@
       </p:grpSpPr>
       <p:sp>
         <p:nvSpPr>
+          <p:cNvPr id="2" name="Title 1"/>
+          <p:cNvSpPr>
+            <a:spLocks noGrp="1"/>
+          </p:cNvSpPr>
+          <p:nvPr>
+            <p:ph type="title"/>
+          </p:nvPr>
+        </p:nvSpPr>
+        <p:spPr/>
+        <p:txBody>
+          <a:bodyPr/>
+          <a:lstStyle/>
+          <a:p>
+            <a:r>
+              <a:rPr lang="en-US" dirty="0" smtClean="0"/>
+              <a:t>Gradient Boosting</a:t>
+            </a:r>
+            <a:endParaRPr lang="en-US" dirty="0"/>
+          </a:p>
+        </p:txBody>
+      </p:sp>
+      <p:sp>
+        <p:nvSpPr>
+          <p:cNvPr id="3" name="Content Placeholder 2"/>
+          <p:cNvSpPr>
+            <a:spLocks noGrp="1"/>
+          </p:cNvSpPr>
+          <p:nvPr>
+            <p:ph idx="1"/>
+          </p:nvPr>
+        </p:nvSpPr>
+        <p:spPr/>
+        <p:txBody>
+          <a:bodyPr/>
+          <a:lstStyle/>
+          <a:p>
+            <a:endParaRPr lang="en-US"/>
+          </a:p>
+        </p:txBody>
+      </p:sp>
+    </p:spTree>
+    <p:extLst>
+      <p:ext uri="{BB962C8B-B14F-4D97-AF65-F5344CB8AC3E}">
+        <p14:creationId xmlns:p14="http://schemas.microsoft.com/office/powerpoint/2010/main" val="3546451501"/>
+      </p:ext>
+    </p:extLst>
+  </p:cSld>
+  <p:clrMapOvr>
+    <a:masterClrMapping/>
+  </p:clrMapOvr>
+</p:sld>
+</file>
+
+<file path=ppt/slides/slide9.xml><?xml version="1.0" encoding="utf-8"?>
+<p:sld xmlns:a="http://schemas.openxmlformats.org/drawingml/2006/main" xmlns:r="http://schemas.openxmlformats.org/officeDocument/2006/relationships" xmlns:p="http://schemas.openxmlformats.org/presentationml/2006/main">
+  <p:cSld>
+    <p:spTree>
+      <p:nvGrpSpPr>
+        <p:cNvPr id="1" name=""/>
+        <p:cNvGrpSpPr/>
+        <p:nvPr/>
+      </p:nvGrpSpPr>
+      <p:grpSpPr>
+        <a:xfrm>
+          <a:off x="0" y="0"/>
+          <a:ext cx="0" cy="0"/>
+          <a:chOff x="0" y="0"/>
+          <a:chExt cx="0" cy="0"/>
+        </a:xfrm>
+      </p:grpSpPr>
+      <p:sp>
+        <p:nvSpPr>
           <p:cNvPr id="6" name="Title 5"/>
           <p:cNvSpPr>
             <a:spLocks noGrp="1"/>
@@ -26336,8 +25719,8 @@
         </p:blipFill>
         <p:spPr bwMode="auto">
           <a:xfrm>
-            <a:off x="728134" y="1687116"/>
-            <a:ext cx="7687733" cy="3243263"/>
+            <a:off x="720943" y="1403733"/>
+            <a:ext cx="7702113" cy="3250433"/>
           </a:xfrm>
           <a:prstGeom prst="rect">
             <a:avLst/>
@@ -26387,172 +25770,57 @@
 </p:sld>
 </file>
 
-<file path=ppt/slides/slide9.xml><?xml version="1.0" encoding="utf-8"?>
-<p:sld xmlns:a="http://schemas.openxmlformats.org/drawingml/2006/main" xmlns:r="http://schemas.openxmlformats.org/officeDocument/2006/relationships" xmlns:p="http://schemas.openxmlformats.org/presentationml/2006/main">
-  <p:cSld>
-    <p:spTree>
-      <p:nvGrpSpPr>
-        <p:cNvPr id="1" name=""/>
-        <p:cNvGrpSpPr/>
-        <p:nvPr/>
-      </p:nvGrpSpPr>
-      <p:grpSpPr>
-        <a:xfrm>
-          <a:off x="0" y="0"/>
-          <a:ext cx="0" cy="0"/>
-          <a:chOff x="0" y="0"/>
-          <a:chExt cx="0" cy="0"/>
-        </a:xfrm>
-      </p:grpSpPr>
-      <p:sp>
-        <p:nvSpPr>
-          <p:cNvPr id="2" name="Title 1"/>
-          <p:cNvSpPr>
-            <a:spLocks noGrp="1"/>
-          </p:cNvSpPr>
-          <p:nvPr>
-            <p:ph type="title"/>
-          </p:nvPr>
-        </p:nvSpPr>
-        <p:spPr/>
-        <p:txBody>
-          <a:bodyPr/>
-          <a:lstStyle/>
-          <a:p>
-            <a:r>
-              <a:rPr lang="en-US" dirty="0" smtClean="0"/>
-              <a:t>Feature Importance</a:t>
-            </a:r>
-            <a:endParaRPr lang="en-US" dirty="0"/>
-          </a:p>
-        </p:txBody>
-      </p:sp>
-      <p:pic>
-        <p:nvPicPr>
-          <p:cNvPr id="1026" name="Picture 2"/>
-          <p:cNvPicPr>
-            <a:picLocks noGrp="1" noChangeAspect="1" noChangeArrowheads="1"/>
-          </p:cNvPicPr>
-          <p:nvPr>
-            <p:ph idx="1"/>
-          </p:nvPr>
-        </p:nvPicPr>
-        <p:blipFill>
-          <a:blip r:embed="rId2">
-            <a:extLst>
-              <a:ext uri="{28A0092B-C50C-407E-A947-70E740481C1C}">
-                <a14:useLocalDpi xmlns:a14="http://schemas.microsoft.com/office/drawing/2010/main" val="0"/>
-              </a:ext>
-            </a:extLst>
-          </a:blip>
-          <a:stretch>
-            <a:fillRect/>
-          </a:stretch>
-        </p:blipFill>
-        <p:spPr bwMode="auto">
-          <a:xfrm>
-            <a:off x="726257" y="1687116"/>
-            <a:ext cx="7691487" cy="3243263"/>
-          </a:xfrm>
-          <a:prstGeom prst="rect">
-            <a:avLst/>
-          </a:prstGeom>
-          <a:noFill/>
-          <a:ln>
-            <a:noFill/>
-          </a:ln>
-          <a:extLst>
-            <a:ext uri="{909E8E84-426E-40DD-AFC4-6F175D3DCCD1}">
-              <a14:hiddenFill xmlns:a14="http://schemas.microsoft.com/office/drawing/2010/main">
-                <a:solidFill>
-                  <a:schemeClr val="accent1"/>
-                </a:solidFill>
-              </a14:hiddenFill>
-            </a:ext>
-            <a:ext uri="{91240B29-F687-4F45-9708-019B960494DF}">
-              <a14:hiddenLine xmlns:a14="http://schemas.microsoft.com/office/drawing/2010/main" w="9525">
-                <a:solidFill>
-                  <a:schemeClr val="tx1"/>
-                </a:solidFill>
-                <a:miter lim="800000"/>
-                <a:headEnd/>
-                <a:tailEnd/>
-              </a14:hiddenLine>
-            </a:ext>
-          </a:extLst>
-        </p:spPr>
-      </p:pic>
-    </p:spTree>
-    <p:extLst>
-      <p:ext uri="{BB962C8B-B14F-4D97-AF65-F5344CB8AC3E}">
-        <p14:creationId xmlns:p14="http://schemas.microsoft.com/office/powerpoint/2010/main" val="554806362"/>
-      </p:ext>
-    </p:extLst>
-  </p:cSld>
-  <p:clrMapOvr>
-    <a:masterClrMapping/>
-  </p:clrMapOvr>
-  <p:timing>
-    <p:tnLst>
-      <p:par>
-        <p:cTn id="1" dur="indefinite" restart="never" nodeType="tmRoot"/>
-      </p:par>
-    </p:tnLst>
-  </p:timing>
-</p:sld>
-</file>
-
 <file path=ppt/theme/theme1.xml><?xml version="1.0" encoding="utf-8"?>
-<a:theme xmlns:a="http://schemas.openxmlformats.org/drawingml/2006/main" name="Urban">
+<a:theme xmlns:a="http://schemas.openxmlformats.org/drawingml/2006/main" name="Clarity">
   <a:themeElements>
-    <a:clrScheme name="Urban">
+    <a:clrScheme name="Clarity">
       <a:dk1>
-        <a:sysClr val="windowText" lastClr="000000"/>
+        <a:srgbClr val="292934"/>
       </a:dk1>
       <a:lt1>
-        <a:sysClr val="window" lastClr="FFFFFF"/>
+        <a:srgbClr val="FFFFFF"/>
       </a:lt1>
       <a:dk2>
-        <a:srgbClr val="424456"/>
+        <a:srgbClr val="D2533C"/>
       </a:dk2>
       <a:lt2>
-        <a:srgbClr val="DEDEDE"/>
+        <a:srgbClr val="F3F2DC"/>
       </a:lt2>
       <a:accent1>
-        <a:srgbClr val="53548A"/>
+        <a:srgbClr val="93A299"/>
       </a:accent1>
       <a:accent2>
-        <a:srgbClr val="438086"/>
+        <a:srgbClr val="AD8F67"/>
       </a:accent2>
       <a:accent3>
-        <a:srgbClr val="A04DA3"/>
+        <a:srgbClr val="726056"/>
       </a:accent3>
       <a:accent4>
-        <a:srgbClr val="C4652D"/>
+        <a:srgbClr val="4C5A6A"/>
       </a:accent4>
       <a:accent5>
-        <a:srgbClr val="8B5D3D"/>
+        <a:srgbClr val="808DA0"/>
       </a:accent5>
       <a:accent6>
-        <a:srgbClr val="5C92B5"/>
+        <a:srgbClr val="79463D"/>
       </a:accent6>
       <a:hlink>
-        <a:srgbClr val="67AFBD"/>
+        <a:srgbClr val="0000FF"/>
       </a:hlink>
       <a:folHlink>
-        <a:srgbClr val="C2A874"/>
+        <a:srgbClr val="800080"/>
       </a:folHlink>
     </a:clrScheme>
-    <a:fontScheme name="Urban">
+    <a:fontScheme name="Office Classic 2">
       <a:majorFont>
-        <a:latin typeface="Trebuchet MS"/>
+        <a:latin typeface="Arial"/>
         <a:ea typeface=""/>
         <a:cs typeface=""/>
-        <a:font script="Jpan" typeface="HGｺﾞｼｯｸM"/>
-        <a:font script="Hang" typeface="맑은 고딕"/>
-        <a:font script="Hans" typeface="方正姚体"/>
+        <a:font script="Jpan" typeface="ＭＳ Ｐゴシック"/>
+        <a:font script="Hang" typeface="돋움"/>
+        <a:font script="Hans" typeface="方正舒体"/>
         <a:font script="Hant" typeface="微軟正黑體"/>
-        <a:font script="Arab" typeface="Tahoma"/>
+        <a:font script="Arab" typeface="Arial"/>
         <a:font script="Hebr" typeface="Arial"/>
         <a:font script="Thai" typeface="Cordia New"/>
         <a:font script="Ethi" typeface="Nyala"/>
@@ -26575,25 +25843,25 @@
         <a:font script="Laoo" typeface="DokChampa"/>
         <a:font script="Sinh" typeface="Iskoola Pota"/>
         <a:font script="Mong" typeface="Mongolian Baiti"/>
-        <a:font script="Viet" typeface="Tahoma"/>
+        <a:font script="Viet" typeface="Arial"/>
         <a:font script="Uigh" typeface="Microsoft Uighur"/>
         <a:font script="Geor" typeface="Sylfaen"/>
       </a:majorFont>
       <a:minorFont>
-        <a:latin typeface="Georgia"/>
+        <a:latin typeface="Arial"/>
         <a:ea typeface=""/>
         <a:cs typeface=""/>
-        <a:font script="Jpan" typeface="HG明朝B"/>
-        <a:font script="Hang" typeface="맑은 고딕"/>
-        <a:font script="Hans" typeface="宋体"/>
-        <a:font script="Hant" typeface="新細明體"/>
+        <a:font script="Jpan" typeface="ＭＳ Ｐゴシック"/>
+        <a:font script="Hang" typeface="돋움"/>
+        <a:font script="Hans" typeface="方正舒体"/>
+        <a:font script="Hant" typeface="微軟正黑體"/>
         <a:font script="Arab" typeface="Arial"/>
-        <a:font script="Hebr" typeface="Times New Roman"/>
-        <a:font script="Thai" typeface="Angsana New"/>
+        <a:font script="Hebr" typeface="Arial"/>
+        <a:font script="Thai" typeface="Cordia New"/>
         <a:font script="Ethi" typeface="Nyala"/>
         <a:font script="Beng" typeface="Vrinda"/>
         <a:font script="Gujr" typeface="Shruti"/>
-        <a:font script="Khmr" typeface="MoolBoran"/>
+        <a:font script="Khmr" typeface="DaunPenh"/>
         <a:font script="Knda" typeface="Tunga"/>
         <a:font script="Guru" typeface="Raavi"/>
         <a:font script="Cans" typeface="Euphemia"/>
@@ -26610,12 +25878,12 @@
         <a:font script="Laoo" typeface="DokChampa"/>
         <a:font script="Sinh" typeface="Iskoola Pota"/>
         <a:font script="Mong" typeface="Mongolian Baiti"/>
-        <a:font script="Viet" typeface="Times New Roman"/>
+        <a:font script="Viet" typeface="Arial"/>
         <a:font script="Uigh" typeface="Microsoft Uighur"/>
         <a:font script="Geor" typeface="Sylfaen"/>
       </a:minorFont>
     </a:fontScheme>
-    <a:fmtScheme name="Urban">
+    <a:fmtScheme name="Clarity">
       <a:fillStyleLst>
         <a:solidFill>
           <a:schemeClr val="phClr"/>
@@ -26624,49 +25892,59 @@
           <a:gsLst>
             <a:gs pos="0">
               <a:schemeClr val="phClr">
-                <a:tint val="1000"/>
-                <a:satMod val="255000"/>
+                <a:tint val="50000"/>
+                <a:shade val="86000"/>
+                <a:satMod val="140000"/>
               </a:schemeClr>
             </a:gs>
-            <a:gs pos="55000">
+            <a:gs pos="45000">
               <a:schemeClr val="phClr">
-                <a:tint val="12000"/>
-                <a:satMod val="255000"/>
+                <a:tint val="48000"/>
+                <a:satMod val="150000"/>
               </a:schemeClr>
             </a:gs>
             <a:gs pos="100000">
               <a:schemeClr val="phClr">
-                <a:tint val="45000"/>
-                <a:satMod val="250000"/>
+                <a:tint val="28000"/>
+                <a:satMod val="160000"/>
               </a:schemeClr>
             </a:gs>
           </a:gsLst>
           <a:path path="circle">
-            <a:fillToRect l="-40000" t="-90000" r="140000" b="190000"/>
+            <a:fillToRect l="100000" t="100000" r="100000" b="100000"/>
           </a:path>
         </a:gradFill>
         <a:gradFill rotWithShape="1">
           <a:gsLst>
             <a:gs pos="0">
               <a:schemeClr val="phClr">
-                <a:tint val="43000"/>
-                <a:satMod val="165000"/>
+                <a:shade val="70000"/>
+                <a:satMod val="150000"/>
               </a:schemeClr>
             </a:gs>
-            <a:gs pos="55000">
+            <a:gs pos="34000">
               <a:schemeClr val="phClr">
-                <a:tint val="83000"/>
-                <a:satMod val="155000"/>
+                <a:shade val="70000"/>
+                <a:satMod val="140000"/>
+              </a:schemeClr>
+            </a:gs>
+            <a:gs pos="70000">
+              <a:schemeClr val="phClr">
+                <a:tint val="100000"/>
+                <a:shade val="90000"/>
+                <a:satMod val="140000"/>
               </a:schemeClr>
             </a:gs>
             <a:gs pos="100000">
               <a:schemeClr val="phClr">
-                <a:shade val="85000"/>
+                <a:tint val="100000"/>
+                <a:shade val="100000"/>
+                <a:satMod val="100000"/>
               </a:schemeClr>
             </a:gs>
           </a:gsLst>
           <a:path path="circle">
-            <a:fillToRect l="-40000" t="-90000" r="140000" b="190000"/>
+            <a:fillToRect l="100000" t="100000" r="100000" b="100000"/>
           </a:path>
         </a:gradFill>
       </a:fillStyleLst>
@@ -26677,13 +25955,13 @@
           </a:solidFill>
           <a:prstDash val="solid"/>
         </a:ln>
-        <a:ln w="19050" cap="flat" cmpd="sng" algn="ctr">
+        <a:ln w="26425" cap="flat" cmpd="sng" algn="ctr">
           <a:solidFill>
             <a:schemeClr val="phClr"/>
           </a:solidFill>
           <a:prstDash val="solid"/>
         </a:ln>
-        <a:ln w="31750" cap="flat" cmpd="sng" algn="ctr">
+        <a:ln w="44450" cap="flat" cmpd="sng" algn="ctr">
           <a:solidFill>
             <a:schemeClr val="phClr"/>
           </a:solidFill>
@@ -26692,44 +25970,39 @@
       </a:lnStyleLst>
       <a:effectStyleLst>
         <a:effectStyle>
+          <a:effectLst/>
+        </a:effectStyle>
+        <a:effectStyle>
           <a:effectLst>
-            <a:outerShdw blurRad="51500" dist="25400" dir="5400000" rotWithShape="0">
+            <a:outerShdw blurRad="38100" dist="25400" dir="2700000" algn="br" rotWithShape="0">
               <a:srgbClr val="000000">
-                <a:alpha val="40000"/>
+                <a:alpha val="60000"/>
               </a:srgbClr>
             </a:outerShdw>
           </a:effectLst>
         </a:effectStyle>
         <a:effectStyle>
           <a:effectLst>
-            <a:outerShdw blurRad="50800" dist="25400" dir="5400000" rotWithShape="0">
+            <a:outerShdw blurRad="38100" dist="25400" dir="2700000" algn="br" rotWithShape="0">
               <a:srgbClr val="000000">
-                <a:alpha val="45000"/>
-              </a:srgbClr>
-            </a:outerShdw>
-          </a:effectLst>
-        </a:effectStyle>
-        <a:effectStyle>
-          <a:effectLst>
-            <a:outerShdw blurRad="50800" dist="25400" dir="5400000" rotWithShape="0">
-              <a:srgbClr val="000000">
-                <a:alpha val="45000"/>
+                <a:alpha val="60000"/>
               </a:srgbClr>
             </a:outerShdw>
           </a:effectLst>
           <a:scene3d>
-            <a:camera prst="orthographicFront" fov="0">
+            <a:camera prst="orthographicFront">
               <a:rot lat="0" lon="0" rev="0"/>
             </a:camera>
-            <a:lightRig rig="flat" dir="t">
-              <a:rot lat="0" lon="0" rev="20040000"/>
+            <a:lightRig rig="balanced" dir="t">
+              <a:rot lat="0" lon="0" rev="5100000"/>
             </a:lightRig>
           </a:scene3d>
-          <a:sp3d contourW="12700" prstMaterial="dkEdge">
-            <a:bevelT w="25400" h="38100" prst="convex"/>
+          <a:sp3d contourW="6350">
+            <a:bevelT w="29210" h="12700"/>
             <a:contourClr>
               <a:schemeClr val="phClr">
-                <a:satMod val="115000"/>
+                <a:shade val="30000"/>
+                <a:satMod val="130000"/>
               </a:schemeClr>
             </a:contourClr>
           </a:sp3d>
@@ -26741,40 +26014,41 @@
         </a:solidFill>
         <a:gradFill rotWithShape="1">
           <a:gsLst>
+            <a:gs pos="0">
+              <a:schemeClr val="phClr">
+                <a:tint val="85000"/>
+                <a:satMod val="180000"/>
+              </a:schemeClr>
+            </a:gs>
+            <a:gs pos="40000">
+              <a:schemeClr val="phClr">
+                <a:tint val="95000"/>
+                <a:shade val="85000"/>
+                <a:satMod val="150000"/>
+              </a:schemeClr>
+            </a:gs>
             <a:gs pos="100000">
               <a:schemeClr val="phClr">
-                <a:tint val="80000"/>
-                <a:satMod val="250000"/>
-              </a:schemeClr>
-            </a:gs>
-            <a:gs pos="60000">
-              <a:schemeClr val="phClr">
-                <a:shade val="38000"/>
-                <a:satMod val="175000"/>
-              </a:schemeClr>
-            </a:gs>
-            <a:gs pos="0">
-              <a:schemeClr val="phClr">
-                <a:shade val="30000"/>
-                <a:satMod val="175000"/>
+                <a:shade val="45000"/>
+                <a:satMod val="200000"/>
               </a:schemeClr>
             </a:gs>
           </a:gsLst>
           <a:lin ang="5400000" scaled="0"/>
         </a:gradFill>
-        <a:blipFill>
+        <a:blipFill rotWithShape="1">
           <a:blip xmlns:r="http://schemas.openxmlformats.org/officeDocument/2006/relationships" r:embed="rId1">
             <a:duotone>
               <a:schemeClr val="phClr">
-                <a:shade val="48000"/>
+                <a:shade val="55000"/>
               </a:schemeClr>
               <a:schemeClr val="phClr">
-                <a:tint val="96000"/>
-                <a:satMod val="150000"/>
+                <a:tint val="97000"/>
+                <a:satMod val="95000"/>
               </a:schemeClr>
             </a:duotone>
           </a:blip>
-          <a:tile tx="0" ty="0" sx="80000" sy="80000" flip="none" algn="tl"/>
+          <a:tile tx="0" ty="0" sx="70000" sy="70000" flip="none" algn="tl"/>
         </a:blipFill>
       </a:bgFillStyleLst>
     </a:fmtScheme>
